--- a/pics/2019-07-14-Freq_Sampling/pics.pptx
+++ b/pics/2019-07-14-Freq_Sampling/pics.pptx
@@ -3037,8 +3037,8 @@
           <a:chExt cx="0" cy="0"/>
         </a:xfrm>
       </p:grpSpPr>
-      <mc:AlternateContent xmlns:mc="http://schemas.openxmlformats.org/markup-compatibility/2006">
-        <mc:Choice xmlns:a14="http://schemas.microsoft.com/office/drawing/2010/main" Requires="a14">
+      <mc:AlternateContent xmlns:mc="http://schemas.openxmlformats.org/markup-compatibility/2006" xmlns:a14="http://schemas.microsoft.com/office/drawing/2010/main">
+        <mc:Choice Requires="a14">
           <p:sp>
             <p:nvSpPr>
               <p:cNvPr id="4" name="TextBox 3"/>
@@ -3378,7 +3378,7 @@
             </p:txBody>
           </p:sp>
         </mc:Choice>
-        <mc:Fallback>
+        <mc:Fallback xmlns="">
           <p:sp>
             <p:nvSpPr>
               <p:cNvPr id="4" name="TextBox 3"/>
@@ -3417,8 +3417,8 @@
           </p:sp>
         </mc:Fallback>
       </mc:AlternateContent>
-      <mc:AlternateContent xmlns:mc="http://schemas.openxmlformats.org/markup-compatibility/2006">
-        <mc:Choice xmlns:a14="http://schemas.microsoft.com/office/drawing/2010/main" Requires="a14">
+      <mc:AlternateContent xmlns:mc="http://schemas.openxmlformats.org/markup-compatibility/2006" xmlns:a14="http://schemas.microsoft.com/office/drawing/2010/main">
+        <mc:Choice Requires="a14">
           <p:sp>
             <p:nvSpPr>
               <p:cNvPr id="5" name="TextBox 4"/>
@@ -3752,7 +3752,7 @@
             </p:txBody>
           </p:sp>
         </mc:Choice>
-        <mc:Fallback>
+        <mc:Fallback xmlns="">
           <p:sp>
             <p:nvSpPr>
               <p:cNvPr id="5" name="TextBox 4"/>

--- a/pics/2019-07-14-Freq_Sampling/pics.pptx
+++ b/pics/2019-07-14-Freq_Sampling/pics.pptx
@@ -5,9 +5,10 @@
     <p:sldMasterId id="2147483648" r:id="rId1"/>
   </p:sldMasterIdLst>
   <p:sldIdLst>
-    <p:sldId id="256" r:id="rId2"/>
-    <p:sldId id="257" r:id="rId3"/>
-    <p:sldId id="258" r:id="rId4"/>
+    <p:sldId id="259" r:id="rId2"/>
+    <p:sldId id="256" r:id="rId3"/>
+    <p:sldId id="257" r:id="rId4"/>
+    <p:sldId id="258" r:id="rId5"/>
   </p:sldIdLst>
   <p:sldSz cx="9144000" cy="6858000" type="screen4x3"/>
   <p:notesSz cx="6858000" cy="9144000"/>
@@ -290,7 +291,7 @@
           <a:p>
             <a:fld id="{FB30EDBD-1C2D-4C1E-B459-B60219FAB484}" type="datetimeFigureOut">
               <a:rPr lang="ko-KR" altLang="en-US" smtClean="0"/>
-              <a:t>2020-11-05</a:t>
+              <a:t>2020-11-06</a:t>
             </a:fld>
             <a:endParaRPr lang="ko-KR" altLang="en-US"/>
           </a:p>
@@ -455,7 +456,7 @@
           <a:p>
             <a:fld id="{FB30EDBD-1C2D-4C1E-B459-B60219FAB484}" type="datetimeFigureOut">
               <a:rPr lang="ko-KR" altLang="en-US" smtClean="0"/>
-              <a:t>2020-11-05</a:t>
+              <a:t>2020-11-06</a:t>
             </a:fld>
             <a:endParaRPr lang="ko-KR" altLang="en-US"/>
           </a:p>
@@ -630,7 +631,7 @@
           <a:p>
             <a:fld id="{FB30EDBD-1C2D-4C1E-B459-B60219FAB484}" type="datetimeFigureOut">
               <a:rPr lang="ko-KR" altLang="en-US" smtClean="0"/>
-              <a:t>2020-11-05</a:t>
+              <a:t>2020-11-06</a:t>
             </a:fld>
             <a:endParaRPr lang="ko-KR" altLang="en-US"/>
           </a:p>
@@ -795,7 +796,7 @@
           <a:p>
             <a:fld id="{FB30EDBD-1C2D-4C1E-B459-B60219FAB484}" type="datetimeFigureOut">
               <a:rPr lang="ko-KR" altLang="en-US" smtClean="0"/>
-              <a:t>2020-11-05</a:t>
+              <a:t>2020-11-06</a:t>
             </a:fld>
             <a:endParaRPr lang="ko-KR" altLang="en-US"/>
           </a:p>
@@ -1036,7 +1037,7 @@
           <a:p>
             <a:fld id="{FB30EDBD-1C2D-4C1E-B459-B60219FAB484}" type="datetimeFigureOut">
               <a:rPr lang="ko-KR" altLang="en-US" smtClean="0"/>
-              <a:t>2020-11-05</a:t>
+              <a:t>2020-11-06</a:t>
             </a:fld>
             <a:endParaRPr lang="ko-KR" altLang="en-US"/>
           </a:p>
@@ -1319,7 +1320,7 @@
           <a:p>
             <a:fld id="{FB30EDBD-1C2D-4C1E-B459-B60219FAB484}" type="datetimeFigureOut">
               <a:rPr lang="ko-KR" altLang="en-US" smtClean="0"/>
-              <a:t>2020-11-05</a:t>
+              <a:t>2020-11-06</a:t>
             </a:fld>
             <a:endParaRPr lang="ko-KR" altLang="en-US"/>
           </a:p>
@@ -1736,7 +1737,7 @@
           <a:p>
             <a:fld id="{FB30EDBD-1C2D-4C1E-B459-B60219FAB484}" type="datetimeFigureOut">
               <a:rPr lang="ko-KR" altLang="en-US" smtClean="0"/>
-              <a:t>2020-11-05</a:t>
+              <a:t>2020-11-06</a:t>
             </a:fld>
             <a:endParaRPr lang="ko-KR" altLang="en-US"/>
           </a:p>
@@ -1849,7 +1850,7 @@
           <a:p>
             <a:fld id="{FB30EDBD-1C2D-4C1E-B459-B60219FAB484}" type="datetimeFigureOut">
               <a:rPr lang="ko-KR" altLang="en-US" smtClean="0"/>
-              <a:t>2020-11-05</a:t>
+              <a:t>2020-11-06</a:t>
             </a:fld>
             <a:endParaRPr lang="ko-KR" altLang="en-US"/>
           </a:p>
@@ -1939,7 +1940,7 @@
           <a:p>
             <a:fld id="{FB30EDBD-1C2D-4C1E-B459-B60219FAB484}" type="datetimeFigureOut">
               <a:rPr lang="ko-KR" altLang="en-US" smtClean="0"/>
-              <a:t>2020-11-05</a:t>
+              <a:t>2020-11-06</a:t>
             </a:fld>
             <a:endParaRPr lang="ko-KR" altLang="en-US"/>
           </a:p>
@@ -2211,7 +2212,7 @@
           <a:p>
             <a:fld id="{FB30EDBD-1C2D-4C1E-B459-B60219FAB484}" type="datetimeFigureOut">
               <a:rPr lang="ko-KR" altLang="en-US" smtClean="0"/>
-              <a:t>2020-11-05</a:t>
+              <a:t>2020-11-06</a:t>
             </a:fld>
             <a:endParaRPr lang="ko-KR" altLang="en-US"/>
           </a:p>
@@ -2459,7 +2460,7 @@
           <a:p>
             <a:fld id="{FB30EDBD-1C2D-4C1E-B459-B60219FAB484}" type="datetimeFigureOut">
               <a:rPr lang="ko-KR" altLang="en-US" smtClean="0"/>
-              <a:t>2020-11-05</a:t>
+              <a:t>2020-11-06</a:t>
             </a:fld>
             <a:endParaRPr lang="ko-KR" altLang="en-US"/>
           </a:p>
@@ -2667,7 +2668,7 @@
           <a:p>
             <a:fld id="{FB30EDBD-1C2D-4C1E-B459-B60219FAB484}" type="datetimeFigureOut">
               <a:rPr lang="ko-KR" altLang="en-US" smtClean="0"/>
-              <a:t>2020-11-05</a:t>
+              <a:t>2020-11-06</a:t>
             </a:fld>
             <a:endParaRPr lang="ko-KR" altLang="en-US"/>
           </a:p>
@@ -3021,6 +3022,660 @@
 </file>
 
 <file path=ppt/slides/slide1.xml><?xml version="1.0" encoding="utf-8"?>
+<p:sld xmlns:a="http://schemas.openxmlformats.org/drawingml/2006/main" xmlns:r="http://schemas.openxmlformats.org/officeDocument/2006/relationships" xmlns:p="http://schemas.openxmlformats.org/presentationml/2006/main">
+  <p:cSld>
+    <p:spTree>
+      <p:nvGrpSpPr>
+        <p:cNvPr id="1" name=""/>
+        <p:cNvGrpSpPr/>
+        <p:nvPr/>
+      </p:nvGrpSpPr>
+      <p:grpSpPr>
+        <a:xfrm>
+          <a:off x="0" y="0"/>
+          <a:ext cx="0" cy="0"/>
+          <a:chOff x="0" y="0"/>
+          <a:chExt cx="0" cy="0"/>
+        </a:xfrm>
+      </p:grpSpPr>
+      <p:sp>
+        <p:nvSpPr>
+          <p:cNvPr id="5" name="직사각형 4"/>
+          <p:cNvSpPr/>
+          <p:nvPr/>
+        </p:nvSpPr>
+        <p:spPr>
+          <a:xfrm>
+            <a:off x="1690148" y="1700808"/>
+            <a:ext cx="720080" cy="3744416"/>
+          </a:xfrm>
+          <a:prstGeom prst="rect">
+            <a:avLst/>
+          </a:prstGeom>
+          <a:solidFill>
+            <a:schemeClr val="bg1"/>
+          </a:solidFill>
+          <a:ln>
+            <a:solidFill>
+              <a:schemeClr val="tx1"/>
+            </a:solidFill>
+          </a:ln>
+        </p:spPr>
+        <p:style>
+          <a:lnRef idx="2">
+            <a:schemeClr val="accent1">
+              <a:shade val="50000"/>
+            </a:schemeClr>
+          </a:lnRef>
+          <a:fillRef idx="1">
+            <a:schemeClr val="accent1"/>
+          </a:fillRef>
+          <a:effectRef idx="0">
+            <a:schemeClr val="accent1"/>
+          </a:effectRef>
+          <a:fontRef idx="minor">
+            <a:schemeClr val="lt1"/>
+          </a:fontRef>
+        </p:style>
+        <p:txBody>
+          <a:bodyPr rot="0" spcFirstLastPara="0" vertOverflow="overflow" horzOverflow="overflow" vert="horz" wrap="square" lIns="91440" tIns="45720" rIns="91440" bIns="45720" numCol="1" spcCol="0" rtlCol="0" fromWordArt="0" anchor="ctr" anchorCtr="0" forceAA="0" compatLnSpc="1">
+            <a:prstTxWarp prst="textNoShape">
+              <a:avLst/>
+            </a:prstTxWarp>
+            <a:noAutofit/>
+          </a:bodyPr>
+          <a:lstStyle/>
+          <a:p>
+            <a:pPr algn="ctr"/>
+            <a:endParaRPr lang="ko-KR" altLang="en-US"/>
+          </a:p>
+        </p:txBody>
+      </p:sp>
+      <p:sp>
+        <p:nvSpPr>
+          <p:cNvPr id="6" name="직사각형 5"/>
+          <p:cNvSpPr/>
+          <p:nvPr/>
+        </p:nvSpPr>
+        <p:spPr>
+          <a:xfrm>
+            <a:off x="3118733" y="1700808"/>
+            <a:ext cx="3672408" cy="3744416"/>
+          </a:xfrm>
+          <a:prstGeom prst="rect">
+            <a:avLst/>
+          </a:prstGeom>
+          <a:solidFill>
+            <a:schemeClr val="bg1"/>
+          </a:solidFill>
+          <a:ln>
+            <a:solidFill>
+              <a:schemeClr val="tx1"/>
+            </a:solidFill>
+          </a:ln>
+        </p:spPr>
+        <p:style>
+          <a:lnRef idx="2">
+            <a:schemeClr val="accent1">
+              <a:shade val="50000"/>
+            </a:schemeClr>
+          </a:lnRef>
+          <a:fillRef idx="1">
+            <a:schemeClr val="accent1"/>
+          </a:fillRef>
+          <a:effectRef idx="0">
+            <a:schemeClr val="accent1"/>
+          </a:effectRef>
+          <a:fontRef idx="minor">
+            <a:schemeClr val="lt1"/>
+          </a:fontRef>
+        </p:style>
+        <p:txBody>
+          <a:bodyPr rot="0" spcFirstLastPara="0" vertOverflow="overflow" horzOverflow="overflow" vert="horz" wrap="square" lIns="91440" tIns="45720" rIns="91440" bIns="45720" numCol="1" spcCol="0" rtlCol="0" fromWordArt="0" anchor="ctr" anchorCtr="0" forceAA="0" compatLnSpc="1">
+            <a:prstTxWarp prst="textNoShape">
+              <a:avLst/>
+            </a:prstTxWarp>
+            <a:noAutofit/>
+          </a:bodyPr>
+          <a:lstStyle/>
+          <a:p>
+            <a:pPr algn="ctr"/>
+            <a:endParaRPr lang="ko-KR" altLang="en-US"/>
+          </a:p>
+        </p:txBody>
+      </p:sp>
+      <p:sp>
+        <p:nvSpPr>
+          <p:cNvPr id="7" name="직사각형 6"/>
+          <p:cNvSpPr/>
+          <p:nvPr/>
+        </p:nvSpPr>
+        <p:spPr>
+          <a:xfrm>
+            <a:off x="6971161" y="1700808"/>
+            <a:ext cx="720080" cy="3744416"/>
+          </a:xfrm>
+          <a:prstGeom prst="rect">
+            <a:avLst/>
+          </a:prstGeom>
+          <a:solidFill>
+            <a:schemeClr val="accent6">
+              <a:lumMod val="20000"/>
+              <a:lumOff val="80000"/>
+            </a:schemeClr>
+          </a:solidFill>
+          <a:ln>
+            <a:solidFill>
+              <a:schemeClr val="tx1"/>
+            </a:solidFill>
+          </a:ln>
+        </p:spPr>
+        <p:style>
+          <a:lnRef idx="2">
+            <a:schemeClr val="accent1">
+              <a:shade val="50000"/>
+            </a:schemeClr>
+          </a:lnRef>
+          <a:fillRef idx="1">
+            <a:schemeClr val="accent1"/>
+          </a:fillRef>
+          <a:effectRef idx="0">
+            <a:schemeClr val="accent1"/>
+          </a:effectRef>
+          <a:fontRef idx="minor">
+            <a:schemeClr val="lt1"/>
+          </a:fontRef>
+        </p:style>
+        <p:txBody>
+          <a:bodyPr rot="0" spcFirstLastPara="0" vertOverflow="overflow" horzOverflow="overflow" vert="horz" wrap="square" lIns="91440" tIns="45720" rIns="91440" bIns="45720" numCol="1" spcCol="0" rtlCol="0" fromWordArt="0" anchor="ctr" anchorCtr="0" forceAA="0" compatLnSpc="1">
+            <a:prstTxWarp prst="textNoShape">
+              <a:avLst/>
+            </a:prstTxWarp>
+            <a:noAutofit/>
+          </a:bodyPr>
+          <a:lstStyle/>
+          <a:p>
+            <a:pPr algn="ctr"/>
+            <a:endParaRPr lang="ko-KR" altLang="en-US"/>
+          </a:p>
+        </p:txBody>
+      </p:sp>
+      <p:sp>
+        <p:nvSpPr>
+          <p:cNvPr id="9" name="등호 8"/>
+          <p:cNvSpPr/>
+          <p:nvPr/>
+        </p:nvSpPr>
+        <p:spPr>
+          <a:xfrm>
+            <a:off x="2434657" y="3248980"/>
+            <a:ext cx="648072" cy="648072"/>
+          </a:xfrm>
+          <a:prstGeom prst="mathEqual">
+            <a:avLst/>
+          </a:prstGeom>
+          <a:solidFill>
+            <a:srgbClr val="4F81BD"/>
+          </a:solidFill>
+          <a:ln>
+            <a:noFill/>
+          </a:ln>
+        </p:spPr>
+        <p:style>
+          <a:lnRef idx="2">
+            <a:schemeClr val="accent1">
+              <a:shade val="50000"/>
+            </a:schemeClr>
+          </a:lnRef>
+          <a:fillRef idx="1">
+            <a:schemeClr val="accent1"/>
+          </a:fillRef>
+          <a:effectRef idx="0">
+            <a:schemeClr val="accent1"/>
+          </a:effectRef>
+          <a:fontRef idx="minor">
+            <a:schemeClr val="lt1"/>
+          </a:fontRef>
+        </p:style>
+        <p:txBody>
+          <a:bodyPr rot="0" spcFirstLastPara="0" vertOverflow="overflow" horzOverflow="overflow" vert="horz" wrap="square" lIns="91440" tIns="45720" rIns="91440" bIns="45720" numCol="1" spcCol="0" rtlCol="0" fromWordArt="0" anchor="ctr" anchorCtr="0" forceAA="0" compatLnSpc="1">
+            <a:prstTxWarp prst="textNoShape">
+              <a:avLst/>
+            </a:prstTxWarp>
+            <a:noAutofit/>
+          </a:bodyPr>
+          <a:lstStyle/>
+          <a:p>
+            <a:pPr algn="ctr"/>
+            <a:endParaRPr lang="ko-KR" altLang="en-US">
+              <a:solidFill>
+                <a:schemeClr val="tx1"/>
+              </a:solidFill>
+            </a:endParaRPr>
+          </a:p>
+        </p:txBody>
+      </p:sp>
+      <p:sp>
+        <p:nvSpPr>
+          <p:cNvPr id="10" name="직사각형 9"/>
+          <p:cNvSpPr/>
+          <p:nvPr/>
+        </p:nvSpPr>
+        <p:spPr>
+          <a:xfrm>
+            <a:off x="3145622" y="2420888"/>
+            <a:ext cx="3636048" cy="504056"/>
+          </a:xfrm>
+          <a:prstGeom prst="rect">
+            <a:avLst/>
+          </a:prstGeom>
+          <a:solidFill>
+            <a:schemeClr val="accent3">
+              <a:lumMod val="60000"/>
+              <a:lumOff val="40000"/>
+            </a:schemeClr>
+          </a:solidFill>
+          <a:ln>
+            <a:noFill/>
+          </a:ln>
+        </p:spPr>
+        <p:style>
+          <a:lnRef idx="2">
+            <a:schemeClr val="accent1">
+              <a:shade val="50000"/>
+            </a:schemeClr>
+          </a:lnRef>
+          <a:fillRef idx="1">
+            <a:schemeClr val="accent1"/>
+          </a:fillRef>
+          <a:effectRef idx="0">
+            <a:schemeClr val="accent1"/>
+          </a:effectRef>
+          <a:fontRef idx="minor">
+            <a:schemeClr val="lt1"/>
+          </a:fontRef>
+        </p:style>
+        <p:txBody>
+          <a:bodyPr rot="0" spcFirstLastPara="0" vertOverflow="overflow" horzOverflow="overflow" vert="horz" wrap="square" lIns="91440" tIns="45720" rIns="91440" bIns="45720" numCol="1" spcCol="0" rtlCol="0" fromWordArt="0" anchor="ctr" anchorCtr="0" forceAA="0" compatLnSpc="1">
+            <a:prstTxWarp prst="textNoShape">
+              <a:avLst/>
+            </a:prstTxWarp>
+            <a:noAutofit/>
+          </a:bodyPr>
+          <a:lstStyle/>
+          <a:p>
+            <a:pPr algn="ctr"/>
+            <a:endParaRPr lang="ko-KR" altLang="en-US"/>
+          </a:p>
+        </p:txBody>
+      </p:sp>
+      <p:sp>
+        <p:nvSpPr>
+          <p:cNvPr id="11" name="직사각형 10"/>
+          <p:cNvSpPr/>
+          <p:nvPr/>
+        </p:nvSpPr>
+        <p:spPr>
+          <a:xfrm>
+            <a:off x="1710802" y="2420888"/>
+            <a:ext cx="695240" cy="504056"/>
+          </a:xfrm>
+          <a:prstGeom prst="rect">
+            <a:avLst/>
+          </a:prstGeom>
+          <a:solidFill>
+            <a:schemeClr val="accent1">
+              <a:lumMod val="40000"/>
+              <a:lumOff val="60000"/>
+            </a:schemeClr>
+          </a:solidFill>
+          <a:ln>
+            <a:noFill/>
+          </a:ln>
+        </p:spPr>
+        <p:style>
+          <a:lnRef idx="2">
+            <a:schemeClr val="accent1">
+              <a:shade val="50000"/>
+            </a:schemeClr>
+          </a:lnRef>
+          <a:fillRef idx="1">
+            <a:schemeClr val="accent1"/>
+          </a:fillRef>
+          <a:effectRef idx="0">
+            <a:schemeClr val="accent1"/>
+          </a:effectRef>
+          <a:fontRef idx="minor">
+            <a:schemeClr val="lt1"/>
+          </a:fontRef>
+        </p:style>
+        <p:txBody>
+          <a:bodyPr rot="0" spcFirstLastPara="0" vertOverflow="overflow" horzOverflow="overflow" vert="horz" wrap="square" lIns="91440" tIns="45720" rIns="91440" bIns="45720" numCol="1" spcCol="0" rtlCol="0" fromWordArt="0" anchor="ctr" anchorCtr="0" forceAA="0" compatLnSpc="1">
+            <a:prstTxWarp prst="textNoShape">
+              <a:avLst/>
+            </a:prstTxWarp>
+            <a:noAutofit/>
+          </a:bodyPr>
+          <a:lstStyle/>
+          <a:p>
+            <a:pPr algn="ctr"/>
+            <a:endParaRPr lang="ko-KR" altLang="en-US"/>
+          </a:p>
+        </p:txBody>
+      </p:sp>
+      <p:cxnSp>
+        <p:nvCxnSpPr>
+          <p:cNvPr id="13" name="직선 화살표 연결선 12"/>
+          <p:cNvCxnSpPr/>
+          <p:nvPr/>
+        </p:nvCxnSpPr>
+        <p:spPr>
+          <a:xfrm>
+            <a:off x="3370761" y="2672916"/>
+            <a:ext cx="3168352" cy="0"/>
+          </a:xfrm>
+          <a:prstGeom prst="straightConnector1">
+            <a:avLst/>
+          </a:prstGeom>
+          <a:ln w="28575">
+            <a:solidFill>
+              <a:srgbClr val="FF0000"/>
+            </a:solidFill>
+            <a:prstDash val="sysDash"/>
+            <a:tailEnd type="arrow"/>
+          </a:ln>
+        </p:spPr>
+        <p:style>
+          <a:lnRef idx="1">
+            <a:schemeClr val="accent1"/>
+          </a:lnRef>
+          <a:fillRef idx="0">
+            <a:schemeClr val="accent1"/>
+          </a:fillRef>
+          <a:effectRef idx="0">
+            <a:schemeClr val="accent1"/>
+          </a:effectRef>
+          <a:fontRef idx="minor">
+            <a:schemeClr val="tx1"/>
+          </a:fontRef>
+        </p:style>
+      </p:cxnSp>
+      <p:cxnSp>
+        <p:nvCxnSpPr>
+          <p:cNvPr id="14" name="직선 화살표 연결선 13"/>
+          <p:cNvCxnSpPr/>
+          <p:nvPr/>
+        </p:nvCxnSpPr>
+        <p:spPr>
+          <a:xfrm rot="5400000">
+            <a:off x="5747025" y="3573016"/>
+            <a:ext cx="3168352" cy="0"/>
+          </a:xfrm>
+          <a:prstGeom prst="straightConnector1">
+            <a:avLst/>
+          </a:prstGeom>
+          <a:ln w="28575">
+            <a:solidFill>
+              <a:srgbClr val="FF0000"/>
+            </a:solidFill>
+            <a:prstDash val="sysDash"/>
+            <a:tailEnd type="arrow"/>
+          </a:ln>
+        </p:spPr>
+        <p:style>
+          <a:lnRef idx="1">
+            <a:schemeClr val="accent1"/>
+          </a:lnRef>
+          <a:fillRef idx="0">
+            <a:schemeClr val="accent1"/>
+          </a:fillRef>
+          <a:effectRef idx="0">
+            <a:schemeClr val="accent1"/>
+          </a:effectRef>
+          <a:fontRef idx="minor">
+            <a:schemeClr val="tx1"/>
+          </a:fontRef>
+        </p:style>
+      </p:cxnSp>
+      <p:cxnSp>
+        <p:nvCxnSpPr>
+          <p:cNvPr id="16" name="직선 화살표 연결선 15"/>
+          <p:cNvCxnSpPr/>
+          <p:nvPr/>
+        </p:nvCxnSpPr>
+        <p:spPr>
+          <a:xfrm flipH="1">
+            <a:off x="2005247" y="1660963"/>
+            <a:ext cx="792063" cy="1081861"/>
+          </a:xfrm>
+          <a:prstGeom prst="straightConnector1">
+            <a:avLst/>
+          </a:prstGeom>
+          <a:ln w="28575">
+            <a:solidFill>
+              <a:srgbClr val="FF0000"/>
+            </a:solidFill>
+            <a:prstDash val="sysDot"/>
+            <a:tailEnd type="arrow"/>
+          </a:ln>
+        </p:spPr>
+        <p:style>
+          <a:lnRef idx="1">
+            <a:schemeClr val="accent1"/>
+          </a:lnRef>
+          <a:fillRef idx="0">
+            <a:schemeClr val="accent1"/>
+          </a:fillRef>
+          <a:effectRef idx="0">
+            <a:schemeClr val="accent1"/>
+          </a:effectRef>
+          <a:fontRef idx="minor">
+            <a:schemeClr val="tx1"/>
+          </a:fontRef>
+        </p:style>
+      </p:cxnSp>
+      <p:sp>
+        <p:nvSpPr>
+          <p:cNvPr id="18" name="TextBox 17"/>
+          <p:cNvSpPr txBox="1"/>
+          <p:nvPr/>
+        </p:nvSpPr>
+        <p:spPr>
+          <a:xfrm>
+            <a:off x="1969092" y="908720"/>
+            <a:ext cx="5617243" cy="646331"/>
+          </a:xfrm>
+          <a:prstGeom prst="rect">
+            <a:avLst/>
+          </a:prstGeom>
+          <a:noFill/>
+          <a:ln>
+            <a:solidFill>
+              <a:schemeClr val="tx1"/>
+            </a:solidFill>
+          </a:ln>
+        </p:spPr>
+        <p:txBody>
+          <a:bodyPr wrap="none" rtlCol="0">
+            <a:spAutoFit/>
+          </a:bodyPr>
+          <a:lstStyle/>
+          <a:p>
+            <a:r>
+              <a:rPr lang="ko-KR" altLang="en-US" dirty="0" smtClean="0"/>
+              <a:t>특정 주파수의 함량</a:t>
+            </a:r>
+            <a:endParaRPr lang="en-US" altLang="ko-KR" dirty="0"/>
+          </a:p>
+          <a:p>
+            <a:r>
+              <a:rPr lang="en-US" altLang="ko-KR" dirty="0" smtClean="0"/>
+              <a:t>= </a:t>
+            </a:r>
+            <a:r>
+              <a:rPr lang="ko-KR" altLang="en-US" dirty="0" smtClean="0"/>
+              <a:t>푸리에 행렬의 행 하나와 시계열 신호가 닮은 정도</a:t>
+            </a:r>
+            <a:endParaRPr lang="ko-KR" altLang="en-US" dirty="0"/>
+          </a:p>
+        </p:txBody>
+      </p:sp>
+      <p:sp>
+        <p:nvSpPr>
+          <p:cNvPr id="19" name="TextBox 18"/>
+          <p:cNvSpPr txBox="1"/>
+          <p:nvPr/>
+        </p:nvSpPr>
+        <p:spPr>
+          <a:xfrm>
+            <a:off x="1102509" y="5579948"/>
+            <a:ext cx="1963999" cy="369332"/>
+          </a:xfrm>
+          <a:prstGeom prst="rect">
+            <a:avLst/>
+          </a:prstGeom>
+          <a:noFill/>
+        </p:spPr>
+        <p:txBody>
+          <a:bodyPr wrap="none" rtlCol="0">
+            <a:spAutoFit/>
+          </a:bodyPr>
+          <a:lstStyle/>
+          <a:p>
+            <a:r>
+              <a:rPr lang="ko-KR" altLang="en-US" smtClean="0"/>
+              <a:t>주파수 성분 벡터</a:t>
+            </a:r>
+            <a:endParaRPr lang="ko-KR" altLang="en-US" dirty="0"/>
+          </a:p>
+        </p:txBody>
+      </p:sp>
+      <p:sp>
+        <p:nvSpPr>
+          <p:cNvPr id="20" name="TextBox 19"/>
+          <p:cNvSpPr txBox="1"/>
+          <p:nvPr/>
+        </p:nvSpPr>
+        <p:spPr>
+          <a:xfrm>
+            <a:off x="4362447" y="5579948"/>
+            <a:ext cx="1420582" cy="369332"/>
+          </a:xfrm>
+          <a:prstGeom prst="rect">
+            <a:avLst/>
+          </a:prstGeom>
+          <a:noFill/>
+        </p:spPr>
+        <p:txBody>
+          <a:bodyPr wrap="none" rtlCol="0">
+            <a:spAutoFit/>
+          </a:bodyPr>
+          <a:lstStyle/>
+          <a:p>
+            <a:r>
+              <a:rPr lang="ko-KR" altLang="en-US" dirty="0" smtClean="0"/>
+              <a:t>푸리에 행렬</a:t>
+            </a:r>
+            <a:endParaRPr lang="ko-KR" altLang="en-US" dirty="0"/>
+          </a:p>
+        </p:txBody>
+      </p:sp>
+      <p:sp>
+        <p:nvSpPr>
+          <p:cNvPr id="21" name="TextBox 20"/>
+          <p:cNvSpPr txBox="1"/>
+          <p:nvPr/>
+        </p:nvSpPr>
+        <p:spPr>
+          <a:xfrm>
+            <a:off x="6620910" y="5579948"/>
+            <a:ext cx="1420582" cy="369332"/>
+          </a:xfrm>
+          <a:prstGeom prst="rect">
+            <a:avLst/>
+          </a:prstGeom>
+          <a:noFill/>
+        </p:spPr>
+        <p:txBody>
+          <a:bodyPr wrap="none" rtlCol="0">
+            <a:spAutoFit/>
+          </a:bodyPr>
+          <a:lstStyle/>
+          <a:p>
+            <a:r>
+              <a:rPr lang="ko-KR" altLang="en-US" dirty="0" smtClean="0"/>
+              <a:t>시계열 신호</a:t>
+            </a:r>
+            <a:endParaRPr lang="ko-KR" altLang="en-US" dirty="0"/>
+          </a:p>
+        </p:txBody>
+      </p:sp>
+      <p:sp>
+        <p:nvSpPr>
+          <p:cNvPr id="26" name="타원 25"/>
+          <p:cNvSpPr/>
+          <p:nvPr/>
+        </p:nvSpPr>
+        <p:spPr>
+          <a:xfrm>
+            <a:off x="1936866" y="2559594"/>
+            <a:ext cx="226644" cy="226644"/>
+          </a:xfrm>
+          <a:prstGeom prst="ellipse">
+            <a:avLst/>
+          </a:prstGeom>
+          <a:noFill/>
+          <a:ln>
+            <a:solidFill>
+              <a:srgbClr val="FF0000"/>
+            </a:solidFill>
+            <a:prstDash val="sysDot"/>
+          </a:ln>
+        </p:spPr>
+        <p:style>
+          <a:lnRef idx="2">
+            <a:schemeClr val="accent1">
+              <a:shade val="50000"/>
+            </a:schemeClr>
+          </a:lnRef>
+          <a:fillRef idx="1">
+            <a:schemeClr val="accent1"/>
+          </a:fillRef>
+          <a:effectRef idx="0">
+            <a:schemeClr val="accent1"/>
+          </a:effectRef>
+          <a:fontRef idx="minor">
+            <a:schemeClr val="lt1"/>
+          </a:fontRef>
+        </p:style>
+        <p:txBody>
+          <a:bodyPr rot="0" spcFirstLastPara="0" vertOverflow="overflow" horzOverflow="overflow" vert="horz" wrap="square" lIns="91440" tIns="45720" rIns="91440" bIns="45720" numCol="1" spcCol="0" rtlCol="0" fromWordArt="0" anchor="ctr" anchorCtr="0" forceAA="0" compatLnSpc="1">
+            <a:prstTxWarp prst="textNoShape">
+              <a:avLst/>
+            </a:prstTxWarp>
+            <a:noAutofit/>
+          </a:bodyPr>
+          <a:lstStyle/>
+          <a:p>
+            <a:pPr algn="ctr"/>
+            <a:endParaRPr lang="ko-KR" altLang="en-US"/>
+          </a:p>
+        </p:txBody>
+      </p:sp>
+    </p:spTree>
+    <p:extLst>
+      <p:ext uri="{BB962C8B-B14F-4D97-AF65-F5344CB8AC3E}">
+        <p14:creationId xmlns:p14="http://schemas.microsoft.com/office/powerpoint/2010/main" val="4063214704"/>
+      </p:ext>
+    </p:extLst>
+  </p:cSld>
+  <p:clrMapOvr>
+    <a:masterClrMapping/>
+  </p:clrMapOvr>
+</p:sld>
+</file>
+
+<file path=ppt/slides/slide2.xml><?xml version="1.0" encoding="utf-8"?>
 <p:sld xmlns:a="http://schemas.openxmlformats.org/drawingml/2006/main" xmlns:r="http://schemas.openxmlformats.org/officeDocument/2006/relationships" xmlns:p="http://schemas.openxmlformats.org/presentationml/2006/main">
   <p:cSld>
     <p:spTree>
@@ -9246,7 +9901,7 @@
 </p:sld>
 </file>
 
-<file path=ppt/slides/slide2.xml><?xml version="1.0" encoding="utf-8"?>
+<file path=ppt/slides/slide3.xml><?xml version="1.0" encoding="utf-8"?>
 <p:sld xmlns:a="http://schemas.openxmlformats.org/drawingml/2006/main" xmlns:r="http://schemas.openxmlformats.org/officeDocument/2006/relationships" xmlns:p="http://schemas.openxmlformats.org/presentationml/2006/main">
   <p:cSld>
     <p:spTree>
@@ -16059,12 +16714,8 @@
           <a:lstStyle/>
           <a:p>
             <a:r>
-              <a:rPr lang="ko-KR" altLang="en-US" b="1" smtClean="0"/>
-              <a:t>푸리에</a:t>
-            </a:r>
-            <a:r>
               <a:rPr lang="ko-KR" altLang="en-US" b="1" dirty="0" smtClean="0"/>
-              <a:t> 행렬</a:t>
+              <a:t>푸리에 행렬</a:t>
             </a:r>
             <a:endParaRPr lang="ko-KR" altLang="en-US" b="1" dirty="0"/>
           </a:p>
@@ -16122,7 +16773,7 @@
 </p:sld>
 </file>
 
-<file path=ppt/slides/slide3.xml><?xml version="1.0" encoding="utf-8"?>
+<file path=ppt/slides/slide4.xml><?xml version="1.0" encoding="utf-8"?>
 <p:sld xmlns:a="http://schemas.openxmlformats.org/drawingml/2006/main" xmlns:r="http://schemas.openxmlformats.org/officeDocument/2006/relationships" xmlns:p="http://schemas.openxmlformats.org/presentationml/2006/main">
   <p:cSld>
     <p:spTree>
@@ -22039,12 +22690,8 @@
           <a:lstStyle/>
           <a:p>
             <a:r>
-              <a:rPr lang="ko-KR" altLang="en-US" b="1" smtClean="0"/>
-              <a:t>푸리에</a:t>
-            </a:r>
-            <a:r>
               <a:rPr lang="ko-KR" altLang="en-US" b="1" dirty="0" smtClean="0"/>
-              <a:t> 행렬</a:t>
+              <a:t>푸리에 행렬</a:t>
             </a:r>
             <a:endParaRPr lang="ko-KR" altLang="en-US" b="1" dirty="0"/>
           </a:p>

--- a/pics/2019-07-14-Freq_Sampling/pics.pptx
+++ b/pics/2019-07-14-Freq_Sampling/pics.pptx
@@ -6,9 +6,10 @@
   </p:sldMasterIdLst>
   <p:sldIdLst>
     <p:sldId id="259" r:id="rId2"/>
-    <p:sldId id="256" r:id="rId3"/>
-    <p:sldId id="257" r:id="rId4"/>
-    <p:sldId id="258" r:id="rId5"/>
+    <p:sldId id="260" r:id="rId3"/>
+    <p:sldId id="256" r:id="rId4"/>
+    <p:sldId id="257" r:id="rId5"/>
+    <p:sldId id="258" r:id="rId6"/>
   </p:sldIdLst>
   <p:sldSz cx="9144000" cy="6858000" type="screen4x3"/>
   <p:notesSz cx="6858000" cy="9144000"/>
@@ -3676,6 +3677,533 @@
 </file>
 
 <file path=ppt/slides/slide2.xml><?xml version="1.0" encoding="utf-8"?>
+<p:sld xmlns:a="http://schemas.openxmlformats.org/drawingml/2006/main" xmlns:r="http://schemas.openxmlformats.org/officeDocument/2006/relationships" xmlns:p="http://schemas.openxmlformats.org/presentationml/2006/main">
+  <p:cSld>
+    <p:spTree>
+      <p:nvGrpSpPr>
+        <p:cNvPr id="1" name=""/>
+        <p:cNvGrpSpPr/>
+        <p:nvPr/>
+      </p:nvGrpSpPr>
+      <p:grpSpPr>
+        <a:xfrm>
+          <a:off x="0" y="0"/>
+          <a:ext cx="0" cy="0"/>
+          <a:chOff x="0" y="0"/>
+          <a:chExt cx="0" cy="0"/>
+        </a:xfrm>
+      </p:grpSpPr>
+      <mc:AlternateContent xmlns:mc="http://schemas.openxmlformats.org/markup-compatibility/2006">
+        <mc:Choice xmlns:a14="http://schemas.microsoft.com/office/drawing/2010/main" Requires="a14">
+          <p:sp>
+            <p:nvSpPr>
+              <p:cNvPr id="4" name="TextBox 3"/>
+              <p:cNvSpPr txBox="1"/>
+              <p:nvPr/>
+            </p:nvSpPr>
+            <p:spPr>
+              <a:xfrm>
+                <a:off x="6084168" y="3284984"/>
+                <a:ext cx="532775" cy="369332"/>
+              </a:xfrm>
+              <a:prstGeom prst="rect">
+                <a:avLst/>
+              </a:prstGeom>
+              <a:noFill/>
+            </p:spPr>
+            <p:txBody>
+              <a:bodyPr wrap="none" rtlCol="0">
+                <a:spAutoFit/>
+              </a:bodyPr>
+              <a:lstStyle/>
+              <a:p>
+                <a14:m>
+                  <m:oMathPara xmlns:m="http://schemas.openxmlformats.org/officeDocument/2006/math">
+                    <m:oMathParaPr>
+                      <m:jc m:val="centerGroup"/>
+                    </m:oMathParaPr>
+                    <m:oMath xmlns:m="http://schemas.openxmlformats.org/officeDocument/2006/math">
+                      <m:r>
+                        <a:rPr lang="en-US" altLang="ko-KR" b="0" i="1" smtClean="0">
+                          <a:latin typeface="Cambria Math"/>
+                        </a:rPr>
+                        <m:t>𝑅𝑒</m:t>
+                      </m:r>
+                    </m:oMath>
+                  </m:oMathPara>
+                </a14:m>
+                <a:endParaRPr lang="ko-KR" altLang="en-US" dirty="0"/>
+              </a:p>
+            </p:txBody>
+          </p:sp>
+        </mc:Choice>
+        <mc:Fallback>
+          <p:sp>
+            <p:nvSpPr>
+              <p:cNvPr id="4" name="TextBox 3"/>
+              <p:cNvSpPr txBox="1">
+                <a:spLocks noRot="1" noChangeAspect="1" noMove="1" noResize="1" noEditPoints="1" noAdjustHandles="1" noChangeArrowheads="1" noChangeShapeType="1" noTextEdit="1"/>
+              </p:cNvSpPr>
+              <p:nvPr/>
+            </p:nvSpPr>
+            <p:spPr>
+              <a:xfrm>
+                <a:off x="6084168" y="3284984"/>
+                <a:ext cx="532775" cy="369332"/>
+              </a:xfrm>
+              <a:prstGeom prst="rect">
+                <a:avLst/>
+              </a:prstGeom>
+              <a:blipFill rotWithShape="1">
+                <a:blip r:embed="rId2"/>
+                <a:stretch>
+                  <a:fillRect/>
+                </a:stretch>
+              </a:blipFill>
+            </p:spPr>
+            <p:txBody>
+              <a:bodyPr/>
+              <a:lstStyle/>
+              <a:p>
+                <a:r>
+                  <a:rPr lang="ko-KR" altLang="en-US">
+                    <a:noFill/>
+                  </a:rPr>
+                  <a:t> </a:t>
+                </a:r>
+              </a:p>
+            </p:txBody>
+          </p:sp>
+        </mc:Fallback>
+      </mc:AlternateContent>
+      <mc:AlternateContent xmlns:mc="http://schemas.openxmlformats.org/markup-compatibility/2006">
+        <mc:Choice xmlns:a14="http://schemas.microsoft.com/office/drawing/2010/main" Requires="a14">
+          <p:sp>
+            <p:nvSpPr>
+              <p:cNvPr id="6" name="TextBox 5"/>
+              <p:cNvSpPr txBox="1"/>
+              <p:nvPr/>
+            </p:nvSpPr>
+            <p:spPr>
+              <a:xfrm>
+                <a:off x="4644008" y="1628800"/>
+                <a:ext cx="552524" cy="369332"/>
+              </a:xfrm>
+              <a:prstGeom prst="rect">
+                <a:avLst/>
+              </a:prstGeom>
+              <a:noFill/>
+            </p:spPr>
+            <p:txBody>
+              <a:bodyPr wrap="none" rtlCol="0">
+                <a:spAutoFit/>
+              </a:bodyPr>
+              <a:lstStyle/>
+              <a:p>
+                <a14:m>
+                  <m:oMathPara xmlns:m="http://schemas.openxmlformats.org/officeDocument/2006/math">
+                    <m:oMathParaPr>
+                      <m:jc m:val="centerGroup"/>
+                    </m:oMathParaPr>
+                    <m:oMath xmlns:m="http://schemas.openxmlformats.org/officeDocument/2006/math">
+                      <m:r>
+                        <a:rPr lang="en-US" altLang="ko-KR" b="0" i="1" smtClean="0">
+                          <a:latin typeface="Cambria Math"/>
+                        </a:rPr>
+                        <m:t>𝐼𝑚</m:t>
+                      </m:r>
+                    </m:oMath>
+                  </m:oMathPara>
+                </a14:m>
+                <a:endParaRPr lang="ko-KR" altLang="en-US" dirty="0"/>
+              </a:p>
+            </p:txBody>
+          </p:sp>
+        </mc:Choice>
+        <mc:Fallback>
+          <p:sp>
+            <p:nvSpPr>
+              <p:cNvPr id="6" name="TextBox 5"/>
+              <p:cNvSpPr txBox="1">
+                <a:spLocks noRot="1" noChangeAspect="1" noMove="1" noResize="1" noEditPoints="1" noAdjustHandles="1" noChangeArrowheads="1" noChangeShapeType="1" noTextEdit="1"/>
+              </p:cNvSpPr>
+              <p:nvPr/>
+            </p:nvSpPr>
+            <p:spPr>
+              <a:xfrm>
+                <a:off x="4644008" y="1628800"/>
+                <a:ext cx="552524" cy="369332"/>
+              </a:xfrm>
+              <a:prstGeom prst="rect">
+                <a:avLst/>
+              </a:prstGeom>
+              <a:blipFill rotWithShape="1">
+                <a:blip r:embed="rId3"/>
+                <a:stretch>
+                  <a:fillRect/>
+                </a:stretch>
+              </a:blipFill>
+            </p:spPr>
+            <p:txBody>
+              <a:bodyPr/>
+              <a:lstStyle/>
+              <a:p>
+                <a:r>
+                  <a:rPr lang="ko-KR" altLang="en-US">
+                    <a:noFill/>
+                  </a:rPr>
+                  <a:t> </a:t>
+                </a:r>
+              </a:p>
+            </p:txBody>
+          </p:sp>
+        </mc:Fallback>
+      </mc:AlternateContent>
+      <mc:AlternateContent xmlns:mc="http://schemas.openxmlformats.org/markup-compatibility/2006">
+        <mc:Choice xmlns:a14="http://schemas.microsoft.com/office/drawing/2010/main" Requires="a14">
+          <p:sp>
+            <p:nvSpPr>
+              <p:cNvPr id="7" name="TextBox 6"/>
+              <p:cNvSpPr txBox="1"/>
+              <p:nvPr/>
+            </p:nvSpPr>
+            <p:spPr>
+              <a:xfrm>
+                <a:off x="4939892" y="3363989"/>
+                <a:ext cx="620811" cy="497059"/>
+              </a:xfrm>
+              <a:prstGeom prst="rect">
+                <a:avLst/>
+              </a:prstGeom>
+              <a:noFill/>
+            </p:spPr>
+            <p:txBody>
+              <a:bodyPr wrap="none" rtlCol="0">
+                <a:spAutoFit/>
+              </a:bodyPr>
+              <a:lstStyle/>
+              <a:p>
+                <a14:m>
+                  <m:oMathPara xmlns:m="http://schemas.openxmlformats.org/officeDocument/2006/math">
+                    <m:oMathParaPr>
+                      <m:jc m:val="centerGroup"/>
+                    </m:oMathParaPr>
+                    <m:oMath xmlns:m="http://schemas.openxmlformats.org/officeDocument/2006/math">
+                      <m:r>
+                        <a:rPr lang="en-US" altLang="ko-KR" sz="1400" b="0" i="1" smtClean="0">
+                          <a:latin typeface="Cambria Math"/>
+                        </a:rPr>
+                        <m:t>−</m:t>
+                      </m:r>
+                      <m:f>
+                        <m:fPr>
+                          <m:ctrlPr>
+                            <a:rPr lang="en-US" altLang="ko-KR" sz="1400" b="0" i="1" smtClean="0">
+                              <a:latin typeface="Cambria Math"/>
+                            </a:rPr>
+                          </m:ctrlPr>
+                        </m:fPr>
+                        <m:num>
+                          <m:r>
+                            <a:rPr lang="en-US" altLang="ko-KR" sz="1400" b="0" i="1" smtClean="0">
+                              <a:latin typeface="Cambria Math"/>
+                            </a:rPr>
+                            <m:t>2</m:t>
+                          </m:r>
+                          <m:r>
+                            <a:rPr lang="en-US" altLang="ko-KR" sz="1400" b="0" i="1" smtClean="0">
+                              <a:latin typeface="Cambria Math"/>
+                            </a:rPr>
+                            <m:t>𝜋</m:t>
+                          </m:r>
+                        </m:num>
+                        <m:den>
+                          <m:r>
+                            <a:rPr lang="en-US" altLang="ko-KR" sz="1400" b="0" i="1" smtClean="0">
+                              <a:latin typeface="Cambria Math"/>
+                            </a:rPr>
+                            <m:t>8</m:t>
+                          </m:r>
+                        </m:den>
+                      </m:f>
+                    </m:oMath>
+                  </m:oMathPara>
+                </a14:m>
+                <a:endParaRPr lang="ko-KR" altLang="en-US" sz="1400" dirty="0"/>
+              </a:p>
+            </p:txBody>
+          </p:sp>
+        </mc:Choice>
+        <mc:Fallback>
+          <p:sp>
+            <p:nvSpPr>
+              <p:cNvPr id="7" name="TextBox 6"/>
+              <p:cNvSpPr txBox="1">
+                <a:spLocks noRot="1" noChangeAspect="1" noMove="1" noResize="1" noEditPoints="1" noAdjustHandles="1" noChangeArrowheads="1" noChangeShapeType="1" noTextEdit="1"/>
+              </p:cNvSpPr>
+              <p:nvPr/>
+            </p:nvSpPr>
+            <p:spPr>
+              <a:xfrm>
+                <a:off x="4939892" y="3363989"/>
+                <a:ext cx="620811" cy="497059"/>
+              </a:xfrm>
+              <a:prstGeom prst="rect">
+                <a:avLst/>
+              </a:prstGeom>
+              <a:blipFill rotWithShape="1">
+                <a:blip r:embed="rId4"/>
+                <a:stretch>
+                  <a:fillRect b="-1235"/>
+                </a:stretch>
+              </a:blipFill>
+            </p:spPr>
+            <p:txBody>
+              <a:bodyPr/>
+              <a:lstStyle/>
+              <a:p>
+                <a:r>
+                  <a:rPr lang="ko-KR" altLang="en-US">
+                    <a:noFill/>
+                  </a:rPr>
+                  <a:t> </a:t>
+                </a:r>
+              </a:p>
+            </p:txBody>
+          </p:sp>
+        </mc:Fallback>
+      </mc:AlternateContent>
+      <p:pic>
+        <p:nvPicPr>
+          <p:cNvPr id="1027" name="Picture 3"/>
+          <p:cNvPicPr>
+            <a:picLocks noChangeAspect="1" noChangeArrowheads="1"/>
+          </p:cNvPicPr>
+          <p:nvPr/>
+        </p:nvPicPr>
+        <p:blipFill>
+          <a:blip r:embed="rId5">
+            <a:extLst>
+              <a:ext uri="{28A0092B-C50C-407E-A947-70E740481C1C}">
+                <a14:useLocalDpi xmlns:a14="http://schemas.microsoft.com/office/drawing/2010/main" val="0"/>
+              </a:ext>
+            </a:extLst>
+          </a:blip>
+          <a:srcRect/>
+          <a:stretch>
+            <a:fillRect/>
+          </a:stretch>
+        </p:blipFill>
+        <p:spPr bwMode="auto">
+          <a:xfrm>
+            <a:off x="2195513" y="1468438"/>
+            <a:ext cx="4752975" cy="3924300"/>
+          </a:xfrm>
+          <a:prstGeom prst="rect">
+            <a:avLst/>
+          </a:prstGeom>
+          <a:noFill/>
+          <a:ln>
+            <a:noFill/>
+          </a:ln>
+          <a:effectLst/>
+          <a:extLst>
+            <a:ext uri="{909E8E84-426E-40DD-AFC4-6F175D3DCCD1}">
+              <a14:hiddenFill xmlns:a14="http://schemas.microsoft.com/office/drawing/2010/main">
+                <a:solidFill>
+                  <a:schemeClr val="accent1"/>
+                </a:solidFill>
+              </a14:hiddenFill>
+            </a:ext>
+            <a:ext uri="{91240B29-F687-4F45-9708-019B960494DF}">
+              <a14:hiddenLine xmlns:a14="http://schemas.microsoft.com/office/drawing/2010/main" w="9525">
+                <a:solidFill>
+                  <a:schemeClr val="tx1"/>
+                </a:solidFill>
+                <a:miter lim="800000"/>
+                <a:headEnd/>
+                <a:tailEnd/>
+              </a14:hiddenLine>
+            </a:ext>
+            <a:ext uri="{AF507438-7753-43E0-B8FC-AC1667EBCBE1}">
+              <a14:hiddenEffects xmlns:a14="http://schemas.microsoft.com/office/drawing/2010/main">
+                <a:effectLst>
+                  <a:outerShdw dist="35921" dir="2700000" algn="ctr" rotWithShape="0">
+                    <a:schemeClr val="bg2"/>
+                  </a:outerShdw>
+                </a:effectLst>
+              </a14:hiddenEffects>
+            </a:ext>
+          </a:extLst>
+        </p:spPr>
+      </p:pic>
+      <mc:AlternateContent xmlns:mc="http://schemas.openxmlformats.org/markup-compatibility/2006">
+        <mc:Choice xmlns:a14="http://schemas.microsoft.com/office/drawing/2010/main" Requires="a14">
+          <p:sp>
+            <p:nvSpPr>
+              <p:cNvPr id="5" name="TextBox 4"/>
+              <p:cNvSpPr txBox="1"/>
+              <p:nvPr/>
+            </p:nvSpPr>
+            <p:spPr>
+              <a:xfrm>
+                <a:off x="5436096" y="3860736"/>
+                <a:ext cx="1198020" cy="576376"/>
+              </a:xfrm>
+              <a:prstGeom prst="rect">
+                <a:avLst/>
+              </a:prstGeom>
+              <a:noFill/>
+            </p:spPr>
+            <p:txBody>
+              <a:bodyPr wrap="none" rtlCol="0">
+                <a:spAutoFit/>
+              </a:bodyPr>
+              <a:lstStyle/>
+              <a:p>
+                <a14:m>
+                  <m:oMathPara xmlns:m="http://schemas.openxmlformats.org/officeDocument/2006/math">
+                    <m:oMathParaPr>
+                      <m:jc m:val="centerGroup"/>
+                    </m:oMathParaPr>
+                    <m:oMath xmlns:m="http://schemas.openxmlformats.org/officeDocument/2006/math">
+                      <m:func>
+                        <m:funcPr>
+                          <m:ctrlPr>
+                            <a:rPr lang="en-US" altLang="ko-KR" sz="1400" b="0" i="1" smtClean="0">
+                              <a:latin typeface="Cambria Math"/>
+                            </a:rPr>
+                          </m:ctrlPr>
+                        </m:funcPr>
+                        <m:fName>
+                          <m:r>
+                            <m:rPr>
+                              <m:sty m:val="p"/>
+                            </m:rPr>
+                            <a:rPr lang="en-US" altLang="ko-KR" sz="1400" b="0" i="0" smtClean="0">
+                              <a:latin typeface="Cambria Math"/>
+                            </a:rPr>
+                            <m:t>exp</m:t>
+                          </m:r>
+                        </m:fName>
+                        <m:e>
+                          <m:d>
+                            <m:dPr>
+                              <m:ctrlPr>
+                                <a:rPr lang="en-US" altLang="ko-KR" sz="1400" b="0" i="1" smtClean="0">
+                                  <a:latin typeface="Cambria Math"/>
+                                </a:rPr>
+                              </m:ctrlPr>
+                            </m:dPr>
+                            <m:e>
+                              <m:r>
+                                <a:rPr lang="en-US" altLang="ko-KR" sz="1400" b="0" i="1" smtClean="0">
+                                  <a:latin typeface="Cambria Math"/>
+                                </a:rPr>
+                                <m:t>−</m:t>
+                              </m:r>
+                              <m:r>
+                                <a:rPr lang="en-US" altLang="ko-KR" sz="1400" b="0" i="1" smtClean="0">
+                                  <a:latin typeface="Cambria Math"/>
+                                </a:rPr>
+                                <m:t>𝑗</m:t>
+                              </m:r>
+                              <m:f>
+                                <m:fPr>
+                                  <m:ctrlPr>
+                                    <a:rPr lang="en-US" altLang="ko-KR" sz="1400" b="0" i="1" smtClean="0">
+                                      <a:latin typeface="Cambria Math"/>
+                                    </a:rPr>
+                                  </m:ctrlPr>
+                                </m:fPr>
+                                <m:num>
+                                  <m:r>
+                                    <a:rPr lang="en-US" altLang="ko-KR" sz="1400" b="0" i="1" smtClean="0">
+                                      <a:latin typeface="Cambria Math"/>
+                                    </a:rPr>
+                                    <m:t>2</m:t>
+                                  </m:r>
+                                  <m:r>
+                                    <a:rPr lang="en-US" altLang="ko-KR" sz="1400" b="0" i="1" smtClean="0">
+                                      <a:latin typeface="Cambria Math"/>
+                                    </a:rPr>
+                                    <m:t>𝜋</m:t>
+                                  </m:r>
+                                </m:num>
+                                <m:den>
+                                  <m:r>
+                                    <a:rPr lang="en-US" altLang="ko-KR" sz="1400" b="0" i="1" smtClean="0">
+                                      <a:latin typeface="Cambria Math"/>
+                                    </a:rPr>
+                                    <m:t>8</m:t>
+                                  </m:r>
+                                </m:den>
+                              </m:f>
+                            </m:e>
+                          </m:d>
+                        </m:e>
+                      </m:func>
+                    </m:oMath>
+                  </m:oMathPara>
+                </a14:m>
+                <a:endParaRPr lang="en-US" altLang="ko-KR" sz="1400" b="0" dirty="0" smtClean="0"/>
+              </a:p>
+            </p:txBody>
+          </p:sp>
+        </mc:Choice>
+        <mc:Fallback>
+          <p:sp>
+            <p:nvSpPr>
+              <p:cNvPr id="5" name="TextBox 4"/>
+              <p:cNvSpPr txBox="1">
+                <a:spLocks noRot="1" noChangeAspect="1" noMove="1" noResize="1" noEditPoints="1" noAdjustHandles="1" noChangeArrowheads="1" noChangeShapeType="1" noTextEdit="1"/>
+              </p:cNvSpPr>
+              <p:nvPr/>
+            </p:nvSpPr>
+            <p:spPr>
+              <a:xfrm>
+                <a:off x="5436096" y="3860736"/>
+                <a:ext cx="1198020" cy="576376"/>
+              </a:xfrm>
+              <a:prstGeom prst="rect">
+                <a:avLst/>
+              </a:prstGeom>
+              <a:blipFill rotWithShape="1">
+                <a:blip r:embed="rId6"/>
+                <a:stretch>
+                  <a:fillRect/>
+                </a:stretch>
+              </a:blipFill>
+            </p:spPr>
+            <p:txBody>
+              <a:bodyPr/>
+              <a:lstStyle/>
+              <a:p>
+                <a:r>
+                  <a:rPr lang="ko-KR" altLang="en-US">
+                    <a:noFill/>
+                  </a:rPr>
+                  <a:t> </a:t>
+                </a:r>
+              </a:p>
+            </p:txBody>
+          </p:sp>
+        </mc:Fallback>
+      </mc:AlternateContent>
+    </p:spTree>
+    <p:extLst>
+      <p:ext uri="{BB962C8B-B14F-4D97-AF65-F5344CB8AC3E}">
+        <p14:creationId xmlns:p14="http://schemas.microsoft.com/office/powerpoint/2010/main" val="1864450265"/>
+      </p:ext>
+    </p:extLst>
+  </p:cSld>
+  <p:clrMapOvr>
+    <a:masterClrMapping/>
+  </p:clrMapOvr>
+</p:sld>
+</file>
+
+<file path=ppt/slides/slide3.xml><?xml version="1.0" encoding="utf-8"?>
 <p:sld xmlns:a="http://schemas.openxmlformats.org/drawingml/2006/main" xmlns:r="http://schemas.openxmlformats.org/officeDocument/2006/relationships" xmlns:p="http://schemas.openxmlformats.org/presentationml/2006/main">
   <p:cSld>
     <p:spTree>
@@ -9901,7 +10429,7 @@
 </p:sld>
 </file>
 
-<file path=ppt/slides/slide3.xml><?xml version="1.0" encoding="utf-8"?>
+<file path=ppt/slides/slide4.xml><?xml version="1.0" encoding="utf-8"?>
 <p:sld xmlns:a="http://schemas.openxmlformats.org/drawingml/2006/main" xmlns:r="http://schemas.openxmlformats.org/officeDocument/2006/relationships" xmlns:p="http://schemas.openxmlformats.org/presentationml/2006/main">
   <p:cSld>
     <p:spTree>
@@ -16773,7 +17301,7 @@
 </p:sld>
 </file>
 
-<file path=ppt/slides/slide4.xml><?xml version="1.0" encoding="utf-8"?>
+<file path=ppt/slides/slide5.xml><?xml version="1.0" encoding="utf-8"?>
 <p:sld xmlns:a="http://schemas.openxmlformats.org/drawingml/2006/main" xmlns:r="http://schemas.openxmlformats.org/officeDocument/2006/relationships" xmlns:p="http://schemas.openxmlformats.org/presentationml/2006/main">
   <p:cSld>
     <p:spTree>

--- a/pics/2019-07-14-Freq_Sampling/pics.pptx
+++ b/pics/2019-07-14-Freq_Sampling/pics.pptx
@@ -108,6 +108,22 @@
       </a:defRPr>
     </a:lvl9pPr>
   </p:defaultTextStyle>
+  <p:extLst>
+    <p:ext uri="{EFAFB233-063F-42B5-8137-9DF3F51BA10A}">
+      <p15:sldGuideLst xmlns:p15="http://schemas.microsoft.com/office/powerpoint/2012/main">
+        <p15:guide id="1" orient="horz" pos="2160">
+          <p15:clr>
+            <a:srgbClr val="A4A3A4"/>
+          </p15:clr>
+        </p15:guide>
+        <p15:guide id="2" pos="2880">
+          <p15:clr>
+            <a:srgbClr val="A4A3A4"/>
+          </p15:clr>
+        </p15:guide>
+      </p15:sldGuideLst>
+    </p:ext>
+  </p:extLst>
 </p:presentation>
 </file>
 
@@ -149,10 +165,9 @@
           <a:lstStyle/>
           <a:p>
             <a:r>
-              <a:rPr lang="ko-KR" altLang="en-US" smtClean="0"/>
+              <a:rPr lang="ko-KR" altLang="en-US"/>
               <a:t>마스터 제목 스타일 편집</a:t>
             </a:r>
-            <a:endParaRPr lang="ko-KR" altLang="en-US"/>
           </a:p>
         </p:txBody>
       </p:sp>
@@ -268,10 +283,9 @@
           </a:lstStyle>
           <a:p>
             <a:r>
-              <a:rPr lang="ko-KR" altLang="en-US" smtClean="0"/>
+              <a:rPr lang="ko-KR" altLang="en-US"/>
               <a:t>마스터 부제목 스타일 편집</a:t>
             </a:r>
-            <a:endParaRPr lang="ko-KR" altLang="en-US"/>
           </a:p>
         </p:txBody>
       </p:sp>
@@ -381,10 +395,9 @@
           <a:lstStyle/>
           <a:p>
             <a:r>
-              <a:rPr lang="ko-KR" altLang="en-US" smtClean="0"/>
+              <a:rPr lang="ko-KR" altLang="en-US"/>
               <a:t>마스터 제목 스타일 편집</a:t>
             </a:r>
-            <a:endParaRPr lang="ko-KR" altLang="en-US"/>
           </a:p>
         </p:txBody>
       </p:sp>
@@ -405,38 +418,37 @@
           <a:p>
             <a:pPr lvl="0"/>
             <a:r>
-              <a:rPr lang="ko-KR" altLang="en-US" smtClean="0"/>
+              <a:rPr lang="ko-KR" altLang="en-US"/>
               <a:t>마스터 텍스트 스타일을 편집합니다</a:t>
             </a:r>
           </a:p>
           <a:p>
             <a:pPr lvl="1"/>
             <a:r>
-              <a:rPr lang="ko-KR" altLang="en-US" smtClean="0"/>
+              <a:rPr lang="ko-KR" altLang="en-US"/>
               <a:t>둘째 수준</a:t>
             </a:r>
           </a:p>
           <a:p>
             <a:pPr lvl="2"/>
             <a:r>
-              <a:rPr lang="ko-KR" altLang="en-US" smtClean="0"/>
+              <a:rPr lang="ko-KR" altLang="en-US"/>
               <a:t>셋째 수준</a:t>
             </a:r>
           </a:p>
           <a:p>
             <a:pPr lvl="3"/>
             <a:r>
-              <a:rPr lang="ko-KR" altLang="en-US" smtClean="0"/>
+              <a:rPr lang="ko-KR" altLang="en-US"/>
               <a:t>넷째 수준</a:t>
             </a:r>
           </a:p>
           <a:p>
             <a:pPr lvl="4"/>
             <a:r>
-              <a:rPr lang="ko-KR" altLang="en-US" smtClean="0"/>
+              <a:rPr lang="ko-KR" altLang="en-US"/>
               <a:t>다섯째 수준</a:t>
             </a:r>
-            <a:endParaRPr lang="ko-KR" altLang="en-US"/>
           </a:p>
         </p:txBody>
       </p:sp>
@@ -551,10 +563,9 @@
           <a:lstStyle/>
           <a:p>
             <a:r>
-              <a:rPr lang="ko-KR" altLang="en-US" smtClean="0"/>
+              <a:rPr lang="ko-KR" altLang="en-US"/>
               <a:t>마스터 제목 스타일 편집</a:t>
             </a:r>
-            <a:endParaRPr lang="ko-KR" altLang="en-US"/>
           </a:p>
         </p:txBody>
       </p:sp>
@@ -580,38 +591,37 @@
           <a:p>
             <a:pPr lvl="0"/>
             <a:r>
-              <a:rPr lang="ko-KR" altLang="en-US" smtClean="0"/>
+              <a:rPr lang="ko-KR" altLang="en-US"/>
               <a:t>마스터 텍스트 스타일을 편집합니다</a:t>
             </a:r>
           </a:p>
           <a:p>
             <a:pPr lvl="1"/>
             <a:r>
-              <a:rPr lang="ko-KR" altLang="en-US" smtClean="0"/>
+              <a:rPr lang="ko-KR" altLang="en-US"/>
               <a:t>둘째 수준</a:t>
             </a:r>
           </a:p>
           <a:p>
             <a:pPr lvl="2"/>
             <a:r>
-              <a:rPr lang="ko-KR" altLang="en-US" smtClean="0"/>
+              <a:rPr lang="ko-KR" altLang="en-US"/>
               <a:t>셋째 수준</a:t>
             </a:r>
           </a:p>
           <a:p>
             <a:pPr lvl="3"/>
             <a:r>
-              <a:rPr lang="ko-KR" altLang="en-US" smtClean="0"/>
+              <a:rPr lang="ko-KR" altLang="en-US"/>
               <a:t>넷째 수준</a:t>
             </a:r>
           </a:p>
           <a:p>
             <a:pPr lvl="4"/>
             <a:r>
-              <a:rPr lang="ko-KR" altLang="en-US" smtClean="0"/>
+              <a:rPr lang="ko-KR" altLang="en-US"/>
               <a:t>다섯째 수준</a:t>
             </a:r>
-            <a:endParaRPr lang="ko-KR" altLang="en-US"/>
           </a:p>
         </p:txBody>
       </p:sp>
@@ -721,10 +731,9 @@
           <a:lstStyle/>
           <a:p>
             <a:r>
-              <a:rPr lang="ko-KR" altLang="en-US" smtClean="0"/>
+              <a:rPr lang="ko-KR" altLang="en-US"/>
               <a:t>마스터 제목 스타일 편집</a:t>
             </a:r>
-            <a:endParaRPr lang="ko-KR" altLang="en-US"/>
           </a:p>
         </p:txBody>
       </p:sp>
@@ -745,38 +754,37 @@
           <a:p>
             <a:pPr lvl="0"/>
             <a:r>
-              <a:rPr lang="ko-KR" altLang="en-US" smtClean="0"/>
+              <a:rPr lang="ko-KR" altLang="en-US"/>
               <a:t>마스터 텍스트 스타일을 편집합니다</a:t>
             </a:r>
           </a:p>
           <a:p>
             <a:pPr lvl="1"/>
             <a:r>
-              <a:rPr lang="ko-KR" altLang="en-US" smtClean="0"/>
+              <a:rPr lang="ko-KR" altLang="en-US"/>
               <a:t>둘째 수준</a:t>
             </a:r>
           </a:p>
           <a:p>
             <a:pPr lvl="2"/>
             <a:r>
-              <a:rPr lang="ko-KR" altLang="en-US" smtClean="0"/>
+              <a:rPr lang="ko-KR" altLang="en-US"/>
               <a:t>셋째 수준</a:t>
             </a:r>
           </a:p>
           <a:p>
             <a:pPr lvl="3"/>
             <a:r>
-              <a:rPr lang="ko-KR" altLang="en-US" smtClean="0"/>
+              <a:rPr lang="ko-KR" altLang="en-US"/>
               <a:t>넷째 수준</a:t>
             </a:r>
           </a:p>
           <a:p>
             <a:pPr lvl="4"/>
             <a:r>
-              <a:rPr lang="ko-KR" altLang="en-US" smtClean="0"/>
+              <a:rPr lang="ko-KR" altLang="en-US"/>
               <a:t>다섯째 수준</a:t>
             </a:r>
-            <a:endParaRPr lang="ko-KR" altLang="en-US"/>
           </a:p>
         </p:txBody>
       </p:sp>
@@ -895,10 +903,9 @@
           </a:lstStyle>
           <a:p>
             <a:r>
-              <a:rPr lang="ko-KR" altLang="en-US" smtClean="0"/>
+              <a:rPr lang="ko-KR" altLang="en-US"/>
               <a:t>마스터 제목 스타일 편집</a:t>
             </a:r>
-            <a:endParaRPr lang="ko-KR" altLang="en-US"/>
           </a:p>
         </p:txBody>
       </p:sp>
@@ -1015,7 +1022,7 @@
           <a:p>
             <a:pPr lvl="0"/>
             <a:r>
-              <a:rPr lang="ko-KR" altLang="en-US" smtClean="0"/>
+              <a:rPr lang="ko-KR" altLang="en-US"/>
               <a:t>마스터 텍스트 스타일을 편집합니다</a:t>
             </a:r>
           </a:p>
@@ -1127,10 +1134,9 @@
           <a:lstStyle/>
           <a:p>
             <a:r>
-              <a:rPr lang="ko-KR" altLang="en-US" smtClean="0"/>
+              <a:rPr lang="ko-KR" altLang="en-US"/>
               <a:t>마스터 제목 스타일 편집</a:t>
             </a:r>
-            <a:endParaRPr lang="ko-KR" altLang="en-US"/>
           </a:p>
         </p:txBody>
       </p:sp>
@@ -1184,38 +1190,37 @@
           <a:p>
             <a:pPr lvl="0"/>
             <a:r>
-              <a:rPr lang="ko-KR" altLang="en-US" smtClean="0"/>
+              <a:rPr lang="ko-KR" altLang="en-US"/>
               <a:t>마스터 텍스트 스타일을 편집합니다</a:t>
             </a:r>
           </a:p>
           <a:p>
             <a:pPr lvl="1"/>
             <a:r>
-              <a:rPr lang="ko-KR" altLang="en-US" smtClean="0"/>
+              <a:rPr lang="ko-KR" altLang="en-US"/>
               <a:t>둘째 수준</a:t>
             </a:r>
           </a:p>
           <a:p>
             <a:pPr lvl="2"/>
             <a:r>
-              <a:rPr lang="ko-KR" altLang="en-US" smtClean="0"/>
+              <a:rPr lang="ko-KR" altLang="en-US"/>
               <a:t>셋째 수준</a:t>
             </a:r>
           </a:p>
           <a:p>
             <a:pPr lvl="3"/>
             <a:r>
-              <a:rPr lang="ko-KR" altLang="en-US" smtClean="0"/>
+              <a:rPr lang="ko-KR" altLang="en-US"/>
               <a:t>넷째 수준</a:t>
             </a:r>
           </a:p>
           <a:p>
             <a:pPr lvl="4"/>
             <a:r>
-              <a:rPr lang="ko-KR" altLang="en-US" smtClean="0"/>
+              <a:rPr lang="ko-KR" altLang="en-US"/>
               <a:t>다섯째 수준</a:t>
             </a:r>
-            <a:endParaRPr lang="ko-KR" altLang="en-US"/>
           </a:p>
         </p:txBody>
       </p:sp>
@@ -1269,38 +1274,37 @@
           <a:p>
             <a:pPr lvl="0"/>
             <a:r>
-              <a:rPr lang="ko-KR" altLang="en-US" smtClean="0"/>
+              <a:rPr lang="ko-KR" altLang="en-US"/>
               <a:t>마스터 텍스트 스타일을 편집합니다</a:t>
             </a:r>
           </a:p>
           <a:p>
             <a:pPr lvl="1"/>
             <a:r>
-              <a:rPr lang="ko-KR" altLang="en-US" smtClean="0"/>
+              <a:rPr lang="ko-KR" altLang="en-US"/>
               <a:t>둘째 수준</a:t>
             </a:r>
           </a:p>
           <a:p>
             <a:pPr lvl="2"/>
             <a:r>
-              <a:rPr lang="ko-KR" altLang="en-US" smtClean="0"/>
+              <a:rPr lang="ko-KR" altLang="en-US"/>
               <a:t>셋째 수준</a:t>
             </a:r>
           </a:p>
           <a:p>
             <a:pPr lvl="3"/>
             <a:r>
-              <a:rPr lang="ko-KR" altLang="en-US" smtClean="0"/>
+              <a:rPr lang="ko-KR" altLang="en-US"/>
               <a:t>넷째 수준</a:t>
             </a:r>
           </a:p>
           <a:p>
             <a:pPr lvl="4"/>
             <a:r>
-              <a:rPr lang="ko-KR" altLang="en-US" smtClean="0"/>
+              <a:rPr lang="ko-KR" altLang="en-US"/>
               <a:t>다섯째 수준</a:t>
             </a:r>
-            <a:endParaRPr lang="ko-KR" altLang="en-US"/>
           </a:p>
         </p:txBody>
       </p:sp>
@@ -1414,10 +1418,9 @@
           </a:lstStyle>
           <a:p>
             <a:r>
-              <a:rPr lang="ko-KR" altLang="en-US" smtClean="0"/>
+              <a:rPr lang="ko-KR" altLang="en-US"/>
               <a:t>마스터 제목 스타일 편집</a:t>
             </a:r>
-            <a:endParaRPr lang="ko-KR" altLang="en-US"/>
           </a:p>
         </p:txBody>
       </p:sp>
@@ -1480,7 +1483,7 @@
           <a:p>
             <a:pPr lvl="0"/>
             <a:r>
-              <a:rPr lang="ko-KR" altLang="en-US" smtClean="0"/>
+              <a:rPr lang="ko-KR" altLang="en-US"/>
               <a:t>마스터 텍스트 스타일을 편집합니다</a:t>
             </a:r>
           </a:p>
@@ -1536,38 +1539,37 @@
           <a:p>
             <a:pPr lvl="0"/>
             <a:r>
-              <a:rPr lang="ko-KR" altLang="en-US" smtClean="0"/>
+              <a:rPr lang="ko-KR" altLang="en-US"/>
               <a:t>마스터 텍스트 스타일을 편집합니다</a:t>
             </a:r>
           </a:p>
           <a:p>
             <a:pPr lvl="1"/>
             <a:r>
-              <a:rPr lang="ko-KR" altLang="en-US" smtClean="0"/>
+              <a:rPr lang="ko-KR" altLang="en-US"/>
               <a:t>둘째 수준</a:t>
             </a:r>
           </a:p>
           <a:p>
             <a:pPr lvl="2"/>
             <a:r>
-              <a:rPr lang="ko-KR" altLang="en-US" smtClean="0"/>
+              <a:rPr lang="ko-KR" altLang="en-US"/>
               <a:t>셋째 수준</a:t>
             </a:r>
           </a:p>
           <a:p>
             <a:pPr lvl="3"/>
             <a:r>
-              <a:rPr lang="ko-KR" altLang="en-US" smtClean="0"/>
+              <a:rPr lang="ko-KR" altLang="en-US"/>
               <a:t>넷째 수준</a:t>
             </a:r>
           </a:p>
           <a:p>
             <a:pPr lvl="4"/>
             <a:r>
-              <a:rPr lang="ko-KR" altLang="en-US" smtClean="0"/>
+              <a:rPr lang="ko-KR" altLang="en-US"/>
               <a:t>다섯째 수준</a:t>
             </a:r>
-            <a:endParaRPr lang="ko-KR" altLang="en-US"/>
           </a:p>
         </p:txBody>
       </p:sp>
@@ -1630,7 +1632,7 @@
           <a:p>
             <a:pPr lvl="0"/>
             <a:r>
-              <a:rPr lang="ko-KR" altLang="en-US" smtClean="0"/>
+              <a:rPr lang="ko-KR" altLang="en-US"/>
               <a:t>마스터 텍스트 스타일을 편집합니다</a:t>
             </a:r>
           </a:p>
@@ -1686,38 +1688,37 @@
           <a:p>
             <a:pPr lvl="0"/>
             <a:r>
-              <a:rPr lang="ko-KR" altLang="en-US" smtClean="0"/>
+              <a:rPr lang="ko-KR" altLang="en-US"/>
               <a:t>마스터 텍스트 스타일을 편집합니다</a:t>
             </a:r>
           </a:p>
           <a:p>
             <a:pPr lvl="1"/>
             <a:r>
-              <a:rPr lang="ko-KR" altLang="en-US" smtClean="0"/>
+              <a:rPr lang="ko-KR" altLang="en-US"/>
               <a:t>둘째 수준</a:t>
             </a:r>
           </a:p>
           <a:p>
             <a:pPr lvl="2"/>
             <a:r>
-              <a:rPr lang="ko-KR" altLang="en-US" smtClean="0"/>
+              <a:rPr lang="ko-KR" altLang="en-US"/>
               <a:t>셋째 수준</a:t>
             </a:r>
           </a:p>
           <a:p>
             <a:pPr lvl="3"/>
             <a:r>
-              <a:rPr lang="ko-KR" altLang="en-US" smtClean="0"/>
+              <a:rPr lang="ko-KR" altLang="en-US"/>
               <a:t>넷째 수준</a:t>
             </a:r>
           </a:p>
           <a:p>
             <a:pPr lvl="4"/>
             <a:r>
-              <a:rPr lang="ko-KR" altLang="en-US" smtClean="0"/>
+              <a:rPr lang="ko-KR" altLang="en-US"/>
               <a:t>다섯째 수준</a:t>
             </a:r>
-            <a:endParaRPr lang="ko-KR" altLang="en-US"/>
           </a:p>
         </p:txBody>
       </p:sp>
@@ -1827,10 +1828,9 @@
           <a:lstStyle/>
           <a:p>
             <a:r>
-              <a:rPr lang="ko-KR" altLang="en-US" smtClean="0"/>
+              <a:rPr lang="ko-KR" altLang="en-US"/>
               <a:t>마스터 제목 스타일 편집</a:t>
             </a:r>
-            <a:endParaRPr lang="ko-KR" altLang="en-US"/>
           </a:p>
         </p:txBody>
       </p:sp>
@@ -2039,10 +2039,9 @@
           </a:lstStyle>
           <a:p>
             <a:r>
-              <a:rPr lang="ko-KR" altLang="en-US" smtClean="0"/>
+              <a:rPr lang="ko-KR" altLang="en-US"/>
               <a:t>마스터 제목 스타일 편집</a:t>
             </a:r>
-            <a:endParaRPr lang="ko-KR" altLang="en-US"/>
           </a:p>
         </p:txBody>
       </p:sp>
@@ -2096,38 +2095,37 @@
           <a:p>
             <a:pPr lvl="0"/>
             <a:r>
-              <a:rPr lang="ko-KR" altLang="en-US" smtClean="0"/>
+              <a:rPr lang="ko-KR" altLang="en-US"/>
               <a:t>마스터 텍스트 스타일을 편집합니다</a:t>
             </a:r>
           </a:p>
           <a:p>
             <a:pPr lvl="1"/>
             <a:r>
-              <a:rPr lang="ko-KR" altLang="en-US" smtClean="0"/>
+              <a:rPr lang="ko-KR" altLang="en-US"/>
               <a:t>둘째 수준</a:t>
             </a:r>
           </a:p>
           <a:p>
             <a:pPr lvl="2"/>
             <a:r>
-              <a:rPr lang="ko-KR" altLang="en-US" smtClean="0"/>
+              <a:rPr lang="ko-KR" altLang="en-US"/>
               <a:t>셋째 수준</a:t>
             </a:r>
           </a:p>
           <a:p>
             <a:pPr lvl="3"/>
             <a:r>
-              <a:rPr lang="ko-KR" altLang="en-US" smtClean="0"/>
+              <a:rPr lang="ko-KR" altLang="en-US"/>
               <a:t>넷째 수준</a:t>
             </a:r>
           </a:p>
           <a:p>
             <a:pPr lvl="4"/>
             <a:r>
-              <a:rPr lang="ko-KR" altLang="en-US" smtClean="0"/>
+              <a:rPr lang="ko-KR" altLang="en-US"/>
               <a:t>다섯째 수준</a:t>
             </a:r>
-            <a:endParaRPr lang="ko-KR" altLang="en-US"/>
           </a:p>
         </p:txBody>
       </p:sp>
@@ -2190,7 +2188,7 @@
           <a:p>
             <a:pPr lvl="0"/>
             <a:r>
-              <a:rPr lang="ko-KR" altLang="en-US" smtClean="0"/>
+              <a:rPr lang="ko-KR" altLang="en-US"/>
               <a:t>마스터 텍스트 스타일을 편집합니다</a:t>
             </a:r>
           </a:p>
@@ -2311,10 +2309,9 @@
           </a:lstStyle>
           <a:p>
             <a:r>
-              <a:rPr lang="ko-KR" altLang="en-US" smtClean="0"/>
+              <a:rPr lang="ko-KR" altLang="en-US"/>
               <a:t>마스터 제목 스타일 편집</a:t>
             </a:r>
-            <a:endParaRPr lang="ko-KR" altLang="en-US"/>
           </a:p>
         </p:txBody>
       </p:sp>
@@ -2438,7 +2435,7 @@
           <a:p>
             <a:pPr lvl="0"/>
             <a:r>
-              <a:rPr lang="ko-KR" altLang="en-US" smtClean="0"/>
+              <a:rPr lang="ko-KR" altLang="en-US"/>
               <a:t>마스터 텍스트 스타일을 편집합니다</a:t>
             </a:r>
           </a:p>
@@ -2565,10 +2562,9 @@
           <a:lstStyle/>
           <a:p>
             <a:r>
-              <a:rPr lang="ko-KR" altLang="en-US" smtClean="0"/>
+              <a:rPr lang="ko-KR" altLang="en-US"/>
               <a:t>마스터 제목 스타일 편집</a:t>
             </a:r>
-            <a:endParaRPr lang="ko-KR" altLang="en-US"/>
           </a:p>
         </p:txBody>
       </p:sp>
@@ -2599,38 +2595,37 @@
           <a:p>
             <a:pPr lvl="0"/>
             <a:r>
-              <a:rPr lang="ko-KR" altLang="en-US" smtClean="0"/>
+              <a:rPr lang="ko-KR" altLang="en-US"/>
               <a:t>마스터 텍스트 스타일을 편집합니다</a:t>
             </a:r>
           </a:p>
           <a:p>
             <a:pPr lvl="1"/>
             <a:r>
-              <a:rPr lang="ko-KR" altLang="en-US" smtClean="0"/>
+              <a:rPr lang="ko-KR" altLang="en-US"/>
               <a:t>둘째 수준</a:t>
             </a:r>
           </a:p>
           <a:p>
             <a:pPr lvl="2"/>
             <a:r>
-              <a:rPr lang="ko-KR" altLang="en-US" smtClean="0"/>
+              <a:rPr lang="ko-KR" altLang="en-US"/>
               <a:t>셋째 수준</a:t>
             </a:r>
           </a:p>
           <a:p>
             <a:pPr lvl="3"/>
             <a:r>
-              <a:rPr lang="ko-KR" altLang="en-US" smtClean="0"/>
+              <a:rPr lang="ko-KR" altLang="en-US"/>
               <a:t>넷째 수준</a:t>
             </a:r>
           </a:p>
           <a:p>
             <a:pPr lvl="4"/>
             <a:r>
-              <a:rPr lang="ko-KR" altLang="en-US" smtClean="0"/>
+              <a:rPr lang="ko-KR" altLang="en-US"/>
               <a:t>다섯째 수준</a:t>
             </a:r>
-            <a:endParaRPr lang="ko-KR" altLang="en-US"/>
           </a:p>
         </p:txBody>
       </p:sp>
@@ -3503,21 +3498,20 @@
           <a:lstStyle/>
           <a:p>
             <a:r>
-              <a:rPr lang="ko-KR" altLang="en-US" dirty="0" smtClean="0"/>
+              <a:rPr lang="ko-KR" altLang="en-US" dirty="0"/>
               <a:t>특정 주파수의 함량</a:t>
             </a:r>
             <a:endParaRPr lang="en-US" altLang="ko-KR" dirty="0"/>
           </a:p>
           <a:p>
             <a:r>
-              <a:rPr lang="en-US" altLang="ko-KR" dirty="0" smtClean="0"/>
+              <a:rPr lang="en-US" altLang="ko-KR" dirty="0"/>
               <a:t>= </a:t>
             </a:r>
             <a:r>
-              <a:rPr lang="ko-KR" altLang="en-US" dirty="0" smtClean="0"/>
+              <a:rPr lang="ko-KR" altLang="en-US" dirty="0"/>
               <a:t>푸리에 행렬의 행 하나와 시계열 신호가 닮은 정도</a:t>
             </a:r>
-            <a:endParaRPr lang="ko-KR" altLang="en-US" dirty="0"/>
           </a:p>
         </p:txBody>
       </p:sp>
@@ -3544,7 +3538,7 @@
           <a:lstStyle/>
           <a:p>
             <a:r>
-              <a:rPr lang="ko-KR" altLang="en-US" smtClean="0"/>
+              <a:rPr lang="ko-KR" altLang="en-US"/>
               <a:t>주파수 성분 벡터</a:t>
             </a:r>
             <a:endParaRPr lang="ko-KR" altLang="en-US" dirty="0"/>
@@ -3574,10 +3568,9 @@
           <a:lstStyle/>
           <a:p>
             <a:r>
-              <a:rPr lang="ko-KR" altLang="en-US" dirty="0" smtClean="0"/>
+              <a:rPr lang="ko-KR" altLang="en-US" dirty="0"/>
               <a:t>푸리에 행렬</a:t>
             </a:r>
-            <a:endParaRPr lang="ko-KR" altLang="en-US" dirty="0"/>
           </a:p>
         </p:txBody>
       </p:sp>
@@ -3604,10 +3597,9 @@
           <a:lstStyle/>
           <a:p>
             <a:r>
-              <a:rPr lang="ko-KR" altLang="en-US" dirty="0" smtClean="0"/>
+              <a:rPr lang="ko-KR" altLang="en-US" dirty="0"/>
               <a:t>시계열 신호</a:t>
             </a:r>
-            <a:endParaRPr lang="ko-KR" altLang="en-US" dirty="0"/>
           </a:p>
         </p:txBody>
       </p:sp>
@@ -3693,8 +3685,8 @@
           <a:chExt cx="0" cy="0"/>
         </a:xfrm>
       </p:grpSpPr>
-      <mc:AlternateContent xmlns:mc="http://schemas.openxmlformats.org/markup-compatibility/2006">
-        <mc:Choice xmlns:a14="http://schemas.microsoft.com/office/drawing/2010/main" Requires="a14">
+      <mc:AlternateContent xmlns:mc="http://schemas.openxmlformats.org/markup-compatibility/2006" xmlns:a14="http://schemas.microsoft.com/office/drawing/2010/main">
+        <mc:Choice Requires="a14">
           <p:sp>
             <p:nvSpPr>
               <p:cNvPr id="4" name="TextBox 3"/>
@@ -3717,6 +3709,7 @@
               </a:bodyPr>
               <a:lstStyle/>
               <a:p>
+                <a:pPr/>
                 <a14:m>
                   <m:oMathPara xmlns:m="http://schemas.openxmlformats.org/officeDocument/2006/math">
                     <m:oMathParaPr>
@@ -3737,7 +3730,7 @@
             </p:txBody>
           </p:sp>
         </mc:Choice>
-        <mc:Fallback>
+        <mc:Fallback xmlns="">
           <p:sp>
             <p:nvSpPr>
               <p:cNvPr id="4" name="TextBox 3"/>
@@ -3776,8 +3769,8 @@
           </p:sp>
         </mc:Fallback>
       </mc:AlternateContent>
-      <mc:AlternateContent xmlns:mc="http://schemas.openxmlformats.org/markup-compatibility/2006">
-        <mc:Choice xmlns:a14="http://schemas.microsoft.com/office/drawing/2010/main" Requires="a14">
+      <mc:AlternateContent xmlns:mc="http://schemas.openxmlformats.org/markup-compatibility/2006" xmlns:a14="http://schemas.microsoft.com/office/drawing/2010/main">
+        <mc:Choice Requires="a14">
           <p:sp>
             <p:nvSpPr>
               <p:cNvPr id="6" name="TextBox 5"/>
@@ -3800,6 +3793,7 @@
               </a:bodyPr>
               <a:lstStyle/>
               <a:p>
+                <a:pPr/>
                 <a14:m>
                   <m:oMathPara xmlns:m="http://schemas.openxmlformats.org/officeDocument/2006/math">
                     <m:oMathParaPr>
@@ -3820,7 +3814,7 @@
             </p:txBody>
           </p:sp>
         </mc:Choice>
-        <mc:Fallback>
+        <mc:Fallback xmlns="">
           <p:sp>
             <p:nvSpPr>
               <p:cNvPr id="6" name="TextBox 5"/>
@@ -3859,8 +3853,8 @@
           </p:sp>
         </mc:Fallback>
       </mc:AlternateContent>
-      <mc:AlternateContent xmlns:mc="http://schemas.openxmlformats.org/markup-compatibility/2006">
-        <mc:Choice xmlns:a14="http://schemas.microsoft.com/office/drawing/2010/main" Requires="a14">
+      <mc:AlternateContent xmlns:mc="http://schemas.openxmlformats.org/markup-compatibility/2006" xmlns:a14="http://schemas.microsoft.com/office/drawing/2010/main">
+        <mc:Choice Requires="a14">
           <p:sp>
             <p:nvSpPr>
               <p:cNvPr id="7" name="TextBox 6"/>
@@ -3883,6 +3877,7 @@
               </a:bodyPr>
               <a:lstStyle/>
               <a:p>
+                <a:pPr/>
                 <a14:m>
                   <m:oMathPara xmlns:m="http://schemas.openxmlformats.org/officeDocument/2006/math">
                     <m:oMathParaPr>
@@ -3899,7 +3894,7 @@
                         <m:fPr>
                           <m:ctrlPr>
                             <a:rPr lang="en-US" altLang="ko-KR" sz="1400" b="0" i="1" smtClean="0">
-                              <a:latin typeface="Cambria Math"/>
+                              <a:latin typeface="Cambria Math" panose="02040503050406030204" pitchFamily="18" charset="0"/>
                             </a:rPr>
                           </m:ctrlPr>
                         </m:fPr>
@@ -3934,7 +3929,7 @@
             </p:txBody>
           </p:sp>
         </mc:Choice>
-        <mc:Fallback>
+        <mc:Fallback xmlns="">
           <p:sp>
             <p:nvSpPr>
               <p:cNvPr id="7" name="TextBox 6"/>
@@ -4037,8 +4032,8 @@
           </a:extLst>
         </p:spPr>
       </p:pic>
-      <mc:AlternateContent xmlns:mc="http://schemas.openxmlformats.org/markup-compatibility/2006">
-        <mc:Choice xmlns:a14="http://schemas.microsoft.com/office/drawing/2010/main" Requires="a14">
+      <mc:AlternateContent xmlns:mc="http://schemas.openxmlformats.org/markup-compatibility/2006" xmlns:a14="http://schemas.microsoft.com/office/drawing/2010/main">
+        <mc:Choice Requires="a14">
           <p:sp>
             <p:nvSpPr>
               <p:cNvPr id="5" name="TextBox 4"/>
@@ -4061,6 +4056,7 @@
               </a:bodyPr>
               <a:lstStyle/>
               <a:p>
+                <a:pPr/>
                 <a14:m>
                   <m:oMathPara xmlns:m="http://schemas.openxmlformats.org/officeDocument/2006/math">
                     <m:oMathParaPr>
@@ -4071,7 +4067,7 @@
                         <m:funcPr>
                           <m:ctrlPr>
                             <a:rPr lang="en-US" altLang="ko-KR" sz="1400" b="0" i="1" smtClean="0">
-                              <a:latin typeface="Cambria Math"/>
+                              <a:latin typeface="Cambria Math" panose="02040503050406030204" pitchFamily="18" charset="0"/>
                             </a:rPr>
                           </m:ctrlPr>
                         </m:funcPr>
@@ -4091,7 +4087,7 @@
                             <m:dPr>
                               <m:ctrlPr>
                                 <a:rPr lang="en-US" altLang="ko-KR" sz="1400" b="0" i="1" smtClean="0">
-                                  <a:latin typeface="Cambria Math"/>
+                                  <a:latin typeface="Cambria Math" panose="02040503050406030204" pitchFamily="18" charset="0"/>
                                 </a:rPr>
                               </m:ctrlPr>
                             </m:dPr>
@@ -4112,7 +4108,7 @@
                                 <m:fPr>
                                   <m:ctrlPr>
                                     <a:rPr lang="en-US" altLang="ko-KR" sz="1400" b="0" i="1" smtClean="0">
-                                      <a:latin typeface="Cambria Math"/>
+                                      <a:latin typeface="Cambria Math" panose="02040503050406030204" pitchFamily="18" charset="0"/>
                                     </a:rPr>
                                   </m:ctrlPr>
                                 </m:fPr>
@@ -4146,12 +4142,12 @@
                     </m:oMath>
                   </m:oMathPara>
                 </a14:m>
-                <a:endParaRPr lang="en-US" altLang="ko-KR" sz="1400" b="0" dirty="0" smtClean="0"/>
+                <a:endParaRPr lang="en-US" altLang="ko-KR" sz="1400" b="0" dirty="0"/>
               </a:p>
             </p:txBody>
           </p:sp>
         </mc:Choice>
-        <mc:Fallback>
+        <mc:Fallback xmlns="">
           <p:sp>
             <p:nvSpPr>
               <p:cNvPr id="5" name="TextBox 4"/>
@@ -4257,7 +4253,7 @@
                           <m:endChr m:val="]"/>
                           <m:ctrlPr>
                             <a:rPr lang="en-US" altLang="ko-KR" sz="2400" i="1" smtClean="0">
-                              <a:latin typeface="Cambria Math"/>
+                              <a:latin typeface="Cambria Math" panose="02040503050406030204" pitchFamily="18" charset="0"/>
                             </a:rPr>
                           </m:ctrlPr>
                         </m:dPr>
@@ -4274,7 +4270,7 @@
                               </m:mcs>
                               <m:ctrlPr>
                                 <a:rPr lang="en-US" altLang="ko-KR" sz="2400" i="1" smtClean="0">
-                                  <a:latin typeface="Cambria Math"/>
+                                  <a:latin typeface="Cambria Math" panose="02040503050406030204" pitchFamily="18" charset="0"/>
                                 </a:rPr>
                               </m:ctrlPr>
                             </m:mPr>
@@ -4292,7 +4288,7 @@
                                     </m:mcs>
                                     <m:ctrlPr>
                                       <a:rPr lang="en-US" altLang="ko-KR" sz="2400" i="1" smtClean="0">
-                                        <a:latin typeface="Cambria Math"/>
+                                        <a:latin typeface="Cambria Math" panose="02040503050406030204" pitchFamily="18" charset="0"/>
                                       </a:rPr>
                                     </m:ctrlPr>
                                   </m:mPr>
@@ -4310,7 +4306,7 @@
                                           </m:mcs>
                                           <m:ctrlPr>
                                             <a:rPr lang="en-US" altLang="ko-KR" sz="2400" i="1" smtClean="0">
-                                              <a:latin typeface="Cambria Math"/>
+                                              <a:latin typeface="Cambria Math" panose="02040503050406030204" pitchFamily="18" charset="0"/>
                                             </a:rPr>
                                           </m:ctrlPr>
                                         </m:mPr>
@@ -4366,7 +4362,7 @@
                                           </m:mcs>
                                           <m:ctrlPr>
                                             <a:rPr lang="en-US" altLang="ko-KR" sz="2400" i="1" smtClean="0">
-                                              <a:latin typeface="Cambria Math"/>
+                                              <a:latin typeface="Cambria Math" panose="02040503050406030204" pitchFamily="18" charset="0"/>
                                             </a:rPr>
                                           </m:ctrlPr>
                                         </m:mPr>
@@ -4425,7 +4421,7 @@
                                     </m:mcs>
                                     <m:ctrlPr>
                                       <a:rPr lang="en-US" altLang="ko-KR" sz="2400" i="1" smtClean="0">
-                                        <a:latin typeface="Cambria Math"/>
+                                        <a:latin typeface="Cambria Math" panose="02040503050406030204" pitchFamily="18" charset="0"/>
                                       </a:rPr>
                                     </m:ctrlPr>
                                   </m:mPr>
@@ -4443,7 +4439,7 @@
                                           </m:mcs>
                                           <m:ctrlPr>
                                             <a:rPr lang="en-US" altLang="ko-KR" sz="2400" i="1" smtClean="0">
-                                              <a:latin typeface="Cambria Math"/>
+                                              <a:latin typeface="Cambria Math" panose="02040503050406030204" pitchFamily="18" charset="0"/>
                                             </a:rPr>
                                           </m:ctrlPr>
                                         </m:mPr>
@@ -4499,7 +4495,7 @@
                                           </m:mcs>
                                           <m:ctrlPr>
                                             <a:rPr lang="en-US" altLang="ko-KR" sz="2400" i="1" smtClean="0">
-                                              <a:latin typeface="Cambria Math"/>
+                                              <a:latin typeface="Cambria Math" panose="02040503050406030204" pitchFamily="18" charset="0"/>
                                             </a:rPr>
                                           </m:ctrlPr>
                                         </m:mPr>
@@ -4637,7 +4633,7 @@
                           <m:endChr m:val="]"/>
                           <m:ctrlPr>
                             <a:rPr lang="en-US" altLang="ko-KR" sz="2400" i="1" smtClean="0">
-                              <a:latin typeface="Cambria Math"/>
+                              <a:latin typeface="Cambria Math" panose="02040503050406030204" pitchFamily="18" charset="0"/>
                             </a:rPr>
                           </m:ctrlPr>
                         </m:dPr>
@@ -4654,7 +4650,7 @@
                               </m:mcs>
                               <m:ctrlPr>
                                 <a:rPr lang="en-US" altLang="ko-KR" sz="2400" i="1" smtClean="0">
-                                  <a:latin typeface="Cambria Math"/>
+                                  <a:latin typeface="Cambria Math" panose="02040503050406030204" pitchFamily="18" charset="0"/>
                                 </a:rPr>
                               </m:ctrlPr>
                             </m:mPr>
@@ -4672,7 +4668,7 @@
                                     </m:mcs>
                                     <m:ctrlPr>
                                       <a:rPr lang="en-US" altLang="ko-KR" sz="2400" i="1" smtClean="0">
-                                        <a:latin typeface="Cambria Math"/>
+                                        <a:latin typeface="Cambria Math" panose="02040503050406030204" pitchFamily="18" charset="0"/>
                                       </a:rPr>
                                     </m:ctrlPr>
                                   </m:mPr>
@@ -4690,7 +4686,7 @@
                                           </m:mcs>
                                           <m:ctrlPr>
                                             <a:rPr lang="en-US" altLang="ko-KR" sz="2400" i="1" smtClean="0">
-                                              <a:latin typeface="Cambria Math"/>
+                                              <a:latin typeface="Cambria Math" panose="02040503050406030204" pitchFamily="18" charset="0"/>
                                             </a:rPr>
                                           </m:ctrlPr>
                                         </m:mPr>
@@ -4746,7 +4742,7 @@
                                           </m:mcs>
                                           <m:ctrlPr>
                                             <a:rPr lang="en-US" altLang="ko-KR" sz="2400" i="1" smtClean="0">
-                                              <a:latin typeface="Cambria Math"/>
+                                              <a:latin typeface="Cambria Math" panose="02040503050406030204" pitchFamily="18" charset="0"/>
                                             </a:rPr>
                                           </m:ctrlPr>
                                         </m:mPr>
@@ -4805,7 +4801,7 @@
                                     </m:mcs>
                                     <m:ctrlPr>
                                       <a:rPr lang="en-US" altLang="ko-KR" sz="2400" i="1" smtClean="0">
-                                        <a:latin typeface="Cambria Math"/>
+                                        <a:latin typeface="Cambria Math" panose="02040503050406030204" pitchFamily="18" charset="0"/>
                                       </a:rPr>
                                     </m:ctrlPr>
                                   </m:mPr>
@@ -4823,7 +4819,7 @@
                                           </m:mcs>
                                           <m:ctrlPr>
                                             <a:rPr lang="en-US" altLang="ko-KR" sz="2400" i="1" smtClean="0">
-                                              <a:latin typeface="Cambria Math"/>
+                                              <a:latin typeface="Cambria Math" panose="02040503050406030204" pitchFamily="18" charset="0"/>
                                             </a:rPr>
                                           </m:ctrlPr>
                                         </m:mPr>
@@ -4879,7 +4875,7 @@
                                           </m:mcs>
                                           <m:ctrlPr>
                                             <a:rPr lang="en-US" altLang="ko-KR" sz="2400" i="1" smtClean="0">
-                                              <a:latin typeface="Cambria Math"/>
+                                              <a:latin typeface="Cambria Math" panose="02040503050406030204" pitchFamily="18" charset="0"/>
                                             </a:rPr>
                                           </m:ctrlPr>
                                         </m:mPr>
@@ -17242,10 +17238,9 @@
           <a:lstStyle/>
           <a:p>
             <a:r>
-              <a:rPr lang="ko-KR" altLang="en-US" b="1" dirty="0" smtClean="0"/>
+              <a:rPr lang="ko-KR" altLang="en-US" b="1" dirty="0"/>
               <a:t>푸리에 행렬</a:t>
             </a:r>
-            <a:endParaRPr lang="ko-KR" altLang="en-US" b="1" dirty="0"/>
           </a:p>
         </p:txBody>
       </p:sp>
@@ -17273,15 +17268,15 @@
           <a:p>
             <a:pPr algn="ctr"/>
             <a:r>
-              <a:rPr lang="ko-KR" altLang="en-US" b="1" dirty="0" smtClean="0"/>
+              <a:rPr lang="ko-KR" altLang="en-US" b="1" dirty="0"/>
               <a:t>시간 신호 표현</a:t>
             </a:r>
-            <a:endParaRPr lang="en-US" altLang="ko-KR" b="1" dirty="0" smtClean="0"/>
+            <a:endParaRPr lang="en-US" altLang="ko-KR" b="1" dirty="0"/>
           </a:p>
           <a:p>
             <a:pPr algn="ctr"/>
             <a:r>
-              <a:rPr lang="en-US" altLang="ko-KR" b="1" dirty="0" smtClean="0"/>
+              <a:rPr lang="en-US" altLang="ko-KR" b="1" dirty="0"/>
               <a:t>(cosine)</a:t>
             </a:r>
             <a:endParaRPr lang="ko-KR" altLang="en-US" b="1" dirty="0"/>
@@ -23218,10 +23213,9 @@
           <a:lstStyle/>
           <a:p>
             <a:r>
-              <a:rPr lang="ko-KR" altLang="en-US" b="1" dirty="0" smtClean="0"/>
+              <a:rPr lang="ko-KR" altLang="en-US" b="1" dirty="0"/>
               <a:t>푸리에 행렬</a:t>
             </a:r>
-            <a:endParaRPr lang="ko-KR" altLang="en-US" b="1" dirty="0"/>
           </a:p>
         </p:txBody>
       </p:sp>
@@ -23249,15 +23243,15 @@
           <a:p>
             <a:pPr algn="ctr"/>
             <a:r>
-              <a:rPr lang="ko-KR" altLang="en-US" b="1" dirty="0" smtClean="0"/>
+              <a:rPr lang="ko-KR" altLang="en-US" b="1" dirty="0"/>
               <a:t>시간 신호 표현</a:t>
             </a:r>
-            <a:endParaRPr lang="en-US" altLang="ko-KR" b="1" dirty="0" smtClean="0"/>
+            <a:endParaRPr lang="en-US" altLang="ko-KR" b="1" dirty="0"/>
           </a:p>
           <a:p>
             <a:pPr algn="ctr"/>
             <a:r>
-              <a:rPr lang="en-US" altLang="ko-KR" b="1" dirty="0" smtClean="0"/>
+              <a:rPr lang="en-US" altLang="ko-KR" b="1" dirty="0"/>
               <a:t>(sine)</a:t>
             </a:r>
             <a:endParaRPr lang="ko-KR" altLang="en-US" b="1" dirty="0"/>
@@ -23286,7 +23280,7 @@
           </a:stretch>
         </p:blipFill>
         <p:spPr bwMode="auto">
-          <a:xfrm>
+          <a:xfrm flipV="1">
             <a:off x="6228184" y="1450107"/>
             <a:ext cx="2371725" cy="466725"/>
           </a:xfrm>
@@ -23350,7 +23344,7 @@
           </a:stretch>
         </p:blipFill>
         <p:spPr bwMode="auto">
-          <a:xfrm>
+          <a:xfrm flipV="1">
             <a:off x="6228179" y="1879660"/>
             <a:ext cx="2371725" cy="466725"/>
           </a:xfrm>
@@ -23414,7 +23408,7 @@
           </a:stretch>
         </p:blipFill>
         <p:spPr bwMode="auto">
-          <a:xfrm>
+          <a:xfrm flipV="1">
             <a:off x="6228184" y="2401838"/>
             <a:ext cx="2371725" cy="466725"/>
           </a:xfrm>
@@ -23478,7 +23472,7 @@
           </a:stretch>
         </p:blipFill>
         <p:spPr bwMode="auto">
-          <a:xfrm>
+          <a:xfrm flipV="1">
             <a:off x="6230844" y="2921828"/>
             <a:ext cx="2371725" cy="466725"/>
           </a:xfrm>
@@ -23542,7 +23536,7 @@
           </a:stretch>
         </p:blipFill>
         <p:spPr bwMode="auto">
-          <a:xfrm>
+          <a:xfrm flipV="1">
             <a:off x="6232858" y="3442086"/>
             <a:ext cx="2371725" cy="466725"/>
           </a:xfrm>
@@ -23606,7 +23600,7 @@
           </a:stretch>
         </p:blipFill>
         <p:spPr bwMode="auto">
-          <a:xfrm>
+          <a:xfrm flipV="1">
             <a:off x="6229683" y="3960492"/>
             <a:ext cx="2371725" cy="466725"/>
           </a:xfrm>
@@ -23670,7 +23664,7 @@
           </a:stretch>
         </p:blipFill>
         <p:spPr bwMode="auto">
-          <a:xfrm>
+          <a:xfrm flipV="1">
             <a:off x="6224697" y="4485214"/>
             <a:ext cx="2371725" cy="466725"/>
           </a:xfrm>
@@ -23734,7 +23728,7 @@
           </a:stretch>
         </p:blipFill>
         <p:spPr bwMode="auto">
-          <a:xfrm>
+          <a:xfrm flipV="1">
             <a:off x="6228178" y="5005168"/>
             <a:ext cx="2371725" cy="466725"/>
           </a:xfrm>
@@ -23783,7 +23777,7 @@
           <p:nvPr/>
         </p:nvSpPr>
         <p:spPr>
-          <a:xfrm>
+          <a:xfrm flipV="1">
             <a:off x="6372200" y="1374515"/>
             <a:ext cx="2088232" cy="493692"/>
           </a:xfrm>
@@ -23831,7 +23825,7 @@
           <p:nvPr/>
         </p:nvSpPr>
         <p:spPr>
-          <a:xfrm>
+          <a:xfrm flipV="1">
             <a:off x="6372200" y="1893494"/>
             <a:ext cx="2088232" cy="493692"/>
           </a:xfrm>
@@ -23879,7 +23873,7 @@
           <p:nvPr/>
         </p:nvSpPr>
         <p:spPr>
-          <a:xfrm>
+          <a:xfrm flipV="1">
             <a:off x="6372200" y="2412473"/>
             <a:ext cx="2088232" cy="493692"/>
           </a:xfrm>
@@ -23927,7 +23921,7 @@
           <p:nvPr/>
         </p:nvSpPr>
         <p:spPr>
-          <a:xfrm>
+          <a:xfrm flipV="1">
             <a:off x="6372200" y="2931452"/>
             <a:ext cx="2088232" cy="493692"/>
           </a:xfrm>
@@ -23975,7 +23969,7 @@
           <p:nvPr/>
         </p:nvSpPr>
         <p:spPr>
-          <a:xfrm>
+          <a:xfrm flipV="1">
             <a:off x="6372200" y="3450431"/>
             <a:ext cx="2088232" cy="493692"/>
           </a:xfrm>
@@ -24023,7 +24017,7 @@
           <p:nvPr/>
         </p:nvSpPr>
         <p:spPr>
-          <a:xfrm>
+          <a:xfrm flipV="1">
             <a:off x="6372200" y="3969410"/>
             <a:ext cx="2088232" cy="493692"/>
           </a:xfrm>
@@ -24071,7 +24065,7 @@
           <p:nvPr/>
         </p:nvSpPr>
         <p:spPr>
-          <a:xfrm>
+          <a:xfrm flipV="1">
             <a:off x="6372200" y="4488389"/>
             <a:ext cx="2088232" cy="493692"/>
           </a:xfrm>
@@ -24119,7 +24113,7 @@
           <p:nvPr/>
         </p:nvSpPr>
         <p:spPr>
-          <a:xfrm>
+          <a:xfrm flipV="1">
             <a:off x="6372200" y="5007368"/>
             <a:ext cx="2088232" cy="493692"/>
           </a:xfrm>

--- a/pics/2019-07-14-Freq_Sampling/pics.pptx
+++ b/pics/2019-07-14-Freq_Sampling/pics.pptx
@@ -10,6 +10,7 @@
     <p:sldId id="256" r:id="rId4"/>
     <p:sldId id="257" r:id="rId5"/>
     <p:sldId id="258" r:id="rId6"/>
+    <p:sldId id="261" r:id="rId7"/>
   </p:sldIdLst>
   <p:sldSz cx="9144000" cy="6858000" type="screen4x3"/>
   <p:notesSz cx="6858000" cy="9144000"/>
@@ -306,7 +307,7 @@
           <a:p>
             <a:fld id="{FB30EDBD-1C2D-4C1E-B459-B60219FAB484}" type="datetimeFigureOut">
               <a:rPr lang="ko-KR" altLang="en-US" smtClean="0"/>
-              <a:t>2020-11-06</a:t>
+              <a:t>2020-11-08</a:t>
             </a:fld>
             <a:endParaRPr lang="ko-KR" altLang="en-US"/>
           </a:p>
@@ -469,7 +470,7 @@
           <a:p>
             <a:fld id="{FB30EDBD-1C2D-4C1E-B459-B60219FAB484}" type="datetimeFigureOut">
               <a:rPr lang="ko-KR" altLang="en-US" smtClean="0"/>
-              <a:t>2020-11-06</a:t>
+              <a:t>2020-11-08</a:t>
             </a:fld>
             <a:endParaRPr lang="ko-KR" altLang="en-US"/>
           </a:p>
@@ -642,7 +643,7 @@
           <a:p>
             <a:fld id="{FB30EDBD-1C2D-4C1E-B459-B60219FAB484}" type="datetimeFigureOut">
               <a:rPr lang="ko-KR" altLang="en-US" smtClean="0"/>
-              <a:t>2020-11-06</a:t>
+              <a:t>2020-11-08</a:t>
             </a:fld>
             <a:endParaRPr lang="ko-KR" altLang="en-US"/>
           </a:p>
@@ -805,7 +806,7 @@
           <a:p>
             <a:fld id="{FB30EDBD-1C2D-4C1E-B459-B60219FAB484}" type="datetimeFigureOut">
               <a:rPr lang="ko-KR" altLang="en-US" smtClean="0"/>
-              <a:t>2020-11-06</a:t>
+              <a:t>2020-11-08</a:t>
             </a:fld>
             <a:endParaRPr lang="ko-KR" altLang="en-US"/>
           </a:p>
@@ -1045,7 +1046,7 @@
           <a:p>
             <a:fld id="{FB30EDBD-1C2D-4C1E-B459-B60219FAB484}" type="datetimeFigureOut">
               <a:rPr lang="ko-KR" altLang="en-US" smtClean="0"/>
-              <a:t>2020-11-06</a:t>
+              <a:t>2020-11-08</a:t>
             </a:fld>
             <a:endParaRPr lang="ko-KR" altLang="en-US"/>
           </a:p>
@@ -1325,7 +1326,7 @@
           <a:p>
             <a:fld id="{FB30EDBD-1C2D-4C1E-B459-B60219FAB484}" type="datetimeFigureOut">
               <a:rPr lang="ko-KR" altLang="en-US" smtClean="0"/>
-              <a:t>2020-11-06</a:t>
+              <a:t>2020-11-08</a:t>
             </a:fld>
             <a:endParaRPr lang="ko-KR" altLang="en-US"/>
           </a:p>
@@ -1739,7 +1740,7 @@
           <a:p>
             <a:fld id="{FB30EDBD-1C2D-4C1E-B459-B60219FAB484}" type="datetimeFigureOut">
               <a:rPr lang="ko-KR" altLang="en-US" smtClean="0"/>
-              <a:t>2020-11-06</a:t>
+              <a:t>2020-11-08</a:t>
             </a:fld>
             <a:endParaRPr lang="ko-KR" altLang="en-US"/>
           </a:p>
@@ -1851,7 +1852,7 @@
           <a:p>
             <a:fld id="{FB30EDBD-1C2D-4C1E-B459-B60219FAB484}" type="datetimeFigureOut">
               <a:rPr lang="ko-KR" altLang="en-US" smtClean="0"/>
-              <a:t>2020-11-06</a:t>
+              <a:t>2020-11-08</a:t>
             </a:fld>
             <a:endParaRPr lang="ko-KR" altLang="en-US"/>
           </a:p>
@@ -1941,7 +1942,7 @@
           <a:p>
             <a:fld id="{FB30EDBD-1C2D-4C1E-B459-B60219FAB484}" type="datetimeFigureOut">
               <a:rPr lang="ko-KR" altLang="en-US" smtClean="0"/>
-              <a:t>2020-11-06</a:t>
+              <a:t>2020-11-08</a:t>
             </a:fld>
             <a:endParaRPr lang="ko-KR" altLang="en-US"/>
           </a:p>
@@ -2211,7 +2212,7 @@
           <a:p>
             <a:fld id="{FB30EDBD-1C2D-4C1E-B459-B60219FAB484}" type="datetimeFigureOut">
               <a:rPr lang="ko-KR" altLang="en-US" smtClean="0"/>
-              <a:t>2020-11-06</a:t>
+              <a:t>2020-11-08</a:t>
             </a:fld>
             <a:endParaRPr lang="ko-KR" altLang="en-US"/>
           </a:p>
@@ -2458,7 +2459,7 @@
           <a:p>
             <a:fld id="{FB30EDBD-1C2D-4C1E-B459-B60219FAB484}" type="datetimeFigureOut">
               <a:rPr lang="ko-KR" altLang="en-US" smtClean="0"/>
-              <a:t>2020-11-06</a:t>
+              <a:t>2020-11-08</a:t>
             </a:fld>
             <a:endParaRPr lang="ko-KR" altLang="en-US"/>
           </a:p>
@@ -2664,7 +2665,7 @@
           <a:p>
             <a:fld id="{FB30EDBD-1C2D-4C1E-B459-B60219FAB484}" type="datetimeFigureOut">
               <a:rPr lang="ko-KR" altLang="en-US" smtClean="0"/>
-              <a:t>2020-11-06</a:t>
+              <a:t>2020-11-08</a:t>
             </a:fld>
             <a:endParaRPr lang="ko-KR" altLang="en-US"/>
           </a:p>
@@ -24167,6 +24168,9584 @@
 </p:sld>
 </file>
 
+<file path=ppt/slides/slide6.xml><?xml version="1.0" encoding="utf-8"?>
+<p:sld xmlns:a="http://schemas.openxmlformats.org/drawingml/2006/main" xmlns:r="http://schemas.openxmlformats.org/officeDocument/2006/relationships" xmlns:p="http://schemas.openxmlformats.org/presentationml/2006/main">
+  <p:cSld>
+    <p:spTree>
+      <p:nvGrpSpPr>
+        <p:cNvPr id="1" name=""/>
+        <p:cNvGrpSpPr/>
+        <p:nvPr/>
+      </p:nvGrpSpPr>
+      <p:grpSpPr>
+        <a:xfrm>
+          <a:off x="0" y="0"/>
+          <a:ext cx="0" cy="0"/>
+          <a:chOff x="0" y="0"/>
+          <a:chExt cx="0" cy="0"/>
+        </a:xfrm>
+      </p:grpSpPr>
+      <p:sp>
+        <p:nvSpPr>
+          <p:cNvPr id="145" name="TextBox 144"/>
+          <p:cNvSpPr txBox="1"/>
+          <p:nvPr/>
+        </p:nvSpPr>
+        <p:spPr>
+          <a:xfrm>
+            <a:off x="1107642" y="1558540"/>
+            <a:ext cx="1420582" cy="369332"/>
+          </a:xfrm>
+          <a:prstGeom prst="rect">
+            <a:avLst/>
+          </a:prstGeom>
+          <a:noFill/>
+        </p:spPr>
+        <p:txBody>
+          <a:bodyPr wrap="none" rtlCol="0">
+            <a:spAutoFit/>
+          </a:bodyPr>
+          <a:lstStyle/>
+          <a:p>
+            <a:r>
+              <a:rPr lang="ko-KR" altLang="en-US" b="1" dirty="0"/>
+              <a:t>푸리에 행렬</a:t>
+            </a:r>
+          </a:p>
+        </p:txBody>
+      </p:sp>
+      <p:sp>
+        <p:nvSpPr>
+          <p:cNvPr id="169" name="TextBox 168"/>
+          <p:cNvSpPr txBox="1"/>
+          <p:nvPr/>
+        </p:nvSpPr>
+        <p:spPr>
+          <a:xfrm>
+            <a:off x="7448139" y="692696"/>
+            <a:ext cx="877163" cy="646331"/>
+          </a:xfrm>
+          <a:prstGeom prst="rect">
+            <a:avLst/>
+          </a:prstGeom>
+          <a:noFill/>
+        </p:spPr>
+        <p:txBody>
+          <a:bodyPr wrap="none" rtlCol="0">
+            <a:spAutoFit/>
+          </a:bodyPr>
+          <a:lstStyle/>
+          <a:p>
+            <a:pPr algn="ctr"/>
+            <a:r>
+              <a:rPr lang="ko-KR" altLang="en-US" b="1" dirty="0" err="1"/>
+              <a:t>허수부</a:t>
+            </a:r>
+            <a:endParaRPr lang="en-US" altLang="ko-KR" b="1" dirty="0"/>
+          </a:p>
+          <a:p>
+            <a:pPr algn="ctr"/>
+            <a:r>
+              <a:rPr lang="en-US" altLang="ko-KR" b="1" dirty="0"/>
+              <a:t>(sine)</a:t>
+            </a:r>
+            <a:endParaRPr lang="ko-KR" altLang="en-US" b="1" dirty="0"/>
+          </a:p>
+        </p:txBody>
+      </p:sp>
+      <p:pic>
+        <p:nvPicPr>
+          <p:cNvPr id="172" name="Picture 7"/>
+          <p:cNvPicPr>
+            <a:picLocks noChangeAspect="1" noChangeArrowheads="1"/>
+          </p:cNvPicPr>
+          <p:nvPr/>
+        </p:nvPicPr>
+        <p:blipFill>
+          <a:blip r:embed="rId2">
+            <a:extLst>
+              <a:ext uri="{28A0092B-C50C-407E-A947-70E740481C1C}">
+                <a14:useLocalDpi xmlns:a14="http://schemas.microsoft.com/office/drawing/2010/main" val="0"/>
+              </a:ext>
+            </a:extLst>
+          </a:blip>
+          <a:srcRect/>
+          <a:stretch>
+            <a:fillRect/>
+          </a:stretch>
+        </p:blipFill>
+        <p:spPr bwMode="auto">
+          <a:xfrm flipV="1">
+            <a:off x="6661596" y="3929390"/>
+            <a:ext cx="2371725" cy="466725"/>
+          </a:xfrm>
+          <a:prstGeom prst="rect">
+            <a:avLst/>
+          </a:prstGeom>
+          <a:noFill/>
+          <a:ln>
+            <a:noFill/>
+          </a:ln>
+          <a:effectLst/>
+          <a:extLst>
+            <a:ext uri="{909E8E84-426E-40DD-AFC4-6F175D3DCCD1}">
+              <a14:hiddenFill xmlns:a14="http://schemas.microsoft.com/office/drawing/2010/main">
+                <a:solidFill>
+                  <a:schemeClr val="accent1"/>
+                </a:solidFill>
+              </a14:hiddenFill>
+            </a:ext>
+            <a:ext uri="{91240B29-F687-4F45-9708-019B960494DF}">
+              <a14:hiddenLine xmlns:a14="http://schemas.microsoft.com/office/drawing/2010/main" w="9525">
+                <a:solidFill>
+                  <a:schemeClr val="tx1"/>
+                </a:solidFill>
+                <a:miter lim="800000"/>
+                <a:headEnd/>
+                <a:tailEnd/>
+              </a14:hiddenLine>
+            </a:ext>
+            <a:ext uri="{AF507438-7753-43E0-B8FC-AC1667EBCBE1}">
+              <a14:hiddenEffects xmlns:a14="http://schemas.microsoft.com/office/drawing/2010/main">
+                <a:effectLst>
+                  <a:outerShdw dist="35921" dir="2700000" algn="ctr" rotWithShape="0">
+                    <a:schemeClr val="bg2"/>
+                  </a:outerShdw>
+                </a:effectLst>
+              </a14:hiddenEffects>
+            </a:ext>
+          </a:extLst>
+        </p:spPr>
+      </p:pic>
+      <p:pic>
+        <p:nvPicPr>
+          <p:cNvPr id="175" name="Picture 8"/>
+          <p:cNvPicPr>
+            <a:picLocks noChangeAspect="1" noChangeArrowheads="1"/>
+          </p:cNvPicPr>
+          <p:nvPr/>
+        </p:nvPicPr>
+        <p:blipFill>
+          <a:blip r:embed="rId3">
+            <a:extLst>
+              <a:ext uri="{28A0092B-C50C-407E-A947-70E740481C1C}">
+                <a14:useLocalDpi xmlns:a14="http://schemas.microsoft.com/office/drawing/2010/main" val="0"/>
+              </a:ext>
+            </a:extLst>
+          </a:blip>
+          <a:srcRect/>
+          <a:stretch>
+            <a:fillRect/>
+          </a:stretch>
+        </p:blipFill>
+        <p:spPr bwMode="auto">
+          <a:xfrm flipV="1">
+            <a:off x="6656610" y="4456809"/>
+            <a:ext cx="2371725" cy="466725"/>
+          </a:xfrm>
+          <a:prstGeom prst="rect">
+            <a:avLst/>
+          </a:prstGeom>
+          <a:noFill/>
+          <a:ln>
+            <a:noFill/>
+          </a:ln>
+          <a:effectLst/>
+          <a:extLst>
+            <a:ext uri="{909E8E84-426E-40DD-AFC4-6F175D3DCCD1}">
+              <a14:hiddenFill xmlns:a14="http://schemas.microsoft.com/office/drawing/2010/main">
+                <a:solidFill>
+                  <a:schemeClr val="accent1"/>
+                </a:solidFill>
+              </a14:hiddenFill>
+            </a:ext>
+            <a:ext uri="{91240B29-F687-4F45-9708-019B960494DF}">
+              <a14:hiddenLine xmlns:a14="http://schemas.microsoft.com/office/drawing/2010/main" w="9525">
+                <a:solidFill>
+                  <a:schemeClr val="tx1"/>
+                </a:solidFill>
+                <a:miter lim="800000"/>
+                <a:headEnd/>
+                <a:tailEnd/>
+              </a14:hiddenLine>
+            </a:ext>
+            <a:ext uri="{AF507438-7753-43E0-B8FC-AC1667EBCBE1}">
+              <a14:hiddenEffects xmlns:a14="http://schemas.microsoft.com/office/drawing/2010/main">
+                <a:effectLst>
+                  <a:outerShdw dist="35921" dir="2700000" algn="ctr" rotWithShape="0">
+                    <a:schemeClr val="bg2"/>
+                  </a:outerShdw>
+                </a:effectLst>
+              </a14:hiddenEffects>
+            </a:ext>
+          </a:extLst>
+        </p:spPr>
+      </p:pic>
+      <p:pic>
+        <p:nvPicPr>
+          <p:cNvPr id="177" name="Picture 9"/>
+          <p:cNvPicPr>
+            <a:picLocks noChangeAspect="1" noChangeArrowheads="1"/>
+          </p:cNvPicPr>
+          <p:nvPr/>
+        </p:nvPicPr>
+        <p:blipFill>
+          <a:blip r:embed="rId4">
+            <a:extLst>
+              <a:ext uri="{28A0092B-C50C-407E-A947-70E740481C1C}">
+                <a14:useLocalDpi xmlns:a14="http://schemas.microsoft.com/office/drawing/2010/main" val="0"/>
+              </a:ext>
+            </a:extLst>
+          </a:blip>
+          <a:srcRect/>
+          <a:stretch>
+            <a:fillRect/>
+          </a:stretch>
+        </p:blipFill>
+        <p:spPr bwMode="auto">
+          <a:xfrm flipV="1">
+            <a:off x="6660091" y="4974349"/>
+            <a:ext cx="2371725" cy="466725"/>
+          </a:xfrm>
+          <a:prstGeom prst="rect">
+            <a:avLst/>
+          </a:prstGeom>
+          <a:noFill/>
+          <a:ln>
+            <a:noFill/>
+          </a:ln>
+          <a:effectLst/>
+          <a:extLst>
+            <a:ext uri="{909E8E84-426E-40DD-AFC4-6F175D3DCCD1}">
+              <a14:hiddenFill xmlns:a14="http://schemas.microsoft.com/office/drawing/2010/main">
+                <a:solidFill>
+                  <a:schemeClr val="accent1"/>
+                </a:solidFill>
+              </a14:hiddenFill>
+            </a:ext>
+            <a:ext uri="{91240B29-F687-4F45-9708-019B960494DF}">
+              <a14:hiddenLine xmlns:a14="http://schemas.microsoft.com/office/drawing/2010/main" w="9525">
+                <a:solidFill>
+                  <a:schemeClr val="tx1"/>
+                </a:solidFill>
+                <a:miter lim="800000"/>
+                <a:headEnd/>
+                <a:tailEnd/>
+              </a14:hiddenLine>
+            </a:ext>
+            <a:ext uri="{AF507438-7753-43E0-B8FC-AC1667EBCBE1}">
+              <a14:hiddenEffects xmlns:a14="http://schemas.microsoft.com/office/drawing/2010/main">
+                <a:effectLst>
+                  <a:outerShdw dist="35921" dir="2700000" algn="ctr" rotWithShape="0">
+                    <a:schemeClr val="bg2"/>
+                  </a:outerShdw>
+                </a:effectLst>
+              </a14:hiddenEffects>
+            </a:ext>
+          </a:extLst>
+        </p:spPr>
+      </p:pic>
+      <p:sp>
+        <p:nvSpPr>
+          <p:cNvPr id="183" name="직사각형 182"/>
+          <p:cNvSpPr/>
+          <p:nvPr/>
+        </p:nvSpPr>
+        <p:spPr>
+          <a:xfrm flipV="1">
+            <a:off x="6804113" y="3969410"/>
+            <a:ext cx="2088232" cy="493692"/>
+          </a:xfrm>
+          <a:prstGeom prst="rect">
+            <a:avLst/>
+          </a:prstGeom>
+          <a:solidFill>
+            <a:srgbClr val="00FFFF">
+              <a:alpha val="29804"/>
+            </a:srgbClr>
+          </a:solidFill>
+          <a:ln>
+            <a:noFill/>
+          </a:ln>
+        </p:spPr>
+        <p:style>
+          <a:lnRef idx="2">
+            <a:schemeClr val="accent1">
+              <a:shade val="50000"/>
+            </a:schemeClr>
+          </a:lnRef>
+          <a:fillRef idx="1">
+            <a:schemeClr val="accent1"/>
+          </a:fillRef>
+          <a:effectRef idx="0">
+            <a:schemeClr val="accent1"/>
+          </a:effectRef>
+          <a:fontRef idx="minor">
+            <a:schemeClr val="lt1"/>
+          </a:fontRef>
+        </p:style>
+        <p:txBody>
+          <a:bodyPr rtlCol="0" anchor="ctr"/>
+          <a:lstStyle/>
+          <a:p>
+            <a:pPr algn="ctr"/>
+            <a:endParaRPr lang="ko-KR" altLang="en-US"/>
+          </a:p>
+        </p:txBody>
+      </p:sp>
+      <p:sp>
+        <p:nvSpPr>
+          <p:cNvPr id="184" name="직사각형 183"/>
+          <p:cNvSpPr/>
+          <p:nvPr/>
+        </p:nvSpPr>
+        <p:spPr>
+          <a:xfrm flipV="1">
+            <a:off x="6804113" y="4488389"/>
+            <a:ext cx="2088232" cy="493692"/>
+          </a:xfrm>
+          <a:prstGeom prst="rect">
+            <a:avLst/>
+          </a:prstGeom>
+          <a:solidFill>
+            <a:srgbClr val="0080FF">
+              <a:alpha val="29804"/>
+            </a:srgbClr>
+          </a:solidFill>
+          <a:ln>
+            <a:noFill/>
+          </a:ln>
+        </p:spPr>
+        <p:style>
+          <a:lnRef idx="2">
+            <a:schemeClr val="accent1">
+              <a:shade val="50000"/>
+            </a:schemeClr>
+          </a:lnRef>
+          <a:fillRef idx="1">
+            <a:schemeClr val="accent1"/>
+          </a:fillRef>
+          <a:effectRef idx="0">
+            <a:schemeClr val="accent1"/>
+          </a:effectRef>
+          <a:fontRef idx="minor">
+            <a:schemeClr val="lt1"/>
+          </a:fontRef>
+        </p:style>
+        <p:txBody>
+          <a:bodyPr rtlCol="0" anchor="ctr"/>
+          <a:lstStyle/>
+          <a:p>
+            <a:pPr algn="ctr"/>
+            <a:endParaRPr lang="ko-KR" altLang="en-US"/>
+          </a:p>
+        </p:txBody>
+      </p:sp>
+      <p:sp>
+        <p:nvSpPr>
+          <p:cNvPr id="185" name="직사각형 184"/>
+          <p:cNvSpPr/>
+          <p:nvPr/>
+        </p:nvSpPr>
+        <p:spPr>
+          <a:xfrm flipV="1">
+            <a:off x="6804113" y="5007368"/>
+            <a:ext cx="2088232" cy="493692"/>
+          </a:xfrm>
+          <a:prstGeom prst="rect">
+            <a:avLst/>
+          </a:prstGeom>
+          <a:solidFill>
+            <a:srgbClr val="0000FF">
+              <a:alpha val="29804"/>
+            </a:srgbClr>
+          </a:solidFill>
+          <a:ln>
+            <a:noFill/>
+          </a:ln>
+        </p:spPr>
+        <p:style>
+          <a:lnRef idx="2">
+            <a:schemeClr val="accent1">
+              <a:shade val="50000"/>
+            </a:schemeClr>
+          </a:lnRef>
+          <a:fillRef idx="1">
+            <a:schemeClr val="accent1"/>
+          </a:fillRef>
+          <a:effectRef idx="0">
+            <a:schemeClr val="accent1"/>
+          </a:effectRef>
+          <a:fontRef idx="minor">
+            <a:schemeClr val="lt1"/>
+          </a:fontRef>
+        </p:style>
+        <p:txBody>
+          <a:bodyPr rtlCol="0" anchor="ctr"/>
+          <a:lstStyle/>
+          <a:p>
+            <a:pPr algn="ctr"/>
+            <a:endParaRPr lang="ko-KR" altLang="en-US"/>
+          </a:p>
+        </p:txBody>
+      </p:sp>
+      <p:pic>
+        <p:nvPicPr>
+          <p:cNvPr id="140" name="Picture 8">
+            <a:extLst>
+              <a:ext uri="{FF2B5EF4-FFF2-40B4-BE49-F238E27FC236}">
+                <a16:creationId xmlns:a16="http://schemas.microsoft.com/office/drawing/2014/main" id="{01CCEB37-F256-427A-8E9E-C64C872FCF9E}"/>
+              </a:ext>
+            </a:extLst>
+          </p:cNvPr>
+          <p:cNvPicPr>
+            <a:picLocks noChangeAspect="1" noChangeArrowheads="1"/>
+          </p:cNvPicPr>
+          <p:nvPr/>
+        </p:nvPicPr>
+        <p:blipFill>
+          <a:blip r:embed="rId5">
+            <a:extLst>
+              <a:ext uri="{28A0092B-C50C-407E-A947-70E740481C1C}">
+                <a14:useLocalDpi xmlns:a14="http://schemas.microsoft.com/office/drawing/2010/main" val="0"/>
+              </a:ext>
+            </a:extLst>
+          </a:blip>
+          <a:srcRect/>
+          <a:stretch>
+            <a:fillRect/>
+          </a:stretch>
+        </p:blipFill>
+        <p:spPr bwMode="auto">
+          <a:xfrm>
+            <a:off x="4034953" y="4030229"/>
+            <a:ext cx="2371725" cy="466725"/>
+          </a:xfrm>
+          <a:prstGeom prst="rect">
+            <a:avLst/>
+          </a:prstGeom>
+          <a:noFill/>
+          <a:ln>
+            <a:noFill/>
+          </a:ln>
+          <a:effectLst/>
+          <a:extLst>
+            <a:ext uri="{909E8E84-426E-40DD-AFC4-6F175D3DCCD1}">
+              <a14:hiddenFill xmlns:a14="http://schemas.microsoft.com/office/drawing/2010/main">
+                <a:solidFill>
+                  <a:schemeClr val="accent1"/>
+                </a:solidFill>
+              </a14:hiddenFill>
+            </a:ext>
+            <a:ext uri="{91240B29-F687-4F45-9708-019B960494DF}">
+              <a14:hiddenLine xmlns:a14="http://schemas.microsoft.com/office/drawing/2010/main" w="9525">
+                <a:solidFill>
+                  <a:schemeClr val="tx1"/>
+                </a:solidFill>
+                <a:miter lim="800000"/>
+                <a:headEnd/>
+                <a:tailEnd/>
+              </a14:hiddenLine>
+            </a:ext>
+            <a:ext uri="{AF507438-7753-43E0-B8FC-AC1667EBCBE1}">
+              <a14:hiddenEffects xmlns:a14="http://schemas.microsoft.com/office/drawing/2010/main">
+                <a:effectLst>
+                  <a:outerShdw dist="35921" dir="2700000" algn="ctr" rotWithShape="0">
+                    <a:schemeClr val="bg2"/>
+                  </a:outerShdw>
+                </a:effectLst>
+              </a14:hiddenEffects>
+            </a:ext>
+          </a:extLst>
+        </p:spPr>
+      </p:pic>
+      <p:pic>
+        <p:nvPicPr>
+          <p:cNvPr id="141" name="Picture 9">
+            <a:extLst>
+              <a:ext uri="{FF2B5EF4-FFF2-40B4-BE49-F238E27FC236}">
+                <a16:creationId xmlns:a16="http://schemas.microsoft.com/office/drawing/2014/main" id="{E2B4A344-8AB7-4B73-87EB-72F12ABD902C}"/>
+              </a:ext>
+            </a:extLst>
+          </p:cNvPr>
+          <p:cNvPicPr>
+            <a:picLocks noChangeAspect="1" noChangeArrowheads="1"/>
+          </p:cNvPicPr>
+          <p:nvPr/>
+        </p:nvPicPr>
+        <p:blipFill>
+          <a:blip r:embed="rId6">
+            <a:extLst>
+              <a:ext uri="{28A0092B-C50C-407E-A947-70E740481C1C}">
+                <a14:useLocalDpi xmlns:a14="http://schemas.microsoft.com/office/drawing/2010/main" val="0"/>
+              </a:ext>
+            </a:extLst>
+          </a:blip>
+          <a:srcRect/>
+          <a:stretch>
+            <a:fillRect/>
+          </a:stretch>
+        </p:blipFill>
+        <p:spPr bwMode="auto">
+          <a:xfrm>
+            <a:off x="4034953" y="4553801"/>
+            <a:ext cx="2371725" cy="466725"/>
+          </a:xfrm>
+          <a:prstGeom prst="rect">
+            <a:avLst/>
+          </a:prstGeom>
+          <a:noFill/>
+          <a:ln>
+            <a:noFill/>
+          </a:ln>
+          <a:effectLst/>
+          <a:extLst>
+            <a:ext uri="{909E8E84-426E-40DD-AFC4-6F175D3DCCD1}">
+              <a14:hiddenFill xmlns:a14="http://schemas.microsoft.com/office/drawing/2010/main">
+                <a:solidFill>
+                  <a:schemeClr val="accent1"/>
+                </a:solidFill>
+              </a14:hiddenFill>
+            </a:ext>
+            <a:ext uri="{91240B29-F687-4F45-9708-019B960494DF}">
+              <a14:hiddenLine xmlns:a14="http://schemas.microsoft.com/office/drawing/2010/main" w="9525">
+                <a:solidFill>
+                  <a:schemeClr val="tx1"/>
+                </a:solidFill>
+                <a:miter lim="800000"/>
+                <a:headEnd/>
+                <a:tailEnd/>
+              </a14:hiddenLine>
+            </a:ext>
+            <a:ext uri="{AF507438-7753-43E0-B8FC-AC1667EBCBE1}">
+              <a14:hiddenEffects xmlns:a14="http://schemas.microsoft.com/office/drawing/2010/main">
+                <a:effectLst>
+                  <a:outerShdw dist="35921" dir="2700000" algn="ctr" rotWithShape="0">
+                    <a:schemeClr val="bg2"/>
+                  </a:outerShdw>
+                </a:effectLst>
+              </a14:hiddenEffects>
+            </a:ext>
+          </a:extLst>
+        </p:spPr>
+      </p:pic>
+      <p:pic>
+        <p:nvPicPr>
+          <p:cNvPr id="142" name="Picture 10">
+            <a:extLst>
+              <a:ext uri="{FF2B5EF4-FFF2-40B4-BE49-F238E27FC236}">
+                <a16:creationId xmlns:a16="http://schemas.microsoft.com/office/drawing/2014/main" id="{45B55939-FD22-48BA-AF7F-1E5ED11940CB}"/>
+              </a:ext>
+            </a:extLst>
+          </p:cNvPr>
+          <p:cNvPicPr>
+            <a:picLocks noChangeAspect="1" noChangeArrowheads="1"/>
+          </p:cNvPicPr>
+          <p:nvPr/>
+        </p:nvPicPr>
+        <p:blipFill>
+          <a:blip r:embed="rId7">
+            <a:extLst>
+              <a:ext uri="{28A0092B-C50C-407E-A947-70E740481C1C}">
+                <a14:useLocalDpi xmlns:a14="http://schemas.microsoft.com/office/drawing/2010/main" val="0"/>
+              </a:ext>
+            </a:extLst>
+          </a:blip>
+          <a:srcRect/>
+          <a:stretch>
+            <a:fillRect/>
+          </a:stretch>
+        </p:blipFill>
+        <p:spPr bwMode="auto">
+          <a:xfrm>
+            <a:off x="4034953" y="5060671"/>
+            <a:ext cx="2371725" cy="466725"/>
+          </a:xfrm>
+          <a:prstGeom prst="rect">
+            <a:avLst/>
+          </a:prstGeom>
+          <a:noFill/>
+          <a:ln>
+            <a:noFill/>
+          </a:ln>
+          <a:effectLst/>
+          <a:extLst>
+            <a:ext uri="{909E8E84-426E-40DD-AFC4-6F175D3DCCD1}">
+              <a14:hiddenFill xmlns:a14="http://schemas.microsoft.com/office/drawing/2010/main">
+                <a:solidFill>
+                  <a:schemeClr val="accent1"/>
+                </a:solidFill>
+              </a14:hiddenFill>
+            </a:ext>
+            <a:ext uri="{91240B29-F687-4F45-9708-019B960494DF}">
+              <a14:hiddenLine xmlns:a14="http://schemas.microsoft.com/office/drawing/2010/main" w="9525">
+                <a:solidFill>
+                  <a:schemeClr val="tx1"/>
+                </a:solidFill>
+                <a:miter lim="800000"/>
+                <a:headEnd/>
+                <a:tailEnd/>
+              </a14:hiddenLine>
+            </a:ext>
+            <a:ext uri="{AF507438-7753-43E0-B8FC-AC1667EBCBE1}">
+              <a14:hiddenEffects xmlns:a14="http://schemas.microsoft.com/office/drawing/2010/main">
+                <a:effectLst>
+                  <a:outerShdw dist="35921" dir="2700000" algn="ctr" rotWithShape="0">
+                    <a:schemeClr val="bg2"/>
+                  </a:outerShdw>
+                </a:effectLst>
+              </a14:hiddenEffects>
+            </a:ext>
+          </a:extLst>
+        </p:spPr>
+      </p:pic>
+      <p:sp>
+        <p:nvSpPr>
+          <p:cNvPr id="150" name="직사각형 149">
+            <a:extLst>
+              <a:ext uri="{FF2B5EF4-FFF2-40B4-BE49-F238E27FC236}">
+                <a16:creationId xmlns:a16="http://schemas.microsoft.com/office/drawing/2014/main" id="{2733E4FF-708C-4698-BFAA-0F9BE0EF5897}"/>
+              </a:ext>
+            </a:extLst>
+          </p:cNvPr>
+          <p:cNvSpPr/>
+          <p:nvPr/>
+        </p:nvSpPr>
+        <p:spPr>
+          <a:xfrm>
+            <a:off x="4178973" y="3963117"/>
+            <a:ext cx="2088232" cy="493692"/>
+          </a:xfrm>
+          <a:prstGeom prst="rect">
+            <a:avLst/>
+          </a:prstGeom>
+          <a:solidFill>
+            <a:srgbClr val="00FFFF">
+              <a:alpha val="29804"/>
+            </a:srgbClr>
+          </a:solidFill>
+          <a:ln>
+            <a:noFill/>
+          </a:ln>
+        </p:spPr>
+        <p:style>
+          <a:lnRef idx="2">
+            <a:schemeClr val="accent1">
+              <a:shade val="50000"/>
+            </a:schemeClr>
+          </a:lnRef>
+          <a:fillRef idx="1">
+            <a:schemeClr val="accent1"/>
+          </a:fillRef>
+          <a:effectRef idx="0">
+            <a:schemeClr val="accent1"/>
+          </a:effectRef>
+          <a:fontRef idx="minor">
+            <a:schemeClr val="lt1"/>
+          </a:fontRef>
+        </p:style>
+        <p:txBody>
+          <a:bodyPr rtlCol="0" anchor="ctr"/>
+          <a:lstStyle/>
+          <a:p>
+            <a:pPr algn="ctr"/>
+            <a:endParaRPr lang="ko-KR" altLang="en-US"/>
+          </a:p>
+        </p:txBody>
+      </p:sp>
+      <p:sp>
+        <p:nvSpPr>
+          <p:cNvPr id="151" name="직사각형 150">
+            <a:extLst>
+              <a:ext uri="{FF2B5EF4-FFF2-40B4-BE49-F238E27FC236}">
+                <a16:creationId xmlns:a16="http://schemas.microsoft.com/office/drawing/2014/main" id="{FB6DD95D-0F28-4B26-AE78-9B9A812F3B16}"/>
+              </a:ext>
+            </a:extLst>
+          </p:cNvPr>
+          <p:cNvSpPr/>
+          <p:nvPr/>
+        </p:nvSpPr>
+        <p:spPr>
+          <a:xfrm>
+            <a:off x="4178973" y="4482096"/>
+            <a:ext cx="2088232" cy="493692"/>
+          </a:xfrm>
+          <a:prstGeom prst="rect">
+            <a:avLst/>
+          </a:prstGeom>
+          <a:solidFill>
+            <a:srgbClr val="0080FF">
+              <a:alpha val="29804"/>
+            </a:srgbClr>
+          </a:solidFill>
+          <a:ln>
+            <a:noFill/>
+          </a:ln>
+        </p:spPr>
+        <p:style>
+          <a:lnRef idx="2">
+            <a:schemeClr val="accent1">
+              <a:shade val="50000"/>
+            </a:schemeClr>
+          </a:lnRef>
+          <a:fillRef idx="1">
+            <a:schemeClr val="accent1"/>
+          </a:fillRef>
+          <a:effectRef idx="0">
+            <a:schemeClr val="accent1"/>
+          </a:effectRef>
+          <a:fontRef idx="minor">
+            <a:schemeClr val="lt1"/>
+          </a:fontRef>
+        </p:style>
+        <p:txBody>
+          <a:bodyPr rtlCol="0" anchor="ctr"/>
+          <a:lstStyle/>
+          <a:p>
+            <a:pPr algn="ctr"/>
+            <a:endParaRPr lang="ko-KR" altLang="en-US"/>
+          </a:p>
+        </p:txBody>
+      </p:sp>
+      <p:sp>
+        <p:nvSpPr>
+          <p:cNvPr id="157" name="직사각형 156">
+            <a:extLst>
+              <a:ext uri="{FF2B5EF4-FFF2-40B4-BE49-F238E27FC236}">
+                <a16:creationId xmlns:a16="http://schemas.microsoft.com/office/drawing/2014/main" id="{7BAC0ED7-2461-4421-BC04-A9B4D950841D}"/>
+              </a:ext>
+            </a:extLst>
+          </p:cNvPr>
+          <p:cNvSpPr/>
+          <p:nvPr/>
+        </p:nvSpPr>
+        <p:spPr>
+          <a:xfrm>
+            <a:off x="4178973" y="5001075"/>
+            <a:ext cx="2088232" cy="493692"/>
+          </a:xfrm>
+          <a:prstGeom prst="rect">
+            <a:avLst/>
+          </a:prstGeom>
+          <a:solidFill>
+            <a:srgbClr val="0000FF">
+              <a:alpha val="29804"/>
+            </a:srgbClr>
+          </a:solidFill>
+          <a:ln>
+            <a:noFill/>
+          </a:ln>
+        </p:spPr>
+        <p:style>
+          <a:lnRef idx="2">
+            <a:schemeClr val="accent1">
+              <a:shade val="50000"/>
+            </a:schemeClr>
+          </a:lnRef>
+          <a:fillRef idx="1">
+            <a:schemeClr val="accent1"/>
+          </a:fillRef>
+          <a:effectRef idx="0">
+            <a:schemeClr val="accent1"/>
+          </a:effectRef>
+          <a:fontRef idx="minor">
+            <a:schemeClr val="lt1"/>
+          </a:fontRef>
+        </p:style>
+        <p:txBody>
+          <a:bodyPr rtlCol="0" anchor="ctr"/>
+          <a:lstStyle/>
+          <a:p>
+            <a:pPr algn="ctr"/>
+            <a:endParaRPr lang="ko-KR" altLang="en-US"/>
+          </a:p>
+        </p:txBody>
+      </p:sp>
+      <p:sp>
+        <p:nvSpPr>
+          <p:cNvPr id="158" name="TextBox 157">
+            <a:extLst>
+              <a:ext uri="{FF2B5EF4-FFF2-40B4-BE49-F238E27FC236}">
+                <a16:creationId xmlns:a16="http://schemas.microsoft.com/office/drawing/2014/main" id="{1B54B007-28F6-40C6-91C9-316688246FE7}"/>
+              </a:ext>
+            </a:extLst>
+          </p:cNvPr>
+          <p:cNvSpPr txBox="1"/>
+          <p:nvPr/>
+        </p:nvSpPr>
+        <p:spPr>
+          <a:xfrm>
+            <a:off x="4738841" y="686403"/>
+            <a:ext cx="1045478" cy="646331"/>
+          </a:xfrm>
+          <a:prstGeom prst="rect">
+            <a:avLst/>
+          </a:prstGeom>
+          <a:noFill/>
+        </p:spPr>
+        <p:txBody>
+          <a:bodyPr wrap="none" rtlCol="0">
+            <a:spAutoFit/>
+          </a:bodyPr>
+          <a:lstStyle/>
+          <a:p>
+            <a:pPr algn="ctr"/>
+            <a:r>
+              <a:rPr lang="ko-KR" altLang="en-US" b="1"/>
+              <a:t>실수부</a:t>
+            </a:r>
+            <a:endParaRPr lang="en-US" altLang="ko-KR" b="1" dirty="0"/>
+          </a:p>
+          <a:p>
+            <a:pPr algn="ctr"/>
+            <a:r>
+              <a:rPr lang="en-US" altLang="ko-KR" b="1" dirty="0"/>
+              <a:t>(cosine)</a:t>
+            </a:r>
+            <a:endParaRPr lang="ko-KR" altLang="en-US" b="1" dirty="0"/>
+          </a:p>
+        </p:txBody>
+      </p:sp>
+      <p:pic>
+        <p:nvPicPr>
+          <p:cNvPr id="166" name="Picture 2"/>
+          <p:cNvPicPr>
+            <a:picLocks noChangeAspect="1" noChangeArrowheads="1"/>
+          </p:cNvPicPr>
+          <p:nvPr/>
+        </p:nvPicPr>
+        <p:blipFill>
+          <a:blip r:embed="rId8">
+            <a:extLst>
+              <a:ext uri="{28A0092B-C50C-407E-A947-70E740481C1C}">
+                <a14:useLocalDpi xmlns:a14="http://schemas.microsoft.com/office/drawing/2010/main" val="0"/>
+              </a:ext>
+            </a:extLst>
+          </a:blip>
+          <a:srcRect/>
+          <a:stretch>
+            <a:fillRect/>
+          </a:stretch>
+        </p:blipFill>
+        <p:spPr bwMode="auto">
+          <a:xfrm flipV="1">
+            <a:off x="6660097" y="1371344"/>
+            <a:ext cx="2371725" cy="466725"/>
+          </a:xfrm>
+          <a:prstGeom prst="rect">
+            <a:avLst/>
+          </a:prstGeom>
+          <a:noFill/>
+          <a:ln>
+            <a:noFill/>
+          </a:ln>
+          <a:effectLst/>
+          <a:extLst>
+            <a:ext uri="{909E8E84-426E-40DD-AFC4-6F175D3DCCD1}">
+              <a14:hiddenFill xmlns:a14="http://schemas.microsoft.com/office/drawing/2010/main">
+                <a:solidFill>
+                  <a:schemeClr val="accent1"/>
+                </a:solidFill>
+              </a14:hiddenFill>
+            </a:ext>
+            <a:ext uri="{91240B29-F687-4F45-9708-019B960494DF}">
+              <a14:hiddenLine xmlns:a14="http://schemas.microsoft.com/office/drawing/2010/main" w="9525">
+                <a:solidFill>
+                  <a:schemeClr val="tx1"/>
+                </a:solidFill>
+                <a:miter lim="800000"/>
+                <a:headEnd/>
+                <a:tailEnd/>
+              </a14:hiddenLine>
+            </a:ext>
+            <a:ext uri="{AF507438-7753-43E0-B8FC-AC1667EBCBE1}">
+              <a14:hiddenEffects xmlns:a14="http://schemas.microsoft.com/office/drawing/2010/main">
+                <a:effectLst>
+                  <a:outerShdw dist="35921" dir="2700000" algn="ctr" rotWithShape="0">
+                    <a:schemeClr val="bg2"/>
+                  </a:outerShdw>
+                </a:effectLst>
+              </a14:hiddenEffects>
+            </a:ext>
+          </a:extLst>
+        </p:spPr>
+      </p:pic>
+      <p:sp>
+        <p:nvSpPr>
+          <p:cNvPr id="178" name="직사각형 177"/>
+          <p:cNvSpPr/>
+          <p:nvPr/>
+        </p:nvSpPr>
+        <p:spPr>
+          <a:xfrm flipV="1">
+            <a:off x="6804113" y="1357860"/>
+            <a:ext cx="2088232" cy="493692"/>
+          </a:xfrm>
+          <a:prstGeom prst="rect">
+            <a:avLst/>
+          </a:prstGeom>
+          <a:solidFill>
+            <a:srgbClr val="800000">
+              <a:alpha val="29804"/>
+            </a:srgbClr>
+          </a:solidFill>
+          <a:ln>
+            <a:noFill/>
+          </a:ln>
+        </p:spPr>
+        <p:style>
+          <a:lnRef idx="2">
+            <a:schemeClr val="accent1">
+              <a:shade val="50000"/>
+            </a:schemeClr>
+          </a:lnRef>
+          <a:fillRef idx="1">
+            <a:schemeClr val="accent1"/>
+          </a:fillRef>
+          <a:effectRef idx="0">
+            <a:schemeClr val="accent1"/>
+          </a:effectRef>
+          <a:fontRef idx="minor">
+            <a:schemeClr val="lt1"/>
+          </a:fontRef>
+        </p:style>
+        <p:txBody>
+          <a:bodyPr rtlCol="0" anchor="ctr"/>
+          <a:lstStyle/>
+          <a:p>
+            <a:pPr algn="ctr"/>
+            <a:endParaRPr lang="ko-KR" altLang="en-US"/>
+          </a:p>
+        </p:txBody>
+      </p:sp>
+      <p:pic>
+        <p:nvPicPr>
+          <p:cNvPr id="2" name="Picture 3">
+            <a:extLst>
+              <a:ext uri="{FF2B5EF4-FFF2-40B4-BE49-F238E27FC236}">
+                <a16:creationId xmlns:a16="http://schemas.microsoft.com/office/drawing/2014/main" id="{4DA3E0C4-A7A6-4B99-83AE-3CC7EC04B687}"/>
+              </a:ext>
+            </a:extLst>
+          </p:cNvPr>
+          <p:cNvPicPr>
+            <a:picLocks noChangeAspect="1" noChangeArrowheads="1"/>
+          </p:cNvPicPr>
+          <p:nvPr/>
+        </p:nvPicPr>
+        <p:blipFill>
+          <a:blip r:embed="rId9">
+            <a:extLst>
+              <a:ext uri="{28A0092B-C50C-407E-A947-70E740481C1C}">
+                <a14:useLocalDpi xmlns:a14="http://schemas.microsoft.com/office/drawing/2010/main" val="0"/>
+              </a:ext>
+            </a:extLst>
+          </a:blip>
+          <a:srcRect/>
+          <a:stretch>
+            <a:fillRect/>
+          </a:stretch>
+        </p:blipFill>
+        <p:spPr bwMode="auto">
+          <a:xfrm>
+            <a:off x="4034953" y="1371344"/>
+            <a:ext cx="2371725" cy="466725"/>
+          </a:xfrm>
+          <a:prstGeom prst="rect">
+            <a:avLst/>
+          </a:prstGeom>
+          <a:noFill/>
+          <a:ln>
+            <a:noFill/>
+          </a:ln>
+          <a:effectLst/>
+          <a:extLst>
+            <a:ext uri="{909E8E84-426E-40DD-AFC4-6F175D3DCCD1}">
+              <a14:hiddenFill xmlns:a14="http://schemas.microsoft.com/office/drawing/2010/main">
+                <a:solidFill>
+                  <a:schemeClr val="accent1"/>
+                </a:solidFill>
+              </a14:hiddenFill>
+            </a:ext>
+            <a:ext uri="{91240B29-F687-4F45-9708-019B960494DF}">
+              <a14:hiddenLine xmlns:a14="http://schemas.microsoft.com/office/drawing/2010/main" w="9525">
+                <a:solidFill>
+                  <a:schemeClr val="tx1"/>
+                </a:solidFill>
+                <a:miter lim="800000"/>
+                <a:headEnd/>
+                <a:tailEnd/>
+              </a14:hiddenLine>
+            </a:ext>
+            <a:ext uri="{AF507438-7753-43E0-B8FC-AC1667EBCBE1}">
+              <a14:hiddenEffects xmlns:a14="http://schemas.microsoft.com/office/drawing/2010/main">
+                <a:effectLst>
+                  <a:outerShdw dist="35921" dir="2700000" algn="ctr" rotWithShape="0">
+                    <a:schemeClr val="bg2"/>
+                  </a:outerShdw>
+                </a:effectLst>
+              </a14:hiddenEffects>
+            </a:ext>
+          </a:extLst>
+        </p:spPr>
+      </p:pic>
+      <p:sp>
+        <p:nvSpPr>
+          <p:cNvPr id="143" name="직사각형 142">
+            <a:extLst>
+              <a:ext uri="{FF2B5EF4-FFF2-40B4-BE49-F238E27FC236}">
+                <a16:creationId xmlns:a16="http://schemas.microsoft.com/office/drawing/2014/main" id="{1EA41DC7-6DA1-4EE9-98A1-B9B524A32D12}"/>
+              </a:ext>
+            </a:extLst>
+          </p:cNvPr>
+          <p:cNvSpPr/>
+          <p:nvPr/>
+        </p:nvSpPr>
+        <p:spPr>
+          <a:xfrm>
+            <a:off x="4178973" y="1357860"/>
+            <a:ext cx="2088232" cy="493692"/>
+          </a:xfrm>
+          <a:prstGeom prst="rect">
+            <a:avLst/>
+          </a:prstGeom>
+          <a:solidFill>
+            <a:srgbClr val="800000">
+              <a:alpha val="29804"/>
+            </a:srgbClr>
+          </a:solidFill>
+          <a:ln>
+            <a:noFill/>
+          </a:ln>
+        </p:spPr>
+        <p:style>
+          <a:lnRef idx="2">
+            <a:schemeClr val="accent1">
+              <a:shade val="50000"/>
+            </a:schemeClr>
+          </a:lnRef>
+          <a:fillRef idx="1">
+            <a:schemeClr val="accent1"/>
+          </a:fillRef>
+          <a:effectRef idx="0">
+            <a:schemeClr val="accent1"/>
+          </a:effectRef>
+          <a:fontRef idx="minor">
+            <a:schemeClr val="lt1"/>
+          </a:fontRef>
+        </p:style>
+        <p:txBody>
+          <a:bodyPr rtlCol="0" anchor="ctr"/>
+          <a:lstStyle/>
+          <a:p>
+            <a:pPr algn="ctr"/>
+            <a:endParaRPr lang="ko-KR" altLang="en-US"/>
+          </a:p>
+        </p:txBody>
+      </p:sp>
+      <mc:AlternateContent xmlns:mc="http://schemas.openxmlformats.org/markup-compatibility/2006">
+        <mc:Choice xmlns:a14="http://schemas.microsoft.com/office/drawing/2010/main" Requires="a14">
+          <p:sp>
+            <p:nvSpPr>
+              <p:cNvPr id="160" name="TextBox 159">
+                <a:extLst>
+                  <a:ext uri="{FF2B5EF4-FFF2-40B4-BE49-F238E27FC236}">
+                    <a16:creationId xmlns:a16="http://schemas.microsoft.com/office/drawing/2014/main" id="{6DE7D932-6FBB-4923-A48B-791F183A0D3D}"/>
+                  </a:ext>
+                </a:extLst>
+              </p:cNvPr>
+              <p:cNvSpPr txBox="1"/>
+              <p:nvPr/>
+            </p:nvSpPr>
+            <p:spPr>
+              <a:xfrm>
+                <a:off x="6367188" y="1466207"/>
+                <a:ext cx="342210" cy="276999"/>
+              </a:xfrm>
+              <a:prstGeom prst="rect">
+                <a:avLst/>
+              </a:prstGeom>
+              <a:noFill/>
+            </p:spPr>
+            <p:txBody>
+              <a:bodyPr wrap="none" lIns="0" tIns="0" rIns="0" bIns="0" rtlCol="0">
+                <a:spAutoFit/>
+              </a:bodyPr>
+              <a:lstStyle/>
+              <a:p>
+                <a14:m>
+                  <m:oMathPara xmlns:m="http://schemas.openxmlformats.org/officeDocument/2006/math">
+                    <m:oMathParaPr>
+                      <m:jc m:val="centerGroup"/>
+                    </m:oMathParaPr>
+                    <m:oMath xmlns:m="http://schemas.openxmlformats.org/officeDocument/2006/math">
+                      <m:r>
+                        <a:rPr lang="en-US" altLang="ko-KR" b="0" i="1" smtClean="0">
+                          <a:latin typeface="Cambria Math" panose="02040503050406030204" pitchFamily="18" charset="0"/>
+                        </a:rPr>
+                        <m:t>+</m:t>
+                      </m:r>
+                      <m:r>
+                        <a:rPr lang="en-US" altLang="ko-KR" b="0" i="1" smtClean="0">
+                          <a:latin typeface="Cambria Math" panose="02040503050406030204" pitchFamily="18" charset="0"/>
+                        </a:rPr>
+                        <m:t>𝑗</m:t>
+                      </m:r>
+                    </m:oMath>
+                  </m:oMathPara>
+                </a14:m>
+                <a:endParaRPr lang="ko-KR" altLang="en-US" dirty="0"/>
+              </a:p>
+            </p:txBody>
+          </p:sp>
+        </mc:Choice>
+        <mc:Fallback>
+          <p:sp>
+            <p:nvSpPr>
+              <p:cNvPr id="160" name="TextBox 159">
+                <a:extLst>
+                  <a:ext uri="{FF2B5EF4-FFF2-40B4-BE49-F238E27FC236}">
+                    <a16:creationId xmlns:a16="http://schemas.microsoft.com/office/drawing/2014/main" id="{6DE7D932-6FBB-4923-A48B-791F183A0D3D}"/>
+                  </a:ext>
+                </a:extLst>
+              </p:cNvPr>
+              <p:cNvSpPr txBox="1">
+                <a:spLocks noRot="1" noChangeAspect="1" noMove="1" noResize="1" noEditPoints="1" noAdjustHandles="1" noChangeArrowheads="1" noChangeShapeType="1" noTextEdit="1"/>
+              </p:cNvSpPr>
+              <p:nvPr/>
+            </p:nvSpPr>
+            <p:spPr>
+              <a:xfrm>
+                <a:off x="6367188" y="1466207"/>
+                <a:ext cx="342210" cy="276999"/>
+              </a:xfrm>
+              <a:prstGeom prst="rect">
+                <a:avLst/>
+              </a:prstGeom>
+              <a:blipFill>
+                <a:blip r:embed="rId10"/>
+                <a:stretch>
+                  <a:fillRect l="-8772" r="-17544" b="-40000"/>
+                </a:stretch>
+              </a:blipFill>
+            </p:spPr>
+            <p:txBody>
+              <a:bodyPr/>
+              <a:lstStyle/>
+              <a:p>
+                <a:r>
+                  <a:rPr lang="ko-KR" altLang="en-US">
+                    <a:noFill/>
+                  </a:rPr>
+                  <a:t> </a:t>
+                </a:r>
+              </a:p>
+            </p:txBody>
+          </p:sp>
+        </mc:Fallback>
+      </mc:AlternateContent>
+      <p:pic>
+        <p:nvPicPr>
+          <p:cNvPr id="167" name="Picture 3"/>
+          <p:cNvPicPr>
+            <a:picLocks noChangeAspect="1" noChangeArrowheads="1"/>
+          </p:cNvPicPr>
+          <p:nvPr/>
+        </p:nvPicPr>
+        <p:blipFill>
+          <a:blip r:embed="rId11">
+            <a:extLst>
+              <a:ext uri="{28A0092B-C50C-407E-A947-70E740481C1C}">
+                <a14:useLocalDpi xmlns:a14="http://schemas.microsoft.com/office/drawing/2010/main" val="0"/>
+              </a:ext>
+            </a:extLst>
+          </a:blip>
+          <a:srcRect/>
+          <a:stretch>
+            <a:fillRect/>
+          </a:stretch>
+        </p:blipFill>
+        <p:spPr bwMode="auto">
+          <a:xfrm flipV="1">
+            <a:off x="6660092" y="1824275"/>
+            <a:ext cx="2371725" cy="466725"/>
+          </a:xfrm>
+          <a:prstGeom prst="rect">
+            <a:avLst/>
+          </a:prstGeom>
+          <a:noFill/>
+          <a:ln>
+            <a:noFill/>
+          </a:ln>
+          <a:effectLst/>
+          <a:extLst>
+            <a:ext uri="{909E8E84-426E-40DD-AFC4-6F175D3DCCD1}">
+              <a14:hiddenFill xmlns:a14="http://schemas.microsoft.com/office/drawing/2010/main">
+                <a:solidFill>
+                  <a:schemeClr val="accent1"/>
+                </a:solidFill>
+              </a14:hiddenFill>
+            </a:ext>
+            <a:ext uri="{91240B29-F687-4F45-9708-019B960494DF}">
+              <a14:hiddenLine xmlns:a14="http://schemas.microsoft.com/office/drawing/2010/main" w="9525">
+                <a:solidFill>
+                  <a:schemeClr val="tx1"/>
+                </a:solidFill>
+                <a:miter lim="800000"/>
+                <a:headEnd/>
+                <a:tailEnd/>
+              </a14:hiddenLine>
+            </a:ext>
+            <a:ext uri="{AF507438-7753-43E0-B8FC-AC1667EBCBE1}">
+              <a14:hiddenEffects xmlns:a14="http://schemas.microsoft.com/office/drawing/2010/main">
+                <a:effectLst>
+                  <a:outerShdw dist="35921" dir="2700000" algn="ctr" rotWithShape="0">
+                    <a:schemeClr val="bg2"/>
+                  </a:outerShdw>
+                </a:effectLst>
+              </a14:hiddenEffects>
+            </a:ext>
+          </a:extLst>
+        </p:spPr>
+      </p:pic>
+      <p:sp>
+        <p:nvSpPr>
+          <p:cNvPr id="179" name="직사각형 178"/>
+          <p:cNvSpPr/>
+          <p:nvPr/>
+        </p:nvSpPr>
+        <p:spPr>
+          <a:xfrm flipV="1">
+            <a:off x="6804113" y="1882272"/>
+            <a:ext cx="2088232" cy="493692"/>
+          </a:xfrm>
+          <a:prstGeom prst="rect">
+            <a:avLst/>
+          </a:prstGeom>
+          <a:solidFill>
+            <a:srgbClr val="FF0000">
+              <a:alpha val="29804"/>
+            </a:srgbClr>
+          </a:solidFill>
+          <a:ln>
+            <a:noFill/>
+          </a:ln>
+        </p:spPr>
+        <p:style>
+          <a:lnRef idx="2">
+            <a:schemeClr val="accent1">
+              <a:shade val="50000"/>
+            </a:schemeClr>
+          </a:lnRef>
+          <a:fillRef idx="1">
+            <a:schemeClr val="accent1"/>
+          </a:fillRef>
+          <a:effectRef idx="0">
+            <a:schemeClr val="accent1"/>
+          </a:effectRef>
+          <a:fontRef idx="minor">
+            <a:schemeClr val="lt1"/>
+          </a:fontRef>
+        </p:style>
+        <p:txBody>
+          <a:bodyPr rtlCol="0" anchor="ctr"/>
+          <a:lstStyle/>
+          <a:p>
+            <a:pPr algn="ctr"/>
+            <a:endParaRPr lang="ko-KR" altLang="en-US"/>
+          </a:p>
+        </p:txBody>
+      </p:sp>
+      <p:pic>
+        <p:nvPicPr>
+          <p:cNvPr id="3" name="Picture 4">
+            <a:extLst>
+              <a:ext uri="{FF2B5EF4-FFF2-40B4-BE49-F238E27FC236}">
+                <a16:creationId xmlns:a16="http://schemas.microsoft.com/office/drawing/2014/main" id="{964EAEAC-90A5-410C-9E51-4B3540823E36}"/>
+              </a:ext>
+            </a:extLst>
+          </p:cNvPr>
+          <p:cNvPicPr>
+            <a:picLocks noChangeAspect="1" noChangeArrowheads="1"/>
+          </p:cNvPicPr>
+          <p:nvPr/>
+        </p:nvPicPr>
+        <p:blipFill>
+          <a:blip r:embed="rId12">
+            <a:extLst>
+              <a:ext uri="{28A0092B-C50C-407E-A947-70E740481C1C}">
+                <a14:useLocalDpi xmlns:a14="http://schemas.microsoft.com/office/drawing/2010/main" val="0"/>
+              </a:ext>
+            </a:extLst>
+          </a:blip>
+          <a:srcRect/>
+          <a:stretch>
+            <a:fillRect/>
+          </a:stretch>
+        </p:blipFill>
+        <p:spPr bwMode="auto">
+          <a:xfrm>
+            <a:off x="4034953" y="1895756"/>
+            <a:ext cx="2371725" cy="466725"/>
+          </a:xfrm>
+          <a:prstGeom prst="rect">
+            <a:avLst/>
+          </a:prstGeom>
+          <a:noFill/>
+          <a:ln>
+            <a:noFill/>
+          </a:ln>
+          <a:effectLst/>
+          <a:extLst>
+            <a:ext uri="{909E8E84-426E-40DD-AFC4-6F175D3DCCD1}">
+              <a14:hiddenFill xmlns:a14="http://schemas.microsoft.com/office/drawing/2010/main">
+                <a:solidFill>
+                  <a:schemeClr val="accent1"/>
+                </a:solidFill>
+              </a14:hiddenFill>
+            </a:ext>
+            <a:ext uri="{91240B29-F687-4F45-9708-019B960494DF}">
+              <a14:hiddenLine xmlns:a14="http://schemas.microsoft.com/office/drawing/2010/main" w="9525">
+                <a:solidFill>
+                  <a:schemeClr val="tx1"/>
+                </a:solidFill>
+                <a:miter lim="800000"/>
+                <a:headEnd/>
+                <a:tailEnd/>
+              </a14:hiddenLine>
+            </a:ext>
+            <a:ext uri="{AF507438-7753-43E0-B8FC-AC1667EBCBE1}">
+              <a14:hiddenEffects xmlns:a14="http://schemas.microsoft.com/office/drawing/2010/main">
+                <a:effectLst>
+                  <a:outerShdw dist="35921" dir="2700000" algn="ctr" rotWithShape="0">
+                    <a:schemeClr val="bg2"/>
+                  </a:outerShdw>
+                </a:effectLst>
+              </a14:hiddenEffects>
+            </a:ext>
+          </a:extLst>
+        </p:spPr>
+      </p:pic>
+      <p:sp>
+        <p:nvSpPr>
+          <p:cNvPr id="146" name="직사각형 145">
+            <a:extLst>
+              <a:ext uri="{FF2B5EF4-FFF2-40B4-BE49-F238E27FC236}">
+                <a16:creationId xmlns:a16="http://schemas.microsoft.com/office/drawing/2014/main" id="{12636D0C-A9DE-416F-8260-93CA5609830E}"/>
+              </a:ext>
+            </a:extLst>
+          </p:cNvPr>
+          <p:cNvSpPr/>
+          <p:nvPr/>
+        </p:nvSpPr>
+        <p:spPr>
+          <a:xfrm>
+            <a:off x="4178973" y="1882272"/>
+            <a:ext cx="2088232" cy="493692"/>
+          </a:xfrm>
+          <a:prstGeom prst="rect">
+            <a:avLst/>
+          </a:prstGeom>
+          <a:solidFill>
+            <a:srgbClr val="FF0000">
+              <a:alpha val="29804"/>
+            </a:srgbClr>
+          </a:solidFill>
+          <a:ln>
+            <a:noFill/>
+          </a:ln>
+        </p:spPr>
+        <p:style>
+          <a:lnRef idx="2">
+            <a:schemeClr val="accent1">
+              <a:shade val="50000"/>
+            </a:schemeClr>
+          </a:lnRef>
+          <a:fillRef idx="1">
+            <a:schemeClr val="accent1"/>
+          </a:fillRef>
+          <a:effectRef idx="0">
+            <a:schemeClr val="accent1"/>
+          </a:effectRef>
+          <a:fontRef idx="minor">
+            <a:schemeClr val="lt1"/>
+          </a:fontRef>
+        </p:style>
+        <p:txBody>
+          <a:bodyPr rtlCol="0" anchor="ctr"/>
+          <a:lstStyle/>
+          <a:p>
+            <a:pPr algn="ctr"/>
+            <a:endParaRPr lang="ko-KR" altLang="en-US"/>
+          </a:p>
+        </p:txBody>
+      </p:sp>
+      <mc:AlternateContent xmlns:mc="http://schemas.openxmlformats.org/markup-compatibility/2006">
+        <mc:Choice xmlns:a14="http://schemas.microsoft.com/office/drawing/2010/main" Requires="a14">
+          <p:sp>
+            <p:nvSpPr>
+              <p:cNvPr id="196" name="TextBox 195">
+                <a:extLst>
+                  <a:ext uri="{FF2B5EF4-FFF2-40B4-BE49-F238E27FC236}">
+                    <a16:creationId xmlns:a16="http://schemas.microsoft.com/office/drawing/2014/main" id="{DCC4B30B-8D79-474A-A23F-372733CFF408}"/>
+                  </a:ext>
+                </a:extLst>
+              </p:cNvPr>
+              <p:cNvSpPr txBox="1"/>
+              <p:nvPr/>
+            </p:nvSpPr>
+            <p:spPr>
+              <a:xfrm>
+                <a:off x="6367188" y="1990619"/>
+                <a:ext cx="342210" cy="276999"/>
+              </a:xfrm>
+              <a:prstGeom prst="rect">
+                <a:avLst/>
+              </a:prstGeom>
+              <a:noFill/>
+            </p:spPr>
+            <p:txBody>
+              <a:bodyPr wrap="none" lIns="0" tIns="0" rIns="0" bIns="0" rtlCol="0">
+                <a:spAutoFit/>
+              </a:bodyPr>
+              <a:lstStyle/>
+              <a:p>
+                <a14:m>
+                  <m:oMathPara xmlns:m="http://schemas.openxmlformats.org/officeDocument/2006/math">
+                    <m:oMathParaPr>
+                      <m:jc m:val="centerGroup"/>
+                    </m:oMathParaPr>
+                    <m:oMath xmlns:m="http://schemas.openxmlformats.org/officeDocument/2006/math">
+                      <m:r>
+                        <a:rPr lang="en-US" altLang="ko-KR" b="0" i="1" smtClean="0">
+                          <a:latin typeface="Cambria Math" panose="02040503050406030204" pitchFamily="18" charset="0"/>
+                        </a:rPr>
+                        <m:t>+</m:t>
+                      </m:r>
+                      <m:r>
+                        <a:rPr lang="en-US" altLang="ko-KR" b="0" i="1" smtClean="0">
+                          <a:latin typeface="Cambria Math" panose="02040503050406030204" pitchFamily="18" charset="0"/>
+                        </a:rPr>
+                        <m:t>𝑗</m:t>
+                      </m:r>
+                    </m:oMath>
+                  </m:oMathPara>
+                </a14:m>
+                <a:endParaRPr lang="ko-KR" altLang="en-US" dirty="0"/>
+              </a:p>
+            </p:txBody>
+          </p:sp>
+        </mc:Choice>
+        <mc:Fallback>
+          <p:sp>
+            <p:nvSpPr>
+              <p:cNvPr id="196" name="TextBox 195">
+                <a:extLst>
+                  <a:ext uri="{FF2B5EF4-FFF2-40B4-BE49-F238E27FC236}">
+                    <a16:creationId xmlns:a16="http://schemas.microsoft.com/office/drawing/2014/main" id="{DCC4B30B-8D79-474A-A23F-372733CFF408}"/>
+                  </a:ext>
+                </a:extLst>
+              </p:cNvPr>
+              <p:cNvSpPr txBox="1">
+                <a:spLocks noRot="1" noChangeAspect="1" noMove="1" noResize="1" noEditPoints="1" noAdjustHandles="1" noChangeArrowheads="1" noChangeShapeType="1" noTextEdit="1"/>
+              </p:cNvSpPr>
+              <p:nvPr/>
+            </p:nvSpPr>
+            <p:spPr>
+              <a:xfrm>
+                <a:off x="6367188" y="1990619"/>
+                <a:ext cx="342210" cy="276999"/>
+              </a:xfrm>
+              <a:prstGeom prst="rect">
+                <a:avLst/>
+              </a:prstGeom>
+              <a:blipFill>
+                <a:blip r:embed="rId13"/>
+                <a:stretch>
+                  <a:fillRect l="-8772" r="-17544" b="-40000"/>
+                </a:stretch>
+              </a:blipFill>
+            </p:spPr>
+            <p:txBody>
+              <a:bodyPr/>
+              <a:lstStyle/>
+              <a:p>
+                <a:r>
+                  <a:rPr lang="ko-KR" altLang="en-US">
+                    <a:noFill/>
+                  </a:rPr>
+                  <a:t> </a:t>
+                </a:r>
+              </a:p>
+            </p:txBody>
+          </p:sp>
+        </mc:Fallback>
+      </mc:AlternateContent>
+      <p:pic>
+        <p:nvPicPr>
+          <p:cNvPr id="168" name="Picture 4"/>
+          <p:cNvPicPr>
+            <a:picLocks noChangeAspect="1" noChangeArrowheads="1"/>
+          </p:cNvPicPr>
+          <p:nvPr/>
+        </p:nvPicPr>
+        <p:blipFill>
+          <a:blip r:embed="rId14">
+            <a:extLst>
+              <a:ext uri="{28A0092B-C50C-407E-A947-70E740481C1C}">
+                <a14:useLocalDpi xmlns:a14="http://schemas.microsoft.com/office/drawing/2010/main" val="0"/>
+              </a:ext>
+            </a:extLst>
+          </a:blip>
+          <a:srcRect/>
+          <a:stretch>
+            <a:fillRect/>
+          </a:stretch>
+        </p:blipFill>
+        <p:spPr bwMode="auto">
+          <a:xfrm flipV="1">
+            <a:off x="6660097" y="2349511"/>
+            <a:ext cx="2371725" cy="466725"/>
+          </a:xfrm>
+          <a:prstGeom prst="rect">
+            <a:avLst/>
+          </a:prstGeom>
+          <a:noFill/>
+          <a:ln>
+            <a:noFill/>
+          </a:ln>
+          <a:effectLst/>
+          <a:extLst>
+            <a:ext uri="{909E8E84-426E-40DD-AFC4-6F175D3DCCD1}">
+              <a14:hiddenFill xmlns:a14="http://schemas.microsoft.com/office/drawing/2010/main">
+                <a:solidFill>
+                  <a:schemeClr val="accent1"/>
+                </a:solidFill>
+              </a14:hiddenFill>
+            </a:ext>
+            <a:ext uri="{91240B29-F687-4F45-9708-019B960494DF}">
+              <a14:hiddenLine xmlns:a14="http://schemas.microsoft.com/office/drawing/2010/main" w="9525">
+                <a:solidFill>
+                  <a:schemeClr val="tx1"/>
+                </a:solidFill>
+                <a:miter lim="800000"/>
+                <a:headEnd/>
+                <a:tailEnd/>
+              </a14:hiddenLine>
+            </a:ext>
+            <a:ext uri="{AF507438-7753-43E0-B8FC-AC1667EBCBE1}">
+              <a14:hiddenEffects xmlns:a14="http://schemas.microsoft.com/office/drawing/2010/main">
+                <a:effectLst>
+                  <a:outerShdw dist="35921" dir="2700000" algn="ctr" rotWithShape="0">
+                    <a:schemeClr val="bg2"/>
+                  </a:outerShdw>
+                </a:effectLst>
+              </a14:hiddenEffects>
+            </a:ext>
+          </a:extLst>
+        </p:spPr>
+      </p:pic>
+      <p:sp>
+        <p:nvSpPr>
+          <p:cNvPr id="180" name="직사각형 179"/>
+          <p:cNvSpPr/>
+          <p:nvPr/>
+        </p:nvSpPr>
+        <p:spPr>
+          <a:xfrm flipV="1">
+            <a:off x="6804113" y="2402552"/>
+            <a:ext cx="2088232" cy="493692"/>
+          </a:xfrm>
+          <a:prstGeom prst="rect">
+            <a:avLst/>
+          </a:prstGeom>
+          <a:solidFill>
+            <a:srgbClr val="FF8000">
+              <a:alpha val="29804"/>
+            </a:srgbClr>
+          </a:solidFill>
+          <a:ln>
+            <a:noFill/>
+          </a:ln>
+        </p:spPr>
+        <p:style>
+          <a:lnRef idx="2">
+            <a:schemeClr val="accent1">
+              <a:shade val="50000"/>
+            </a:schemeClr>
+          </a:lnRef>
+          <a:fillRef idx="1">
+            <a:schemeClr val="accent1"/>
+          </a:fillRef>
+          <a:effectRef idx="0">
+            <a:schemeClr val="accent1"/>
+          </a:effectRef>
+          <a:fontRef idx="minor">
+            <a:schemeClr val="lt1"/>
+          </a:fontRef>
+        </p:style>
+        <p:txBody>
+          <a:bodyPr rtlCol="0" anchor="ctr"/>
+          <a:lstStyle/>
+          <a:p>
+            <a:pPr algn="ctr"/>
+            <a:endParaRPr lang="ko-KR" altLang="en-US"/>
+          </a:p>
+        </p:txBody>
+      </p:sp>
+      <p:pic>
+        <p:nvPicPr>
+          <p:cNvPr id="137" name="Picture 5">
+            <a:extLst>
+              <a:ext uri="{FF2B5EF4-FFF2-40B4-BE49-F238E27FC236}">
+                <a16:creationId xmlns:a16="http://schemas.microsoft.com/office/drawing/2014/main" id="{6C5B2B64-CCD1-4A70-B0F6-F18C9C9647D4}"/>
+              </a:ext>
+            </a:extLst>
+          </p:cNvPr>
+          <p:cNvPicPr>
+            <a:picLocks noChangeAspect="1" noChangeArrowheads="1"/>
+          </p:cNvPicPr>
+          <p:nvPr/>
+        </p:nvPicPr>
+        <p:blipFill>
+          <a:blip r:embed="rId15">
+            <a:extLst>
+              <a:ext uri="{28A0092B-C50C-407E-A947-70E740481C1C}">
+                <a14:useLocalDpi xmlns:a14="http://schemas.microsoft.com/office/drawing/2010/main" val="0"/>
+              </a:ext>
+            </a:extLst>
+          </a:blip>
+          <a:srcRect/>
+          <a:stretch>
+            <a:fillRect/>
+          </a:stretch>
+        </p:blipFill>
+        <p:spPr bwMode="auto">
+          <a:xfrm>
+            <a:off x="4034953" y="2449365"/>
+            <a:ext cx="2371725" cy="466725"/>
+          </a:xfrm>
+          <a:prstGeom prst="rect">
+            <a:avLst/>
+          </a:prstGeom>
+          <a:noFill/>
+          <a:ln>
+            <a:noFill/>
+          </a:ln>
+          <a:effectLst/>
+          <a:extLst>
+            <a:ext uri="{909E8E84-426E-40DD-AFC4-6F175D3DCCD1}">
+              <a14:hiddenFill xmlns:a14="http://schemas.microsoft.com/office/drawing/2010/main">
+                <a:solidFill>
+                  <a:schemeClr val="accent1"/>
+                </a:solidFill>
+              </a14:hiddenFill>
+            </a:ext>
+            <a:ext uri="{91240B29-F687-4F45-9708-019B960494DF}">
+              <a14:hiddenLine xmlns:a14="http://schemas.microsoft.com/office/drawing/2010/main" w="9525">
+                <a:solidFill>
+                  <a:schemeClr val="tx1"/>
+                </a:solidFill>
+                <a:miter lim="800000"/>
+                <a:headEnd/>
+                <a:tailEnd/>
+              </a14:hiddenLine>
+            </a:ext>
+            <a:ext uri="{AF507438-7753-43E0-B8FC-AC1667EBCBE1}">
+              <a14:hiddenEffects xmlns:a14="http://schemas.microsoft.com/office/drawing/2010/main">
+                <a:effectLst>
+                  <a:outerShdw dist="35921" dir="2700000" algn="ctr" rotWithShape="0">
+                    <a:schemeClr val="bg2"/>
+                  </a:outerShdw>
+                </a:effectLst>
+              </a14:hiddenEffects>
+            </a:ext>
+          </a:extLst>
+        </p:spPr>
+      </p:pic>
+      <p:sp>
+        <p:nvSpPr>
+          <p:cNvPr id="147" name="직사각형 146">
+            <a:extLst>
+              <a:ext uri="{FF2B5EF4-FFF2-40B4-BE49-F238E27FC236}">
+                <a16:creationId xmlns:a16="http://schemas.microsoft.com/office/drawing/2014/main" id="{DCEE1B2E-B3CC-4A17-9200-65EB0A7DFA43}"/>
+              </a:ext>
+            </a:extLst>
+          </p:cNvPr>
+          <p:cNvSpPr/>
+          <p:nvPr/>
+        </p:nvSpPr>
+        <p:spPr>
+          <a:xfrm>
+            <a:off x="4178973" y="2402552"/>
+            <a:ext cx="2088232" cy="493692"/>
+          </a:xfrm>
+          <a:prstGeom prst="rect">
+            <a:avLst/>
+          </a:prstGeom>
+          <a:solidFill>
+            <a:srgbClr val="FF8000">
+              <a:alpha val="29804"/>
+            </a:srgbClr>
+          </a:solidFill>
+          <a:ln>
+            <a:noFill/>
+          </a:ln>
+        </p:spPr>
+        <p:style>
+          <a:lnRef idx="2">
+            <a:schemeClr val="accent1">
+              <a:shade val="50000"/>
+            </a:schemeClr>
+          </a:lnRef>
+          <a:fillRef idx="1">
+            <a:schemeClr val="accent1"/>
+          </a:fillRef>
+          <a:effectRef idx="0">
+            <a:schemeClr val="accent1"/>
+          </a:effectRef>
+          <a:fontRef idx="minor">
+            <a:schemeClr val="lt1"/>
+          </a:fontRef>
+        </p:style>
+        <p:txBody>
+          <a:bodyPr rtlCol="0" anchor="ctr"/>
+          <a:lstStyle/>
+          <a:p>
+            <a:pPr algn="ctr"/>
+            <a:endParaRPr lang="ko-KR" altLang="en-US"/>
+          </a:p>
+        </p:txBody>
+      </p:sp>
+      <mc:AlternateContent xmlns:mc="http://schemas.openxmlformats.org/markup-compatibility/2006">
+        <mc:Choice xmlns:a14="http://schemas.microsoft.com/office/drawing/2010/main" Requires="a14">
+          <p:sp>
+            <p:nvSpPr>
+              <p:cNvPr id="197" name="TextBox 196">
+                <a:extLst>
+                  <a:ext uri="{FF2B5EF4-FFF2-40B4-BE49-F238E27FC236}">
+                    <a16:creationId xmlns:a16="http://schemas.microsoft.com/office/drawing/2014/main" id="{E93121ED-5C0B-4DA4-AC32-B67F5EB93E26}"/>
+                  </a:ext>
+                </a:extLst>
+              </p:cNvPr>
+              <p:cNvSpPr txBox="1"/>
+              <p:nvPr/>
+            </p:nvSpPr>
+            <p:spPr>
+              <a:xfrm>
+                <a:off x="6367188" y="2510899"/>
+                <a:ext cx="342210" cy="276999"/>
+              </a:xfrm>
+              <a:prstGeom prst="rect">
+                <a:avLst/>
+              </a:prstGeom>
+              <a:noFill/>
+            </p:spPr>
+            <p:txBody>
+              <a:bodyPr wrap="none" lIns="0" tIns="0" rIns="0" bIns="0" rtlCol="0">
+                <a:spAutoFit/>
+              </a:bodyPr>
+              <a:lstStyle/>
+              <a:p>
+                <a14:m>
+                  <m:oMathPara xmlns:m="http://schemas.openxmlformats.org/officeDocument/2006/math">
+                    <m:oMathParaPr>
+                      <m:jc m:val="centerGroup"/>
+                    </m:oMathParaPr>
+                    <m:oMath xmlns:m="http://schemas.openxmlformats.org/officeDocument/2006/math">
+                      <m:r>
+                        <a:rPr lang="en-US" altLang="ko-KR" b="0" i="1" smtClean="0">
+                          <a:latin typeface="Cambria Math" panose="02040503050406030204" pitchFamily="18" charset="0"/>
+                        </a:rPr>
+                        <m:t>+</m:t>
+                      </m:r>
+                      <m:r>
+                        <a:rPr lang="en-US" altLang="ko-KR" b="0" i="1" smtClean="0">
+                          <a:latin typeface="Cambria Math" panose="02040503050406030204" pitchFamily="18" charset="0"/>
+                        </a:rPr>
+                        <m:t>𝑗</m:t>
+                      </m:r>
+                    </m:oMath>
+                  </m:oMathPara>
+                </a14:m>
+                <a:endParaRPr lang="ko-KR" altLang="en-US" dirty="0"/>
+              </a:p>
+            </p:txBody>
+          </p:sp>
+        </mc:Choice>
+        <mc:Fallback>
+          <p:sp>
+            <p:nvSpPr>
+              <p:cNvPr id="197" name="TextBox 196">
+                <a:extLst>
+                  <a:ext uri="{FF2B5EF4-FFF2-40B4-BE49-F238E27FC236}">
+                    <a16:creationId xmlns:a16="http://schemas.microsoft.com/office/drawing/2014/main" id="{E93121ED-5C0B-4DA4-AC32-B67F5EB93E26}"/>
+                  </a:ext>
+                </a:extLst>
+              </p:cNvPr>
+              <p:cNvSpPr txBox="1">
+                <a:spLocks noRot="1" noChangeAspect="1" noMove="1" noResize="1" noEditPoints="1" noAdjustHandles="1" noChangeArrowheads="1" noChangeShapeType="1" noTextEdit="1"/>
+              </p:cNvSpPr>
+              <p:nvPr/>
+            </p:nvSpPr>
+            <p:spPr>
+              <a:xfrm>
+                <a:off x="6367188" y="2510899"/>
+                <a:ext cx="342210" cy="276999"/>
+              </a:xfrm>
+              <a:prstGeom prst="rect">
+                <a:avLst/>
+              </a:prstGeom>
+              <a:blipFill>
+                <a:blip r:embed="rId16"/>
+                <a:stretch>
+                  <a:fillRect l="-8772" r="-17544" b="-40000"/>
+                </a:stretch>
+              </a:blipFill>
+            </p:spPr>
+            <p:txBody>
+              <a:bodyPr/>
+              <a:lstStyle/>
+              <a:p>
+                <a:r>
+                  <a:rPr lang="ko-KR" altLang="en-US">
+                    <a:noFill/>
+                  </a:rPr>
+                  <a:t> </a:t>
+                </a:r>
+              </a:p>
+            </p:txBody>
+          </p:sp>
+        </mc:Fallback>
+      </mc:AlternateContent>
+      <p:pic>
+        <p:nvPicPr>
+          <p:cNvPr id="170" name="Picture 5"/>
+          <p:cNvPicPr>
+            <a:picLocks noChangeAspect="1" noChangeArrowheads="1"/>
+          </p:cNvPicPr>
+          <p:nvPr/>
+        </p:nvPicPr>
+        <p:blipFill>
+          <a:blip r:embed="rId17">
+            <a:extLst>
+              <a:ext uri="{28A0092B-C50C-407E-A947-70E740481C1C}">
+                <a14:useLocalDpi xmlns:a14="http://schemas.microsoft.com/office/drawing/2010/main" val="0"/>
+              </a:ext>
+            </a:extLst>
+          </a:blip>
+          <a:srcRect/>
+          <a:stretch>
+            <a:fillRect/>
+          </a:stretch>
+        </p:blipFill>
+        <p:spPr bwMode="auto">
+          <a:xfrm flipV="1">
+            <a:off x="6662757" y="2885661"/>
+            <a:ext cx="2371725" cy="466725"/>
+          </a:xfrm>
+          <a:prstGeom prst="rect">
+            <a:avLst/>
+          </a:prstGeom>
+          <a:noFill/>
+          <a:ln>
+            <a:noFill/>
+          </a:ln>
+          <a:effectLst/>
+          <a:extLst>
+            <a:ext uri="{909E8E84-426E-40DD-AFC4-6F175D3DCCD1}">
+              <a14:hiddenFill xmlns:a14="http://schemas.microsoft.com/office/drawing/2010/main">
+                <a:solidFill>
+                  <a:schemeClr val="accent1"/>
+                </a:solidFill>
+              </a14:hiddenFill>
+            </a:ext>
+            <a:ext uri="{91240B29-F687-4F45-9708-019B960494DF}">
+              <a14:hiddenLine xmlns:a14="http://schemas.microsoft.com/office/drawing/2010/main" w="9525">
+                <a:solidFill>
+                  <a:schemeClr val="tx1"/>
+                </a:solidFill>
+                <a:miter lim="800000"/>
+                <a:headEnd/>
+                <a:tailEnd/>
+              </a14:hiddenLine>
+            </a:ext>
+            <a:ext uri="{AF507438-7753-43E0-B8FC-AC1667EBCBE1}">
+              <a14:hiddenEffects xmlns:a14="http://schemas.microsoft.com/office/drawing/2010/main">
+                <a:effectLst>
+                  <a:outerShdw dist="35921" dir="2700000" algn="ctr" rotWithShape="0">
+                    <a:schemeClr val="bg2"/>
+                  </a:outerShdw>
+                </a:effectLst>
+              </a14:hiddenEffects>
+            </a:ext>
+          </a:extLst>
+        </p:spPr>
+      </p:pic>
+      <p:sp>
+        <p:nvSpPr>
+          <p:cNvPr id="181" name="직사각형 180"/>
+          <p:cNvSpPr/>
+          <p:nvPr/>
+        </p:nvSpPr>
+        <p:spPr>
+          <a:xfrm flipV="1">
+            <a:off x="6804113" y="2922832"/>
+            <a:ext cx="2088232" cy="493692"/>
+          </a:xfrm>
+          <a:prstGeom prst="rect">
+            <a:avLst/>
+          </a:prstGeom>
+          <a:solidFill>
+            <a:srgbClr val="FFFF00">
+              <a:alpha val="29804"/>
+            </a:srgbClr>
+          </a:solidFill>
+          <a:ln>
+            <a:noFill/>
+          </a:ln>
+        </p:spPr>
+        <p:style>
+          <a:lnRef idx="2">
+            <a:schemeClr val="accent1">
+              <a:shade val="50000"/>
+            </a:schemeClr>
+          </a:lnRef>
+          <a:fillRef idx="1">
+            <a:schemeClr val="accent1"/>
+          </a:fillRef>
+          <a:effectRef idx="0">
+            <a:schemeClr val="accent1"/>
+          </a:effectRef>
+          <a:fontRef idx="minor">
+            <a:schemeClr val="lt1"/>
+          </a:fontRef>
+        </p:style>
+        <p:txBody>
+          <a:bodyPr rtlCol="0" anchor="ctr"/>
+          <a:lstStyle/>
+          <a:p>
+            <a:pPr algn="ctr"/>
+            <a:endParaRPr lang="ko-KR" altLang="en-US"/>
+          </a:p>
+        </p:txBody>
+      </p:sp>
+      <p:pic>
+        <p:nvPicPr>
+          <p:cNvPr id="138" name="Picture 6">
+            <a:extLst>
+              <a:ext uri="{FF2B5EF4-FFF2-40B4-BE49-F238E27FC236}">
+                <a16:creationId xmlns:a16="http://schemas.microsoft.com/office/drawing/2014/main" id="{5917C857-D4D8-4A7A-B75F-86AD24FF6218}"/>
+              </a:ext>
+            </a:extLst>
+          </p:cNvPr>
+          <p:cNvPicPr>
+            <a:picLocks noChangeAspect="1" noChangeArrowheads="1"/>
+          </p:cNvPicPr>
+          <p:nvPr/>
+        </p:nvPicPr>
+        <p:blipFill>
+          <a:blip r:embed="rId18">
+            <a:extLst>
+              <a:ext uri="{28A0092B-C50C-407E-A947-70E740481C1C}">
+                <a14:useLocalDpi xmlns:a14="http://schemas.microsoft.com/office/drawing/2010/main" val="0"/>
+              </a:ext>
+            </a:extLst>
+          </a:blip>
+          <a:srcRect/>
+          <a:stretch>
+            <a:fillRect/>
+          </a:stretch>
+        </p:blipFill>
+        <p:spPr bwMode="auto">
+          <a:xfrm>
+            <a:off x="4034953" y="2936316"/>
+            <a:ext cx="2371725" cy="466725"/>
+          </a:xfrm>
+          <a:prstGeom prst="rect">
+            <a:avLst/>
+          </a:prstGeom>
+          <a:noFill/>
+          <a:ln>
+            <a:noFill/>
+          </a:ln>
+          <a:effectLst/>
+          <a:extLst>
+            <a:ext uri="{909E8E84-426E-40DD-AFC4-6F175D3DCCD1}">
+              <a14:hiddenFill xmlns:a14="http://schemas.microsoft.com/office/drawing/2010/main">
+                <a:solidFill>
+                  <a:schemeClr val="accent1"/>
+                </a:solidFill>
+              </a14:hiddenFill>
+            </a:ext>
+            <a:ext uri="{91240B29-F687-4F45-9708-019B960494DF}">
+              <a14:hiddenLine xmlns:a14="http://schemas.microsoft.com/office/drawing/2010/main" w="9525">
+                <a:solidFill>
+                  <a:schemeClr val="tx1"/>
+                </a:solidFill>
+                <a:miter lim="800000"/>
+                <a:headEnd/>
+                <a:tailEnd/>
+              </a14:hiddenLine>
+            </a:ext>
+            <a:ext uri="{AF507438-7753-43E0-B8FC-AC1667EBCBE1}">
+              <a14:hiddenEffects xmlns:a14="http://schemas.microsoft.com/office/drawing/2010/main">
+                <a:effectLst>
+                  <a:outerShdw dist="35921" dir="2700000" algn="ctr" rotWithShape="0">
+                    <a:schemeClr val="bg2"/>
+                  </a:outerShdw>
+                </a:effectLst>
+              </a14:hiddenEffects>
+            </a:ext>
+          </a:extLst>
+        </p:spPr>
+      </p:pic>
+      <p:sp>
+        <p:nvSpPr>
+          <p:cNvPr id="148" name="직사각형 147">
+            <a:extLst>
+              <a:ext uri="{FF2B5EF4-FFF2-40B4-BE49-F238E27FC236}">
+                <a16:creationId xmlns:a16="http://schemas.microsoft.com/office/drawing/2014/main" id="{6DC6710F-80F7-4800-96C3-2DD439F76752}"/>
+              </a:ext>
+            </a:extLst>
+          </p:cNvPr>
+          <p:cNvSpPr/>
+          <p:nvPr/>
+        </p:nvSpPr>
+        <p:spPr>
+          <a:xfrm>
+            <a:off x="4178973" y="2922832"/>
+            <a:ext cx="2088232" cy="493692"/>
+          </a:xfrm>
+          <a:prstGeom prst="rect">
+            <a:avLst/>
+          </a:prstGeom>
+          <a:solidFill>
+            <a:srgbClr val="FFFF00">
+              <a:alpha val="29804"/>
+            </a:srgbClr>
+          </a:solidFill>
+          <a:ln>
+            <a:noFill/>
+          </a:ln>
+        </p:spPr>
+        <p:style>
+          <a:lnRef idx="2">
+            <a:schemeClr val="accent1">
+              <a:shade val="50000"/>
+            </a:schemeClr>
+          </a:lnRef>
+          <a:fillRef idx="1">
+            <a:schemeClr val="accent1"/>
+          </a:fillRef>
+          <a:effectRef idx="0">
+            <a:schemeClr val="accent1"/>
+          </a:effectRef>
+          <a:fontRef idx="minor">
+            <a:schemeClr val="lt1"/>
+          </a:fontRef>
+        </p:style>
+        <p:txBody>
+          <a:bodyPr rtlCol="0" anchor="ctr"/>
+          <a:lstStyle/>
+          <a:p>
+            <a:pPr algn="ctr"/>
+            <a:endParaRPr lang="ko-KR" altLang="en-US"/>
+          </a:p>
+        </p:txBody>
+      </p:sp>
+      <mc:AlternateContent xmlns:mc="http://schemas.openxmlformats.org/markup-compatibility/2006">
+        <mc:Choice xmlns:a14="http://schemas.microsoft.com/office/drawing/2010/main" Requires="a14">
+          <p:sp>
+            <p:nvSpPr>
+              <p:cNvPr id="198" name="TextBox 197">
+                <a:extLst>
+                  <a:ext uri="{FF2B5EF4-FFF2-40B4-BE49-F238E27FC236}">
+                    <a16:creationId xmlns:a16="http://schemas.microsoft.com/office/drawing/2014/main" id="{770F60E2-3DA7-4C5D-9544-3CF173F2AC9A}"/>
+                  </a:ext>
+                </a:extLst>
+              </p:cNvPr>
+              <p:cNvSpPr txBox="1"/>
+              <p:nvPr/>
+            </p:nvSpPr>
+            <p:spPr>
+              <a:xfrm>
+                <a:off x="6367188" y="3031179"/>
+                <a:ext cx="342210" cy="276999"/>
+              </a:xfrm>
+              <a:prstGeom prst="rect">
+                <a:avLst/>
+              </a:prstGeom>
+              <a:noFill/>
+            </p:spPr>
+            <p:txBody>
+              <a:bodyPr wrap="none" lIns="0" tIns="0" rIns="0" bIns="0" rtlCol="0">
+                <a:spAutoFit/>
+              </a:bodyPr>
+              <a:lstStyle/>
+              <a:p>
+                <a14:m>
+                  <m:oMathPara xmlns:m="http://schemas.openxmlformats.org/officeDocument/2006/math">
+                    <m:oMathParaPr>
+                      <m:jc m:val="centerGroup"/>
+                    </m:oMathParaPr>
+                    <m:oMath xmlns:m="http://schemas.openxmlformats.org/officeDocument/2006/math">
+                      <m:r>
+                        <a:rPr lang="en-US" altLang="ko-KR" b="0" i="1" smtClean="0">
+                          <a:latin typeface="Cambria Math" panose="02040503050406030204" pitchFamily="18" charset="0"/>
+                        </a:rPr>
+                        <m:t>+</m:t>
+                      </m:r>
+                      <m:r>
+                        <a:rPr lang="en-US" altLang="ko-KR" b="0" i="1" smtClean="0">
+                          <a:latin typeface="Cambria Math" panose="02040503050406030204" pitchFamily="18" charset="0"/>
+                        </a:rPr>
+                        <m:t>𝑗</m:t>
+                      </m:r>
+                    </m:oMath>
+                  </m:oMathPara>
+                </a14:m>
+                <a:endParaRPr lang="ko-KR" altLang="en-US" dirty="0"/>
+              </a:p>
+            </p:txBody>
+          </p:sp>
+        </mc:Choice>
+        <mc:Fallback>
+          <p:sp>
+            <p:nvSpPr>
+              <p:cNvPr id="198" name="TextBox 197">
+                <a:extLst>
+                  <a:ext uri="{FF2B5EF4-FFF2-40B4-BE49-F238E27FC236}">
+                    <a16:creationId xmlns:a16="http://schemas.microsoft.com/office/drawing/2014/main" id="{770F60E2-3DA7-4C5D-9544-3CF173F2AC9A}"/>
+                  </a:ext>
+                </a:extLst>
+              </p:cNvPr>
+              <p:cNvSpPr txBox="1">
+                <a:spLocks noRot="1" noChangeAspect="1" noMove="1" noResize="1" noEditPoints="1" noAdjustHandles="1" noChangeArrowheads="1" noChangeShapeType="1" noTextEdit="1"/>
+              </p:cNvSpPr>
+              <p:nvPr/>
+            </p:nvSpPr>
+            <p:spPr>
+              <a:xfrm>
+                <a:off x="6367188" y="3031179"/>
+                <a:ext cx="342210" cy="276999"/>
+              </a:xfrm>
+              <a:prstGeom prst="rect">
+                <a:avLst/>
+              </a:prstGeom>
+              <a:blipFill>
+                <a:blip r:embed="rId19"/>
+                <a:stretch>
+                  <a:fillRect l="-8772" r="-17544" b="-36957"/>
+                </a:stretch>
+              </a:blipFill>
+            </p:spPr>
+            <p:txBody>
+              <a:bodyPr/>
+              <a:lstStyle/>
+              <a:p>
+                <a:r>
+                  <a:rPr lang="ko-KR" altLang="en-US">
+                    <a:noFill/>
+                  </a:rPr>
+                  <a:t> </a:t>
+                </a:r>
+              </a:p>
+            </p:txBody>
+          </p:sp>
+        </mc:Fallback>
+      </mc:AlternateContent>
+      <p:pic>
+        <p:nvPicPr>
+          <p:cNvPr id="171" name="Picture 6"/>
+          <p:cNvPicPr>
+            <a:picLocks noChangeAspect="1" noChangeArrowheads="1"/>
+          </p:cNvPicPr>
+          <p:nvPr/>
+        </p:nvPicPr>
+        <p:blipFill>
+          <a:blip r:embed="rId20">
+            <a:extLst>
+              <a:ext uri="{28A0092B-C50C-407E-A947-70E740481C1C}">
+                <a14:useLocalDpi xmlns:a14="http://schemas.microsoft.com/office/drawing/2010/main" val="0"/>
+              </a:ext>
+            </a:extLst>
+          </a:blip>
+          <a:srcRect/>
+          <a:stretch>
+            <a:fillRect/>
+          </a:stretch>
+        </p:blipFill>
+        <p:spPr bwMode="auto">
+          <a:xfrm flipV="1">
+            <a:off x="6664771" y="3389894"/>
+            <a:ext cx="2371725" cy="466725"/>
+          </a:xfrm>
+          <a:prstGeom prst="rect">
+            <a:avLst/>
+          </a:prstGeom>
+          <a:noFill/>
+          <a:ln>
+            <a:noFill/>
+          </a:ln>
+          <a:effectLst/>
+          <a:extLst>
+            <a:ext uri="{909E8E84-426E-40DD-AFC4-6F175D3DCCD1}">
+              <a14:hiddenFill xmlns:a14="http://schemas.microsoft.com/office/drawing/2010/main">
+                <a:solidFill>
+                  <a:schemeClr val="accent1"/>
+                </a:solidFill>
+              </a14:hiddenFill>
+            </a:ext>
+            <a:ext uri="{91240B29-F687-4F45-9708-019B960494DF}">
+              <a14:hiddenLine xmlns:a14="http://schemas.microsoft.com/office/drawing/2010/main" w="9525">
+                <a:solidFill>
+                  <a:schemeClr val="tx1"/>
+                </a:solidFill>
+                <a:miter lim="800000"/>
+                <a:headEnd/>
+                <a:tailEnd/>
+              </a14:hiddenLine>
+            </a:ext>
+            <a:ext uri="{AF507438-7753-43E0-B8FC-AC1667EBCBE1}">
+              <a14:hiddenEffects xmlns:a14="http://schemas.microsoft.com/office/drawing/2010/main">
+                <a:effectLst>
+                  <a:outerShdw dist="35921" dir="2700000" algn="ctr" rotWithShape="0">
+                    <a:schemeClr val="bg2"/>
+                  </a:outerShdw>
+                </a:effectLst>
+              </a14:hiddenEffects>
+            </a:ext>
+          </a:extLst>
+        </p:spPr>
+      </p:pic>
+      <p:sp>
+        <p:nvSpPr>
+          <p:cNvPr id="182" name="직사각형 181"/>
+          <p:cNvSpPr/>
+          <p:nvPr/>
+        </p:nvSpPr>
+        <p:spPr>
+          <a:xfrm flipV="1">
+            <a:off x="6804113" y="3443112"/>
+            <a:ext cx="2088232" cy="493692"/>
+          </a:xfrm>
+          <a:prstGeom prst="rect">
+            <a:avLst/>
+          </a:prstGeom>
+          <a:solidFill>
+            <a:srgbClr val="80FF80">
+              <a:alpha val="29804"/>
+            </a:srgbClr>
+          </a:solidFill>
+          <a:ln>
+            <a:noFill/>
+          </a:ln>
+        </p:spPr>
+        <p:style>
+          <a:lnRef idx="2">
+            <a:schemeClr val="accent1">
+              <a:shade val="50000"/>
+            </a:schemeClr>
+          </a:lnRef>
+          <a:fillRef idx="1">
+            <a:schemeClr val="accent1"/>
+          </a:fillRef>
+          <a:effectRef idx="0">
+            <a:schemeClr val="accent1"/>
+          </a:effectRef>
+          <a:fontRef idx="minor">
+            <a:schemeClr val="lt1"/>
+          </a:fontRef>
+        </p:style>
+        <p:txBody>
+          <a:bodyPr rtlCol="0" anchor="ctr"/>
+          <a:lstStyle/>
+          <a:p>
+            <a:pPr algn="ctr"/>
+            <a:endParaRPr lang="ko-KR" altLang="en-US"/>
+          </a:p>
+        </p:txBody>
+      </p:sp>
+      <p:pic>
+        <p:nvPicPr>
+          <p:cNvPr id="139" name="Picture 7">
+            <a:extLst>
+              <a:ext uri="{FF2B5EF4-FFF2-40B4-BE49-F238E27FC236}">
+                <a16:creationId xmlns:a16="http://schemas.microsoft.com/office/drawing/2014/main" id="{02FF847D-9296-4FDD-BB64-4651B09056B0}"/>
+              </a:ext>
+            </a:extLst>
+          </p:cNvPr>
+          <p:cNvPicPr>
+            <a:picLocks noChangeAspect="1" noChangeArrowheads="1"/>
+          </p:cNvPicPr>
+          <p:nvPr/>
+        </p:nvPicPr>
+        <p:blipFill>
+          <a:blip r:embed="rId21">
+            <a:extLst>
+              <a:ext uri="{28A0092B-C50C-407E-A947-70E740481C1C}">
+                <a14:useLocalDpi xmlns:a14="http://schemas.microsoft.com/office/drawing/2010/main" val="0"/>
+              </a:ext>
+            </a:extLst>
+          </a:blip>
+          <a:srcRect/>
+          <a:stretch>
+            <a:fillRect/>
+          </a:stretch>
+        </p:blipFill>
+        <p:spPr bwMode="auto">
+          <a:xfrm>
+            <a:off x="4034953" y="3500091"/>
+            <a:ext cx="2371725" cy="466725"/>
+          </a:xfrm>
+          <a:prstGeom prst="rect">
+            <a:avLst/>
+          </a:prstGeom>
+          <a:noFill/>
+          <a:ln>
+            <a:noFill/>
+          </a:ln>
+          <a:effectLst/>
+          <a:extLst>
+            <a:ext uri="{909E8E84-426E-40DD-AFC4-6F175D3DCCD1}">
+              <a14:hiddenFill xmlns:a14="http://schemas.microsoft.com/office/drawing/2010/main">
+                <a:solidFill>
+                  <a:schemeClr val="accent1"/>
+                </a:solidFill>
+              </a14:hiddenFill>
+            </a:ext>
+            <a:ext uri="{91240B29-F687-4F45-9708-019B960494DF}">
+              <a14:hiddenLine xmlns:a14="http://schemas.microsoft.com/office/drawing/2010/main" w="9525">
+                <a:solidFill>
+                  <a:schemeClr val="tx1"/>
+                </a:solidFill>
+                <a:miter lim="800000"/>
+                <a:headEnd/>
+                <a:tailEnd/>
+              </a14:hiddenLine>
+            </a:ext>
+            <a:ext uri="{AF507438-7753-43E0-B8FC-AC1667EBCBE1}">
+              <a14:hiddenEffects xmlns:a14="http://schemas.microsoft.com/office/drawing/2010/main">
+                <a:effectLst>
+                  <a:outerShdw dist="35921" dir="2700000" algn="ctr" rotWithShape="0">
+                    <a:schemeClr val="bg2"/>
+                  </a:outerShdw>
+                </a:effectLst>
+              </a14:hiddenEffects>
+            </a:ext>
+          </a:extLst>
+        </p:spPr>
+      </p:pic>
+      <p:sp>
+        <p:nvSpPr>
+          <p:cNvPr id="149" name="직사각형 148">
+            <a:extLst>
+              <a:ext uri="{FF2B5EF4-FFF2-40B4-BE49-F238E27FC236}">
+                <a16:creationId xmlns:a16="http://schemas.microsoft.com/office/drawing/2014/main" id="{68CAC8DD-0FD4-4DF3-BD26-F6D7FBDB0E66}"/>
+              </a:ext>
+            </a:extLst>
+          </p:cNvPr>
+          <p:cNvSpPr/>
+          <p:nvPr/>
+        </p:nvSpPr>
+        <p:spPr>
+          <a:xfrm>
+            <a:off x="4178973" y="3443112"/>
+            <a:ext cx="2088232" cy="493692"/>
+          </a:xfrm>
+          <a:prstGeom prst="rect">
+            <a:avLst/>
+          </a:prstGeom>
+          <a:solidFill>
+            <a:srgbClr val="80FF80">
+              <a:alpha val="29804"/>
+            </a:srgbClr>
+          </a:solidFill>
+          <a:ln>
+            <a:noFill/>
+          </a:ln>
+        </p:spPr>
+        <p:style>
+          <a:lnRef idx="2">
+            <a:schemeClr val="accent1">
+              <a:shade val="50000"/>
+            </a:schemeClr>
+          </a:lnRef>
+          <a:fillRef idx="1">
+            <a:schemeClr val="accent1"/>
+          </a:fillRef>
+          <a:effectRef idx="0">
+            <a:schemeClr val="accent1"/>
+          </a:effectRef>
+          <a:fontRef idx="minor">
+            <a:schemeClr val="lt1"/>
+          </a:fontRef>
+        </p:style>
+        <p:txBody>
+          <a:bodyPr rtlCol="0" anchor="ctr"/>
+          <a:lstStyle/>
+          <a:p>
+            <a:pPr algn="ctr"/>
+            <a:endParaRPr lang="ko-KR" altLang="en-US"/>
+          </a:p>
+        </p:txBody>
+      </p:sp>
+      <mc:AlternateContent xmlns:mc="http://schemas.openxmlformats.org/markup-compatibility/2006">
+        <mc:Choice xmlns:a14="http://schemas.microsoft.com/office/drawing/2010/main" Requires="a14">
+          <p:sp>
+            <p:nvSpPr>
+              <p:cNvPr id="199" name="TextBox 198">
+                <a:extLst>
+                  <a:ext uri="{FF2B5EF4-FFF2-40B4-BE49-F238E27FC236}">
+                    <a16:creationId xmlns:a16="http://schemas.microsoft.com/office/drawing/2014/main" id="{CAE90449-E41B-4117-A514-0E5283CB3DE5}"/>
+                  </a:ext>
+                </a:extLst>
+              </p:cNvPr>
+              <p:cNvSpPr txBox="1"/>
+              <p:nvPr/>
+            </p:nvSpPr>
+            <p:spPr>
+              <a:xfrm>
+                <a:off x="6367188" y="3551459"/>
+                <a:ext cx="342210" cy="276999"/>
+              </a:xfrm>
+              <a:prstGeom prst="rect">
+                <a:avLst/>
+              </a:prstGeom>
+              <a:noFill/>
+            </p:spPr>
+            <p:txBody>
+              <a:bodyPr wrap="none" lIns="0" tIns="0" rIns="0" bIns="0" rtlCol="0">
+                <a:spAutoFit/>
+              </a:bodyPr>
+              <a:lstStyle/>
+              <a:p>
+                <a14:m>
+                  <m:oMathPara xmlns:m="http://schemas.openxmlformats.org/officeDocument/2006/math">
+                    <m:oMathParaPr>
+                      <m:jc m:val="centerGroup"/>
+                    </m:oMathParaPr>
+                    <m:oMath xmlns:m="http://schemas.openxmlformats.org/officeDocument/2006/math">
+                      <m:r>
+                        <a:rPr lang="en-US" altLang="ko-KR" b="0" i="1" smtClean="0">
+                          <a:latin typeface="Cambria Math" panose="02040503050406030204" pitchFamily="18" charset="0"/>
+                        </a:rPr>
+                        <m:t>+</m:t>
+                      </m:r>
+                      <m:r>
+                        <a:rPr lang="en-US" altLang="ko-KR" b="0" i="1" smtClean="0">
+                          <a:latin typeface="Cambria Math" panose="02040503050406030204" pitchFamily="18" charset="0"/>
+                        </a:rPr>
+                        <m:t>𝑗</m:t>
+                      </m:r>
+                    </m:oMath>
+                  </m:oMathPara>
+                </a14:m>
+                <a:endParaRPr lang="ko-KR" altLang="en-US" dirty="0"/>
+              </a:p>
+            </p:txBody>
+          </p:sp>
+        </mc:Choice>
+        <mc:Fallback>
+          <p:sp>
+            <p:nvSpPr>
+              <p:cNvPr id="199" name="TextBox 198">
+                <a:extLst>
+                  <a:ext uri="{FF2B5EF4-FFF2-40B4-BE49-F238E27FC236}">
+                    <a16:creationId xmlns:a16="http://schemas.microsoft.com/office/drawing/2014/main" id="{CAE90449-E41B-4117-A514-0E5283CB3DE5}"/>
+                  </a:ext>
+                </a:extLst>
+              </p:cNvPr>
+              <p:cNvSpPr txBox="1">
+                <a:spLocks noRot="1" noChangeAspect="1" noMove="1" noResize="1" noEditPoints="1" noAdjustHandles="1" noChangeArrowheads="1" noChangeShapeType="1" noTextEdit="1"/>
+              </p:cNvSpPr>
+              <p:nvPr/>
+            </p:nvSpPr>
+            <p:spPr>
+              <a:xfrm>
+                <a:off x="6367188" y="3551459"/>
+                <a:ext cx="342210" cy="276999"/>
+              </a:xfrm>
+              <a:prstGeom prst="rect">
+                <a:avLst/>
+              </a:prstGeom>
+              <a:blipFill>
+                <a:blip r:embed="rId22"/>
+                <a:stretch>
+                  <a:fillRect l="-8772" r="-17544" b="-40000"/>
+                </a:stretch>
+              </a:blipFill>
+            </p:spPr>
+            <p:txBody>
+              <a:bodyPr/>
+              <a:lstStyle/>
+              <a:p>
+                <a:r>
+                  <a:rPr lang="ko-KR" altLang="en-US">
+                    <a:noFill/>
+                  </a:rPr>
+                  <a:t> </a:t>
+                </a:r>
+              </a:p>
+            </p:txBody>
+          </p:sp>
+        </mc:Fallback>
+      </mc:AlternateContent>
+      <mc:AlternateContent xmlns:mc="http://schemas.openxmlformats.org/markup-compatibility/2006">
+        <mc:Choice xmlns:a14="http://schemas.microsoft.com/office/drawing/2010/main" Requires="a14">
+          <p:sp>
+            <p:nvSpPr>
+              <p:cNvPr id="200" name="TextBox 199">
+                <a:extLst>
+                  <a:ext uri="{FF2B5EF4-FFF2-40B4-BE49-F238E27FC236}">
+                    <a16:creationId xmlns:a16="http://schemas.microsoft.com/office/drawing/2014/main" id="{A19756D5-1C05-4FBF-B24C-4F365854299E}"/>
+                  </a:ext>
+                </a:extLst>
+              </p:cNvPr>
+              <p:cNvSpPr txBox="1"/>
+              <p:nvPr/>
+            </p:nvSpPr>
+            <p:spPr>
+              <a:xfrm>
+                <a:off x="6367188" y="4061697"/>
+                <a:ext cx="342210" cy="276999"/>
+              </a:xfrm>
+              <a:prstGeom prst="rect">
+                <a:avLst/>
+              </a:prstGeom>
+              <a:noFill/>
+            </p:spPr>
+            <p:txBody>
+              <a:bodyPr wrap="none" lIns="0" tIns="0" rIns="0" bIns="0" rtlCol="0">
+                <a:spAutoFit/>
+              </a:bodyPr>
+              <a:lstStyle/>
+              <a:p>
+                <a14:m>
+                  <m:oMathPara xmlns:m="http://schemas.openxmlformats.org/officeDocument/2006/math">
+                    <m:oMathParaPr>
+                      <m:jc m:val="centerGroup"/>
+                    </m:oMathParaPr>
+                    <m:oMath xmlns:m="http://schemas.openxmlformats.org/officeDocument/2006/math">
+                      <m:r>
+                        <a:rPr lang="en-US" altLang="ko-KR" b="0" i="1" smtClean="0">
+                          <a:latin typeface="Cambria Math" panose="02040503050406030204" pitchFamily="18" charset="0"/>
+                        </a:rPr>
+                        <m:t>+</m:t>
+                      </m:r>
+                      <m:r>
+                        <a:rPr lang="en-US" altLang="ko-KR" b="0" i="1" smtClean="0">
+                          <a:latin typeface="Cambria Math" panose="02040503050406030204" pitchFamily="18" charset="0"/>
+                        </a:rPr>
+                        <m:t>𝑗</m:t>
+                      </m:r>
+                    </m:oMath>
+                  </m:oMathPara>
+                </a14:m>
+                <a:endParaRPr lang="ko-KR" altLang="en-US" dirty="0"/>
+              </a:p>
+            </p:txBody>
+          </p:sp>
+        </mc:Choice>
+        <mc:Fallback>
+          <p:sp>
+            <p:nvSpPr>
+              <p:cNvPr id="200" name="TextBox 199">
+                <a:extLst>
+                  <a:ext uri="{FF2B5EF4-FFF2-40B4-BE49-F238E27FC236}">
+                    <a16:creationId xmlns:a16="http://schemas.microsoft.com/office/drawing/2014/main" id="{A19756D5-1C05-4FBF-B24C-4F365854299E}"/>
+                  </a:ext>
+                </a:extLst>
+              </p:cNvPr>
+              <p:cNvSpPr txBox="1">
+                <a:spLocks noRot="1" noChangeAspect="1" noMove="1" noResize="1" noEditPoints="1" noAdjustHandles="1" noChangeArrowheads="1" noChangeShapeType="1" noTextEdit="1"/>
+              </p:cNvSpPr>
+              <p:nvPr/>
+            </p:nvSpPr>
+            <p:spPr>
+              <a:xfrm>
+                <a:off x="6367188" y="4061697"/>
+                <a:ext cx="342210" cy="276999"/>
+              </a:xfrm>
+              <a:prstGeom prst="rect">
+                <a:avLst/>
+              </a:prstGeom>
+              <a:blipFill>
+                <a:blip r:embed="rId23"/>
+                <a:stretch>
+                  <a:fillRect l="-8772" r="-17544" b="-36957"/>
+                </a:stretch>
+              </a:blipFill>
+            </p:spPr>
+            <p:txBody>
+              <a:bodyPr/>
+              <a:lstStyle/>
+              <a:p>
+                <a:r>
+                  <a:rPr lang="ko-KR" altLang="en-US">
+                    <a:noFill/>
+                  </a:rPr>
+                  <a:t> </a:t>
+                </a:r>
+              </a:p>
+            </p:txBody>
+          </p:sp>
+        </mc:Fallback>
+      </mc:AlternateContent>
+      <mc:AlternateContent xmlns:mc="http://schemas.openxmlformats.org/markup-compatibility/2006">
+        <mc:Choice xmlns:a14="http://schemas.microsoft.com/office/drawing/2010/main" Requires="a14">
+          <p:sp>
+            <p:nvSpPr>
+              <p:cNvPr id="201" name="TextBox 200">
+                <a:extLst>
+                  <a:ext uri="{FF2B5EF4-FFF2-40B4-BE49-F238E27FC236}">
+                    <a16:creationId xmlns:a16="http://schemas.microsoft.com/office/drawing/2014/main" id="{D9AD3078-2030-4FDF-95B9-3667721AC885}"/>
+                  </a:ext>
+                </a:extLst>
+              </p:cNvPr>
+              <p:cNvSpPr txBox="1"/>
+              <p:nvPr/>
+            </p:nvSpPr>
+            <p:spPr>
+              <a:xfrm>
+                <a:off x="6367188" y="4580432"/>
+                <a:ext cx="342210" cy="276999"/>
+              </a:xfrm>
+              <a:prstGeom prst="rect">
+                <a:avLst/>
+              </a:prstGeom>
+              <a:noFill/>
+            </p:spPr>
+            <p:txBody>
+              <a:bodyPr wrap="none" lIns="0" tIns="0" rIns="0" bIns="0" rtlCol="0">
+                <a:spAutoFit/>
+              </a:bodyPr>
+              <a:lstStyle/>
+              <a:p>
+                <a14:m>
+                  <m:oMathPara xmlns:m="http://schemas.openxmlformats.org/officeDocument/2006/math">
+                    <m:oMathParaPr>
+                      <m:jc m:val="centerGroup"/>
+                    </m:oMathParaPr>
+                    <m:oMath xmlns:m="http://schemas.openxmlformats.org/officeDocument/2006/math">
+                      <m:r>
+                        <a:rPr lang="en-US" altLang="ko-KR" b="0" i="1" smtClean="0">
+                          <a:latin typeface="Cambria Math" panose="02040503050406030204" pitchFamily="18" charset="0"/>
+                        </a:rPr>
+                        <m:t>+</m:t>
+                      </m:r>
+                      <m:r>
+                        <a:rPr lang="en-US" altLang="ko-KR" b="0" i="1" smtClean="0">
+                          <a:latin typeface="Cambria Math" panose="02040503050406030204" pitchFamily="18" charset="0"/>
+                        </a:rPr>
+                        <m:t>𝑗</m:t>
+                      </m:r>
+                    </m:oMath>
+                  </m:oMathPara>
+                </a14:m>
+                <a:endParaRPr lang="ko-KR" altLang="en-US" dirty="0"/>
+              </a:p>
+            </p:txBody>
+          </p:sp>
+        </mc:Choice>
+        <mc:Fallback>
+          <p:sp>
+            <p:nvSpPr>
+              <p:cNvPr id="201" name="TextBox 200">
+                <a:extLst>
+                  <a:ext uri="{FF2B5EF4-FFF2-40B4-BE49-F238E27FC236}">
+                    <a16:creationId xmlns:a16="http://schemas.microsoft.com/office/drawing/2014/main" id="{D9AD3078-2030-4FDF-95B9-3667721AC885}"/>
+                  </a:ext>
+                </a:extLst>
+              </p:cNvPr>
+              <p:cNvSpPr txBox="1">
+                <a:spLocks noRot="1" noChangeAspect="1" noMove="1" noResize="1" noEditPoints="1" noAdjustHandles="1" noChangeArrowheads="1" noChangeShapeType="1" noTextEdit="1"/>
+              </p:cNvSpPr>
+              <p:nvPr/>
+            </p:nvSpPr>
+            <p:spPr>
+              <a:xfrm>
+                <a:off x="6367188" y="4580432"/>
+                <a:ext cx="342210" cy="276999"/>
+              </a:xfrm>
+              <a:prstGeom prst="rect">
+                <a:avLst/>
+              </a:prstGeom>
+              <a:blipFill>
+                <a:blip r:embed="rId24"/>
+                <a:stretch>
+                  <a:fillRect l="-8772" r="-17544" b="-36957"/>
+                </a:stretch>
+              </a:blipFill>
+            </p:spPr>
+            <p:txBody>
+              <a:bodyPr/>
+              <a:lstStyle/>
+              <a:p>
+                <a:r>
+                  <a:rPr lang="ko-KR" altLang="en-US">
+                    <a:noFill/>
+                  </a:rPr>
+                  <a:t> </a:t>
+                </a:r>
+              </a:p>
+            </p:txBody>
+          </p:sp>
+        </mc:Fallback>
+      </mc:AlternateContent>
+      <mc:AlternateContent xmlns:mc="http://schemas.openxmlformats.org/markup-compatibility/2006">
+        <mc:Choice xmlns:a14="http://schemas.microsoft.com/office/drawing/2010/main" Requires="a14">
+          <p:sp>
+            <p:nvSpPr>
+              <p:cNvPr id="202" name="TextBox 201">
+                <a:extLst>
+                  <a:ext uri="{FF2B5EF4-FFF2-40B4-BE49-F238E27FC236}">
+                    <a16:creationId xmlns:a16="http://schemas.microsoft.com/office/drawing/2014/main" id="{2A5927D9-A2A8-4E57-8290-7B74D4994120}"/>
+                  </a:ext>
+                </a:extLst>
+              </p:cNvPr>
+              <p:cNvSpPr txBox="1"/>
+              <p:nvPr/>
+            </p:nvSpPr>
+            <p:spPr>
+              <a:xfrm>
+                <a:off x="6367188" y="5099170"/>
+                <a:ext cx="342210" cy="276999"/>
+              </a:xfrm>
+              <a:prstGeom prst="rect">
+                <a:avLst/>
+              </a:prstGeom>
+              <a:noFill/>
+            </p:spPr>
+            <p:txBody>
+              <a:bodyPr wrap="none" lIns="0" tIns="0" rIns="0" bIns="0" rtlCol="0">
+                <a:spAutoFit/>
+              </a:bodyPr>
+              <a:lstStyle/>
+              <a:p>
+                <a14:m>
+                  <m:oMathPara xmlns:m="http://schemas.openxmlformats.org/officeDocument/2006/math">
+                    <m:oMathParaPr>
+                      <m:jc m:val="centerGroup"/>
+                    </m:oMathParaPr>
+                    <m:oMath xmlns:m="http://schemas.openxmlformats.org/officeDocument/2006/math">
+                      <m:r>
+                        <a:rPr lang="en-US" altLang="ko-KR" b="0" i="1" smtClean="0">
+                          <a:latin typeface="Cambria Math" panose="02040503050406030204" pitchFamily="18" charset="0"/>
+                        </a:rPr>
+                        <m:t>+</m:t>
+                      </m:r>
+                      <m:r>
+                        <a:rPr lang="en-US" altLang="ko-KR" b="0" i="1" smtClean="0">
+                          <a:latin typeface="Cambria Math" panose="02040503050406030204" pitchFamily="18" charset="0"/>
+                        </a:rPr>
+                        <m:t>𝑗</m:t>
+                      </m:r>
+                    </m:oMath>
+                  </m:oMathPara>
+                </a14:m>
+                <a:endParaRPr lang="ko-KR" altLang="en-US" dirty="0"/>
+              </a:p>
+            </p:txBody>
+          </p:sp>
+        </mc:Choice>
+        <mc:Fallback>
+          <p:sp>
+            <p:nvSpPr>
+              <p:cNvPr id="202" name="TextBox 201">
+                <a:extLst>
+                  <a:ext uri="{FF2B5EF4-FFF2-40B4-BE49-F238E27FC236}">
+                    <a16:creationId xmlns:a16="http://schemas.microsoft.com/office/drawing/2014/main" id="{2A5927D9-A2A8-4E57-8290-7B74D4994120}"/>
+                  </a:ext>
+                </a:extLst>
+              </p:cNvPr>
+              <p:cNvSpPr txBox="1">
+                <a:spLocks noRot="1" noChangeAspect="1" noMove="1" noResize="1" noEditPoints="1" noAdjustHandles="1" noChangeArrowheads="1" noChangeShapeType="1" noTextEdit="1"/>
+              </p:cNvSpPr>
+              <p:nvPr/>
+            </p:nvSpPr>
+            <p:spPr>
+              <a:xfrm>
+                <a:off x="6367188" y="5099170"/>
+                <a:ext cx="342210" cy="276999"/>
+              </a:xfrm>
+              <a:prstGeom prst="rect">
+                <a:avLst/>
+              </a:prstGeom>
+              <a:blipFill>
+                <a:blip r:embed="rId25"/>
+                <a:stretch>
+                  <a:fillRect l="-8772" r="-17544" b="-36957"/>
+                </a:stretch>
+              </a:blipFill>
+            </p:spPr>
+            <p:txBody>
+              <a:bodyPr/>
+              <a:lstStyle/>
+              <a:p>
+                <a:r>
+                  <a:rPr lang="ko-KR" altLang="en-US">
+                    <a:noFill/>
+                  </a:rPr>
+                  <a:t> </a:t>
+                </a:r>
+              </a:p>
+            </p:txBody>
+          </p:sp>
+        </mc:Fallback>
+      </mc:AlternateContent>
+      <p:grpSp>
+        <p:nvGrpSpPr>
+          <p:cNvPr id="345" name="그룹 344">
+            <a:extLst>
+              <a:ext uri="{FF2B5EF4-FFF2-40B4-BE49-F238E27FC236}">
+                <a16:creationId xmlns:a16="http://schemas.microsoft.com/office/drawing/2014/main" id="{1B6B85E6-9E56-491E-841A-17EA36DF4777}"/>
+              </a:ext>
+            </a:extLst>
+          </p:cNvPr>
+          <p:cNvGrpSpPr/>
+          <p:nvPr/>
+        </p:nvGrpSpPr>
+        <p:grpSpPr>
+          <a:xfrm>
+            <a:off x="251520" y="2146628"/>
+            <a:ext cx="3132826" cy="2564744"/>
+            <a:chOff x="453194" y="1374515"/>
+            <a:chExt cx="5040560" cy="4126545"/>
+          </a:xfrm>
+        </p:grpSpPr>
+        <p:sp>
+          <p:nvSpPr>
+            <p:cNvPr id="207" name="왼쪽 대괄호 206">
+              <a:extLst>
+                <a:ext uri="{FF2B5EF4-FFF2-40B4-BE49-F238E27FC236}">
+                  <a16:creationId xmlns:a16="http://schemas.microsoft.com/office/drawing/2014/main" id="{3388A768-59C4-450F-BD97-BA3D758D46FB}"/>
+                </a:ext>
+              </a:extLst>
+            </p:cNvPr>
+            <p:cNvSpPr/>
+            <p:nvPr/>
+          </p:nvSpPr>
+          <p:spPr>
+            <a:xfrm flipH="1">
+              <a:off x="5313162" y="1474420"/>
+              <a:ext cx="180592" cy="3972345"/>
+            </a:xfrm>
+            <a:prstGeom prst="leftBracket">
+              <a:avLst>
+                <a:gd name="adj" fmla="val 0"/>
+              </a:avLst>
+            </a:prstGeom>
+            <a:ln w="19050">
+              <a:solidFill>
+                <a:schemeClr val="tx1"/>
+              </a:solidFill>
+            </a:ln>
+          </p:spPr>
+          <p:style>
+            <a:lnRef idx="1">
+              <a:schemeClr val="accent1"/>
+            </a:lnRef>
+            <a:fillRef idx="0">
+              <a:schemeClr val="accent1"/>
+            </a:fillRef>
+            <a:effectRef idx="0">
+              <a:schemeClr val="accent1"/>
+            </a:effectRef>
+            <a:fontRef idx="minor">
+              <a:schemeClr val="tx1"/>
+            </a:fontRef>
+          </p:style>
+          <p:txBody>
+            <a:bodyPr rtlCol="0" anchor="ctr"/>
+            <a:lstStyle/>
+            <a:p>
+              <a:pPr algn="ctr"/>
+              <a:endParaRPr lang="ko-KR" altLang="en-US"/>
+            </a:p>
+          </p:txBody>
+        </p:sp>
+        <p:sp>
+          <p:nvSpPr>
+            <p:cNvPr id="208" name="왼쪽 대괄호 207">
+              <a:extLst>
+                <a:ext uri="{FF2B5EF4-FFF2-40B4-BE49-F238E27FC236}">
+                  <a16:creationId xmlns:a16="http://schemas.microsoft.com/office/drawing/2014/main" id="{C2AB81B0-8D19-4C5B-94C9-09570A30C400}"/>
+                </a:ext>
+              </a:extLst>
+            </p:cNvPr>
+            <p:cNvSpPr/>
+            <p:nvPr/>
+          </p:nvSpPr>
+          <p:spPr>
+            <a:xfrm>
+              <a:off x="453194" y="1474420"/>
+              <a:ext cx="180592" cy="3972345"/>
+            </a:xfrm>
+            <a:prstGeom prst="leftBracket">
+              <a:avLst>
+                <a:gd name="adj" fmla="val 0"/>
+              </a:avLst>
+            </a:prstGeom>
+            <a:ln w="19050">
+              <a:solidFill>
+                <a:schemeClr val="tx1"/>
+              </a:solidFill>
+            </a:ln>
+          </p:spPr>
+          <p:style>
+            <a:lnRef idx="1">
+              <a:schemeClr val="accent1"/>
+            </a:lnRef>
+            <a:fillRef idx="0">
+              <a:schemeClr val="accent1"/>
+            </a:fillRef>
+            <a:effectRef idx="0">
+              <a:schemeClr val="accent1"/>
+            </a:effectRef>
+            <a:fontRef idx="minor">
+              <a:schemeClr val="tx1"/>
+            </a:fontRef>
+          </p:style>
+          <p:txBody>
+            <a:bodyPr rtlCol="0" anchor="ctr"/>
+            <a:lstStyle/>
+            <a:p>
+              <a:pPr algn="ctr"/>
+              <a:endParaRPr lang="ko-KR" altLang="en-US"/>
+            </a:p>
+          </p:txBody>
+        </p:sp>
+        <p:sp>
+          <p:nvSpPr>
+            <p:cNvPr id="209" name="타원 208">
+              <a:extLst>
+                <a:ext uri="{FF2B5EF4-FFF2-40B4-BE49-F238E27FC236}">
+                  <a16:creationId xmlns:a16="http://schemas.microsoft.com/office/drawing/2014/main" id="{FDEF2B68-2CB2-4756-8782-0FAF2547C301}"/>
+                </a:ext>
+              </a:extLst>
+            </p:cNvPr>
+            <p:cNvSpPr/>
+            <p:nvPr/>
+          </p:nvSpPr>
+          <p:spPr>
+            <a:xfrm>
+              <a:off x="746580" y="1402412"/>
+              <a:ext cx="432048" cy="432048"/>
+            </a:xfrm>
+            <a:prstGeom prst="ellipse">
+              <a:avLst/>
+            </a:prstGeom>
+            <a:solidFill>
+              <a:schemeClr val="bg1"/>
+            </a:solidFill>
+            <a:ln>
+              <a:solidFill>
+                <a:schemeClr val="tx1"/>
+              </a:solidFill>
+            </a:ln>
+          </p:spPr>
+          <p:style>
+            <a:lnRef idx="2">
+              <a:schemeClr val="accent1">
+                <a:shade val="50000"/>
+              </a:schemeClr>
+            </a:lnRef>
+            <a:fillRef idx="1">
+              <a:schemeClr val="accent1"/>
+            </a:fillRef>
+            <a:effectRef idx="0">
+              <a:schemeClr val="accent1"/>
+            </a:effectRef>
+            <a:fontRef idx="minor">
+              <a:schemeClr val="lt1"/>
+            </a:fontRef>
+          </p:style>
+          <p:txBody>
+            <a:bodyPr rtlCol="0" anchor="ctr"/>
+            <a:lstStyle/>
+            <a:p>
+              <a:pPr algn="ctr"/>
+              <a:endParaRPr lang="ko-KR" altLang="en-US"/>
+            </a:p>
+          </p:txBody>
+        </p:sp>
+        <p:cxnSp>
+          <p:nvCxnSpPr>
+            <p:cNvPr id="210" name="직선 연결선 209">
+              <a:extLst>
+                <a:ext uri="{FF2B5EF4-FFF2-40B4-BE49-F238E27FC236}">
+                  <a16:creationId xmlns:a16="http://schemas.microsoft.com/office/drawing/2014/main" id="{44DA2E10-F9DA-4C69-AB12-D3CA5554D859}"/>
+                </a:ext>
+              </a:extLst>
+            </p:cNvPr>
+            <p:cNvCxnSpPr>
+              <a:endCxn id="209" idx="6"/>
+            </p:cNvCxnSpPr>
+            <p:nvPr/>
+          </p:nvCxnSpPr>
+          <p:spPr>
+            <a:xfrm>
+              <a:off x="962604" y="1618436"/>
+              <a:ext cx="216024" cy="0"/>
+            </a:xfrm>
+            <a:prstGeom prst="line">
+              <a:avLst/>
+            </a:prstGeom>
+            <a:ln>
+              <a:solidFill>
+                <a:schemeClr val="tx1"/>
+              </a:solidFill>
+            </a:ln>
+          </p:spPr>
+          <p:style>
+            <a:lnRef idx="1">
+              <a:schemeClr val="accent1"/>
+            </a:lnRef>
+            <a:fillRef idx="0">
+              <a:schemeClr val="accent1"/>
+            </a:fillRef>
+            <a:effectRef idx="0">
+              <a:schemeClr val="accent1"/>
+            </a:effectRef>
+            <a:fontRef idx="minor">
+              <a:schemeClr val="tx1"/>
+            </a:fontRef>
+          </p:style>
+        </p:cxnSp>
+        <p:sp>
+          <p:nvSpPr>
+            <p:cNvPr id="211" name="타원 210">
+              <a:extLst>
+                <a:ext uri="{FF2B5EF4-FFF2-40B4-BE49-F238E27FC236}">
+                  <a16:creationId xmlns:a16="http://schemas.microsoft.com/office/drawing/2014/main" id="{9FA92EF7-3CB6-4282-8A6D-CA6A604EF397}"/>
+                </a:ext>
+              </a:extLst>
+            </p:cNvPr>
+            <p:cNvSpPr/>
+            <p:nvPr/>
+          </p:nvSpPr>
+          <p:spPr>
+            <a:xfrm>
+              <a:off x="1321879" y="1402412"/>
+              <a:ext cx="432048" cy="432048"/>
+            </a:xfrm>
+            <a:prstGeom prst="ellipse">
+              <a:avLst/>
+            </a:prstGeom>
+            <a:solidFill>
+              <a:schemeClr val="bg1"/>
+            </a:solidFill>
+            <a:ln>
+              <a:solidFill>
+                <a:schemeClr val="tx1"/>
+              </a:solidFill>
+            </a:ln>
+          </p:spPr>
+          <p:style>
+            <a:lnRef idx="2">
+              <a:schemeClr val="accent1">
+                <a:shade val="50000"/>
+              </a:schemeClr>
+            </a:lnRef>
+            <a:fillRef idx="1">
+              <a:schemeClr val="accent1"/>
+            </a:fillRef>
+            <a:effectRef idx="0">
+              <a:schemeClr val="accent1"/>
+            </a:effectRef>
+            <a:fontRef idx="minor">
+              <a:schemeClr val="lt1"/>
+            </a:fontRef>
+          </p:style>
+          <p:txBody>
+            <a:bodyPr rtlCol="0" anchor="ctr"/>
+            <a:lstStyle/>
+            <a:p>
+              <a:pPr algn="ctr"/>
+              <a:endParaRPr lang="ko-KR" altLang="en-US"/>
+            </a:p>
+          </p:txBody>
+        </p:sp>
+        <p:cxnSp>
+          <p:nvCxnSpPr>
+            <p:cNvPr id="212" name="직선 연결선 211">
+              <a:extLst>
+                <a:ext uri="{FF2B5EF4-FFF2-40B4-BE49-F238E27FC236}">
+                  <a16:creationId xmlns:a16="http://schemas.microsoft.com/office/drawing/2014/main" id="{6632BCDD-361B-4B31-AC47-83C88B3F9C95}"/>
+                </a:ext>
+              </a:extLst>
+            </p:cNvPr>
+            <p:cNvCxnSpPr>
+              <a:endCxn id="211" idx="6"/>
+            </p:cNvCxnSpPr>
+            <p:nvPr/>
+          </p:nvCxnSpPr>
+          <p:spPr>
+            <a:xfrm>
+              <a:off x="1537903" y="1618436"/>
+              <a:ext cx="216024" cy="0"/>
+            </a:xfrm>
+            <a:prstGeom prst="line">
+              <a:avLst/>
+            </a:prstGeom>
+            <a:ln>
+              <a:solidFill>
+                <a:schemeClr val="tx1"/>
+              </a:solidFill>
+            </a:ln>
+          </p:spPr>
+          <p:style>
+            <a:lnRef idx="1">
+              <a:schemeClr val="accent1"/>
+            </a:lnRef>
+            <a:fillRef idx="0">
+              <a:schemeClr val="accent1"/>
+            </a:fillRef>
+            <a:effectRef idx="0">
+              <a:schemeClr val="accent1"/>
+            </a:effectRef>
+            <a:fontRef idx="minor">
+              <a:schemeClr val="tx1"/>
+            </a:fontRef>
+          </p:style>
+        </p:cxnSp>
+        <p:sp>
+          <p:nvSpPr>
+            <p:cNvPr id="213" name="타원 212">
+              <a:extLst>
+                <a:ext uri="{FF2B5EF4-FFF2-40B4-BE49-F238E27FC236}">
+                  <a16:creationId xmlns:a16="http://schemas.microsoft.com/office/drawing/2014/main" id="{CB3D2EE4-E549-4FF7-96DD-6ABC4C176FD9}"/>
+                </a:ext>
+              </a:extLst>
+            </p:cNvPr>
+            <p:cNvSpPr/>
+            <p:nvPr/>
+          </p:nvSpPr>
+          <p:spPr>
+            <a:xfrm>
+              <a:off x="1896769" y="1402412"/>
+              <a:ext cx="432048" cy="432048"/>
+            </a:xfrm>
+            <a:prstGeom prst="ellipse">
+              <a:avLst/>
+            </a:prstGeom>
+            <a:solidFill>
+              <a:schemeClr val="bg1"/>
+            </a:solidFill>
+            <a:ln>
+              <a:solidFill>
+                <a:schemeClr val="tx1"/>
+              </a:solidFill>
+            </a:ln>
+          </p:spPr>
+          <p:style>
+            <a:lnRef idx="2">
+              <a:schemeClr val="accent1">
+                <a:shade val="50000"/>
+              </a:schemeClr>
+            </a:lnRef>
+            <a:fillRef idx="1">
+              <a:schemeClr val="accent1"/>
+            </a:fillRef>
+            <a:effectRef idx="0">
+              <a:schemeClr val="accent1"/>
+            </a:effectRef>
+            <a:fontRef idx="minor">
+              <a:schemeClr val="lt1"/>
+            </a:fontRef>
+          </p:style>
+          <p:txBody>
+            <a:bodyPr rtlCol="0" anchor="ctr"/>
+            <a:lstStyle/>
+            <a:p>
+              <a:pPr algn="ctr"/>
+              <a:endParaRPr lang="ko-KR" altLang="en-US"/>
+            </a:p>
+          </p:txBody>
+        </p:sp>
+        <p:cxnSp>
+          <p:nvCxnSpPr>
+            <p:cNvPr id="214" name="직선 연결선 213">
+              <a:extLst>
+                <a:ext uri="{FF2B5EF4-FFF2-40B4-BE49-F238E27FC236}">
+                  <a16:creationId xmlns:a16="http://schemas.microsoft.com/office/drawing/2014/main" id="{A1FD1101-B2EA-45A8-B3AB-0D974D810C66}"/>
+                </a:ext>
+              </a:extLst>
+            </p:cNvPr>
+            <p:cNvCxnSpPr>
+              <a:endCxn id="213" idx="6"/>
+            </p:cNvCxnSpPr>
+            <p:nvPr/>
+          </p:nvCxnSpPr>
+          <p:spPr>
+            <a:xfrm>
+              <a:off x="2112793" y="1618436"/>
+              <a:ext cx="216024" cy="0"/>
+            </a:xfrm>
+            <a:prstGeom prst="line">
+              <a:avLst/>
+            </a:prstGeom>
+            <a:ln>
+              <a:solidFill>
+                <a:schemeClr val="tx1"/>
+              </a:solidFill>
+            </a:ln>
+          </p:spPr>
+          <p:style>
+            <a:lnRef idx="1">
+              <a:schemeClr val="accent1"/>
+            </a:lnRef>
+            <a:fillRef idx="0">
+              <a:schemeClr val="accent1"/>
+            </a:fillRef>
+            <a:effectRef idx="0">
+              <a:schemeClr val="accent1"/>
+            </a:effectRef>
+            <a:fontRef idx="minor">
+              <a:schemeClr val="tx1"/>
+            </a:fontRef>
+          </p:style>
+        </p:cxnSp>
+        <p:sp>
+          <p:nvSpPr>
+            <p:cNvPr id="215" name="타원 214">
+              <a:extLst>
+                <a:ext uri="{FF2B5EF4-FFF2-40B4-BE49-F238E27FC236}">
+                  <a16:creationId xmlns:a16="http://schemas.microsoft.com/office/drawing/2014/main" id="{2B4D7632-A28E-4FAA-B0FB-B49C79BC91C0}"/>
+                </a:ext>
+              </a:extLst>
+            </p:cNvPr>
+            <p:cNvSpPr/>
+            <p:nvPr/>
+          </p:nvSpPr>
+          <p:spPr>
+            <a:xfrm>
+              <a:off x="2472477" y="1402412"/>
+              <a:ext cx="432048" cy="432048"/>
+            </a:xfrm>
+            <a:prstGeom prst="ellipse">
+              <a:avLst/>
+            </a:prstGeom>
+            <a:solidFill>
+              <a:schemeClr val="bg1"/>
+            </a:solidFill>
+            <a:ln>
+              <a:solidFill>
+                <a:schemeClr val="tx1"/>
+              </a:solidFill>
+            </a:ln>
+          </p:spPr>
+          <p:style>
+            <a:lnRef idx="2">
+              <a:schemeClr val="accent1">
+                <a:shade val="50000"/>
+              </a:schemeClr>
+            </a:lnRef>
+            <a:fillRef idx="1">
+              <a:schemeClr val="accent1"/>
+            </a:fillRef>
+            <a:effectRef idx="0">
+              <a:schemeClr val="accent1"/>
+            </a:effectRef>
+            <a:fontRef idx="minor">
+              <a:schemeClr val="lt1"/>
+            </a:fontRef>
+          </p:style>
+          <p:txBody>
+            <a:bodyPr rtlCol="0" anchor="ctr"/>
+            <a:lstStyle/>
+            <a:p>
+              <a:pPr algn="ctr"/>
+              <a:endParaRPr lang="ko-KR" altLang="en-US"/>
+            </a:p>
+          </p:txBody>
+        </p:sp>
+        <p:cxnSp>
+          <p:nvCxnSpPr>
+            <p:cNvPr id="216" name="직선 연결선 215">
+              <a:extLst>
+                <a:ext uri="{FF2B5EF4-FFF2-40B4-BE49-F238E27FC236}">
+                  <a16:creationId xmlns:a16="http://schemas.microsoft.com/office/drawing/2014/main" id="{17F8994E-C1BD-4D2A-A678-30F83CA59591}"/>
+                </a:ext>
+              </a:extLst>
+            </p:cNvPr>
+            <p:cNvCxnSpPr>
+              <a:endCxn id="215" idx="6"/>
+            </p:cNvCxnSpPr>
+            <p:nvPr/>
+          </p:nvCxnSpPr>
+          <p:spPr>
+            <a:xfrm>
+              <a:off x="2688501" y="1618436"/>
+              <a:ext cx="216024" cy="0"/>
+            </a:xfrm>
+            <a:prstGeom prst="line">
+              <a:avLst/>
+            </a:prstGeom>
+            <a:ln>
+              <a:solidFill>
+                <a:schemeClr val="tx1"/>
+              </a:solidFill>
+            </a:ln>
+          </p:spPr>
+          <p:style>
+            <a:lnRef idx="1">
+              <a:schemeClr val="accent1"/>
+            </a:lnRef>
+            <a:fillRef idx="0">
+              <a:schemeClr val="accent1"/>
+            </a:fillRef>
+            <a:effectRef idx="0">
+              <a:schemeClr val="accent1"/>
+            </a:effectRef>
+            <a:fontRef idx="minor">
+              <a:schemeClr val="tx1"/>
+            </a:fontRef>
+          </p:style>
+        </p:cxnSp>
+        <p:sp>
+          <p:nvSpPr>
+            <p:cNvPr id="217" name="타원 216">
+              <a:extLst>
+                <a:ext uri="{FF2B5EF4-FFF2-40B4-BE49-F238E27FC236}">
+                  <a16:creationId xmlns:a16="http://schemas.microsoft.com/office/drawing/2014/main" id="{1091045A-F35D-4349-820B-6C1A6CC7282C}"/>
+                </a:ext>
+              </a:extLst>
+            </p:cNvPr>
+            <p:cNvSpPr/>
+            <p:nvPr/>
+          </p:nvSpPr>
+          <p:spPr>
+            <a:xfrm>
+              <a:off x="3047776" y="1402412"/>
+              <a:ext cx="432048" cy="432048"/>
+            </a:xfrm>
+            <a:prstGeom prst="ellipse">
+              <a:avLst/>
+            </a:prstGeom>
+            <a:solidFill>
+              <a:schemeClr val="bg1"/>
+            </a:solidFill>
+            <a:ln>
+              <a:solidFill>
+                <a:schemeClr val="tx1"/>
+              </a:solidFill>
+            </a:ln>
+          </p:spPr>
+          <p:style>
+            <a:lnRef idx="2">
+              <a:schemeClr val="accent1">
+                <a:shade val="50000"/>
+              </a:schemeClr>
+            </a:lnRef>
+            <a:fillRef idx="1">
+              <a:schemeClr val="accent1"/>
+            </a:fillRef>
+            <a:effectRef idx="0">
+              <a:schemeClr val="accent1"/>
+            </a:effectRef>
+            <a:fontRef idx="minor">
+              <a:schemeClr val="lt1"/>
+            </a:fontRef>
+          </p:style>
+          <p:txBody>
+            <a:bodyPr rtlCol="0" anchor="ctr"/>
+            <a:lstStyle/>
+            <a:p>
+              <a:pPr algn="ctr"/>
+              <a:endParaRPr lang="ko-KR" altLang="en-US"/>
+            </a:p>
+          </p:txBody>
+        </p:sp>
+        <p:cxnSp>
+          <p:nvCxnSpPr>
+            <p:cNvPr id="218" name="직선 연결선 217">
+              <a:extLst>
+                <a:ext uri="{FF2B5EF4-FFF2-40B4-BE49-F238E27FC236}">
+                  <a16:creationId xmlns:a16="http://schemas.microsoft.com/office/drawing/2014/main" id="{D6BCCA8B-C530-4293-B375-7AF3F7AC2392}"/>
+                </a:ext>
+              </a:extLst>
+            </p:cNvPr>
+            <p:cNvCxnSpPr>
+              <a:endCxn id="217" idx="6"/>
+            </p:cNvCxnSpPr>
+            <p:nvPr/>
+          </p:nvCxnSpPr>
+          <p:spPr>
+            <a:xfrm>
+              <a:off x="3263800" y="1618436"/>
+              <a:ext cx="216024" cy="0"/>
+            </a:xfrm>
+            <a:prstGeom prst="line">
+              <a:avLst/>
+            </a:prstGeom>
+            <a:ln>
+              <a:solidFill>
+                <a:schemeClr val="tx1"/>
+              </a:solidFill>
+            </a:ln>
+          </p:spPr>
+          <p:style>
+            <a:lnRef idx="1">
+              <a:schemeClr val="accent1"/>
+            </a:lnRef>
+            <a:fillRef idx="0">
+              <a:schemeClr val="accent1"/>
+            </a:fillRef>
+            <a:effectRef idx="0">
+              <a:schemeClr val="accent1"/>
+            </a:effectRef>
+            <a:fontRef idx="minor">
+              <a:schemeClr val="tx1"/>
+            </a:fontRef>
+          </p:style>
+        </p:cxnSp>
+        <p:sp>
+          <p:nvSpPr>
+            <p:cNvPr id="219" name="타원 218">
+              <a:extLst>
+                <a:ext uri="{FF2B5EF4-FFF2-40B4-BE49-F238E27FC236}">
+                  <a16:creationId xmlns:a16="http://schemas.microsoft.com/office/drawing/2014/main" id="{C7D19F2E-6F33-403C-8A7E-21B5BA65DD6E}"/>
+                </a:ext>
+              </a:extLst>
+            </p:cNvPr>
+            <p:cNvSpPr/>
+            <p:nvPr/>
+          </p:nvSpPr>
+          <p:spPr>
+            <a:xfrm>
+              <a:off x="3623075" y="1402412"/>
+              <a:ext cx="432048" cy="432048"/>
+            </a:xfrm>
+            <a:prstGeom prst="ellipse">
+              <a:avLst/>
+            </a:prstGeom>
+            <a:solidFill>
+              <a:schemeClr val="bg1"/>
+            </a:solidFill>
+            <a:ln>
+              <a:solidFill>
+                <a:schemeClr val="tx1"/>
+              </a:solidFill>
+            </a:ln>
+          </p:spPr>
+          <p:style>
+            <a:lnRef idx="2">
+              <a:schemeClr val="accent1">
+                <a:shade val="50000"/>
+              </a:schemeClr>
+            </a:lnRef>
+            <a:fillRef idx="1">
+              <a:schemeClr val="accent1"/>
+            </a:fillRef>
+            <a:effectRef idx="0">
+              <a:schemeClr val="accent1"/>
+            </a:effectRef>
+            <a:fontRef idx="minor">
+              <a:schemeClr val="lt1"/>
+            </a:fontRef>
+          </p:style>
+          <p:txBody>
+            <a:bodyPr rtlCol="0" anchor="ctr"/>
+            <a:lstStyle/>
+            <a:p>
+              <a:pPr algn="ctr"/>
+              <a:endParaRPr lang="ko-KR" altLang="en-US"/>
+            </a:p>
+          </p:txBody>
+        </p:sp>
+        <p:cxnSp>
+          <p:nvCxnSpPr>
+            <p:cNvPr id="220" name="직선 연결선 219">
+              <a:extLst>
+                <a:ext uri="{FF2B5EF4-FFF2-40B4-BE49-F238E27FC236}">
+                  <a16:creationId xmlns:a16="http://schemas.microsoft.com/office/drawing/2014/main" id="{86D9813A-5DED-47A1-A29C-6109AF3682F1}"/>
+                </a:ext>
+              </a:extLst>
+            </p:cNvPr>
+            <p:cNvCxnSpPr>
+              <a:endCxn id="219" idx="6"/>
+            </p:cNvCxnSpPr>
+            <p:nvPr/>
+          </p:nvCxnSpPr>
+          <p:spPr>
+            <a:xfrm>
+              <a:off x="3839099" y="1618436"/>
+              <a:ext cx="216024" cy="0"/>
+            </a:xfrm>
+            <a:prstGeom prst="line">
+              <a:avLst/>
+            </a:prstGeom>
+            <a:ln>
+              <a:solidFill>
+                <a:schemeClr val="tx1"/>
+              </a:solidFill>
+            </a:ln>
+          </p:spPr>
+          <p:style>
+            <a:lnRef idx="1">
+              <a:schemeClr val="accent1"/>
+            </a:lnRef>
+            <a:fillRef idx="0">
+              <a:schemeClr val="accent1"/>
+            </a:fillRef>
+            <a:effectRef idx="0">
+              <a:schemeClr val="accent1"/>
+            </a:effectRef>
+            <a:fontRef idx="minor">
+              <a:schemeClr val="tx1"/>
+            </a:fontRef>
+          </p:style>
+        </p:cxnSp>
+        <p:sp>
+          <p:nvSpPr>
+            <p:cNvPr id="221" name="타원 220">
+              <a:extLst>
+                <a:ext uri="{FF2B5EF4-FFF2-40B4-BE49-F238E27FC236}">
+                  <a16:creationId xmlns:a16="http://schemas.microsoft.com/office/drawing/2014/main" id="{CDE13CD8-ABC6-41FC-AD82-C392C5B9D477}"/>
+                </a:ext>
+              </a:extLst>
+            </p:cNvPr>
+            <p:cNvSpPr/>
+            <p:nvPr/>
+          </p:nvSpPr>
+          <p:spPr>
+            <a:xfrm>
+              <a:off x="4198374" y="1402412"/>
+              <a:ext cx="432048" cy="432048"/>
+            </a:xfrm>
+            <a:prstGeom prst="ellipse">
+              <a:avLst/>
+            </a:prstGeom>
+            <a:solidFill>
+              <a:schemeClr val="bg1"/>
+            </a:solidFill>
+            <a:ln>
+              <a:solidFill>
+                <a:schemeClr val="tx1"/>
+              </a:solidFill>
+            </a:ln>
+          </p:spPr>
+          <p:style>
+            <a:lnRef idx="2">
+              <a:schemeClr val="accent1">
+                <a:shade val="50000"/>
+              </a:schemeClr>
+            </a:lnRef>
+            <a:fillRef idx="1">
+              <a:schemeClr val="accent1"/>
+            </a:fillRef>
+            <a:effectRef idx="0">
+              <a:schemeClr val="accent1"/>
+            </a:effectRef>
+            <a:fontRef idx="minor">
+              <a:schemeClr val="lt1"/>
+            </a:fontRef>
+          </p:style>
+          <p:txBody>
+            <a:bodyPr rtlCol="0" anchor="ctr"/>
+            <a:lstStyle/>
+            <a:p>
+              <a:pPr algn="ctr"/>
+              <a:endParaRPr lang="ko-KR" altLang="en-US"/>
+            </a:p>
+          </p:txBody>
+        </p:sp>
+        <p:cxnSp>
+          <p:nvCxnSpPr>
+            <p:cNvPr id="222" name="직선 연결선 221">
+              <a:extLst>
+                <a:ext uri="{FF2B5EF4-FFF2-40B4-BE49-F238E27FC236}">
+                  <a16:creationId xmlns:a16="http://schemas.microsoft.com/office/drawing/2014/main" id="{F033EB9B-E5F0-4EB1-B93B-88F1BD188C28}"/>
+                </a:ext>
+              </a:extLst>
+            </p:cNvPr>
+            <p:cNvCxnSpPr>
+              <a:endCxn id="221" idx="6"/>
+            </p:cNvCxnSpPr>
+            <p:nvPr/>
+          </p:nvCxnSpPr>
+          <p:spPr>
+            <a:xfrm>
+              <a:off x="4414398" y="1618436"/>
+              <a:ext cx="216024" cy="0"/>
+            </a:xfrm>
+            <a:prstGeom prst="line">
+              <a:avLst/>
+            </a:prstGeom>
+            <a:ln>
+              <a:solidFill>
+                <a:schemeClr val="tx1"/>
+              </a:solidFill>
+            </a:ln>
+          </p:spPr>
+          <p:style>
+            <a:lnRef idx="1">
+              <a:schemeClr val="accent1"/>
+            </a:lnRef>
+            <a:fillRef idx="0">
+              <a:schemeClr val="accent1"/>
+            </a:fillRef>
+            <a:effectRef idx="0">
+              <a:schemeClr val="accent1"/>
+            </a:effectRef>
+            <a:fontRef idx="minor">
+              <a:schemeClr val="tx1"/>
+            </a:fontRef>
+          </p:style>
+        </p:cxnSp>
+        <p:sp>
+          <p:nvSpPr>
+            <p:cNvPr id="223" name="타원 222">
+              <a:extLst>
+                <a:ext uri="{FF2B5EF4-FFF2-40B4-BE49-F238E27FC236}">
+                  <a16:creationId xmlns:a16="http://schemas.microsoft.com/office/drawing/2014/main" id="{AEC4B76C-7448-4C2C-820D-A564E305F4C0}"/>
+                </a:ext>
+              </a:extLst>
+            </p:cNvPr>
+            <p:cNvSpPr/>
+            <p:nvPr/>
+          </p:nvSpPr>
+          <p:spPr>
+            <a:xfrm>
+              <a:off x="4773674" y="1402412"/>
+              <a:ext cx="432048" cy="432048"/>
+            </a:xfrm>
+            <a:prstGeom prst="ellipse">
+              <a:avLst/>
+            </a:prstGeom>
+            <a:solidFill>
+              <a:schemeClr val="bg1"/>
+            </a:solidFill>
+            <a:ln>
+              <a:solidFill>
+                <a:schemeClr val="tx1"/>
+              </a:solidFill>
+            </a:ln>
+          </p:spPr>
+          <p:style>
+            <a:lnRef idx="2">
+              <a:schemeClr val="accent1">
+                <a:shade val="50000"/>
+              </a:schemeClr>
+            </a:lnRef>
+            <a:fillRef idx="1">
+              <a:schemeClr val="accent1"/>
+            </a:fillRef>
+            <a:effectRef idx="0">
+              <a:schemeClr val="accent1"/>
+            </a:effectRef>
+            <a:fontRef idx="minor">
+              <a:schemeClr val="lt1"/>
+            </a:fontRef>
+          </p:style>
+          <p:txBody>
+            <a:bodyPr rtlCol="0" anchor="ctr"/>
+            <a:lstStyle/>
+            <a:p>
+              <a:pPr algn="ctr"/>
+              <a:endParaRPr lang="ko-KR" altLang="en-US"/>
+            </a:p>
+          </p:txBody>
+        </p:sp>
+        <p:cxnSp>
+          <p:nvCxnSpPr>
+            <p:cNvPr id="224" name="직선 연결선 223">
+              <a:extLst>
+                <a:ext uri="{FF2B5EF4-FFF2-40B4-BE49-F238E27FC236}">
+                  <a16:creationId xmlns:a16="http://schemas.microsoft.com/office/drawing/2014/main" id="{E605F635-4A6D-421F-9E11-E74C9E58E69D}"/>
+                </a:ext>
+              </a:extLst>
+            </p:cNvPr>
+            <p:cNvCxnSpPr>
+              <a:endCxn id="223" idx="6"/>
+            </p:cNvCxnSpPr>
+            <p:nvPr/>
+          </p:nvCxnSpPr>
+          <p:spPr>
+            <a:xfrm>
+              <a:off x="4989698" y="1618436"/>
+              <a:ext cx="216024" cy="0"/>
+            </a:xfrm>
+            <a:prstGeom prst="line">
+              <a:avLst/>
+            </a:prstGeom>
+            <a:ln>
+              <a:solidFill>
+                <a:schemeClr val="tx1"/>
+              </a:solidFill>
+            </a:ln>
+          </p:spPr>
+          <p:style>
+            <a:lnRef idx="1">
+              <a:schemeClr val="accent1"/>
+            </a:lnRef>
+            <a:fillRef idx="0">
+              <a:schemeClr val="accent1"/>
+            </a:fillRef>
+            <a:effectRef idx="0">
+              <a:schemeClr val="accent1"/>
+            </a:effectRef>
+            <a:fontRef idx="minor">
+              <a:schemeClr val="tx1"/>
+            </a:fontRef>
+          </p:style>
+        </p:cxnSp>
+        <p:sp>
+          <p:nvSpPr>
+            <p:cNvPr id="225" name="타원 224">
+              <a:extLst>
+                <a:ext uri="{FF2B5EF4-FFF2-40B4-BE49-F238E27FC236}">
+                  <a16:creationId xmlns:a16="http://schemas.microsoft.com/office/drawing/2014/main" id="{89ADA44E-1451-42C8-A71F-C258B208B977}"/>
+                </a:ext>
+              </a:extLst>
+            </p:cNvPr>
+            <p:cNvSpPr/>
+            <p:nvPr/>
+          </p:nvSpPr>
+          <p:spPr>
+            <a:xfrm>
+              <a:off x="746580" y="1906468"/>
+              <a:ext cx="432048" cy="432048"/>
+            </a:xfrm>
+            <a:prstGeom prst="ellipse">
+              <a:avLst/>
+            </a:prstGeom>
+            <a:solidFill>
+              <a:schemeClr val="bg1"/>
+            </a:solidFill>
+            <a:ln>
+              <a:solidFill>
+                <a:schemeClr val="tx1"/>
+              </a:solidFill>
+            </a:ln>
+          </p:spPr>
+          <p:style>
+            <a:lnRef idx="2">
+              <a:schemeClr val="accent1">
+                <a:shade val="50000"/>
+              </a:schemeClr>
+            </a:lnRef>
+            <a:fillRef idx="1">
+              <a:schemeClr val="accent1"/>
+            </a:fillRef>
+            <a:effectRef idx="0">
+              <a:schemeClr val="accent1"/>
+            </a:effectRef>
+            <a:fontRef idx="minor">
+              <a:schemeClr val="lt1"/>
+            </a:fontRef>
+          </p:style>
+          <p:txBody>
+            <a:bodyPr rtlCol="0" anchor="ctr"/>
+            <a:lstStyle/>
+            <a:p>
+              <a:pPr algn="ctr"/>
+              <a:endParaRPr lang="ko-KR" altLang="en-US"/>
+            </a:p>
+          </p:txBody>
+        </p:sp>
+        <p:cxnSp>
+          <p:nvCxnSpPr>
+            <p:cNvPr id="226" name="직선 연결선 225">
+              <a:extLst>
+                <a:ext uri="{FF2B5EF4-FFF2-40B4-BE49-F238E27FC236}">
+                  <a16:creationId xmlns:a16="http://schemas.microsoft.com/office/drawing/2014/main" id="{D4CCD9E6-ECEA-474C-9A80-31F67FB81B04}"/>
+                </a:ext>
+              </a:extLst>
+            </p:cNvPr>
+            <p:cNvCxnSpPr>
+              <a:endCxn id="225" idx="6"/>
+            </p:cNvCxnSpPr>
+            <p:nvPr/>
+          </p:nvCxnSpPr>
+          <p:spPr>
+            <a:xfrm>
+              <a:off x="962604" y="2122492"/>
+              <a:ext cx="216024" cy="0"/>
+            </a:xfrm>
+            <a:prstGeom prst="line">
+              <a:avLst/>
+            </a:prstGeom>
+            <a:ln>
+              <a:solidFill>
+                <a:schemeClr val="tx1"/>
+              </a:solidFill>
+            </a:ln>
+          </p:spPr>
+          <p:style>
+            <a:lnRef idx="1">
+              <a:schemeClr val="accent1"/>
+            </a:lnRef>
+            <a:fillRef idx="0">
+              <a:schemeClr val="accent1"/>
+            </a:fillRef>
+            <a:effectRef idx="0">
+              <a:schemeClr val="accent1"/>
+            </a:effectRef>
+            <a:fontRef idx="minor">
+              <a:schemeClr val="tx1"/>
+            </a:fontRef>
+          </p:style>
+        </p:cxnSp>
+        <p:sp>
+          <p:nvSpPr>
+            <p:cNvPr id="227" name="타원 226">
+              <a:extLst>
+                <a:ext uri="{FF2B5EF4-FFF2-40B4-BE49-F238E27FC236}">
+                  <a16:creationId xmlns:a16="http://schemas.microsoft.com/office/drawing/2014/main" id="{EF1D76A0-A85C-44B1-9F5F-9D9B0731F971}"/>
+                </a:ext>
+              </a:extLst>
+            </p:cNvPr>
+            <p:cNvSpPr/>
+            <p:nvPr/>
+          </p:nvSpPr>
+          <p:spPr>
+            <a:xfrm>
+              <a:off x="746580" y="2456892"/>
+              <a:ext cx="432048" cy="432048"/>
+            </a:xfrm>
+            <a:prstGeom prst="ellipse">
+              <a:avLst/>
+            </a:prstGeom>
+            <a:solidFill>
+              <a:schemeClr val="bg1"/>
+            </a:solidFill>
+            <a:ln>
+              <a:solidFill>
+                <a:schemeClr val="tx1"/>
+              </a:solidFill>
+            </a:ln>
+          </p:spPr>
+          <p:style>
+            <a:lnRef idx="2">
+              <a:schemeClr val="accent1">
+                <a:shade val="50000"/>
+              </a:schemeClr>
+            </a:lnRef>
+            <a:fillRef idx="1">
+              <a:schemeClr val="accent1"/>
+            </a:fillRef>
+            <a:effectRef idx="0">
+              <a:schemeClr val="accent1"/>
+            </a:effectRef>
+            <a:fontRef idx="minor">
+              <a:schemeClr val="lt1"/>
+            </a:fontRef>
+          </p:style>
+          <p:txBody>
+            <a:bodyPr rtlCol="0" anchor="ctr"/>
+            <a:lstStyle/>
+            <a:p>
+              <a:pPr algn="ctr"/>
+              <a:endParaRPr lang="ko-KR" altLang="en-US"/>
+            </a:p>
+          </p:txBody>
+        </p:sp>
+        <p:cxnSp>
+          <p:nvCxnSpPr>
+            <p:cNvPr id="228" name="직선 연결선 227">
+              <a:extLst>
+                <a:ext uri="{FF2B5EF4-FFF2-40B4-BE49-F238E27FC236}">
+                  <a16:creationId xmlns:a16="http://schemas.microsoft.com/office/drawing/2014/main" id="{87557ACF-0328-482B-9A0A-C65BD93528B4}"/>
+                </a:ext>
+              </a:extLst>
+            </p:cNvPr>
+            <p:cNvCxnSpPr>
+              <a:endCxn id="227" idx="6"/>
+            </p:cNvCxnSpPr>
+            <p:nvPr/>
+          </p:nvCxnSpPr>
+          <p:spPr>
+            <a:xfrm>
+              <a:off x="962604" y="2672916"/>
+              <a:ext cx="216024" cy="0"/>
+            </a:xfrm>
+            <a:prstGeom prst="line">
+              <a:avLst/>
+            </a:prstGeom>
+            <a:ln>
+              <a:solidFill>
+                <a:schemeClr val="tx1"/>
+              </a:solidFill>
+            </a:ln>
+          </p:spPr>
+          <p:style>
+            <a:lnRef idx="1">
+              <a:schemeClr val="accent1"/>
+            </a:lnRef>
+            <a:fillRef idx="0">
+              <a:schemeClr val="accent1"/>
+            </a:fillRef>
+            <a:effectRef idx="0">
+              <a:schemeClr val="accent1"/>
+            </a:effectRef>
+            <a:fontRef idx="minor">
+              <a:schemeClr val="tx1"/>
+            </a:fontRef>
+          </p:style>
+        </p:cxnSp>
+        <p:sp>
+          <p:nvSpPr>
+            <p:cNvPr id="229" name="타원 228">
+              <a:extLst>
+                <a:ext uri="{FF2B5EF4-FFF2-40B4-BE49-F238E27FC236}">
+                  <a16:creationId xmlns:a16="http://schemas.microsoft.com/office/drawing/2014/main" id="{1125A907-3376-4D9B-88E8-46D6401A07A7}"/>
+                </a:ext>
+              </a:extLst>
+            </p:cNvPr>
+            <p:cNvSpPr/>
+            <p:nvPr/>
+          </p:nvSpPr>
+          <p:spPr>
+            <a:xfrm>
+              <a:off x="746580" y="2960948"/>
+              <a:ext cx="432048" cy="432048"/>
+            </a:xfrm>
+            <a:prstGeom prst="ellipse">
+              <a:avLst/>
+            </a:prstGeom>
+            <a:solidFill>
+              <a:schemeClr val="bg1"/>
+            </a:solidFill>
+            <a:ln>
+              <a:solidFill>
+                <a:schemeClr val="tx1"/>
+              </a:solidFill>
+            </a:ln>
+          </p:spPr>
+          <p:style>
+            <a:lnRef idx="2">
+              <a:schemeClr val="accent1">
+                <a:shade val="50000"/>
+              </a:schemeClr>
+            </a:lnRef>
+            <a:fillRef idx="1">
+              <a:schemeClr val="accent1"/>
+            </a:fillRef>
+            <a:effectRef idx="0">
+              <a:schemeClr val="accent1"/>
+            </a:effectRef>
+            <a:fontRef idx="minor">
+              <a:schemeClr val="lt1"/>
+            </a:fontRef>
+          </p:style>
+          <p:txBody>
+            <a:bodyPr rtlCol="0" anchor="ctr"/>
+            <a:lstStyle/>
+            <a:p>
+              <a:pPr algn="ctr"/>
+              <a:endParaRPr lang="ko-KR" altLang="en-US"/>
+            </a:p>
+          </p:txBody>
+        </p:sp>
+        <p:cxnSp>
+          <p:nvCxnSpPr>
+            <p:cNvPr id="230" name="직선 연결선 229">
+              <a:extLst>
+                <a:ext uri="{FF2B5EF4-FFF2-40B4-BE49-F238E27FC236}">
+                  <a16:creationId xmlns:a16="http://schemas.microsoft.com/office/drawing/2014/main" id="{2BE227A7-DB24-43CD-8F2E-5E0E110A133B}"/>
+                </a:ext>
+              </a:extLst>
+            </p:cNvPr>
+            <p:cNvCxnSpPr>
+              <a:endCxn id="229" idx="6"/>
+            </p:cNvCxnSpPr>
+            <p:nvPr/>
+          </p:nvCxnSpPr>
+          <p:spPr>
+            <a:xfrm>
+              <a:off x="962604" y="3176972"/>
+              <a:ext cx="216024" cy="0"/>
+            </a:xfrm>
+            <a:prstGeom prst="line">
+              <a:avLst/>
+            </a:prstGeom>
+            <a:ln>
+              <a:solidFill>
+                <a:schemeClr val="tx1"/>
+              </a:solidFill>
+            </a:ln>
+          </p:spPr>
+          <p:style>
+            <a:lnRef idx="1">
+              <a:schemeClr val="accent1"/>
+            </a:lnRef>
+            <a:fillRef idx="0">
+              <a:schemeClr val="accent1"/>
+            </a:fillRef>
+            <a:effectRef idx="0">
+              <a:schemeClr val="accent1"/>
+            </a:effectRef>
+            <a:fontRef idx="minor">
+              <a:schemeClr val="tx1"/>
+            </a:fontRef>
+          </p:style>
+        </p:cxnSp>
+        <p:sp>
+          <p:nvSpPr>
+            <p:cNvPr id="231" name="타원 230">
+              <a:extLst>
+                <a:ext uri="{FF2B5EF4-FFF2-40B4-BE49-F238E27FC236}">
+                  <a16:creationId xmlns:a16="http://schemas.microsoft.com/office/drawing/2014/main" id="{333537BA-FF65-46EF-846C-C59518BC1DF2}"/>
+                </a:ext>
+              </a:extLst>
+            </p:cNvPr>
+            <p:cNvSpPr/>
+            <p:nvPr/>
+          </p:nvSpPr>
+          <p:spPr>
+            <a:xfrm>
+              <a:off x="746580" y="3465004"/>
+              <a:ext cx="432048" cy="432048"/>
+            </a:xfrm>
+            <a:prstGeom prst="ellipse">
+              <a:avLst/>
+            </a:prstGeom>
+            <a:solidFill>
+              <a:schemeClr val="bg1"/>
+            </a:solidFill>
+            <a:ln>
+              <a:solidFill>
+                <a:schemeClr val="tx1"/>
+              </a:solidFill>
+            </a:ln>
+          </p:spPr>
+          <p:style>
+            <a:lnRef idx="2">
+              <a:schemeClr val="accent1">
+                <a:shade val="50000"/>
+              </a:schemeClr>
+            </a:lnRef>
+            <a:fillRef idx="1">
+              <a:schemeClr val="accent1"/>
+            </a:fillRef>
+            <a:effectRef idx="0">
+              <a:schemeClr val="accent1"/>
+            </a:effectRef>
+            <a:fontRef idx="minor">
+              <a:schemeClr val="lt1"/>
+            </a:fontRef>
+          </p:style>
+          <p:txBody>
+            <a:bodyPr rtlCol="0" anchor="ctr"/>
+            <a:lstStyle/>
+            <a:p>
+              <a:pPr algn="ctr"/>
+              <a:endParaRPr lang="ko-KR" altLang="en-US"/>
+            </a:p>
+          </p:txBody>
+        </p:sp>
+        <p:cxnSp>
+          <p:nvCxnSpPr>
+            <p:cNvPr id="232" name="직선 연결선 231">
+              <a:extLst>
+                <a:ext uri="{FF2B5EF4-FFF2-40B4-BE49-F238E27FC236}">
+                  <a16:creationId xmlns:a16="http://schemas.microsoft.com/office/drawing/2014/main" id="{7432C3FE-5815-4B6E-934E-C0DFE3A98E18}"/>
+                </a:ext>
+              </a:extLst>
+            </p:cNvPr>
+            <p:cNvCxnSpPr>
+              <a:endCxn id="231" idx="6"/>
+            </p:cNvCxnSpPr>
+            <p:nvPr/>
+          </p:nvCxnSpPr>
+          <p:spPr>
+            <a:xfrm>
+              <a:off x="962604" y="3681028"/>
+              <a:ext cx="216024" cy="0"/>
+            </a:xfrm>
+            <a:prstGeom prst="line">
+              <a:avLst/>
+            </a:prstGeom>
+            <a:ln>
+              <a:solidFill>
+                <a:schemeClr val="tx1"/>
+              </a:solidFill>
+            </a:ln>
+          </p:spPr>
+          <p:style>
+            <a:lnRef idx="1">
+              <a:schemeClr val="accent1"/>
+            </a:lnRef>
+            <a:fillRef idx="0">
+              <a:schemeClr val="accent1"/>
+            </a:fillRef>
+            <a:effectRef idx="0">
+              <a:schemeClr val="accent1"/>
+            </a:effectRef>
+            <a:fontRef idx="minor">
+              <a:schemeClr val="tx1"/>
+            </a:fontRef>
+          </p:style>
+        </p:cxnSp>
+        <p:sp>
+          <p:nvSpPr>
+            <p:cNvPr id="233" name="타원 232">
+              <a:extLst>
+                <a:ext uri="{FF2B5EF4-FFF2-40B4-BE49-F238E27FC236}">
+                  <a16:creationId xmlns:a16="http://schemas.microsoft.com/office/drawing/2014/main" id="{7B8EFE8B-B7F4-4495-91AF-C24913BA2C2D}"/>
+                </a:ext>
+              </a:extLst>
+            </p:cNvPr>
+            <p:cNvSpPr/>
+            <p:nvPr/>
+          </p:nvSpPr>
+          <p:spPr>
+            <a:xfrm>
+              <a:off x="746580" y="3969060"/>
+              <a:ext cx="432048" cy="432048"/>
+            </a:xfrm>
+            <a:prstGeom prst="ellipse">
+              <a:avLst/>
+            </a:prstGeom>
+            <a:solidFill>
+              <a:schemeClr val="bg1"/>
+            </a:solidFill>
+            <a:ln>
+              <a:solidFill>
+                <a:schemeClr val="tx1"/>
+              </a:solidFill>
+            </a:ln>
+          </p:spPr>
+          <p:style>
+            <a:lnRef idx="2">
+              <a:schemeClr val="accent1">
+                <a:shade val="50000"/>
+              </a:schemeClr>
+            </a:lnRef>
+            <a:fillRef idx="1">
+              <a:schemeClr val="accent1"/>
+            </a:fillRef>
+            <a:effectRef idx="0">
+              <a:schemeClr val="accent1"/>
+            </a:effectRef>
+            <a:fontRef idx="minor">
+              <a:schemeClr val="lt1"/>
+            </a:fontRef>
+          </p:style>
+          <p:txBody>
+            <a:bodyPr rtlCol="0" anchor="ctr"/>
+            <a:lstStyle/>
+            <a:p>
+              <a:pPr algn="ctr"/>
+              <a:endParaRPr lang="ko-KR" altLang="en-US"/>
+            </a:p>
+          </p:txBody>
+        </p:sp>
+        <p:cxnSp>
+          <p:nvCxnSpPr>
+            <p:cNvPr id="234" name="직선 연결선 233">
+              <a:extLst>
+                <a:ext uri="{FF2B5EF4-FFF2-40B4-BE49-F238E27FC236}">
+                  <a16:creationId xmlns:a16="http://schemas.microsoft.com/office/drawing/2014/main" id="{4F3219CC-E85C-49C4-A298-ED109140267D}"/>
+                </a:ext>
+              </a:extLst>
+            </p:cNvPr>
+            <p:cNvCxnSpPr>
+              <a:endCxn id="233" idx="6"/>
+            </p:cNvCxnSpPr>
+            <p:nvPr/>
+          </p:nvCxnSpPr>
+          <p:spPr>
+            <a:xfrm>
+              <a:off x="962604" y="4185084"/>
+              <a:ext cx="216024" cy="0"/>
+            </a:xfrm>
+            <a:prstGeom prst="line">
+              <a:avLst/>
+            </a:prstGeom>
+            <a:ln>
+              <a:solidFill>
+                <a:schemeClr val="tx1"/>
+              </a:solidFill>
+            </a:ln>
+          </p:spPr>
+          <p:style>
+            <a:lnRef idx="1">
+              <a:schemeClr val="accent1"/>
+            </a:lnRef>
+            <a:fillRef idx="0">
+              <a:schemeClr val="accent1"/>
+            </a:fillRef>
+            <a:effectRef idx="0">
+              <a:schemeClr val="accent1"/>
+            </a:effectRef>
+            <a:fontRef idx="minor">
+              <a:schemeClr val="tx1"/>
+            </a:fontRef>
+          </p:style>
+        </p:cxnSp>
+        <p:sp>
+          <p:nvSpPr>
+            <p:cNvPr id="235" name="타원 234">
+              <a:extLst>
+                <a:ext uri="{FF2B5EF4-FFF2-40B4-BE49-F238E27FC236}">
+                  <a16:creationId xmlns:a16="http://schemas.microsoft.com/office/drawing/2014/main" id="{72274563-7C30-45DF-8185-C2C743B2FD3A}"/>
+                </a:ext>
+              </a:extLst>
+            </p:cNvPr>
+            <p:cNvSpPr/>
+            <p:nvPr/>
+          </p:nvSpPr>
+          <p:spPr>
+            <a:xfrm>
+              <a:off x="746580" y="4519484"/>
+              <a:ext cx="432048" cy="432048"/>
+            </a:xfrm>
+            <a:prstGeom prst="ellipse">
+              <a:avLst/>
+            </a:prstGeom>
+            <a:solidFill>
+              <a:schemeClr val="bg1"/>
+            </a:solidFill>
+            <a:ln>
+              <a:solidFill>
+                <a:schemeClr val="tx1"/>
+              </a:solidFill>
+            </a:ln>
+          </p:spPr>
+          <p:style>
+            <a:lnRef idx="2">
+              <a:schemeClr val="accent1">
+                <a:shade val="50000"/>
+              </a:schemeClr>
+            </a:lnRef>
+            <a:fillRef idx="1">
+              <a:schemeClr val="accent1"/>
+            </a:fillRef>
+            <a:effectRef idx="0">
+              <a:schemeClr val="accent1"/>
+            </a:effectRef>
+            <a:fontRef idx="minor">
+              <a:schemeClr val="lt1"/>
+            </a:fontRef>
+          </p:style>
+          <p:txBody>
+            <a:bodyPr rtlCol="0" anchor="ctr"/>
+            <a:lstStyle/>
+            <a:p>
+              <a:pPr algn="ctr"/>
+              <a:endParaRPr lang="ko-KR" altLang="en-US"/>
+            </a:p>
+          </p:txBody>
+        </p:sp>
+        <p:cxnSp>
+          <p:nvCxnSpPr>
+            <p:cNvPr id="236" name="직선 연결선 235">
+              <a:extLst>
+                <a:ext uri="{FF2B5EF4-FFF2-40B4-BE49-F238E27FC236}">
+                  <a16:creationId xmlns:a16="http://schemas.microsoft.com/office/drawing/2014/main" id="{7BCA72C9-D70F-4924-B542-D65444C1A215}"/>
+                </a:ext>
+              </a:extLst>
+            </p:cNvPr>
+            <p:cNvCxnSpPr>
+              <a:endCxn id="235" idx="6"/>
+            </p:cNvCxnSpPr>
+            <p:nvPr/>
+          </p:nvCxnSpPr>
+          <p:spPr>
+            <a:xfrm>
+              <a:off x="962604" y="4735508"/>
+              <a:ext cx="216024" cy="0"/>
+            </a:xfrm>
+            <a:prstGeom prst="line">
+              <a:avLst/>
+            </a:prstGeom>
+            <a:ln>
+              <a:solidFill>
+                <a:schemeClr val="tx1"/>
+              </a:solidFill>
+            </a:ln>
+          </p:spPr>
+          <p:style>
+            <a:lnRef idx="1">
+              <a:schemeClr val="accent1"/>
+            </a:lnRef>
+            <a:fillRef idx="0">
+              <a:schemeClr val="accent1"/>
+            </a:fillRef>
+            <a:effectRef idx="0">
+              <a:schemeClr val="accent1"/>
+            </a:effectRef>
+            <a:fontRef idx="minor">
+              <a:schemeClr val="tx1"/>
+            </a:fontRef>
+          </p:style>
+        </p:cxnSp>
+        <p:sp>
+          <p:nvSpPr>
+            <p:cNvPr id="237" name="타원 236">
+              <a:extLst>
+                <a:ext uri="{FF2B5EF4-FFF2-40B4-BE49-F238E27FC236}">
+                  <a16:creationId xmlns:a16="http://schemas.microsoft.com/office/drawing/2014/main" id="{3AAEAF3E-E18C-45F9-B127-9C06A2A9000A}"/>
+                </a:ext>
+              </a:extLst>
+            </p:cNvPr>
+            <p:cNvSpPr/>
+            <p:nvPr/>
+          </p:nvSpPr>
+          <p:spPr>
+            <a:xfrm>
+              <a:off x="746580" y="5023540"/>
+              <a:ext cx="432048" cy="432048"/>
+            </a:xfrm>
+            <a:prstGeom prst="ellipse">
+              <a:avLst/>
+            </a:prstGeom>
+            <a:solidFill>
+              <a:schemeClr val="bg1"/>
+            </a:solidFill>
+            <a:ln>
+              <a:solidFill>
+                <a:schemeClr val="tx1"/>
+              </a:solidFill>
+            </a:ln>
+          </p:spPr>
+          <p:style>
+            <a:lnRef idx="2">
+              <a:schemeClr val="accent1">
+                <a:shade val="50000"/>
+              </a:schemeClr>
+            </a:lnRef>
+            <a:fillRef idx="1">
+              <a:schemeClr val="accent1"/>
+            </a:fillRef>
+            <a:effectRef idx="0">
+              <a:schemeClr val="accent1"/>
+            </a:effectRef>
+            <a:fontRef idx="minor">
+              <a:schemeClr val="lt1"/>
+            </a:fontRef>
+          </p:style>
+          <p:txBody>
+            <a:bodyPr rtlCol="0" anchor="ctr"/>
+            <a:lstStyle/>
+            <a:p>
+              <a:pPr algn="ctr"/>
+              <a:endParaRPr lang="ko-KR" altLang="en-US"/>
+            </a:p>
+          </p:txBody>
+        </p:sp>
+        <p:cxnSp>
+          <p:nvCxnSpPr>
+            <p:cNvPr id="238" name="직선 연결선 237">
+              <a:extLst>
+                <a:ext uri="{FF2B5EF4-FFF2-40B4-BE49-F238E27FC236}">
+                  <a16:creationId xmlns:a16="http://schemas.microsoft.com/office/drawing/2014/main" id="{00756C1E-335E-4875-9029-4E671EE11FDC}"/>
+                </a:ext>
+              </a:extLst>
+            </p:cNvPr>
+            <p:cNvCxnSpPr>
+              <a:endCxn id="237" idx="6"/>
+            </p:cNvCxnSpPr>
+            <p:nvPr/>
+          </p:nvCxnSpPr>
+          <p:spPr>
+            <a:xfrm>
+              <a:off x="962604" y="5239564"/>
+              <a:ext cx="216024" cy="0"/>
+            </a:xfrm>
+            <a:prstGeom prst="line">
+              <a:avLst/>
+            </a:prstGeom>
+            <a:ln>
+              <a:solidFill>
+                <a:schemeClr val="tx1"/>
+              </a:solidFill>
+            </a:ln>
+          </p:spPr>
+          <p:style>
+            <a:lnRef idx="1">
+              <a:schemeClr val="accent1"/>
+            </a:lnRef>
+            <a:fillRef idx="0">
+              <a:schemeClr val="accent1"/>
+            </a:fillRef>
+            <a:effectRef idx="0">
+              <a:schemeClr val="accent1"/>
+            </a:effectRef>
+            <a:fontRef idx="minor">
+              <a:schemeClr val="tx1"/>
+            </a:fontRef>
+          </p:style>
+        </p:cxnSp>
+        <p:sp>
+          <p:nvSpPr>
+            <p:cNvPr id="239" name="타원 238">
+              <a:extLst>
+                <a:ext uri="{FF2B5EF4-FFF2-40B4-BE49-F238E27FC236}">
+                  <a16:creationId xmlns:a16="http://schemas.microsoft.com/office/drawing/2014/main" id="{3B6ECC1A-81CD-46EE-92A1-444773084600}"/>
+                </a:ext>
+              </a:extLst>
+            </p:cNvPr>
+            <p:cNvSpPr/>
+            <p:nvPr/>
+          </p:nvSpPr>
+          <p:spPr>
+            <a:xfrm>
+              <a:off x="1321879" y="1906468"/>
+              <a:ext cx="432048" cy="432048"/>
+            </a:xfrm>
+            <a:prstGeom prst="ellipse">
+              <a:avLst/>
+            </a:prstGeom>
+            <a:solidFill>
+              <a:schemeClr val="bg1"/>
+            </a:solidFill>
+            <a:ln>
+              <a:solidFill>
+                <a:schemeClr val="tx1"/>
+              </a:solidFill>
+            </a:ln>
+          </p:spPr>
+          <p:style>
+            <a:lnRef idx="2">
+              <a:schemeClr val="accent1">
+                <a:shade val="50000"/>
+              </a:schemeClr>
+            </a:lnRef>
+            <a:fillRef idx="1">
+              <a:schemeClr val="accent1"/>
+            </a:fillRef>
+            <a:effectRef idx="0">
+              <a:schemeClr val="accent1"/>
+            </a:effectRef>
+            <a:fontRef idx="minor">
+              <a:schemeClr val="lt1"/>
+            </a:fontRef>
+          </p:style>
+          <p:txBody>
+            <a:bodyPr rtlCol="0" anchor="ctr"/>
+            <a:lstStyle/>
+            <a:p>
+              <a:pPr algn="ctr"/>
+              <a:endParaRPr lang="ko-KR" altLang="en-US"/>
+            </a:p>
+          </p:txBody>
+        </p:sp>
+        <p:cxnSp>
+          <p:nvCxnSpPr>
+            <p:cNvPr id="240" name="직선 연결선 239">
+              <a:extLst>
+                <a:ext uri="{FF2B5EF4-FFF2-40B4-BE49-F238E27FC236}">
+                  <a16:creationId xmlns:a16="http://schemas.microsoft.com/office/drawing/2014/main" id="{D5FA1255-A496-4DE4-9D86-7F9058E77C32}"/>
+                </a:ext>
+              </a:extLst>
+            </p:cNvPr>
+            <p:cNvCxnSpPr/>
+            <p:nvPr/>
+          </p:nvCxnSpPr>
+          <p:spPr>
+            <a:xfrm rot="2700000">
+              <a:off x="1506266" y="2198870"/>
+              <a:ext cx="216024" cy="0"/>
+            </a:xfrm>
+            <a:prstGeom prst="line">
+              <a:avLst/>
+            </a:prstGeom>
+            <a:ln>
+              <a:solidFill>
+                <a:schemeClr val="tx1"/>
+              </a:solidFill>
+            </a:ln>
+          </p:spPr>
+          <p:style>
+            <a:lnRef idx="1">
+              <a:schemeClr val="accent1"/>
+            </a:lnRef>
+            <a:fillRef idx="0">
+              <a:schemeClr val="accent1"/>
+            </a:fillRef>
+            <a:effectRef idx="0">
+              <a:schemeClr val="accent1"/>
+            </a:effectRef>
+            <a:fontRef idx="minor">
+              <a:schemeClr val="tx1"/>
+            </a:fontRef>
+          </p:style>
+        </p:cxnSp>
+        <p:sp>
+          <p:nvSpPr>
+            <p:cNvPr id="241" name="타원 240">
+              <a:extLst>
+                <a:ext uri="{FF2B5EF4-FFF2-40B4-BE49-F238E27FC236}">
+                  <a16:creationId xmlns:a16="http://schemas.microsoft.com/office/drawing/2014/main" id="{2F1A9BBB-00D4-4F84-9D8A-FDAC321B440B}"/>
+                </a:ext>
+              </a:extLst>
+            </p:cNvPr>
+            <p:cNvSpPr/>
+            <p:nvPr/>
+          </p:nvSpPr>
+          <p:spPr>
+            <a:xfrm>
+              <a:off x="1896769" y="1906468"/>
+              <a:ext cx="432048" cy="432048"/>
+            </a:xfrm>
+            <a:prstGeom prst="ellipse">
+              <a:avLst/>
+            </a:prstGeom>
+            <a:solidFill>
+              <a:schemeClr val="bg1"/>
+            </a:solidFill>
+            <a:ln>
+              <a:solidFill>
+                <a:schemeClr val="tx1"/>
+              </a:solidFill>
+            </a:ln>
+          </p:spPr>
+          <p:style>
+            <a:lnRef idx="2">
+              <a:schemeClr val="accent1">
+                <a:shade val="50000"/>
+              </a:schemeClr>
+            </a:lnRef>
+            <a:fillRef idx="1">
+              <a:schemeClr val="accent1"/>
+            </a:fillRef>
+            <a:effectRef idx="0">
+              <a:schemeClr val="accent1"/>
+            </a:effectRef>
+            <a:fontRef idx="minor">
+              <a:schemeClr val="lt1"/>
+            </a:fontRef>
+          </p:style>
+          <p:txBody>
+            <a:bodyPr rtlCol="0" anchor="ctr"/>
+            <a:lstStyle/>
+            <a:p>
+              <a:pPr algn="ctr"/>
+              <a:endParaRPr lang="ko-KR" altLang="en-US"/>
+            </a:p>
+          </p:txBody>
+        </p:sp>
+        <p:cxnSp>
+          <p:nvCxnSpPr>
+            <p:cNvPr id="242" name="직선 연결선 241">
+              <a:extLst>
+                <a:ext uri="{FF2B5EF4-FFF2-40B4-BE49-F238E27FC236}">
+                  <a16:creationId xmlns:a16="http://schemas.microsoft.com/office/drawing/2014/main" id="{3BCA3CA2-5A4B-4B1B-BE35-5924FD9ECBFB}"/>
+                </a:ext>
+              </a:extLst>
+            </p:cNvPr>
+            <p:cNvCxnSpPr/>
+            <p:nvPr/>
+          </p:nvCxnSpPr>
+          <p:spPr>
+            <a:xfrm rot="5400000">
+              <a:off x="2004781" y="2230505"/>
+              <a:ext cx="216024" cy="0"/>
+            </a:xfrm>
+            <a:prstGeom prst="line">
+              <a:avLst/>
+            </a:prstGeom>
+            <a:ln>
+              <a:solidFill>
+                <a:schemeClr val="tx1"/>
+              </a:solidFill>
+            </a:ln>
+          </p:spPr>
+          <p:style>
+            <a:lnRef idx="1">
+              <a:schemeClr val="accent1"/>
+            </a:lnRef>
+            <a:fillRef idx="0">
+              <a:schemeClr val="accent1"/>
+            </a:fillRef>
+            <a:effectRef idx="0">
+              <a:schemeClr val="accent1"/>
+            </a:effectRef>
+            <a:fontRef idx="minor">
+              <a:schemeClr val="tx1"/>
+            </a:fontRef>
+          </p:style>
+        </p:cxnSp>
+        <p:sp>
+          <p:nvSpPr>
+            <p:cNvPr id="243" name="타원 242">
+              <a:extLst>
+                <a:ext uri="{FF2B5EF4-FFF2-40B4-BE49-F238E27FC236}">
+                  <a16:creationId xmlns:a16="http://schemas.microsoft.com/office/drawing/2014/main" id="{49AD22E6-37EE-409E-828A-38EC54A2CCF2}"/>
+                </a:ext>
+              </a:extLst>
+            </p:cNvPr>
+            <p:cNvSpPr/>
+            <p:nvPr/>
+          </p:nvSpPr>
+          <p:spPr>
+            <a:xfrm>
+              <a:off x="2472477" y="1906468"/>
+              <a:ext cx="432048" cy="432048"/>
+            </a:xfrm>
+            <a:prstGeom prst="ellipse">
+              <a:avLst/>
+            </a:prstGeom>
+            <a:solidFill>
+              <a:schemeClr val="bg1"/>
+            </a:solidFill>
+            <a:ln>
+              <a:solidFill>
+                <a:schemeClr val="tx1"/>
+              </a:solidFill>
+            </a:ln>
+          </p:spPr>
+          <p:style>
+            <a:lnRef idx="2">
+              <a:schemeClr val="accent1">
+                <a:shade val="50000"/>
+              </a:schemeClr>
+            </a:lnRef>
+            <a:fillRef idx="1">
+              <a:schemeClr val="accent1"/>
+            </a:fillRef>
+            <a:effectRef idx="0">
+              <a:schemeClr val="accent1"/>
+            </a:effectRef>
+            <a:fontRef idx="minor">
+              <a:schemeClr val="lt1"/>
+            </a:fontRef>
+          </p:style>
+          <p:txBody>
+            <a:bodyPr rtlCol="0" anchor="ctr"/>
+            <a:lstStyle/>
+            <a:p>
+              <a:pPr algn="ctr"/>
+              <a:endParaRPr lang="ko-KR" altLang="en-US"/>
+            </a:p>
+          </p:txBody>
+        </p:sp>
+        <p:cxnSp>
+          <p:nvCxnSpPr>
+            <p:cNvPr id="244" name="직선 연결선 243">
+              <a:extLst>
+                <a:ext uri="{FF2B5EF4-FFF2-40B4-BE49-F238E27FC236}">
+                  <a16:creationId xmlns:a16="http://schemas.microsoft.com/office/drawing/2014/main" id="{9D8CDA0A-5858-4496-8464-D0957ECEFDDC}"/>
+                </a:ext>
+              </a:extLst>
+            </p:cNvPr>
+            <p:cNvCxnSpPr/>
+            <p:nvPr/>
+          </p:nvCxnSpPr>
+          <p:spPr>
+            <a:xfrm rot="8100000">
+              <a:off x="2504113" y="2198868"/>
+              <a:ext cx="216024" cy="0"/>
+            </a:xfrm>
+            <a:prstGeom prst="line">
+              <a:avLst/>
+            </a:prstGeom>
+            <a:ln>
+              <a:solidFill>
+                <a:schemeClr val="tx1"/>
+              </a:solidFill>
+            </a:ln>
+          </p:spPr>
+          <p:style>
+            <a:lnRef idx="1">
+              <a:schemeClr val="accent1"/>
+            </a:lnRef>
+            <a:fillRef idx="0">
+              <a:schemeClr val="accent1"/>
+            </a:fillRef>
+            <a:effectRef idx="0">
+              <a:schemeClr val="accent1"/>
+            </a:effectRef>
+            <a:fontRef idx="minor">
+              <a:schemeClr val="tx1"/>
+            </a:fontRef>
+          </p:style>
+        </p:cxnSp>
+        <p:sp>
+          <p:nvSpPr>
+            <p:cNvPr id="245" name="타원 244">
+              <a:extLst>
+                <a:ext uri="{FF2B5EF4-FFF2-40B4-BE49-F238E27FC236}">
+                  <a16:creationId xmlns:a16="http://schemas.microsoft.com/office/drawing/2014/main" id="{9731ACE1-1BE1-47AD-9A3A-AA1E4DA7E405}"/>
+                </a:ext>
+              </a:extLst>
+            </p:cNvPr>
+            <p:cNvSpPr/>
+            <p:nvPr/>
+          </p:nvSpPr>
+          <p:spPr>
+            <a:xfrm>
+              <a:off x="3047776" y="1906468"/>
+              <a:ext cx="432048" cy="432048"/>
+            </a:xfrm>
+            <a:prstGeom prst="ellipse">
+              <a:avLst/>
+            </a:prstGeom>
+            <a:solidFill>
+              <a:schemeClr val="bg1"/>
+            </a:solidFill>
+            <a:ln>
+              <a:solidFill>
+                <a:schemeClr val="tx1"/>
+              </a:solidFill>
+            </a:ln>
+          </p:spPr>
+          <p:style>
+            <a:lnRef idx="2">
+              <a:schemeClr val="accent1">
+                <a:shade val="50000"/>
+              </a:schemeClr>
+            </a:lnRef>
+            <a:fillRef idx="1">
+              <a:schemeClr val="accent1"/>
+            </a:fillRef>
+            <a:effectRef idx="0">
+              <a:schemeClr val="accent1"/>
+            </a:effectRef>
+            <a:fontRef idx="minor">
+              <a:schemeClr val="lt1"/>
+            </a:fontRef>
+          </p:style>
+          <p:txBody>
+            <a:bodyPr rtlCol="0" anchor="ctr"/>
+            <a:lstStyle/>
+            <a:p>
+              <a:pPr algn="ctr"/>
+              <a:endParaRPr lang="ko-KR" altLang="en-US"/>
+            </a:p>
+          </p:txBody>
+        </p:sp>
+        <p:cxnSp>
+          <p:nvCxnSpPr>
+            <p:cNvPr id="246" name="직선 연결선 245">
+              <a:extLst>
+                <a:ext uri="{FF2B5EF4-FFF2-40B4-BE49-F238E27FC236}">
+                  <a16:creationId xmlns:a16="http://schemas.microsoft.com/office/drawing/2014/main" id="{8BF100DF-E3D4-4DBB-998E-FB55F3BC3F2E}"/>
+                </a:ext>
+              </a:extLst>
+            </p:cNvPr>
+            <p:cNvCxnSpPr/>
+            <p:nvPr/>
+          </p:nvCxnSpPr>
+          <p:spPr>
+            <a:xfrm>
+              <a:off x="3045482" y="2122492"/>
+              <a:ext cx="216024" cy="0"/>
+            </a:xfrm>
+            <a:prstGeom prst="line">
+              <a:avLst/>
+            </a:prstGeom>
+            <a:ln>
+              <a:solidFill>
+                <a:schemeClr val="tx1"/>
+              </a:solidFill>
+            </a:ln>
+          </p:spPr>
+          <p:style>
+            <a:lnRef idx="1">
+              <a:schemeClr val="accent1"/>
+            </a:lnRef>
+            <a:fillRef idx="0">
+              <a:schemeClr val="accent1"/>
+            </a:fillRef>
+            <a:effectRef idx="0">
+              <a:schemeClr val="accent1"/>
+            </a:effectRef>
+            <a:fontRef idx="minor">
+              <a:schemeClr val="tx1"/>
+            </a:fontRef>
+          </p:style>
+        </p:cxnSp>
+        <p:sp>
+          <p:nvSpPr>
+            <p:cNvPr id="247" name="타원 246">
+              <a:extLst>
+                <a:ext uri="{FF2B5EF4-FFF2-40B4-BE49-F238E27FC236}">
+                  <a16:creationId xmlns:a16="http://schemas.microsoft.com/office/drawing/2014/main" id="{0F023C36-F963-4F6C-8750-22C9EA07FCAB}"/>
+                </a:ext>
+              </a:extLst>
+            </p:cNvPr>
+            <p:cNvSpPr/>
+            <p:nvPr/>
+          </p:nvSpPr>
+          <p:spPr>
+            <a:xfrm>
+              <a:off x="3623075" y="1906468"/>
+              <a:ext cx="432048" cy="432048"/>
+            </a:xfrm>
+            <a:prstGeom prst="ellipse">
+              <a:avLst/>
+            </a:prstGeom>
+            <a:solidFill>
+              <a:schemeClr val="bg1"/>
+            </a:solidFill>
+            <a:ln>
+              <a:solidFill>
+                <a:schemeClr val="tx1"/>
+              </a:solidFill>
+            </a:ln>
+          </p:spPr>
+          <p:style>
+            <a:lnRef idx="2">
+              <a:schemeClr val="accent1">
+                <a:shade val="50000"/>
+              </a:schemeClr>
+            </a:lnRef>
+            <a:fillRef idx="1">
+              <a:schemeClr val="accent1"/>
+            </a:fillRef>
+            <a:effectRef idx="0">
+              <a:schemeClr val="accent1"/>
+            </a:effectRef>
+            <a:fontRef idx="minor">
+              <a:schemeClr val="lt1"/>
+            </a:fontRef>
+          </p:style>
+          <p:txBody>
+            <a:bodyPr rtlCol="0" anchor="ctr"/>
+            <a:lstStyle/>
+            <a:p>
+              <a:pPr algn="ctr"/>
+              <a:endParaRPr lang="ko-KR" altLang="en-US"/>
+            </a:p>
+          </p:txBody>
+        </p:sp>
+        <p:cxnSp>
+          <p:nvCxnSpPr>
+            <p:cNvPr id="248" name="직선 연결선 247">
+              <a:extLst>
+                <a:ext uri="{FF2B5EF4-FFF2-40B4-BE49-F238E27FC236}">
+                  <a16:creationId xmlns:a16="http://schemas.microsoft.com/office/drawing/2014/main" id="{3D7BA068-1593-437F-96F8-6E9189E85AE9}"/>
+                </a:ext>
+              </a:extLst>
+            </p:cNvPr>
+            <p:cNvCxnSpPr/>
+            <p:nvPr/>
+          </p:nvCxnSpPr>
+          <p:spPr>
+            <a:xfrm rot="2700000" flipV="1">
+              <a:off x="3654710" y="2046114"/>
+              <a:ext cx="216024" cy="0"/>
+            </a:xfrm>
+            <a:prstGeom prst="line">
+              <a:avLst/>
+            </a:prstGeom>
+            <a:ln>
+              <a:solidFill>
+                <a:schemeClr val="tx1"/>
+              </a:solidFill>
+            </a:ln>
+          </p:spPr>
+          <p:style>
+            <a:lnRef idx="1">
+              <a:schemeClr val="accent1"/>
+            </a:lnRef>
+            <a:fillRef idx="0">
+              <a:schemeClr val="accent1"/>
+            </a:fillRef>
+            <a:effectRef idx="0">
+              <a:schemeClr val="accent1"/>
+            </a:effectRef>
+            <a:fontRef idx="minor">
+              <a:schemeClr val="tx1"/>
+            </a:fontRef>
+          </p:style>
+        </p:cxnSp>
+        <p:sp>
+          <p:nvSpPr>
+            <p:cNvPr id="249" name="타원 248">
+              <a:extLst>
+                <a:ext uri="{FF2B5EF4-FFF2-40B4-BE49-F238E27FC236}">
+                  <a16:creationId xmlns:a16="http://schemas.microsoft.com/office/drawing/2014/main" id="{B2898305-57E8-4490-8A9E-BEDA18569E82}"/>
+                </a:ext>
+              </a:extLst>
+            </p:cNvPr>
+            <p:cNvSpPr/>
+            <p:nvPr/>
+          </p:nvSpPr>
+          <p:spPr>
+            <a:xfrm>
+              <a:off x="4198374" y="1906468"/>
+              <a:ext cx="432048" cy="432048"/>
+            </a:xfrm>
+            <a:prstGeom prst="ellipse">
+              <a:avLst/>
+            </a:prstGeom>
+            <a:solidFill>
+              <a:schemeClr val="bg1"/>
+            </a:solidFill>
+            <a:ln>
+              <a:solidFill>
+                <a:schemeClr val="tx1"/>
+              </a:solidFill>
+            </a:ln>
+          </p:spPr>
+          <p:style>
+            <a:lnRef idx="2">
+              <a:schemeClr val="accent1">
+                <a:shade val="50000"/>
+              </a:schemeClr>
+            </a:lnRef>
+            <a:fillRef idx="1">
+              <a:schemeClr val="accent1"/>
+            </a:fillRef>
+            <a:effectRef idx="0">
+              <a:schemeClr val="accent1"/>
+            </a:effectRef>
+            <a:fontRef idx="minor">
+              <a:schemeClr val="lt1"/>
+            </a:fontRef>
+          </p:style>
+          <p:txBody>
+            <a:bodyPr rtlCol="0" anchor="ctr"/>
+            <a:lstStyle/>
+            <a:p>
+              <a:pPr algn="ctr"/>
+              <a:endParaRPr lang="ko-KR" altLang="en-US"/>
+            </a:p>
+          </p:txBody>
+        </p:sp>
+        <p:cxnSp>
+          <p:nvCxnSpPr>
+            <p:cNvPr id="250" name="직선 연결선 249">
+              <a:extLst>
+                <a:ext uri="{FF2B5EF4-FFF2-40B4-BE49-F238E27FC236}">
+                  <a16:creationId xmlns:a16="http://schemas.microsoft.com/office/drawing/2014/main" id="{60411DE3-CA1C-4086-8BE8-FF5C12A9DC67}"/>
+                </a:ext>
+              </a:extLst>
+            </p:cNvPr>
+            <p:cNvCxnSpPr/>
+            <p:nvPr/>
+          </p:nvCxnSpPr>
+          <p:spPr>
+            <a:xfrm rot="16200000">
+              <a:off x="4306386" y="2014479"/>
+              <a:ext cx="216024" cy="0"/>
+            </a:xfrm>
+            <a:prstGeom prst="line">
+              <a:avLst/>
+            </a:prstGeom>
+            <a:ln>
+              <a:solidFill>
+                <a:schemeClr val="tx1"/>
+              </a:solidFill>
+            </a:ln>
+          </p:spPr>
+          <p:style>
+            <a:lnRef idx="1">
+              <a:schemeClr val="accent1"/>
+            </a:lnRef>
+            <a:fillRef idx="0">
+              <a:schemeClr val="accent1"/>
+            </a:fillRef>
+            <a:effectRef idx="0">
+              <a:schemeClr val="accent1"/>
+            </a:effectRef>
+            <a:fontRef idx="minor">
+              <a:schemeClr val="tx1"/>
+            </a:fontRef>
+          </p:style>
+        </p:cxnSp>
+        <p:sp>
+          <p:nvSpPr>
+            <p:cNvPr id="251" name="타원 250">
+              <a:extLst>
+                <a:ext uri="{FF2B5EF4-FFF2-40B4-BE49-F238E27FC236}">
+                  <a16:creationId xmlns:a16="http://schemas.microsoft.com/office/drawing/2014/main" id="{D43BC5D5-FE45-4E51-9569-F8BC52430B97}"/>
+                </a:ext>
+              </a:extLst>
+            </p:cNvPr>
+            <p:cNvSpPr/>
+            <p:nvPr/>
+          </p:nvSpPr>
+          <p:spPr>
+            <a:xfrm>
+              <a:off x="4773674" y="1906468"/>
+              <a:ext cx="432048" cy="432048"/>
+            </a:xfrm>
+            <a:prstGeom prst="ellipse">
+              <a:avLst/>
+            </a:prstGeom>
+            <a:solidFill>
+              <a:schemeClr val="bg1"/>
+            </a:solidFill>
+            <a:ln>
+              <a:solidFill>
+                <a:schemeClr val="tx1"/>
+              </a:solidFill>
+            </a:ln>
+          </p:spPr>
+          <p:style>
+            <a:lnRef idx="2">
+              <a:schemeClr val="accent1">
+                <a:shade val="50000"/>
+              </a:schemeClr>
+            </a:lnRef>
+            <a:fillRef idx="1">
+              <a:schemeClr val="accent1"/>
+            </a:fillRef>
+            <a:effectRef idx="0">
+              <a:schemeClr val="accent1"/>
+            </a:effectRef>
+            <a:fontRef idx="minor">
+              <a:schemeClr val="lt1"/>
+            </a:fontRef>
+          </p:style>
+          <p:txBody>
+            <a:bodyPr rtlCol="0" anchor="ctr"/>
+            <a:lstStyle/>
+            <a:p>
+              <a:pPr algn="ctr"/>
+              <a:endParaRPr lang="ko-KR" altLang="en-US"/>
+            </a:p>
+          </p:txBody>
+        </p:sp>
+        <p:cxnSp>
+          <p:nvCxnSpPr>
+            <p:cNvPr id="252" name="직선 연결선 251">
+              <a:extLst>
+                <a:ext uri="{FF2B5EF4-FFF2-40B4-BE49-F238E27FC236}">
+                  <a16:creationId xmlns:a16="http://schemas.microsoft.com/office/drawing/2014/main" id="{7E6C8969-ED50-4B8F-A3A8-7A2F7FDF8280}"/>
+                </a:ext>
+              </a:extLst>
+            </p:cNvPr>
+            <p:cNvCxnSpPr/>
+            <p:nvPr/>
+          </p:nvCxnSpPr>
+          <p:spPr>
+            <a:xfrm rot="18900000">
+              <a:off x="4958062" y="2046113"/>
+              <a:ext cx="216024" cy="0"/>
+            </a:xfrm>
+            <a:prstGeom prst="line">
+              <a:avLst/>
+            </a:prstGeom>
+            <a:ln>
+              <a:solidFill>
+                <a:schemeClr val="tx1"/>
+              </a:solidFill>
+            </a:ln>
+          </p:spPr>
+          <p:style>
+            <a:lnRef idx="1">
+              <a:schemeClr val="accent1"/>
+            </a:lnRef>
+            <a:fillRef idx="0">
+              <a:schemeClr val="accent1"/>
+            </a:fillRef>
+            <a:effectRef idx="0">
+              <a:schemeClr val="accent1"/>
+            </a:effectRef>
+            <a:fontRef idx="minor">
+              <a:schemeClr val="tx1"/>
+            </a:fontRef>
+          </p:style>
+        </p:cxnSp>
+        <p:sp>
+          <p:nvSpPr>
+            <p:cNvPr id="253" name="타원 252">
+              <a:extLst>
+                <a:ext uri="{FF2B5EF4-FFF2-40B4-BE49-F238E27FC236}">
+                  <a16:creationId xmlns:a16="http://schemas.microsoft.com/office/drawing/2014/main" id="{6E293913-072F-4A48-B356-E1F19263222B}"/>
+                </a:ext>
+              </a:extLst>
+            </p:cNvPr>
+            <p:cNvSpPr/>
+            <p:nvPr/>
+          </p:nvSpPr>
+          <p:spPr>
+            <a:xfrm>
+              <a:off x="1321879" y="2456892"/>
+              <a:ext cx="432048" cy="432048"/>
+            </a:xfrm>
+            <a:prstGeom prst="ellipse">
+              <a:avLst/>
+            </a:prstGeom>
+            <a:solidFill>
+              <a:schemeClr val="bg1"/>
+            </a:solidFill>
+            <a:ln>
+              <a:solidFill>
+                <a:schemeClr val="tx1"/>
+              </a:solidFill>
+            </a:ln>
+          </p:spPr>
+          <p:style>
+            <a:lnRef idx="2">
+              <a:schemeClr val="accent1">
+                <a:shade val="50000"/>
+              </a:schemeClr>
+            </a:lnRef>
+            <a:fillRef idx="1">
+              <a:schemeClr val="accent1"/>
+            </a:fillRef>
+            <a:effectRef idx="0">
+              <a:schemeClr val="accent1"/>
+            </a:effectRef>
+            <a:fontRef idx="minor">
+              <a:schemeClr val="lt1"/>
+            </a:fontRef>
+          </p:style>
+          <p:txBody>
+            <a:bodyPr rtlCol="0" anchor="ctr"/>
+            <a:lstStyle/>
+            <a:p>
+              <a:pPr algn="ctr"/>
+              <a:endParaRPr lang="ko-KR" altLang="en-US"/>
+            </a:p>
+          </p:txBody>
+        </p:sp>
+        <p:cxnSp>
+          <p:nvCxnSpPr>
+            <p:cNvPr id="254" name="직선 연결선 253">
+              <a:extLst>
+                <a:ext uri="{FF2B5EF4-FFF2-40B4-BE49-F238E27FC236}">
+                  <a16:creationId xmlns:a16="http://schemas.microsoft.com/office/drawing/2014/main" id="{982EBD20-87ED-4473-8A5B-E21908396190}"/>
+                </a:ext>
+              </a:extLst>
+            </p:cNvPr>
+            <p:cNvCxnSpPr/>
+            <p:nvPr/>
+          </p:nvCxnSpPr>
+          <p:spPr>
+            <a:xfrm rot="5400000">
+              <a:off x="1429891" y="2780928"/>
+              <a:ext cx="216024" cy="0"/>
+            </a:xfrm>
+            <a:prstGeom prst="line">
+              <a:avLst/>
+            </a:prstGeom>
+            <a:ln>
+              <a:solidFill>
+                <a:schemeClr val="tx1"/>
+              </a:solidFill>
+            </a:ln>
+          </p:spPr>
+          <p:style>
+            <a:lnRef idx="1">
+              <a:schemeClr val="accent1"/>
+            </a:lnRef>
+            <a:fillRef idx="0">
+              <a:schemeClr val="accent1"/>
+            </a:fillRef>
+            <a:effectRef idx="0">
+              <a:schemeClr val="accent1"/>
+            </a:effectRef>
+            <a:fontRef idx="minor">
+              <a:schemeClr val="tx1"/>
+            </a:fontRef>
+          </p:style>
+        </p:cxnSp>
+        <p:sp>
+          <p:nvSpPr>
+            <p:cNvPr id="255" name="타원 254">
+              <a:extLst>
+                <a:ext uri="{FF2B5EF4-FFF2-40B4-BE49-F238E27FC236}">
+                  <a16:creationId xmlns:a16="http://schemas.microsoft.com/office/drawing/2014/main" id="{B47206A5-2023-4016-BA66-94EA73E874FC}"/>
+                </a:ext>
+              </a:extLst>
+            </p:cNvPr>
+            <p:cNvSpPr/>
+            <p:nvPr/>
+          </p:nvSpPr>
+          <p:spPr>
+            <a:xfrm>
+              <a:off x="1896769" y="2456892"/>
+              <a:ext cx="432048" cy="432048"/>
+            </a:xfrm>
+            <a:prstGeom prst="ellipse">
+              <a:avLst/>
+            </a:prstGeom>
+            <a:solidFill>
+              <a:schemeClr val="bg1"/>
+            </a:solidFill>
+            <a:ln>
+              <a:solidFill>
+                <a:schemeClr val="tx1"/>
+              </a:solidFill>
+            </a:ln>
+          </p:spPr>
+          <p:style>
+            <a:lnRef idx="2">
+              <a:schemeClr val="accent1">
+                <a:shade val="50000"/>
+              </a:schemeClr>
+            </a:lnRef>
+            <a:fillRef idx="1">
+              <a:schemeClr val="accent1"/>
+            </a:fillRef>
+            <a:effectRef idx="0">
+              <a:schemeClr val="accent1"/>
+            </a:effectRef>
+            <a:fontRef idx="minor">
+              <a:schemeClr val="lt1"/>
+            </a:fontRef>
+          </p:style>
+          <p:txBody>
+            <a:bodyPr rtlCol="0" anchor="ctr"/>
+            <a:lstStyle/>
+            <a:p>
+              <a:pPr algn="ctr"/>
+              <a:endParaRPr lang="ko-KR" altLang="en-US"/>
+            </a:p>
+          </p:txBody>
+        </p:sp>
+        <p:cxnSp>
+          <p:nvCxnSpPr>
+            <p:cNvPr id="256" name="직선 연결선 255">
+              <a:extLst>
+                <a:ext uri="{FF2B5EF4-FFF2-40B4-BE49-F238E27FC236}">
+                  <a16:creationId xmlns:a16="http://schemas.microsoft.com/office/drawing/2014/main" id="{B574B144-A7A8-458F-A1E0-818A69A8C469}"/>
+                </a:ext>
+              </a:extLst>
+            </p:cNvPr>
+            <p:cNvCxnSpPr/>
+            <p:nvPr/>
+          </p:nvCxnSpPr>
+          <p:spPr>
+            <a:xfrm>
+              <a:off x="1896769" y="2672916"/>
+              <a:ext cx="216024" cy="0"/>
+            </a:xfrm>
+            <a:prstGeom prst="line">
+              <a:avLst/>
+            </a:prstGeom>
+            <a:ln>
+              <a:solidFill>
+                <a:schemeClr val="tx1"/>
+              </a:solidFill>
+            </a:ln>
+          </p:spPr>
+          <p:style>
+            <a:lnRef idx="1">
+              <a:schemeClr val="accent1"/>
+            </a:lnRef>
+            <a:fillRef idx="0">
+              <a:schemeClr val="accent1"/>
+            </a:fillRef>
+            <a:effectRef idx="0">
+              <a:schemeClr val="accent1"/>
+            </a:effectRef>
+            <a:fontRef idx="minor">
+              <a:schemeClr val="tx1"/>
+            </a:fontRef>
+          </p:style>
+        </p:cxnSp>
+        <p:sp>
+          <p:nvSpPr>
+            <p:cNvPr id="257" name="타원 256">
+              <a:extLst>
+                <a:ext uri="{FF2B5EF4-FFF2-40B4-BE49-F238E27FC236}">
+                  <a16:creationId xmlns:a16="http://schemas.microsoft.com/office/drawing/2014/main" id="{5518CA0C-4019-4538-98FF-1AC27F5A428B}"/>
+                </a:ext>
+              </a:extLst>
+            </p:cNvPr>
+            <p:cNvSpPr/>
+            <p:nvPr/>
+          </p:nvSpPr>
+          <p:spPr>
+            <a:xfrm>
+              <a:off x="2472477" y="2456892"/>
+              <a:ext cx="432048" cy="432048"/>
+            </a:xfrm>
+            <a:prstGeom prst="ellipse">
+              <a:avLst/>
+            </a:prstGeom>
+            <a:solidFill>
+              <a:schemeClr val="bg1"/>
+            </a:solidFill>
+            <a:ln>
+              <a:solidFill>
+                <a:schemeClr val="tx1"/>
+              </a:solidFill>
+            </a:ln>
+          </p:spPr>
+          <p:style>
+            <a:lnRef idx="2">
+              <a:schemeClr val="accent1">
+                <a:shade val="50000"/>
+              </a:schemeClr>
+            </a:lnRef>
+            <a:fillRef idx="1">
+              <a:schemeClr val="accent1"/>
+            </a:fillRef>
+            <a:effectRef idx="0">
+              <a:schemeClr val="accent1"/>
+            </a:effectRef>
+            <a:fontRef idx="minor">
+              <a:schemeClr val="lt1"/>
+            </a:fontRef>
+          </p:style>
+          <p:txBody>
+            <a:bodyPr rtlCol="0" anchor="ctr"/>
+            <a:lstStyle/>
+            <a:p>
+              <a:pPr algn="ctr"/>
+              <a:endParaRPr lang="ko-KR" altLang="en-US"/>
+            </a:p>
+          </p:txBody>
+        </p:sp>
+        <p:cxnSp>
+          <p:nvCxnSpPr>
+            <p:cNvPr id="258" name="직선 연결선 257">
+              <a:extLst>
+                <a:ext uri="{FF2B5EF4-FFF2-40B4-BE49-F238E27FC236}">
+                  <a16:creationId xmlns:a16="http://schemas.microsoft.com/office/drawing/2014/main" id="{F883B2CD-C4FB-446A-9869-4C2EF1237B35}"/>
+                </a:ext>
+              </a:extLst>
+            </p:cNvPr>
+            <p:cNvCxnSpPr/>
+            <p:nvPr/>
+          </p:nvCxnSpPr>
+          <p:spPr>
+            <a:xfrm rot="5400000">
+              <a:off x="2580489" y="2564904"/>
+              <a:ext cx="216024" cy="0"/>
+            </a:xfrm>
+            <a:prstGeom prst="line">
+              <a:avLst/>
+            </a:prstGeom>
+            <a:ln>
+              <a:solidFill>
+                <a:schemeClr val="tx1"/>
+              </a:solidFill>
+            </a:ln>
+          </p:spPr>
+          <p:style>
+            <a:lnRef idx="1">
+              <a:schemeClr val="accent1"/>
+            </a:lnRef>
+            <a:fillRef idx="0">
+              <a:schemeClr val="accent1"/>
+            </a:fillRef>
+            <a:effectRef idx="0">
+              <a:schemeClr val="accent1"/>
+            </a:effectRef>
+            <a:fontRef idx="minor">
+              <a:schemeClr val="tx1"/>
+            </a:fontRef>
+          </p:style>
+        </p:cxnSp>
+        <p:sp>
+          <p:nvSpPr>
+            <p:cNvPr id="259" name="타원 258">
+              <a:extLst>
+                <a:ext uri="{FF2B5EF4-FFF2-40B4-BE49-F238E27FC236}">
+                  <a16:creationId xmlns:a16="http://schemas.microsoft.com/office/drawing/2014/main" id="{C6B9E2E1-7C2B-4489-937C-D9365FDB63B9}"/>
+                </a:ext>
+              </a:extLst>
+            </p:cNvPr>
+            <p:cNvSpPr/>
+            <p:nvPr/>
+          </p:nvSpPr>
+          <p:spPr>
+            <a:xfrm>
+              <a:off x="3047776" y="2456892"/>
+              <a:ext cx="432048" cy="432048"/>
+            </a:xfrm>
+            <a:prstGeom prst="ellipse">
+              <a:avLst/>
+            </a:prstGeom>
+            <a:solidFill>
+              <a:schemeClr val="bg1"/>
+            </a:solidFill>
+            <a:ln>
+              <a:solidFill>
+                <a:schemeClr val="tx1"/>
+              </a:solidFill>
+            </a:ln>
+          </p:spPr>
+          <p:style>
+            <a:lnRef idx="2">
+              <a:schemeClr val="accent1">
+                <a:shade val="50000"/>
+              </a:schemeClr>
+            </a:lnRef>
+            <a:fillRef idx="1">
+              <a:schemeClr val="accent1"/>
+            </a:fillRef>
+            <a:effectRef idx="0">
+              <a:schemeClr val="accent1"/>
+            </a:effectRef>
+            <a:fontRef idx="minor">
+              <a:schemeClr val="lt1"/>
+            </a:fontRef>
+          </p:style>
+          <p:txBody>
+            <a:bodyPr rtlCol="0" anchor="ctr"/>
+            <a:lstStyle/>
+            <a:p>
+              <a:pPr algn="ctr"/>
+              <a:endParaRPr lang="ko-KR" altLang="en-US"/>
+            </a:p>
+          </p:txBody>
+        </p:sp>
+        <p:cxnSp>
+          <p:nvCxnSpPr>
+            <p:cNvPr id="260" name="직선 연결선 259">
+              <a:extLst>
+                <a:ext uri="{FF2B5EF4-FFF2-40B4-BE49-F238E27FC236}">
+                  <a16:creationId xmlns:a16="http://schemas.microsoft.com/office/drawing/2014/main" id="{DC0B58C2-158C-418F-B1D6-1F1BD525D99E}"/>
+                </a:ext>
+              </a:extLst>
+            </p:cNvPr>
+            <p:cNvCxnSpPr>
+              <a:endCxn id="259" idx="6"/>
+            </p:cNvCxnSpPr>
+            <p:nvPr/>
+          </p:nvCxnSpPr>
+          <p:spPr>
+            <a:xfrm>
+              <a:off x="3263800" y="2672916"/>
+              <a:ext cx="216024" cy="0"/>
+            </a:xfrm>
+            <a:prstGeom prst="line">
+              <a:avLst/>
+            </a:prstGeom>
+            <a:ln>
+              <a:solidFill>
+                <a:schemeClr val="tx1"/>
+              </a:solidFill>
+            </a:ln>
+          </p:spPr>
+          <p:style>
+            <a:lnRef idx="1">
+              <a:schemeClr val="accent1"/>
+            </a:lnRef>
+            <a:fillRef idx="0">
+              <a:schemeClr val="accent1"/>
+            </a:fillRef>
+            <a:effectRef idx="0">
+              <a:schemeClr val="accent1"/>
+            </a:effectRef>
+            <a:fontRef idx="minor">
+              <a:schemeClr val="tx1"/>
+            </a:fontRef>
+          </p:style>
+        </p:cxnSp>
+        <p:sp>
+          <p:nvSpPr>
+            <p:cNvPr id="261" name="타원 260">
+              <a:extLst>
+                <a:ext uri="{FF2B5EF4-FFF2-40B4-BE49-F238E27FC236}">
+                  <a16:creationId xmlns:a16="http://schemas.microsoft.com/office/drawing/2014/main" id="{C5A4AEB0-8609-4DD9-8744-D9C23C475F50}"/>
+                </a:ext>
+              </a:extLst>
+            </p:cNvPr>
+            <p:cNvSpPr/>
+            <p:nvPr/>
+          </p:nvSpPr>
+          <p:spPr>
+            <a:xfrm>
+              <a:off x="3623075" y="2456892"/>
+              <a:ext cx="432048" cy="432048"/>
+            </a:xfrm>
+            <a:prstGeom prst="ellipse">
+              <a:avLst/>
+            </a:prstGeom>
+            <a:solidFill>
+              <a:schemeClr val="bg1"/>
+            </a:solidFill>
+            <a:ln>
+              <a:solidFill>
+                <a:schemeClr val="tx1"/>
+              </a:solidFill>
+            </a:ln>
+          </p:spPr>
+          <p:style>
+            <a:lnRef idx="2">
+              <a:schemeClr val="accent1">
+                <a:shade val="50000"/>
+              </a:schemeClr>
+            </a:lnRef>
+            <a:fillRef idx="1">
+              <a:schemeClr val="accent1"/>
+            </a:fillRef>
+            <a:effectRef idx="0">
+              <a:schemeClr val="accent1"/>
+            </a:effectRef>
+            <a:fontRef idx="minor">
+              <a:schemeClr val="lt1"/>
+            </a:fontRef>
+          </p:style>
+          <p:txBody>
+            <a:bodyPr rtlCol="0" anchor="ctr"/>
+            <a:lstStyle/>
+            <a:p>
+              <a:pPr algn="ctr"/>
+              <a:endParaRPr lang="ko-KR" altLang="en-US"/>
+            </a:p>
+          </p:txBody>
+        </p:sp>
+        <p:sp>
+          <p:nvSpPr>
+            <p:cNvPr id="262" name="타원 261">
+              <a:extLst>
+                <a:ext uri="{FF2B5EF4-FFF2-40B4-BE49-F238E27FC236}">
+                  <a16:creationId xmlns:a16="http://schemas.microsoft.com/office/drawing/2014/main" id="{EA7CC40A-F47E-423D-9D88-3DE3C458A690}"/>
+                </a:ext>
+              </a:extLst>
+            </p:cNvPr>
+            <p:cNvSpPr/>
+            <p:nvPr/>
+          </p:nvSpPr>
+          <p:spPr>
+            <a:xfrm>
+              <a:off x="4198374" y="2456892"/>
+              <a:ext cx="432048" cy="432048"/>
+            </a:xfrm>
+            <a:prstGeom prst="ellipse">
+              <a:avLst/>
+            </a:prstGeom>
+            <a:solidFill>
+              <a:schemeClr val="bg1"/>
+            </a:solidFill>
+            <a:ln>
+              <a:solidFill>
+                <a:schemeClr val="tx1"/>
+              </a:solidFill>
+            </a:ln>
+          </p:spPr>
+          <p:style>
+            <a:lnRef idx="2">
+              <a:schemeClr val="accent1">
+                <a:shade val="50000"/>
+              </a:schemeClr>
+            </a:lnRef>
+            <a:fillRef idx="1">
+              <a:schemeClr val="accent1"/>
+            </a:fillRef>
+            <a:effectRef idx="0">
+              <a:schemeClr val="accent1"/>
+            </a:effectRef>
+            <a:fontRef idx="minor">
+              <a:schemeClr val="lt1"/>
+            </a:fontRef>
+          </p:style>
+          <p:txBody>
+            <a:bodyPr rtlCol="0" anchor="ctr"/>
+            <a:lstStyle/>
+            <a:p>
+              <a:pPr algn="ctr"/>
+              <a:endParaRPr lang="ko-KR" altLang="en-US"/>
+            </a:p>
+          </p:txBody>
+        </p:sp>
+        <p:cxnSp>
+          <p:nvCxnSpPr>
+            <p:cNvPr id="263" name="직선 연결선 262">
+              <a:extLst>
+                <a:ext uri="{FF2B5EF4-FFF2-40B4-BE49-F238E27FC236}">
+                  <a16:creationId xmlns:a16="http://schemas.microsoft.com/office/drawing/2014/main" id="{FE5FE5A0-496F-4556-A631-E53ABC5E0B43}"/>
+                </a:ext>
+              </a:extLst>
+            </p:cNvPr>
+            <p:cNvCxnSpPr/>
+            <p:nvPr/>
+          </p:nvCxnSpPr>
+          <p:spPr>
+            <a:xfrm>
+              <a:off x="4198374" y="2672916"/>
+              <a:ext cx="216024" cy="0"/>
+            </a:xfrm>
+            <a:prstGeom prst="line">
+              <a:avLst/>
+            </a:prstGeom>
+            <a:ln>
+              <a:solidFill>
+                <a:schemeClr val="tx1"/>
+              </a:solidFill>
+            </a:ln>
+          </p:spPr>
+          <p:style>
+            <a:lnRef idx="1">
+              <a:schemeClr val="accent1"/>
+            </a:lnRef>
+            <a:fillRef idx="0">
+              <a:schemeClr val="accent1"/>
+            </a:fillRef>
+            <a:effectRef idx="0">
+              <a:schemeClr val="accent1"/>
+            </a:effectRef>
+            <a:fontRef idx="minor">
+              <a:schemeClr val="tx1"/>
+            </a:fontRef>
+          </p:style>
+        </p:cxnSp>
+        <p:sp>
+          <p:nvSpPr>
+            <p:cNvPr id="264" name="타원 263">
+              <a:extLst>
+                <a:ext uri="{FF2B5EF4-FFF2-40B4-BE49-F238E27FC236}">
+                  <a16:creationId xmlns:a16="http://schemas.microsoft.com/office/drawing/2014/main" id="{F6F25C59-0287-4BA6-961B-FDA558ABB6A6}"/>
+                </a:ext>
+              </a:extLst>
+            </p:cNvPr>
+            <p:cNvSpPr/>
+            <p:nvPr/>
+          </p:nvSpPr>
+          <p:spPr>
+            <a:xfrm>
+              <a:off x="4773674" y="2456892"/>
+              <a:ext cx="432048" cy="432048"/>
+            </a:xfrm>
+            <a:prstGeom prst="ellipse">
+              <a:avLst/>
+            </a:prstGeom>
+            <a:solidFill>
+              <a:schemeClr val="bg1"/>
+            </a:solidFill>
+            <a:ln>
+              <a:solidFill>
+                <a:schemeClr val="tx1"/>
+              </a:solidFill>
+            </a:ln>
+          </p:spPr>
+          <p:style>
+            <a:lnRef idx="2">
+              <a:schemeClr val="accent1">
+                <a:shade val="50000"/>
+              </a:schemeClr>
+            </a:lnRef>
+            <a:fillRef idx="1">
+              <a:schemeClr val="accent1"/>
+            </a:fillRef>
+            <a:effectRef idx="0">
+              <a:schemeClr val="accent1"/>
+            </a:effectRef>
+            <a:fontRef idx="minor">
+              <a:schemeClr val="lt1"/>
+            </a:fontRef>
+          </p:style>
+          <p:txBody>
+            <a:bodyPr rtlCol="0" anchor="ctr"/>
+            <a:lstStyle/>
+            <a:p>
+              <a:pPr algn="ctr"/>
+              <a:endParaRPr lang="ko-KR" altLang="en-US"/>
+            </a:p>
+          </p:txBody>
+        </p:sp>
+        <p:sp>
+          <p:nvSpPr>
+            <p:cNvPr id="265" name="타원 264">
+              <a:extLst>
+                <a:ext uri="{FF2B5EF4-FFF2-40B4-BE49-F238E27FC236}">
+                  <a16:creationId xmlns:a16="http://schemas.microsoft.com/office/drawing/2014/main" id="{732C3433-9263-4804-8FDC-11B7169CF787}"/>
+                </a:ext>
+              </a:extLst>
+            </p:cNvPr>
+            <p:cNvSpPr/>
+            <p:nvPr/>
+          </p:nvSpPr>
+          <p:spPr>
+            <a:xfrm>
+              <a:off x="1321879" y="2960948"/>
+              <a:ext cx="432048" cy="432048"/>
+            </a:xfrm>
+            <a:prstGeom prst="ellipse">
+              <a:avLst/>
+            </a:prstGeom>
+            <a:solidFill>
+              <a:schemeClr val="bg1"/>
+            </a:solidFill>
+            <a:ln>
+              <a:solidFill>
+                <a:schemeClr val="tx1"/>
+              </a:solidFill>
+            </a:ln>
+          </p:spPr>
+          <p:style>
+            <a:lnRef idx="2">
+              <a:schemeClr val="accent1">
+                <a:shade val="50000"/>
+              </a:schemeClr>
+            </a:lnRef>
+            <a:fillRef idx="1">
+              <a:schemeClr val="accent1"/>
+            </a:fillRef>
+            <a:effectRef idx="0">
+              <a:schemeClr val="accent1"/>
+            </a:effectRef>
+            <a:fontRef idx="minor">
+              <a:schemeClr val="lt1"/>
+            </a:fontRef>
+          </p:style>
+          <p:txBody>
+            <a:bodyPr rtlCol="0" anchor="ctr"/>
+            <a:lstStyle/>
+            <a:p>
+              <a:pPr algn="ctr"/>
+              <a:endParaRPr lang="ko-KR" altLang="en-US"/>
+            </a:p>
+          </p:txBody>
+        </p:sp>
+        <p:cxnSp>
+          <p:nvCxnSpPr>
+            <p:cNvPr id="266" name="직선 연결선 265">
+              <a:extLst>
+                <a:ext uri="{FF2B5EF4-FFF2-40B4-BE49-F238E27FC236}">
+                  <a16:creationId xmlns:a16="http://schemas.microsoft.com/office/drawing/2014/main" id="{19901C05-4AFB-4DE9-AF41-440F2999C2A6}"/>
+                </a:ext>
+              </a:extLst>
+            </p:cNvPr>
+            <p:cNvCxnSpPr/>
+            <p:nvPr/>
+          </p:nvCxnSpPr>
+          <p:spPr>
+            <a:xfrm rot="8100000">
+              <a:off x="1353514" y="3253348"/>
+              <a:ext cx="216024" cy="0"/>
+            </a:xfrm>
+            <a:prstGeom prst="line">
+              <a:avLst/>
+            </a:prstGeom>
+            <a:ln>
+              <a:solidFill>
+                <a:schemeClr val="tx1"/>
+              </a:solidFill>
+            </a:ln>
+          </p:spPr>
+          <p:style>
+            <a:lnRef idx="1">
+              <a:schemeClr val="accent1"/>
+            </a:lnRef>
+            <a:fillRef idx="0">
+              <a:schemeClr val="accent1"/>
+            </a:fillRef>
+            <a:effectRef idx="0">
+              <a:schemeClr val="accent1"/>
+            </a:effectRef>
+            <a:fontRef idx="minor">
+              <a:schemeClr val="tx1"/>
+            </a:fontRef>
+          </p:style>
+        </p:cxnSp>
+        <p:sp>
+          <p:nvSpPr>
+            <p:cNvPr id="267" name="타원 266">
+              <a:extLst>
+                <a:ext uri="{FF2B5EF4-FFF2-40B4-BE49-F238E27FC236}">
+                  <a16:creationId xmlns:a16="http://schemas.microsoft.com/office/drawing/2014/main" id="{AC9F8D05-03F1-4B2B-AB69-B41D08B00CEA}"/>
+                </a:ext>
+              </a:extLst>
+            </p:cNvPr>
+            <p:cNvSpPr/>
+            <p:nvPr/>
+          </p:nvSpPr>
+          <p:spPr>
+            <a:xfrm>
+              <a:off x="1896769" y="2960948"/>
+              <a:ext cx="432048" cy="432048"/>
+            </a:xfrm>
+            <a:prstGeom prst="ellipse">
+              <a:avLst/>
+            </a:prstGeom>
+            <a:solidFill>
+              <a:schemeClr val="bg1"/>
+            </a:solidFill>
+            <a:ln>
+              <a:solidFill>
+                <a:schemeClr val="tx1"/>
+              </a:solidFill>
+            </a:ln>
+          </p:spPr>
+          <p:style>
+            <a:lnRef idx="2">
+              <a:schemeClr val="accent1">
+                <a:shade val="50000"/>
+              </a:schemeClr>
+            </a:lnRef>
+            <a:fillRef idx="1">
+              <a:schemeClr val="accent1"/>
+            </a:fillRef>
+            <a:effectRef idx="0">
+              <a:schemeClr val="accent1"/>
+            </a:effectRef>
+            <a:fontRef idx="minor">
+              <a:schemeClr val="lt1"/>
+            </a:fontRef>
+          </p:style>
+          <p:txBody>
+            <a:bodyPr rtlCol="0" anchor="ctr"/>
+            <a:lstStyle/>
+            <a:p>
+              <a:pPr algn="ctr"/>
+              <a:endParaRPr lang="ko-KR" altLang="en-US"/>
+            </a:p>
+          </p:txBody>
+        </p:sp>
+        <p:cxnSp>
+          <p:nvCxnSpPr>
+            <p:cNvPr id="268" name="직선 연결선 267">
+              <a:extLst>
+                <a:ext uri="{FF2B5EF4-FFF2-40B4-BE49-F238E27FC236}">
+                  <a16:creationId xmlns:a16="http://schemas.microsoft.com/office/drawing/2014/main" id="{E8FD018A-1592-4747-AE20-C134B94E38FC}"/>
+                </a:ext>
+              </a:extLst>
+            </p:cNvPr>
+            <p:cNvCxnSpPr/>
+            <p:nvPr/>
+          </p:nvCxnSpPr>
+          <p:spPr>
+            <a:xfrm rot="16200000">
+              <a:off x="2004781" y="3068960"/>
+              <a:ext cx="216024" cy="0"/>
+            </a:xfrm>
+            <a:prstGeom prst="line">
+              <a:avLst/>
+            </a:prstGeom>
+            <a:ln>
+              <a:solidFill>
+                <a:schemeClr val="tx1"/>
+              </a:solidFill>
+            </a:ln>
+          </p:spPr>
+          <p:style>
+            <a:lnRef idx="1">
+              <a:schemeClr val="accent1"/>
+            </a:lnRef>
+            <a:fillRef idx="0">
+              <a:schemeClr val="accent1"/>
+            </a:fillRef>
+            <a:effectRef idx="0">
+              <a:schemeClr val="accent1"/>
+            </a:effectRef>
+            <a:fontRef idx="minor">
+              <a:schemeClr val="tx1"/>
+            </a:fontRef>
+          </p:style>
+        </p:cxnSp>
+        <p:sp>
+          <p:nvSpPr>
+            <p:cNvPr id="269" name="타원 268">
+              <a:extLst>
+                <a:ext uri="{FF2B5EF4-FFF2-40B4-BE49-F238E27FC236}">
+                  <a16:creationId xmlns:a16="http://schemas.microsoft.com/office/drawing/2014/main" id="{C5E4B065-4325-4EF4-83A2-38499F721F98}"/>
+                </a:ext>
+              </a:extLst>
+            </p:cNvPr>
+            <p:cNvSpPr/>
+            <p:nvPr/>
+          </p:nvSpPr>
+          <p:spPr>
+            <a:xfrm>
+              <a:off x="2472477" y="2960948"/>
+              <a:ext cx="432048" cy="432048"/>
+            </a:xfrm>
+            <a:prstGeom prst="ellipse">
+              <a:avLst/>
+            </a:prstGeom>
+            <a:solidFill>
+              <a:schemeClr val="bg1"/>
+            </a:solidFill>
+            <a:ln>
+              <a:solidFill>
+                <a:schemeClr val="tx1"/>
+              </a:solidFill>
+            </a:ln>
+          </p:spPr>
+          <p:style>
+            <a:lnRef idx="2">
+              <a:schemeClr val="accent1">
+                <a:shade val="50000"/>
+              </a:schemeClr>
+            </a:lnRef>
+            <a:fillRef idx="1">
+              <a:schemeClr val="accent1"/>
+            </a:fillRef>
+            <a:effectRef idx="0">
+              <a:schemeClr val="accent1"/>
+            </a:effectRef>
+            <a:fontRef idx="minor">
+              <a:schemeClr val="lt1"/>
+            </a:fontRef>
+          </p:style>
+          <p:txBody>
+            <a:bodyPr rtlCol="0" anchor="ctr"/>
+            <a:lstStyle/>
+            <a:p>
+              <a:pPr algn="ctr"/>
+              <a:endParaRPr lang="ko-KR" altLang="en-US"/>
+            </a:p>
+          </p:txBody>
+        </p:sp>
+        <p:cxnSp>
+          <p:nvCxnSpPr>
+            <p:cNvPr id="270" name="직선 연결선 269">
+              <a:extLst>
+                <a:ext uri="{FF2B5EF4-FFF2-40B4-BE49-F238E27FC236}">
+                  <a16:creationId xmlns:a16="http://schemas.microsoft.com/office/drawing/2014/main" id="{7299D4AE-0D06-49A9-A9BD-79FA5BC4C457}"/>
+                </a:ext>
+              </a:extLst>
+            </p:cNvPr>
+            <p:cNvCxnSpPr/>
+            <p:nvPr/>
+          </p:nvCxnSpPr>
+          <p:spPr>
+            <a:xfrm rot="2700000">
+              <a:off x="2651355" y="3253347"/>
+              <a:ext cx="216024" cy="0"/>
+            </a:xfrm>
+            <a:prstGeom prst="line">
+              <a:avLst/>
+            </a:prstGeom>
+            <a:ln>
+              <a:solidFill>
+                <a:schemeClr val="tx1"/>
+              </a:solidFill>
+            </a:ln>
+          </p:spPr>
+          <p:style>
+            <a:lnRef idx="1">
+              <a:schemeClr val="accent1"/>
+            </a:lnRef>
+            <a:fillRef idx="0">
+              <a:schemeClr val="accent1"/>
+            </a:fillRef>
+            <a:effectRef idx="0">
+              <a:schemeClr val="accent1"/>
+            </a:effectRef>
+            <a:fontRef idx="minor">
+              <a:schemeClr val="tx1"/>
+            </a:fontRef>
+          </p:style>
+        </p:cxnSp>
+        <p:sp>
+          <p:nvSpPr>
+            <p:cNvPr id="271" name="타원 270">
+              <a:extLst>
+                <a:ext uri="{FF2B5EF4-FFF2-40B4-BE49-F238E27FC236}">
+                  <a16:creationId xmlns:a16="http://schemas.microsoft.com/office/drawing/2014/main" id="{9560FF75-5BAD-4322-857A-47210BF97446}"/>
+                </a:ext>
+              </a:extLst>
+            </p:cNvPr>
+            <p:cNvSpPr/>
+            <p:nvPr/>
+          </p:nvSpPr>
+          <p:spPr>
+            <a:xfrm>
+              <a:off x="3047776" y="2960948"/>
+              <a:ext cx="432048" cy="432048"/>
+            </a:xfrm>
+            <a:prstGeom prst="ellipse">
+              <a:avLst/>
+            </a:prstGeom>
+            <a:solidFill>
+              <a:schemeClr val="bg1"/>
+            </a:solidFill>
+            <a:ln>
+              <a:solidFill>
+                <a:schemeClr val="tx1"/>
+              </a:solidFill>
+            </a:ln>
+          </p:spPr>
+          <p:style>
+            <a:lnRef idx="2">
+              <a:schemeClr val="accent1">
+                <a:shade val="50000"/>
+              </a:schemeClr>
+            </a:lnRef>
+            <a:fillRef idx="1">
+              <a:schemeClr val="accent1"/>
+            </a:fillRef>
+            <a:effectRef idx="0">
+              <a:schemeClr val="accent1"/>
+            </a:effectRef>
+            <a:fontRef idx="minor">
+              <a:schemeClr val="lt1"/>
+            </a:fontRef>
+          </p:style>
+          <p:txBody>
+            <a:bodyPr rtlCol="0" anchor="ctr"/>
+            <a:lstStyle/>
+            <a:p>
+              <a:pPr algn="ctr"/>
+              <a:endParaRPr lang="ko-KR" altLang="en-US"/>
+            </a:p>
+          </p:txBody>
+        </p:sp>
+        <p:cxnSp>
+          <p:nvCxnSpPr>
+            <p:cNvPr id="272" name="직선 연결선 271">
+              <a:extLst>
+                <a:ext uri="{FF2B5EF4-FFF2-40B4-BE49-F238E27FC236}">
+                  <a16:creationId xmlns:a16="http://schemas.microsoft.com/office/drawing/2014/main" id="{DDC18A39-55A5-4E37-88F6-26C0D3013583}"/>
+                </a:ext>
+              </a:extLst>
+            </p:cNvPr>
+            <p:cNvCxnSpPr/>
+            <p:nvPr/>
+          </p:nvCxnSpPr>
+          <p:spPr>
+            <a:xfrm rot="10800000">
+              <a:off x="3047776" y="3176972"/>
+              <a:ext cx="216024" cy="0"/>
+            </a:xfrm>
+            <a:prstGeom prst="line">
+              <a:avLst/>
+            </a:prstGeom>
+            <a:ln>
+              <a:solidFill>
+                <a:schemeClr val="tx1"/>
+              </a:solidFill>
+            </a:ln>
+          </p:spPr>
+          <p:style>
+            <a:lnRef idx="1">
+              <a:schemeClr val="accent1"/>
+            </a:lnRef>
+            <a:fillRef idx="0">
+              <a:schemeClr val="accent1"/>
+            </a:fillRef>
+            <a:effectRef idx="0">
+              <a:schemeClr val="accent1"/>
+            </a:effectRef>
+            <a:fontRef idx="minor">
+              <a:schemeClr val="tx1"/>
+            </a:fontRef>
+          </p:style>
+        </p:cxnSp>
+        <p:sp>
+          <p:nvSpPr>
+            <p:cNvPr id="273" name="타원 272">
+              <a:extLst>
+                <a:ext uri="{FF2B5EF4-FFF2-40B4-BE49-F238E27FC236}">
+                  <a16:creationId xmlns:a16="http://schemas.microsoft.com/office/drawing/2014/main" id="{360B6100-376F-4559-8103-AD8BAA6C4BFC}"/>
+                </a:ext>
+              </a:extLst>
+            </p:cNvPr>
+            <p:cNvSpPr/>
+            <p:nvPr/>
+          </p:nvSpPr>
+          <p:spPr>
+            <a:xfrm>
+              <a:off x="3623075" y="2960948"/>
+              <a:ext cx="432048" cy="432048"/>
+            </a:xfrm>
+            <a:prstGeom prst="ellipse">
+              <a:avLst/>
+            </a:prstGeom>
+            <a:solidFill>
+              <a:schemeClr val="bg1"/>
+            </a:solidFill>
+            <a:ln>
+              <a:solidFill>
+                <a:schemeClr val="tx1"/>
+              </a:solidFill>
+            </a:ln>
+          </p:spPr>
+          <p:style>
+            <a:lnRef idx="2">
+              <a:schemeClr val="accent1">
+                <a:shade val="50000"/>
+              </a:schemeClr>
+            </a:lnRef>
+            <a:fillRef idx="1">
+              <a:schemeClr val="accent1"/>
+            </a:fillRef>
+            <a:effectRef idx="0">
+              <a:schemeClr val="accent1"/>
+            </a:effectRef>
+            <a:fontRef idx="minor">
+              <a:schemeClr val="lt1"/>
+            </a:fontRef>
+          </p:style>
+          <p:txBody>
+            <a:bodyPr rtlCol="0" anchor="ctr"/>
+            <a:lstStyle/>
+            <a:p>
+              <a:pPr algn="ctr"/>
+              <a:endParaRPr lang="ko-KR" altLang="en-US"/>
+            </a:p>
+          </p:txBody>
+        </p:sp>
+        <p:sp>
+          <p:nvSpPr>
+            <p:cNvPr id="274" name="타원 273">
+              <a:extLst>
+                <a:ext uri="{FF2B5EF4-FFF2-40B4-BE49-F238E27FC236}">
+                  <a16:creationId xmlns:a16="http://schemas.microsoft.com/office/drawing/2014/main" id="{006568F2-3F6A-4C7D-B253-60A6BC84966C}"/>
+                </a:ext>
+              </a:extLst>
+            </p:cNvPr>
+            <p:cNvSpPr/>
+            <p:nvPr/>
+          </p:nvSpPr>
+          <p:spPr>
+            <a:xfrm>
+              <a:off x="4198374" y="2960948"/>
+              <a:ext cx="432048" cy="432048"/>
+            </a:xfrm>
+            <a:prstGeom prst="ellipse">
+              <a:avLst/>
+            </a:prstGeom>
+            <a:solidFill>
+              <a:schemeClr val="bg1"/>
+            </a:solidFill>
+            <a:ln>
+              <a:solidFill>
+                <a:schemeClr val="tx1"/>
+              </a:solidFill>
+            </a:ln>
+          </p:spPr>
+          <p:style>
+            <a:lnRef idx="2">
+              <a:schemeClr val="accent1">
+                <a:shade val="50000"/>
+              </a:schemeClr>
+            </a:lnRef>
+            <a:fillRef idx="1">
+              <a:schemeClr val="accent1"/>
+            </a:fillRef>
+            <a:effectRef idx="0">
+              <a:schemeClr val="accent1"/>
+            </a:effectRef>
+            <a:fontRef idx="minor">
+              <a:schemeClr val="lt1"/>
+            </a:fontRef>
+          </p:style>
+          <p:txBody>
+            <a:bodyPr rtlCol="0" anchor="ctr"/>
+            <a:lstStyle/>
+            <a:p>
+              <a:pPr algn="ctr"/>
+              <a:endParaRPr lang="ko-KR" altLang="en-US"/>
+            </a:p>
+          </p:txBody>
+        </p:sp>
+        <p:sp>
+          <p:nvSpPr>
+            <p:cNvPr id="275" name="타원 274">
+              <a:extLst>
+                <a:ext uri="{FF2B5EF4-FFF2-40B4-BE49-F238E27FC236}">
+                  <a16:creationId xmlns:a16="http://schemas.microsoft.com/office/drawing/2014/main" id="{B84812DF-0726-431A-9CB9-158A3A4BB0D6}"/>
+                </a:ext>
+              </a:extLst>
+            </p:cNvPr>
+            <p:cNvSpPr/>
+            <p:nvPr/>
+          </p:nvSpPr>
+          <p:spPr>
+            <a:xfrm>
+              <a:off x="4773674" y="2960948"/>
+              <a:ext cx="432048" cy="432048"/>
+            </a:xfrm>
+            <a:prstGeom prst="ellipse">
+              <a:avLst/>
+            </a:prstGeom>
+            <a:solidFill>
+              <a:schemeClr val="bg1"/>
+            </a:solidFill>
+            <a:ln>
+              <a:solidFill>
+                <a:schemeClr val="tx1"/>
+              </a:solidFill>
+            </a:ln>
+          </p:spPr>
+          <p:style>
+            <a:lnRef idx="2">
+              <a:schemeClr val="accent1">
+                <a:shade val="50000"/>
+              </a:schemeClr>
+            </a:lnRef>
+            <a:fillRef idx="1">
+              <a:schemeClr val="accent1"/>
+            </a:fillRef>
+            <a:effectRef idx="0">
+              <a:schemeClr val="accent1"/>
+            </a:effectRef>
+            <a:fontRef idx="minor">
+              <a:schemeClr val="lt1"/>
+            </a:fontRef>
+          </p:style>
+          <p:txBody>
+            <a:bodyPr rtlCol="0" anchor="ctr"/>
+            <a:lstStyle/>
+            <a:p>
+              <a:pPr algn="ctr"/>
+              <a:endParaRPr lang="ko-KR" altLang="en-US"/>
+            </a:p>
+          </p:txBody>
+        </p:sp>
+        <p:sp>
+          <p:nvSpPr>
+            <p:cNvPr id="276" name="타원 275">
+              <a:extLst>
+                <a:ext uri="{FF2B5EF4-FFF2-40B4-BE49-F238E27FC236}">
+                  <a16:creationId xmlns:a16="http://schemas.microsoft.com/office/drawing/2014/main" id="{C66E1C20-DBCA-42C0-B998-9DDFA2733B78}"/>
+                </a:ext>
+              </a:extLst>
+            </p:cNvPr>
+            <p:cNvSpPr/>
+            <p:nvPr/>
+          </p:nvSpPr>
+          <p:spPr>
+            <a:xfrm>
+              <a:off x="1321879" y="3465004"/>
+              <a:ext cx="432048" cy="432048"/>
+            </a:xfrm>
+            <a:prstGeom prst="ellipse">
+              <a:avLst/>
+            </a:prstGeom>
+            <a:solidFill>
+              <a:schemeClr val="bg1"/>
+            </a:solidFill>
+            <a:ln>
+              <a:solidFill>
+                <a:schemeClr val="tx1"/>
+              </a:solidFill>
+            </a:ln>
+          </p:spPr>
+          <p:style>
+            <a:lnRef idx="2">
+              <a:schemeClr val="accent1">
+                <a:shade val="50000"/>
+              </a:schemeClr>
+            </a:lnRef>
+            <a:fillRef idx="1">
+              <a:schemeClr val="accent1"/>
+            </a:fillRef>
+            <a:effectRef idx="0">
+              <a:schemeClr val="accent1"/>
+            </a:effectRef>
+            <a:fontRef idx="minor">
+              <a:schemeClr val="lt1"/>
+            </a:fontRef>
+          </p:style>
+          <p:txBody>
+            <a:bodyPr rtlCol="0" anchor="ctr"/>
+            <a:lstStyle/>
+            <a:p>
+              <a:pPr algn="ctr"/>
+              <a:endParaRPr lang="ko-KR" altLang="en-US"/>
+            </a:p>
+          </p:txBody>
+        </p:sp>
+        <p:sp>
+          <p:nvSpPr>
+            <p:cNvPr id="277" name="타원 276">
+              <a:extLst>
+                <a:ext uri="{FF2B5EF4-FFF2-40B4-BE49-F238E27FC236}">
+                  <a16:creationId xmlns:a16="http://schemas.microsoft.com/office/drawing/2014/main" id="{A3DD1370-B009-49AD-A318-3F908C4026C2}"/>
+                </a:ext>
+              </a:extLst>
+            </p:cNvPr>
+            <p:cNvSpPr/>
+            <p:nvPr/>
+          </p:nvSpPr>
+          <p:spPr>
+            <a:xfrm>
+              <a:off x="1896769" y="3465004"/>
+              <a:ext cx="432048" cy="432048"/>
+            </a:xfrm>
+            <a:prstGeom prst="ellipse">
+              <a:avLst/>
+            </a:prstGeom>
+            <a:solidFill>
+              <a:schemeClr val="bg1"/>
+            </a:solidFill>
+            <a:ln>
+              <a:solidFill>
+                <a:schemeClr val="tx1"/>
+              </a:solidFill>
+            </a:ln>
+          </p:spPr>
+          <p:style>
+            <a:lnRef idx="2">
+              <a:schemeClr val="accent1">
+                <a:shade val="50000"/>
+              </a:schemeClr>
+            </a:lnRef>
+            <a:fillRef idx="1">
+              <a:schemeClr val="accent1"/>
+            </a:fillRef>
+            <a:effectRef idx="0">
+              <a:schemeClr val="accent1"/>
+            </a:effectRef>
+            <a:fontRef idx="minor">
+              <a:schemeClr val="lt1"/>
+            </a:fontRef>
+          </p:style>
+          <p:txBody>
+            <a:bodyPr rtlCol="0" anchor="ctr"/>
+            <a:lstStyle/>
+            <a:p>
+              <a:pPr algn="ctr"/>
+              <a:endParaRPr lang="ko-KR" altLang="en-US"/>
+            </a:p>
+          </p:txBody>
+        </p:sp>
+        <p:cxnSp>
+          <p:nvCxnSpPr>
+            <p:cNvPr id="278" name="직선 연결선 277">
+              <a:extLst>
+                <a:ext uri="{FF2B5EF4-FFF2-40B4-BE49-F238E27FC236}">
+                  <a16:creationId xmlns:a16="http://schemas.microsoft.com/office/drawing/2014/main" id="{857E79A6-C804-4EA7-BD91-6309AE23D974}"/>
+                </a:ext>
+              </a:extLst>
+            </p:cNvPr>
+            <p:cNvCxnSpPr>
+              <a:endCxn id="277" idx="6"/>
+            </p:cNvCxnSpPr>
+            <p:nvPr/>
+          </p:nvCxnSpPr>
+          <p:spPr>
+            <a:xfrm>
+              <a:off x="2112793" y="3681028"/>
+              <a:ext cx="216024" cy="0"/>
+            </a:xfrm>
+            <a:prstGeom prst="line">
+              <a:avLst/>
+            </a:prstGeom>
+            <a:ln>
+              <a:solidFill>
+                <a:schemeClr val="tx1"/>
+              </a:solidFill>
+            </a:ln>
+          </p:spPr>
+          <p:style>
+            <a:lnRef idx="1">
+              <a:schemeClr val="accent1"/>
+            </a:lnRef>
+            <a:fillRef idx="0">
+              <a:schemeClr val="accent1"/>
+            </a:fillRef>
+            <a:effectRef idx="0">
+              <a:schemeClr val="accent1"/>
+            </a:effectRef>
+            <a:fontRef idx="minor">
+              <a:schemeClr val="tx1"/>
+            </a:fontRef>
+          </p:style>
+        </p:cxnSp>
+        <p:sp>
+          <p:nvSpPr>
+            <p:cNvPr id="279" name="타원 278">
+              <a:extLst>
+                <a:ext uri="{FF2B5EF4-FFF2-40B4-BE49-F238E27FC236}">
+                  <a16:creationId xmlns:a16="http://schemas.microsoft.com/office/drawing/2014/main" id="{EA3BF65C-4033-4EDD-8EC5-F7D755943575}"/>
+                </a:ext>
+              </a:extLst>
+            </p:cNvPr>
+            <p:cNvSpPr/>
+            <p:nvPr/>
+          </p:nvSpPr>
+          <p:spPr>
+            <a:xfrm>
+              <a:off x="2472477" y="3465004"/>
+              <a:ext cx="432048" cy="432048"/>
+            </a:xfrm>
+            <a:prstGeom prst="ellipse">
+              <a:avLst/>
+            </a:prstGeom>
+            <a:solidFill>
+              <a:schemeClr val="bg1"/>
+            </a:solidFill>
+            <a:ln>
+              <a:solidFill>
+                <a:schemeClr val="tx1"/>
+              </a:solidFill>
+            </a:ln>
+          </p:spPr>
+          <p:style>
+            <a:lnRef idx="2">
+              <a:schemeClr val="accent1">
+                <a:shade val="50000"/>
+              </a:schemeClr>
+            </a:lnRef>
+            <a:fillRef idx="1">
+              <a:schemeClr val="accent1"/>
+            </a:fillRef>
+            <a:effectRef idx="0">
+              <a:schemeClr val="accent1"/>
+            </a:effectRef>
+            <a:fontRef idx="minor">
+              <a:schemeClr val="lt1"/>
+            </a:fontRef>
+          </p:style>
+          <p:txBody>
+            <a:bodyPr rtlCol="0" anchor="ctr"/>
+            <a:lstStyle/>
+            <a:p>
+              <a:pPr algn="ctr"/>
+              <a:endParaRPr lang="ko-KR" altLang="en-US"/>
+            </a:p>
+          </p:txBody>
+        </p:sp>
+        <p:cxnSp>
+          <p:nvCxnSpPr>
+            <p:cNvPr id="280" name="직선 연결선 279">
+              <a:extLst>
+                <a:ext uri="{FF2B5EF4-FFF2-40B4-BE49-F238E27FC236}">
+                  <a16:creationId xmlns:a16="http://schemas.microsoft.com/office/drawing/2014/main" id="{1DAF016C-BE3B-4417-BFE2-3B2FA48D31F0}"/>
+                </a:ext>
+              </a:extLst>
+            </p:cNvPr>
+            <p:cNvCxnSpPr/>
+            <p:nvPr/>
+          </p:nvCxnSpPr>
+          <p:spPr>
+            <a:xfrm>
+              <a:off x="2472478" y="3681028"/>
+              <a:ext cx="216024" cy="0"/>
+            </a:xfrm>
+            <a:prstGeom prst="line">
+              <a:avLst/>
+            </a:prstGeom>
+            <a:ln>
+              <a:solidFill>
+                <a:schemeClr val="tx1"/>
+              </a:solidFill>
+            </a:ln>
+          </p:spPr>
+          <p:style>
+            <a:lnRef idx="1">
+              <a:schemeClr val="accent1"/>
+            </a:lnRef>
+            <a:fillRef idx="0">
+              <a:schemeClr val="accent1"/>
+            </a:fillRef>
+            <a:effectRef idx="0">
+              <a:schemeClr val="accent1"/>
+            </a:effectRef>
+            <a:fontRef idx="minor">
+              <a:schemeClr val="tx1"/>
+            </a:fontRef>
+          </p:style>
+        </p:cxnSp>
+        <p:sp>
+          <p:nvSpPr>
+            <p:cNvPr id="281" name="타원 280">
+              <a:extLst>
+                <a:ext uri="{FF2B5EF4-FFF2-40B4-BE49-F238E27FC236}">
+                  <a16:creationId xmlns:a16="http://schemas.microsoft.com/office/drawing/2014/main" id="{2BEBE4D0-22DC-4C30-8B37-640163F2E4BB}"/>
+                </a:ext>
+              </a:extLst>
+            </p:cNvPr>
+            <p:cNvSpPr/>
+            <p:nvPr/>
+          </p:nvSpPr>
+          <p:spPr>
+            <a:xfrm>
+              <a:off x="3047776" y="3465004"/>
+              <a:ext cx="432048" cy="432048"/>
+            </a:xfrm>
+            <a:prstGeom prst="ellipse">
+              <a:avLst/>
+            </a:prstGeom>
+            <a:solidFill>
+              <a:schemeClr val="bg1"/>
+            </a:solidFill>
+            <a:ln>
+              <a:solidFill>
+                <a:schemeClr val="tx1"/>
+              </a:solidFill>
+            </a:ln>
+          </p:spPr>
+          <p:style>
+            <a:lnRef idx="2">
+              <a:schemeClr val="accent1">
+                <a:shade val="50000"/>
+              </a:schemeClr>
+            </a:lnRef>
+            <a:fillRef idx="1">
+              <a:schemeClr val="accent1"/>
+            </a:fillRef>
+            <a:effectRef idx="0">
+              <a:schemeClr val="accent1"/>
+            </a:effectRef>
+            <a:fontRef idx="minor">
+              <a:schemeClr val="lt1"/>
+            </a:fontRef>
+          </p:style>
+          <p:txBody>
+            <a:bodyPr rtlCol="0" anchor="ctr"/>
+            <a:lstStyle/>
+            <a:p>
+              <a:pPr algn="ctr"/>
+              <a:endParaRPr lang="ko-KR" altLang="en-US"/>
+            </a:p>
+          </p:txBody>
+        </p:sp>
+        <p:cxnSp>
+          <p:nvCxnSpPr>
+            <p:cNvPr id="282" name="직선 연결선 281">
+              <a:extLst>
+                <a:ext uri="{FF2B5EF4-FFF2-40B4-BE49-F238E27FC236}">
+                  <a16:creationId xmlns:a16="http://schemas.microsoft.com/office/drawing/2014/main" id="{72B0A7D5-9B18-445B-89DD-5CE9CFF3FD3B}"/>
+                </a:ext>
+              </a:extLst>
+            </p:cNvPr>
+            <p:cNvCxnSpPr>
+              <a:endCxn id="281" idx="6"/>
+            </p:cNvCxnSpPr>
+            <p:nvPr/>
+          </p:nvCxnSpPr>
+          <p:spPr>
+            <a:xfrm>
+              <a:off x="3263800" y="3681028"/>
+              <a:ext cx="216024" cy="0"/>
+            </a:xfrm>
+            <a:prstGeom prst="line">
+              <a:avLst/>
+            </a:prstGeom>
+            <a:ln>
+              <a:solidFill>
+                <a:schemeClr val="tx1"/>
+              </a:solidFill>
+            </a:ln>
+          </p:spPr>
+          <p:style>
+            <a:lnRef idx="1">
+              <a:schemeClr val="accent1"/>
+            </a:lnRef>
+            <a:fillRef idx="0">
+              <a:schemeClr val="accent1"/>
+            </a:fillRef>
+            <a:effectRef idx="0">
+              <a:schemeClr val="accent1"/>
+            </a:effectRef>
+            <a:fontRef idx="minor">
+              <a:schemeClr val="tx1"/>
+            </a:fontRef>
+          </p:style>
+        </p:cxnSp>
+        <p:sp>
+          <p:nvSpPr>
+            <p:cNvPr id="283" name="타원 282">
+              <a:extLst>
+                <a:ext uri="{FF2B5EF4-FFF2-40B4-BE49-F238E27FC236}">
+                  <a16:creationId xmlns:a16="http://schemas.microsoft.com/office/drawing/2014/main" id="{19E5907E-A015-4964-A0F1-D8EEF9C04E58}"/>
+                </a:ext>
+              </a:extLst>
+            </p:cNvPr>
+            <p:cNvSpPr/>
+            <p:nvPr/>
+          </p:nvSpPr>
+          <p:spPr>
+            <a:xfrm>
+              <a:off x="3623075" y="3465004"/>
+              <a:ext cx="432048" cy="432048"/>
+            </a:xfrm>
+            <a:prstGeom prst="ellipse">
+              <a:avLst/>
+            </a:prstGeom>
+            <a:solidFill>
+              <a:schemeClr val="bg1"/>
+            </a:solidFill>
+            <a:ln>
+              <a:solidFill>
+                <a:schemeClr val="tx1"/>
+              </a:solidFill>
+            </a:ln>
+          </p:spPr>
+          <p:style>
+            <a:lnRef idx="2">
+              <a:schemeClr val="accent1">
+                <a:shade val="50000"/>
+              </a:schemeClr>
+            </a:lnRef>
+            <a:fillRef idx="1">
+              <a:schemeClr val="accent1"/>
+            </a:fillRef>
+            <a:effectRef idx="0">
+              <a:schemeClr val="accent1"/>
+            </a:effectRef>
+            <a:fontRef idx="minor">
+              <a:schemeClr val="lt1"/>
+            </a:fontRef>
+          </p:style>
+          <p:txBody>
+            <a:bodyPr rtlCol="0" anchor="ctr"/>
+            <a:lstStyle/>
+            <a:p>
+              <a:pPr algn="ctr"/>
+              <a:endParaRPr lang="ko-KR" altLang="en-US"/>
+            </a:p>
+          </p:txBody>
+        </p:sp>
+        <p:cxnSp>
+          <p:nvCxnSpPr>
+            <p:cNvPr id="284" name="직선 연결선 283">
+              <a:extLst>
+                <a:ext uri="{FF2B5EF4-FFF2-40B4-BE49-F238E27FC236}">
+                  <a16:creationId xmlns:a16="http://schemas.microsoft.com/office/drawing/2014/main" id="{87C5D05A-B2BF-445F-8827-8E923CD730AB}"/>
+                </a:ext>
+              </a:extLst>
+            </p:cNvPr>
+            <p:cNvCxnSpPr/>
+            <p:nvPr/>
+          </p:nvCxnSpPr>
+          <p:spPr>
+            <a:xfrm>
+              <a:off x="3623074" y="3681028"/>
+              <a:ext cx="216024" cy="0"/>
+            </a:xfrm>
+            <a:prstGeom prst="line">
+              <a:avLst/>
+            </a:prstGeom>
+            <a:ln>
+              <a:solidFill>
+                <a:schemeClr val="tx1"/>
+              </a:solidFill>
+            </a:ln>
+          </p:spPr>
+          <p:style>
+            <a:lnRef idx="1">
+              <a:schemeClr val="accent1"/>
+            </a:lnRef>
+            <a:fillRef idx="0">
+              <a:schemeClr val="accent1"/>
+            </a:fillRef>
+            <a:effectRef idx="0">
+              <a:schemeClr val="accent1"/>
+            </a:effectRef>
+            <a:fontRef idx="minor">
+              <a:schemeClr val="tx1"/>
+            </a:fontRef>
+          </p:style>
+        </p:cxnSp>
+        <p:sp>
+          <p:nvSpPr>
+            <p:cNvPr id="285" name="타원 284">
+              <a:extLst>
+                <a:ext uri="{FF2B5EF4-FFF2-40B4-BE49-F238E27FC236}">
+                  <a16:creationId xmlns:a16="http://schemas.microsoft.com/office/drawing/2014/main" id="{33D4075E-7D1A-49CC-85E0-E84FB4EEA82F}"/>
+                </a:ext>
+              </a:extLst>
+            </p:cNvPr>
+            <p:cNvSpPr/>
+            <p:nvPr/>
+          </p:nvSpPr>
+          <p:spPr>
+            <a:xfrm>
+              <a:off x="4198374" y="3465004"/>
+              <a:ext cx="432048" cy="432048"/>
+            </a:xfrm>
+            <a:prstGeom prst="ellipse">
+              <a:avLst/>
+            </a:prstGeom>
+            <a:solidFill>
+              <a:schemeClr val="bg1"/>
+            </a:solidFill>
+            <a:ln>
+              <a:solidFill>
+                <a:schemeClr val="tx1"/>
+              </a:solidFill>
+            </a:ln>
+          </p:spPr>
+          <p:style>
+            <a:lnRef idx="2">
+              <a:schemeClr val="accent1">
+                <a:shade val="50000"/>
+              </a:schemeClr>
+            </a:lnRef>
+            <a:fillRef idx="1">
+              <a:schemeClr val="accent1"/>
+            </a:fillRef>
+            <a:effectRef idx="0">
+              <a:schemeClr val="accent1"/>
+            </a:effectRef>
+            <a:fontRef idx="minor">
+              <a:schemeClr val="lt1"/>
+            </a:fontRef>
+          </p:style>
+          <p:txBody>
+            <a:bodyPr rtlCol="0" anchor="ctr"/>
+            <a:lstStyle/>
+            <a:p>
+              <a:pPr algn="ctr"/>
+              <a:endParaRPr lang="ko-KR" altLang="en-US"/>
+            </a:p>
+          </p:txBody>
+        </p:sp>
+        <p:cxnSp>
+          <p:nvCxnSpPr>
+            <p:cNvPr id="286" name="직선 연결선 285">
+              <a:extLst>
+                <a:ext uri="{FF2B5EF4-FFF2-40B4-BE49-F238E27FC236}">
+                  <a16:creationId xmlns:a16="http://schemas.microsoft.com/office/drawing/2014/main" id="{85AA8E7F-953F-481B-B1C5-7A6BD1F43422}"/>
+                </a:ext>
+              </a:extLst>
+            </p:cNvPr>
+            <p:cNvCxnSpPr>
+              <a:endCxn id="285" idx="6"/>
+            </p:cNvCxnSpPr>
+            <p:nvPr/>
+          </p:nvCxnSpPr>
+          <p:spPr>
+            <a:xfrm>
+              <a:off x="4414398" y="3681028"/>
+              <a:ext cx="216024" cy="0"/>
+            </a:xfrm>
+            <a:prstGeom prst="line">
+              <a:avLst/>
+            </a:prstGeom>
+            <a:ln>
+              <a:solidFill>
+                <a:schemeClr val="tx1"/>
+              </a:solidFill>
+            </a:ln>
+          </p:spPr>
+          <p:style>
+            <a:lnRef idx="1">
+              <a:schemeClr val="accent1"/>
+            </a:lnRef>
+            <a:fillRef idx="0">
+              <a:schemeClr val="accent1"/>
+            </a:fillRef>
+            <a:effectRef idx="0">
+              <a:schemeClr val="accent1"/>
+            </a:effectRef>
+            <a:fontRef idx="minor">
+              <a:schemeClr val="tx1"/>
+            </a:fontRef>
+          </p:style>
+        </p:cxnSp>
+        <p:sp>
+          <p:nvSpPr>
+            <p:cNvPr id="287" name="타원 286">
+              <a:extLst>
+                <a:ext uri="{FF2B5EF4-FFF2-40B4-BE49-F238E27FC236}">
+                  <a16:creationId xmlns:a16="http://schemas.microsoft.com/office/drawing/2014/main" id="{9CD9ADFE-348A-43A2-96FD-F58F789CB975}"/>
+                </a:ext>
+              </a:extLst>
+            </p:cNvPr>
+            <p:cNvSpPr/>
+            <p:nvPr/>
+          </p:nvSpPr>
+          <p:spPr>
+            <a:xfrm>
+              <a:off x="4773674" y="3465004"/>
+              <a:ext cx="432048" cy="432048"/>
+            </a:xfrm>
+            <a:prstGeom prst="ellipse">
+              <a:avLst/>
+            </a:prstGeom>
+            <a:solidFill>
+              <a:schemeClr val="bg1"/>
+            </a:solidFill>
+            <a:ln>
+              <a:solidFill>
+                <a:schemeClr val="tx1"/>
+              </a:solidFill>
+            </a:ln>
+          </p:spPr>
+          <p:style>
+            <a:lnRef idx="2">
+              <a:schemeClr val="accent1">
+                <a:shade val="50000"/>
+              </a:schemeClr>
+            </a:lnRef>
+            <a:fillRef idx="1">
+              <a:schemeClr val="accent1"/>
+            </a:fillRef>
+            <a:effectRef idx="0">
+              <a:schemeClr val="accent1"/>
+            </a:effectRef>
+            <a:fontRef idx="minor">
+              <a:schemeClr val="lt1"/>
+            </a:fontRef>
+          </p:style>
+          <p:txBody>
+            <a:bodyPr rtlCol="0" anchor="ctr"/>
+            <a:lstStyle/>
+            <a:p>
+              <a:pPr algn="ctr"/>
+              <a:endParaRPr lang="ko-KR" altLang="en-US"/>
+            </a:p>
+          </p:txBody>
+        </p:sp>
+        <p:cxnSp>
+          <p:nvCxnSpPr>
+            <p:cNvPr id="288" name="직선 연결선 287">
+              <a:extLst>
+                <a:ext uri="{FF2B5EF4-FFF2-40B4-BE49-F238E27FC236}">
+                  <a16:creationId xmlns:a16="http://schemas.microsoft.com/office/drawing/2014/main" id="{062749F7-65E2-4FEC-BE06-BA5D3E0E87D4}"/>
+                </a:ext>
+              </a:extLst>
+            </p:cNvPr>
+            <p:cNvCxnSpPr/>
+            <p:nvPr/>
+          </p:nvCxnSpPr>
+          <p:spPr>
+            <a:xfrm>
+              <a:off x="4778261" y="3681028"/>
+              <a:ext cx="216024" cy="0"/>
+            </a:xfrm>
+            <a:prstGeom prst="line">
+              <a:avLst/>
+            </a:prstGeom>
+            <a:ln>
+              <a:solidFill>
+                <a:schemeClr val="tx1"/>
+              </a:solidFill>
+            </a:ln>
+          </p:spPr>
+          <p:style>
+            <a:lnRef idx="1">
+              <a:schemeClr val="accent1"/>
+            </a:lnRef>
+            <a:fillRef idx="0">
+              <a:schemeClr val="accent1"/>
+            </a:fillRef>
+            <a:effectRef idx="0">
+              <a:schemeClr val="accent1"/>
+            </a:effectRef>
+            <a:fontRef idx="minor">
+              <a:schemeClr val="tx1"/>
+            </a:fontRef>
+          </p:style>
+        </p:cxnSp>
+        <p:sp>
+          <p:nvSpPr>
+            <p:cNvPr id="289" name="타원 288">
+              <a:extLst>
+                <a:ext uri="{FF2B5EF4-FFF2-40B4-BE49-F238E27FC236}">
+                  <a16:creationId xmlns:a16="http://schemas.microsoft.com/office/drawing/2014/main" id="{7A268B48-C329-4FF5-BB17-AF2C47C91080}"/>
+                </a:ext>
+              </a:extLst>
+            </p:cNvPr>
+            <p:cNvSpPr/>
+            <p:nvPr/>
+          </p:nvSpPr>
+          <p:spPr>
+            <a:xfrm>
+              <a:off x="1321879" y="3969060"/>
+              <a:ext cx="432048" cy="432048"/>
+            </a:xfrm>
+            <a:prstGeom prst="ellipse">
+              <a:avLst/>
+            </a:prstGeom>
+            <a:solidFill>
+              <a:schemeClr val="bg1"/>
+            </a:solidFill>
+            <a:ln>
+              <a:solidFill>
+                <a:schemeClr val="tx1"/>
+              </a:solidFill>
+            </a:ln>
+          </p:spPr>
+          <p:style>
+            <a:lnRef idx="2">
+              <a:schemeClr val="accent1">
+                <a:shade val="50000"/>
+              </a:schemeClr>
+            </a:lnRef>
+            <a:fillRef idx="1">
+              <a:schemeClr val="accent1"/>
+            </a:fillRef>
+            <a:effectRef idx="0">
+              <a:schemeClr val="accent1"/>
+            </a:effectRef>
+            <a:fontRef idx="minor">
+              <a:schemeClr val="lt1"/>
+            </a:fontRef>
+          </p:style>
+          <p:txBody>
+            <a:bodyPr rtlCol="0" anchor="ctr"/>
+            <a:lstStyle/>
+            <a:p>
+              <a:pPr algn="ctr"/>
+              <a:endParaRPr lang="ko-KR" altLang="en-US"/>
+            </a:p>
+          </p:txBody>
+        </p:sp>
+        <p:cxnSp>
+          <p:nvCxnSpPr>
+            <p:cNvPr id="290" name="직선 연결선 289">
+              <a:extLst>
+                <a:ext uri="{FF2B5EF4-FFF2-40B4-BE49-F238E27FC236}">
+                  <a16:creationId xmlns:a16="http://schemas.microsoft.com/office/drawing/2014/main" id="{EA6E477A-C083-4361-9722-5495A89B3420}"/>
+                </a:ext>
+              </a:extLst>
+            </p:cNvPr>
+            <p:cNvCxnSpPr/>
+            <p:nvPr/>
+          </p:nvCxnSpPr>
+          <p:spPr>
+            <a:xfrm rot="13500000">
+              <a:off x="1353513" y="4108707"/>
+              <a:ext cx="216024" cy="0"/>
+            </a:xfrm>
+            <a:prstGeom prst="line">
+              <a:avLst/>
+            </a:prstGeom>
+            <a:ln>
+              <a:solidFill>
+                <a:schemeClr val="tx1"/>
+              </a:solidFill>
+            </a:ln>
+          </p:spPr>
+          <p:style>
+            <a:lnRef idx="1">
+              <a:schemeClr val="accent1"/>
+            </a:lnRef>
+            <a:fillRef idx="0">
+              <a:schemeClr val="accent1"/>
+            </a:fillRef>
+            <a:effectRef idx="0">
+              <a:schemeClr val="accent1"/>
+            </a:effectRef>
+            <a:fontRef idx="minor">
+              <a:schemeClr val="tx1"/>
+            </a:fontRef>
+          </p:style>
+        </p:cxnSp>
+        <p:sp>
+          <p:nvSpPr>
+            <p:cNvPr id="291" name="타원 290">
+              <a:extLst>
+                <a:ext uri="{FF2B5EF4-FFF2-40B4-BE49-F238E27FC236}">
+                  <a16:creationId xmlns:a16="http://schemas.microsoft.com/office/drawing/2014/main" id="{4389B5CE-2B97-44AD-AD28-3A554CCC1711}"/>
+                </a:ext>
+              </a:extLst>
+            </p:cNvPr>
+            <p:cNvSpPr/>
+            <p:nvPr/>
+          </p:nvSpPr>
+          <p:spPr>
+            <a:xfrm>
+              <a:off x="1896769" y="3969060"/>
+              <a:ext cx="432048" cy="432048"/>
+            </a:xfrm>
+            <a:prstGeom prst="ellipse">
+              <a:avLst/>
+            </a:prstGeom>
+            <a:solidFill>
+              <a:schemeClr val="bg1"/>
+            </a:solidFill>
+            <a:ln>
+              <a:solidFill>
+                <a:schemeClr val="tx1"/>
+              </a:solidFill>
+            </a:ln>
+          </p:spPr>
+          <p:style>
+            <a:lnRef idx="2">
+              <a:schemeClr val="accent1">
+                <a:shade val="50000"/>
+              </a:schemeClr>
+            </a:lnRef>
+            <a:fillRef idx="1">
+              <a:schemeClr val="accent1"/>
+            </a:fillRef>
+            <a:effectRef idx="0">
+              <a:schemeClr val="accent1"/>
+            </a:effectRef>
+            <a:fontRef idx="minor">
+              <a:schemeClr val="lt1"/>
+            </a:fontRef>
+          </p:style>
+          <p:txBody>
+            <a:bodyPr rtlCol="0" anchor="ctr"/>
+            <a:lstStyle/>
+            <a:p>
+              <a:pPr algn="ctr"/>
+              <a:endParaRPr lang="ko-KR" altLang="en-US"/>
+            </a:p>
+          </p:txBody>
+        </p:sp>
+        <p:cxnSp>
+          <p:nvCxnSpPr>
+            <p:cNvPr id="292" name="직선 연결선 291">
+              <a:extLst>
+                <a:ext uri="{FF2B5EF4-FFF2-40B4-BE49-F238E27FC236}">
+                  <a16:creationId xmlns:a16="http://schemas.microsoft.com/office/drawing/2014/main" id="{81915C28-1A01-472F-A22F-CA62148873B5}"/>
+                </a:ext>
+              </a:extLst>
+            </p:cNvPr>
+            <p:cNvCxnSpPr/>
+            <p:nvPr/>
+          </p:nvCxnSpPr>
+          <p:spPr>
+            <a:xfrm rot="5400000">
+              <a:off x="2004780" y="4293096"/>
+              <a:ext cx="216024" cy="0"/>
+            </a:xfrm>
+            <a:prstGeom prst="line">
+              <a:avLst/>
+            </a:prstGeom>
+            <a:ln>
+              <a:solidFill>
+                <a:schemeClr val="tx1"/>
+              </a:solidFill>
+            </a:ln>
+          </p:spPr>
+          <p:style>
+            <a:lnRef idx="1">
+              <a:schemeClr val="accent1"/>
+            </a:lnRef>
+            <a:fillRef idx="0">
+              <a:schemeClr val="accent1"/>
+            </a:fillRef>
+            <a:effectRef idx="0">
+              <a:schemeClr val="accent1"/>
+            </a:effectRef>
+            <a:fontRef idx="minor">
+              <a:schemeClr val="tx1"/>
+            </a:fontRef>
+          </p:style>
+        </p:cxnSp>
+        <p:sp>
+          <p:nvSpPr>
+            <p:cNvPr id="293" name="타원 292">
+              <a:extLst>
+                <a:ext uri="{FF2B5EF4-FFF2-40B4-BE49-F238E27FC236}">
+                  <a16:creationId xmlns:a16="http://schemas.microsoft.com/office/drawing/2014/main" id="{0D229F4F-5C6E-4E36-9F9A-C11A05670600}"/>
+                </a:ext>
+              </a:extLst>
+            </p:cNvPr>
+            <p:cNvSpPr/>
+            <p:nvPr/>
+          </p:nvSpPr>
+          <p:spPr>
+            <a:xfrm>
+              <a:off x="2472477" y="3969060"/>
+              <a:ext cx="432048" cy="432048"/>
+            </a:xfrm>
+            <a:prstGeom prst="ellipse">
+              <a:avLst/>
+            </a:prstGeom>
+            <a:solidFill>
+              <a:schemeClr val="bg1"/>
+            </a:solidFill>
+            <a:ln>
+              <a:solidFill>
+                <a:schemeClr val="tx1"/>
+              </a:solidFill>
+            </a:ln>
+          </p:spPr>
+          <p:style>
+            <a:lnRef idx="2">
+              <a:schemeClr val="accent1">
+                <a:shade val="50000"/>
+              </a:schemeClr>
+            </a:lnRef>
+            <a:fillRef idx="1">
+              <a:schemeClr val="accent1"/>
+            </a:fillRef>
+            <a:effectRef idx="0">
+              <a:schemeClr val="accent1"/>
+            </a:effectRef>
+            <a:fontRef idx="minor">
+              <a:schemeClr val="lt1"/>
+            </a:fontRef>
+          </p:style>
+          <p:txBody>
+            <a:bodyPr rtlCol="0" anchor="ctr"/>
+            <a:lstStyle/>
+            <a:p>
+              <a:pPr algn="ctr"/>
+              <a:endParaRPr lang="ko-KR" altLang="en-US"/>
+            </a:p>
+          </p:txBody>
+        </p:sp>
+        <p:cxnSp>
+          <p:nvCxnSpPr>
+            <p:cNvPr id="294" name="직선 연결선 293">
+              <a:extLst>
+                <a:ext uri="{FF2B5EF4-FFF2-40B4-BE49-F238E27FC236}">
+                  <a16:creationId xmlns:a16="http://schemas.microsoft.com/office/drawing/2014/main" id="{45D9CFC2-CD8A-40B5-A7D3-E38BA5BE84FC}"/>
+                </a:ext>
+              </a:extLst>
+            </p:cNvPr>
+            <p:cNvCxnSpPr/>
+            <p:nvPr/>
+          </p:nvCxnSpPr>
+          <p:spPr>
+            <a:xfrm rot="18900000">
+              <a:off x="2660880" y="4108707"/>
+              <a:ext cx="216024" cy="0"/>
+            </a:xfrm>
+            <a:prstGeom prst="line">
+              <a:avLst/>
+            </a:prstGeom>
+            <a:ln>
+              <a:solidFill>
+                <a:schemeClr val="tx1"/>
+              </a:solidFill>
+            </a:ln>
+          </p:spPr>
+          <p:style>
+            <a:lnRef idx="1">
+              <a:schemeClr val="accent1"/>
+            </a:lnRef>
+            <a:fillRef idx="0">
+              <a:schemeClr val="accent1"/>
+            </a:fillRef>
+            <a:effectRef idx="0">
+              <a:schemeClr val="accent1"/>
+            </a:effectRef>
+            <a:fontRef idx="minor">
+              <a:schemeClr val="tx1"/>
+            </a:fontRef>
+          </p:style>
+        </p:cxnSp>
+        <p:sp>
+          <p:nvSpPr>
+            <p:cNvPr id="295" name="타원 294">
+              <a:extLst>
+                <a:ext uri="{FF2B5EF4-FFF2-40B4-BE49-F238E27FC236}">
+                  <a16:creationId xmlns:a16="http://schemas.microsoft.com/office/drawing/2014/main" id="{EAE380D4-E230-4648-BECE-22A2F7091965}"/>
+                </a:ext>
+              </a:extLst>
+            </p:cNvPr>
+            <p:cNvSpPr/>
+            <p:nvPr/>
+          </p:nvSpPr>
+          <p:spPr>
+            <a:xfrm>
+              <a:off x="3047776" y="3969060"/>
+              <a:ext cx="432048" cy="432048"/>
+            </a:xfrm>
+            <a:prstGeom prst="ellipse">
+              <a:avLst/>
+            </a:prstGeom>
+            <a:solidFill>
+              <a:schemeClr val="bg1"/>
+            </a:solidFill>
+            <a:ln>
+              <a:solidFill>
+                <a:schemeClr val="tx1"/>
+              </a:solidFill>
+            </a:ln>
+          </p:spPr>
+          <p:style>
+            <a:lnRef idx="2">
+              <a:schemeClr val="accent1">
+                <a:shade val="50000"/>
+              </a:schemeClr>
+            </a:lnRef>
+            <a:fillRef idx="1">
+              <a:schemeClr val="accent1"/>
+            </a:fillRef>
+            <a:effectRef idx="0">
+              <a:schemeClr val="accent1"/>
+            </a:effectRef>
+            <a:fontRef idx="minor">
+              <a:schemeClr val="lt1"/>
+            </a:fontRef>
+          </p:style>
+          <p:txBody>
+            <a:bodyPr rtlCol="0" anchor="ctr"/>
+            <a:lstStyle/>
+            <a:p>
+              <a:pPr algn="ctr"/>
+              <a:endParaRPr lang="ko-KR" altLang="en-US"/>
+            </a:p>
+          </p:txBody>
+        </p:sp>
+        <p:cxnSp>
+          <p:nvCxnSpPr>
+            <p:cNvPr id="296" name="직선 연결선 295">
+              <a:extLst>
+                <a:ext uri="{FF2B5EF4-FFF2-40B4-BE49-F238E27FC236}">
+                  <a16:creationId xmlns:a16="http://schemas.microsoft.com/office/drawing/2014/main" id="{36B550D5-B5FA-4336-A7C5-BE0182782331}"/>
+                </a:ext>
+              </a:extLst>
+            </p:cNvPr>
+            <p:cNvCxnSpPr/>
+            <p:nvPr/>
+          </p:nvCxnSpPr>
+          <p:spPr>
+            <a:xfrm>
+              <a:off x="3047776" y="4185084"/>
+              <a:ext cx="216024" cy="0"/>
+            </a:xfrm>
+            <a:prstGeom prst="line">
+              <a:avLst/>
+            </a:prstGeom>
+            <a:ln>
+              <a:solidFill>
+                <a:schemeClr val="tx1"/>
+              </a:solidFill>
+            </a:ln>
+          </p:spPr>
+          <p:style>
+            <a:lnRef idx="1">
+              <a:schemeClr val="accent1"/>
+            </a:lnRef>
+            <a:fillRef idx="0">
+              <a:schemeClr val="accent1"/>
+            </a:fillRef>
+            <a:effectRef idx="0">
+              <a:schemeClr val="accent1"/>
+            </a:effectRef>
+            <a:fontRef idx="minor">
+              <a:schemeClr val="tx1"/>
+            </a:fontRef>
+          </p:style>
+        </p:cxnSp>
+        <p:sp>
+          <p:nvSpPr>
+            <p:cNvPr id="297" name="타원 296">
+              <a:extLst>
+                <a:ext uri="{FF2B5EF4-FFF2-40B4-BE49-F238E27FC236}">
+                  <a16:creationId xmlns:a16="http://schemas.microsoft.com/office/drawing/2014/main" id="{58300EBD-4A7C-4917-A1D7-24B0B31E7A8B}"/>
+                </a:ext>
+              </a:extLst>
+            </p:cNvPr>
+            <p:cNvSpPr/>
+            <p:nvPr/>
+          </p:nvSpPr>
+          <p:spPr>
+            <a:xfrm>
+              <a:off x="3623075" y="3969060"/>
+              <a:ext cx="432048" cy="432048"/>
+            </a:xfrm>
+            <a:prstGeom prst="ellipse">
+              <a:avLst/>
+            </a:prstGeom>
+            <a:solidFill>
+              <a:schemeClr val="bg1"/>
+            </a:solidFill>
+            <a:ln>
+              <a:solidFill>
+                <a:schemeClr val="tx1"/>
+              </a:solidFill>
+            </a:ln>
+          </p:spPr>
+          <p:style>
+            <a:lnRef idx="2">
+              <a:schemeClr val="accent1">
+                <a:shade val="50000"/>
+              </a:schemeClr>
+            </a:lnRef>
+            <a:fillRef idx="1">
+              <a:schemeClr val="accent1"/>
+            </a:fillRef>
+            <a:effectRef idx="0">
+              <a:schemeClr val="accent1"/>
+            </a:effectRef>
+            <a:fontRef idx="minor">
+              <a:schemeClr val="lt1"/>
+            </a:fontRef>
+          </p:style>
+          <p:txBody>
+            <a:bodyPr rtlCol="0" anchor="ctr"/>
+            <a:lstStyle/>
+            <a:p>
+              <a:pPr algn="ctr"/>
+              <a:endParaRPr lang="ko-KR" altLang="en-US"/>
+            </a:p>
+          </p:txBody>
+        </p:sp>
+        <p:sp>
+          <p:nvSpPr>
+            <p:cNvPr id="298" name="타원 297">
+              <a:extLst>
+                <a:ext uri="{FF2B5EF4-FFF2-40B4-BE49-F238E27FC236}">
+                  <a16:creationId xmlns:a16="http://schemas.microsoft.com/office/drawing/2014/main" id="{4D278CA0-E6D6-4CD0-A424-F04A2103F0C3}"/>
+                </a:ext>
+              </a:extLst>
+            </p:cNvPr>
+            <p:cNvSpPr/>
+            <p:nvPr/>
+          </p:nvSpPr>
+          <p:spPr>
+            <a:xfrm>
+              <a:off x="4198374" y="3969060"/>
+              <a:ext cx="432048" cy="432048"/>
+            </a:xfrm>
+            <a:prstGeom prst="ellipse">
+              <a:avLst/>
+            </a:prstGeom>
+            <a:solidFill>
+              <a:schemeClr val="bg1"/>
+            </a:solidFill>
+            <a:ln>
+              <a:solidFill>
+                <a:schemeClr val="tx1"/>
+              </a:solidFill>
+            </a:ln>
+          </p:spPr>
+          <p:style>
+            <a:lnRef idx="2">
+              <a:schemeClr val="accent1">
+                <a:shade val="50000"/>
+              </a:schemeClr>
+            </a:lnRef>
+            <a:fillRef idx="1">
+              <a:schemeClr val="accent1"/>
+            </a:fillRef>
+            <a:effectRef idx="0">
+              <a:schemeClr val="accent1"/>
+            </a:effectRef>
+            <a:fontRef idx="minor">
+              <a:schemeClr val="lt1"/>
+            </a:fontRef>
+          </p:style>
+          <p:txBody>
+            <a:bodyPr rtlCol="0" anchor="ctr"/>
+            <a:lstStyle/>
+            <a:p>
+              <a:pPr algn="ctr"/>
+              <a:endParaRPr lang="ko-KR" altLang="en-US"/>
+            </a:p>
+          </p:txBody>
+        </p:sp>
+        <p:sp>
+          <p:nvSpPr>
+            <p:cNvPr id="299" name="타원 298">
+              <a:extLst>
+                <a:ext uri="{FF2B5EF4-FFF2-40B4-BE49-F238E27FC236}">
+                  <a16:creationId xmlns:a16="http://schemas.microsoft.com/office/drawing/2014/main" id="{A64CDE1E-73FE-4993-B1DC-A0EB4F75EA40}"/>
+                </a:ext>
+              </a:extLst>
+            </p:cNvPr>
+            <p:cNvSpPr/>
+            <p:nvPr/>
+          </p:nvSpPr>
+          <p:spPr>
+            <a:xfrm>
+              <a:off x="4773674" y="3969060"/>
+              <a:ext cx="432048" cy="432048"/>
+            </a:xfrm>
+            <a:prstGeom prst="ellipse">
+              <a:avLst/>
+            </a:prstGeom>
+            <a:solidFill>
+              <a:schemeClr val="bg1"/>
+            </a:solidFill>
+            <a:ln>
+              <a:solidFill>
+                <a:schemeClr val="tx1"/>
+              </a:solidFill>
+            </a:ln>
+          </p:spPr>
+          <p:style>
+            <a:lnRef idx="2">
+              <a:schemeClr val="accent1">
+                <a:shade val="50000"/>
+              </a:schemeClr>
+            </a:lnRef>
+            <a:fillRef idx="1">
+              <a:schemeClr val="accent1"/>
+            </a:fillRef>
+            <a:effectRef idx="0">
+              <a:schemeClr val="accent1"/>
+            </a:effectRef>
+            <a:fontRef idx="minor">
+              <a:schemeClr val="lt1"/>
+            </a:fontRef>
+          </p:style>
+          <p:txBody>
+            <a:bodyPr rtlCol="0" anchor="ctr"/>
+            <a:lstStyle/>
+            <a:p>
+              <a:pPr algn="ctr"/>
+              <a:endParaRPr lang="ko-KR" altLang="en-US"/>
+            </a:p>
+          </p:txBody>
+        </p:sp>
+        <p:sp>
+          <p:nvSpPr>
+            <p:cNvPr id="300" name="타원 299">
+              <a:extLst>
+                <a:ext uri="{FF2B5EF4-FFF2-40B4-BE49-F238E27FC236}">
+                  <a16:creationId xmlns:a16="http://schemas.microsoft.com/office/drawing/2014/main" id="{992D5CB0-8242-4CBB-B3B8-122003D2DC50}"/>
+                </a:ext>
+              </a:extLst>
+            </p:cNvPr>
+            <p:cNvSpPr/>
+            <p:nvPr/>
+          </p:nvSpPr>
+          <p:spPr>
+            <a:xfrm>
+              <a:off x="1321879" y="4519484"/>
+              <a:ext cx="432048" cy="432048"/>
+            </a:xfrm>
+            <a:prstGeom prst="ellipse">
+              <a:avLst/>
+            </a:prstGeom>
+            <a:solidFill>
+              <a:schemeClr val="bg1"/>
+            </a:solidFill>
+            <a:ln>
+              <a:solidFill>
+                <a:schemeClr val="tx1"/>
+              </a:solidFill>
+            </a:ln>
+          </p:spPr>
+          <p:style>
+            <a:lnRef idx="2">
+              <a:schemeClr val="accent1">
+                <a:shade val="50000"/>
+              </a:schemeClr>
+            </a:lnRef>
+            <a:fillRef idx="1">
+              <a:schemeClr val="accent1"/>
+            </a:fillRef>
+            <a:effectRef idx="0">
+              <a:schemeClr val="accent1"/>
+            </a:effectRef>
+            <a:fontRef idx="minor">
+              <a:schemeClr val="lt1"/>
+            </a:fontRef>
+          </p:style>
+          <p:txBody>
+            <a:bodyPr rtlCol="0" anchor="ctr"/>
+            <a:lstStyle/>
+            <a:p>
+              <a:pPr algn="ctr"/>
+              <a:endParaRPr lang="ko-KR" altLang="en-US"/>
+            </a:p>
+          </p:txBody>
+        </p:sp>
+        <p:cxnSp>
+          <p:nvCxnSpPr>
+            <p:cNvPr id="301" name="직선 연결선 300">
+              <a:extLst>
+                <a:ext uri="{FF2B5EF4-FFF2-40B4-BE49-F238E27FC236}">
+                  <a16:creationId xmlns:a16="http://schemas.microsoft.com/office/drawing/2014/main" id="{5E5AE30C-8B5E-4BDC-95CD-51D7A8E849F5}"/>
+                </a:ext>
+              </a:extLst>
+            </p:cNvPr>
+            <p:cNvCxnSpPr/>
+            <p:nvPr/>
+          </p:nvCxnSpPr>
+          <p:spPr>
+            <a:xfrm rot="16200000">
+              <a:off x="1430064" y="4627496"/>
+              <a:ext cx="216024" cy="0"/>
+            </a:xfrm>
+            <a:prstGeom prst="line">
+              <a:avLst/>
+            </a:prstGeom>
+            <a:ln>
+              <a:solidFill>
+                <a:schemeClr val="tx1"/>
+              </a:solidFill>
+            </a:ln>
+          </p:spPr>
+          <p:style>
+            <a:lnRef idx="1">
+              <a:schemeClr val="accent1"/>
+            </a:lnRef>
+            <a:fillRef idx="0">
+              <a:schemeClr val="accent1"/>
+            </a:fillRef>
+            <a:effectRef idx="0">
+              <a:schemeClr val="accent1"/>
+            </a:effectRef>
+            <a:fontRef idx="minor">
+              <a:schemeClr val="tx1"/>
+            </a:fontRef>
+          </p:style>
+        </p:cxnSp>
+        <p:sp>
+          <p:nvSpPr>
+            <p:cNvPr id="302" name="타원 301">
+              <a:extLst>
+                <a:ext uri="{FF2B5EF4-FFF2-40B4-BE49-F238E27FC236}">
+                  <a16:creationId xmlns:a16="http://schemas.microsoft.com/office/drawing/2014/main" id="{1A89A5F0-9439-4399-AB5B-9B50E6552FCE}"/>
+                </a:ext>
+              </a:extLst>
+            </p:cNvPr>
+            <p:cNvSpPr/>
+            <p:nvPr/>
+          </p:nvSpPr>
+          <p:spPr>
+            <a:xfrm>
+              <a:off x="1896769" y="4519484"/>
+              <a:ext cx="432048" cy="432048"/>
+            </a:xfrm>
+            <a:prstGeom prst="ellipse">
+              <a:avLst/>
+            </a:prstGeom>
+            <a:solidFill>
+              <a:schemeClr val="bg1"/>
+            </a:solidFill>
+            <a:ln>
+              <a:solidFill>
+                <a:schemeClr val="tx1"/>
+              </a:solidFill>
+            </a:ln>
+          </p:spPr>
+          <p:style>
+            <a:lnRef idx="2">
+              <a:schemeClr val="accent1">
+                <a:shade val="50000"/>
+              </a:schemeClr>
+            </a:lnRef>
+            <a:fillRef idx="1">
+              <a:schemeClr val="accent1"/>
+            </a:fillRef>
+            <a:effectRef idx="0">
+              <a:schemeClr val="accent1"/>
+            </a:effectRef>
+            <a:fontRef idx="minor">
+              <a:schemeClr val="lt1"/>
+            </a:fontRef>
+          </p:style>
+          <p:txBody>
+            <a:bodyPr rtlCol="0" anchor="ctr"/>
+            <a:lstStyle/>
+            <a:p>
+              <a:pPr algn="ctr"/>
+              <a:endParaRPr lang="ko-KR" altLang="en-US"/>
+            </a:p>
+          </p:txBody>
+        </p:sp>
+        <p:sp>
+          <p:nvSpPr>
+            <p:cNvPr id="303" name="타원 302">
+              <a:extLst>
+                <a:ext uri="{FF2B5EF4-FFF2-40B4-BE49-F238E27FC236}">
+                  <a16:creationId xmlns:a16="http://schemas.microsoft.com/office/drawing/2014/main" id="{2B529985-8639-4D96-92A9-95280543ABE3}"/>
+                </a:ext>
+              </a:extLst>
+            </p:cNvPr>
+            <p:cNvSpPr/>
+            <p:nvPr/>
+          </p:nvSpPr>
+          <p:spPr>
+            <a:xfrm>
+              <a:off x="2472477" y="4519484"/>
+              <a:ext cx="432048" cy="432048"/>
+            </a:xfrm>
+            <a:prstGeom prst="ellipse">
+              <a:avLst/>
+            </a:prstGeom>
+            <a:solidFill>
+              <a:schemeClr val="bg1"/>
+            </a:solidFill>
+            <a:ln>
+              <a:solidFill>
+                <a:schemeClr val="tx1"/>
+              </a:solidFill>
+            </a:ln>
+          </p:spPr>
+          <p:style>
+            <a:lnRef idx="2">
+              <a:schemeClr val="accent1">
+                <a:shade val="50000"/>
+              </a:schemeClr>
+            </a:lnRef>
+            <a:fillRef idx="1">
+              <a:schemeClr val="accent1"/>
+            </a:fillRef>
+            <a:effectRef idx="0">
+              <a:schemeClr val="accent1"/>
+            </a:effectRef>
+            <a:fontRef idx="minor">
+              <a:schemeClr val="lt1"/>
+            </a:fontRef>
+          </p:style>
+          <p:txBody>
+            <a:bodyPr rtlCol="0" anchor="ctr"/>
+            <a:lstStyle/>
+            <a:p>
+              <a:pPr algn="ctr"/>
+              <a:endParaRPr lang="ko-KR" altLang="en-US"/>
+            </a:p>
+          </p:txBody>
+        </p:sp>
+        <p:sp>
+          <p:nvSpPr>
+            <p:cNvPr id="304" name="타원 303">
+              <a:extLst>
+                <a:ext uri="{FF2B5EF4-FFF2-40B4-BE49-F238E27FC236}">
+                  <a16:creationId xmlns:a16="http://schemas.microsoft.com/office/drawing/2014/main" id="{84500106-B525-4C77-9367-2B85D3E3692D}"/>
+                </a:ext>
+              </a:extLst>
+            </p:cNvPr>
+            <p:cNvSpPr/>
+            <p:nvPr/>
+          </p:nvSpPr>
+          <p:spPr>
+            <a:xfrm>
+              <a:off x="3047776" y="4519484"/>
+              <a:ext cx="432048" cy="432048"/>
+            </a:xfrm>
+            <a:prstGeom prst="ellipse">
+              <a:avLst/>
+            </a:prstGeom>
+            <a:solidFill>
+              <a:schemeClr val="bg1"/>
+            </a:solidFill>
+            <a:ln>
+              <a:solidFill>
+                <a:schemeClr val="tx1"/>
+              </a:solidFill>
+            </a:ln>
+          </p:spPr>
+          <p:style>
+            <a:lnRef idx="2">
+              <a:schemeClr val="accent1">
+                <a:shade val="50000"/>
+              </a:schemeClr>
+            </a:lnRef>
+            <a:fillRef idx="1">
+              <a:schemeClr val="accent1"/>
+            </a:fillRef>
+            <a:effectRef idx="0">
+              <a:schemeClr val="accent1"/>
+            </a:effectRef>
+            <a:fontRef idx="minor">
+              <a:schemeClr val="lt1"/>
+            </a:fontRef>
+          </p:style>
+          <p:txBody>
+            <a:bodyPr rtlCol="0" anchor="ctr"/>
+            <a:lstStyle/>
+            <a:p>
+              <a:pPr algn="ctr"/>
+              <a:endParaRPr lang="ko-KR" altLang="en-US"/>
+            </a:p>
+          </p:txBody>
+        </p:sp>
+        <p:cxnSp>
+          <p:nvCxnSpPr>
+            <p:cNvPr id="305" name="직선 연결선 304">
+              <a:extLst>
+                <a:ext uri="{FF2B5EF4-FFF2-40B4-BE49-F238E27FC236}">
+                  <a16:creationId xmlns:a16="http://schemas.microsoft.com/office/drawing/2014/main" id="{419DC6F5-3C08-473F-A213-0E535EDB2904}"/>
+                </a:ext>
+              </a:extLst>
+            </p:cNvPr>
+            <p:cNvCxnSpPr>
+              <a:endCxn id="304" idx="6"/>
+            </p:cNvCxnSpPr>
+            <p:nvPr/>
+          </p:nvCxnSpPr>
+          <p:spPr>
+            <a:xfrm>
+              <a:off x="3263800" y="4735508"/>
+              <a:ext cx="216024" cy="0"/>
+            </a:xfrm>
+            <a:prstGeom prst="line">
+              <a:avLst/>
+            </a:prstGeom>
+            <a:ln>
+              <a:solidFill>
+                <a:schemeClr val="tx1"/>
+              </a:solidFill>
+            </a:ln>
+          </p:spPr>
+          <p:style>
+            <a:lnRef idx="1">
+              <a:schemeClr val="accent1"/>
+            </a:lnRef>
+            <a:fillRef idx="0">
+              <a:schemeClr val="accent1"/>
+            </a:fillRef>
+            <a:effectRef idx="0">
+              <a:schemeClr val="accent1"/>
+            </a:effectRef>
+            <a:fontRef idx="minor">
+              <a:schemeClr val="tx1"/>
+            </a:fontRef>
+          </p:style>
+        </p:cxnSp>
+        <p:sp>
+          <p:nvSpPr>
+            <p:cNvPr id="306" name="타원 305">
+              <a:extLst>
+                <a:ext uri="{FF2B5EF4-FFF2-40B4-BE49-F238E27FC236}">
+                  <a16:creationId xmlns:a16="http://schemas.microsoft.com/office/drawing/2014/main" id="{4AC49637-8E46-49D9-8134-721095916950}"/>
+                </a:ext>
+              </a:extLst>
+            </p:cNvPr>
+            <p:cNvSpPr/>
+            <p:nvPr/>
+          </p:nvSpPr>
+          <p:spPr>
+            <a:xfrm>
+              <a:off x="3623075" y="4519484"/>
+              <a:ext cx="432048" cy="432048"/>
+            </a:xfrm>
+            <a:prstGeom prst="ellipse">
+              <a:avLst/>
+            </a:prstGeom>
+            <a:solidFill>
+              <a:schemeClr val="bg1"/>
+            </a:solidFill>
+            <a:ln>
+              <a:solidFill>
+                <a:schemeClr val="tx1"/>
+              </a:solidFill>
+            </a:ln>
+          </p:spPr>
+          <p:style>
+            <a:lnRef idx="2">
+              <a:schemeClr val="accent1">
+                <a:shade val="50000"/>
+              </a:schemeClr>
+            </a:lnRef>
+            <a:fillRef idx="1">
+              <a:schemeClr val="accent1"/>
+            </a:fillRef>
+            <a:effectRef idx="0">
+              <a:schemeClr val="accent1"/>
+            </a:effectRef>
+            <a:fontRef idx="minor">
+              <a:schemeClr val="lt1"/>
+            </a:fontRef>
+          </p:style>
+          <p:txBody>
+            <a:bodyPr rtlCol="0" anchor="ctr"/>
+            <a:lstStyle/>
+            <a:p>
+              <a:pPr algn="ctr"/>
+              <a:endParaRPr lang="ko-KR" altLang="en-US"/>
+            </a:p>
+          </p:txBody>
+        </p:sp>
+        <p:sp>
+          <p:nvSpPr>
+            <p:cNvPr id="307" name="타원 306">
+              <a:extLst>
+                <a:ext uri="{FF2B5EF4-FFF2-40B4-BE49-F238E27FC236}">
+                  <a16:creationId xmlns:a16="http://schemas.microsoft.com/office/drawing/2014/main" id="{5F1C0B9E-31EF-4AF0-A76C-59005C55B14D}"/>
+                </a:ext>
+              </a:extLst>
+            </p:cNvPr>
+            <p:cNvSpPr/>
+            <p:nvPr/>
+          </p:nvSpPr>
+          <p:spPr>
+            <a:xfrm>
+              <a:off x="4198374" y="4519484"/>
+              <a:ext cx="432048" cy="432048"/>
+            </a:xfrm>
+            <a:prstGeom prst="ellipse">
+              <a:avLst/>
+            </a:prstGeom>
+            <a:solidFill>
+              <a:schemeClr val="bg1"/>
+            </a:solidFill>
+            <a:ln>
+              <a:solidFill>
+                <a:schemeClr val="tx1"/>
+              </a:solidFill>
+            </a:ln>
+          </p:spPr>
+          <p:style>
+            <a:lnRef idx="2">
+              <a:schemeClr val="accent1">
+                <a:shade val="50000"/>
+              </a:schemeClr>
+            </a:lnRef>
+            <a:fillRef idx="1">
+              <a:schemeClr val="accent1"/>
+            </a:fillRef>
+            <a:effectRef idx="0">
+              <a:schemeClr val="accent1"/>
+            </a:effectRef>
+            <a:fontRef idx="minor">
+              <a:schemeClr val="lt1"/>
+            </a:fontRef>
+          </p:style>
+          <p:txBody>
+            <a:bodyPr rtlCol="0" anchor="ctr"/>
+            <a:lstStyle/>
+            <a:p>
+              <a:pPr algn="ctr"/>
+              <a:endParaRPr lang="ko-KR" altLang="en-US"/>
+            </a:p>
+          </p:txBody>
+        </p:sp>
+        <p:cxnSp>
+          <p:nvCxnSpPr>
+            <p:cNvPr id="308" name="직선 연결선 307">
+              <a:extLst>
+                <a:ext uri="{FF2B5EF4-FFF2-40B4-BE49-F238E27FC236}">
+                  <a16:creationId xmlns:a16="http://schemas.microsoft.com/office/drawing/2014/main" id="{759BA092-9117-4B28-89F9-27326CE98E2B}"/>
+                </a:ext>
+              </a:extLst>
+            </p:cNvPr>
+            <p:cNvCxnSpPr/>
+            <p:nvPr/>
+          </p:nvCxnSpPr>
+          <p:spPr>
+            <a:xfrm>
+              <a:off x="4198118" y="4735508"/>
+              <a:ext cx="216024" cy="0"/>
+            </a:xfrm>
+            <a:prstGeom prst="line">
+              <a:avLst/>
+            </a:prstGeom>
+            <a:ln>
+              <a:solidFill>
+                <a:schemeClr val="tx1"/>
+              </a:solidFill>
+            </a:ln>
+          </p:spPr>
+          <p:style>
+            <a:lnRef idx="1">
+              <a:schemeClr val="accent1"/>
+            </a:lnRef>
+            <a:fillRef idx="0">
+              <a:schemeClr val="accent1"/>
+            </a:fillRef>
+            <a:effectRef idx="0">
+              <a:schemeClr val="accent1"/>
+            </a:effectRef>
+            <a:fontRef idx="minor">
+              <a:schemeClr val="tx1"/>
+            </a:fontRef>
+          </p:style>
+        </p:cxnSp>
+        <p:sp>
+          <p:nvSpPr>
+            <p:cNvPr id="309" name="타원 308">
+              <a:extLst>
+                <a:ext uri="{FF2B5EF4-FFF2-40B4-BE49-F238E27FC236}">
+                  <a16:creationId xmlns:a16="http://schemas.microsoft.com/office/drawing/2014/main" id="{FB1BD399-72A9-4AC9-AE09-D13B8F6386E7}"/>
+                </a:ext>
+              </a:extLst>
+            </p:cNvPr>
+            <p:cNvSpPr/>
+            <p:nvPr/>
+          </p:nvSpPr>
+          <p:spPr>
+            <a:xfrm>
+              <a:off x="4773674" y="4519484"/>
+              <a:ext cx="432048" cy="432048"/>
+            </a:xfrm>
+            <a:prstGeom prst="ellipse">
+              <a:avLst/>
+            </a:prstGeom>
+            <a:solidFill>
+              <a:schemeClr val="bg1"/>
+            </a:solidFill>
+            <a:ln>
+              <a:solidFill>
+                <a:schemeClr val="tx1"/>
+              </a:solidFill>
+            </a:ln>
+          </p:spPr>
+          <p:style>
+            <a:lnRef idx="2">
+              <a:schemeClr val="accent1">
+                <a:shade val="50000"/>
+              </a:schemeClr>
+            </a:lnRef>
+            <a:fillRef idx="1">
+              <a:schemeClr val="accent1"/>
+            </a:fillRef>
+            <a:effectRef idx="0">
+              <a:schemeClr val="accent1"/>
+            </a:effectRef>
+            <a:fontRef idx="minor">
+              <a:schemeClr val="lt1"/>
+            </a:fontRef>
+          </p:style>
+          <p:txBody>
+            <a:bodyPr rtlCol="0" anchor="ctr"/>
+            <a:lstStyle/>
+            <a:p>
+              <a:pPr algn="ctr"/>
+              <a:endParaRPr lang="ko-KR" altLang="en-US"/>
+            </a:p>
+          </p:txBody>
+        </p:sp>
+        <p:sp>
+          <p:nvSpPr>
+            <p:cNvPr id="310" name="타원 309">
+              <a:extLst>
+                <a:ext uri="{FF2B5EF4-FFF2-40B4-BE49-F238E27FC236}">
+                  <a16:creationId xmlns:a16="http://schemas.microsoft.com/office/drawing/2014/main" id="{07D674FD-D4DA-43FE-B37C-4F2E786BDFA1}"/>
+                </a:ext>
+              </a:extLst>
+            </p:cNvPr>
+            <p:cNvSpPr/>
+            <p:nvPr/>
+          </p:nvSpPr>
+          <p:spPr>
+            <a:xfrm>
+              <a:off x="1321879" y="5023540"/>
+              <a:ext cx="432048" cy="432048"/>
+            </a:xfrm>
+            <a:prstGeom prst="ellipse">
+              <a:avLst/>
+            </a:prstGeom>
+            <a:solidFill>
+              <a:schemeClr val="bg1"/>
+            </a:solidFill>
+            <a:ln>
+              <a:solidFill>
+                <a:schemeClr val="tx1"/>
+              </a:solidFill>
+            </a:ln>
+          </p:spPr>
+          <p:style>
+            <a:lnRef idx="2">
+              <a:schemeClr val="accent1">
+                <a:shade val="50000"/>
+              </a:schemeClr>
+            </a:lnRef>
+            <a:fillRef idx="1">
+              <a:schemeClr val="accent1"/>
+            </a:fillRef>
+            <a:effectRef idx="0">
+              <a:schemeClr val="accent1"/>
+            </a:effectRef>
+            <a:fontRef idx="minor">
+              <a:schemeClr val="lt1"/>
+            </a:fontRef>
+          </p:style>
+          <p:txBody>
+            <a:bodyPr rtlCol="0" anchor="ctr"/>
+            <a:lstStyle/>
+            <a:p>
+              <a:pPr algn="ctr"/>
+              <a:endParaRPr lang="ko-KR" altLang="en-US"/>
+            </a:p>
+          </p:txBody>
+        </p:sp>
+        <p:cxnSp>
+          <p:nvCxnSpPr>
+            <p:cNvPr id="311" name="직선 연결선 310">
+              <a:extLst>
+                <a:ext uri="{FF2B5EF4-FFF2-40B4-BE49-F238E27FC236}">
+                  <a16:creationId xmlns:a16="http://schemas.microsoft.com/office/drawing/2014/main" id="{2487B58E-7D74-45E2-B6B2-C439FA1D5BB4}"/>
+                </a:ext>
+              </a:extLst>
+            </p:cNvPr>
+            <p:cNvCxnSpPr/>
+            <p:nvPr/>
+          </p:nvCxnSpPr>
+          <p:spPr>
+            <a:xfrm rot="8100000">
+              <a:off x="1506440" y="5163188"/>
+              <a:ext cx="216024" cy="0"/>
+            </a:xfrm>
+            <a:prstGeom prst="line">
+              <a:avLst/>
+            </a:prstGeom>
+            <a:ln>
+              <a:solidFill>
+                <a:schemeClr val="tx1"/>
+              </a:solidFill>
+            </a:ln>
+          </p:spPr>
+          <p:style>
+            <a:lnRef idx="1">
+              <a:schemeClr val="accent1"/>
+            </a:lnRef>
+            <a:fillRef idx="0">
+              <a:schemeClr val="accent1"/>
+            </a:fillRef>
+            <a:effectRef idx="0">
+              <a:schemeClr val="accent1"/>
+            </a:effectRef>
+            <a:fontRef idx="minor">
+              <a:schemeClr val="tx1"/>
+            </a:fontRef>
+          </p:style>
+        </p:cxnSp>
+        <p:sp>
+          <p:nvSpPr>
+            <p:cNvPr id="312" name="타원 311">
+              <a:extLst>
+                <a:ext uri="{FF2B5EF4-FFF2-40B4-BE49-F238E27FC236}">
+                  <a16:creationId xmlns:a16="http://schemas.microsoft.com/office/drawing/2014/main" id="{EE165E86-1559-44D5-9B7C-0314C5BE3057}"/>
+                </a:ext>
+              </a:extLst>
+            </p:cNvPr>
+            <p:cNvSpPr/>
+            <p:nvPr/>
+          </p:nvSpPr>
+          <p:spPr>
+            <a:xfrm>
+              <a:off x="1896769" y="5023540"/>
+              <a:ext cx="432048" cy="432048"/>
+            </a:xfrm>
+            <a:prstGeom prst="ellipse">
+              <a:avLst/>
+            </a:prstGeom>
+            <a:solidFill>
+              <a:schemeClr val="bg1"/>
+            </a:solidFill>
+            <a:ln>
+              <a:solidFill>
+                <a:schemeClr val="tx1"/>
+              </a:solidFill>
+            </a:ln>
+          </p:spPr>
+          <p:style>
+            <a:lnRef idx="2">
+              <a:schemeClr val="accent1">
+                <a:shade val="50000"/>
+              </a:schemeClr>
+            </a:lnRef>
+            <a:fillRef idx="1">
+              <a:schemeClr val="accent1"/>
+            </a:fillRef>
+            <a:effectRef idx="0">
+              <a:schemeClr val="accent1"/>
+            </a:effectRef>
+            <a:fontRef idx="minor">
+              <a:schemeClr val="lt1"/>
+            </a:fontRef>
+          </p:style>
+          <p:txBody>
+            <a:bodyPr rtlCol="0" anchor="ctr"/>
+            <a:lstStyle/>
+            <a:p>
+              <a:pPr algn="ctr"/>
+              <a:endParaRPr lang="ko-KR" altLang="en-US"/>
+            </a:p>
+          </p:txBody>
+        </p:sp>
+        <p:cxnSp>
+          <p:nvCxnSpPr>
+            <p:cNvPr id="313" name="직선 연결선 312">
+              <a:extLst>
+                <a:ext uri="{FF2B5EF4-FFF2-40B4-BE49-F238E27FC236}">
+                  <a16:creationId xmlns:a16="http://schemas.microsoft.com/office/drawing/2014/main" id="{E5D14580-A17D-4D55-BE15-CB6B7C0801DD}"/>
+                </a:ext>
+              </a:extLst>
+            </p:cNvPr>
+            <p:cNvCxnSpPr/>
+            <p:nvPr/>
+          </p:nvCxnSpPr>
+          <p:spPr>
+            <a:xfrm rot="16200000">
+              <a:off x="2004781" y="5125423"/>
+              <a:ext cx="216024" cy="0"/>
+            </a:xfrm>
+            <a:prstGeom prst="line">
+              <a:avLst/>
+            </a:prstGeom>
+            <a:ln>
+              <a:solidFill>
+                <a:schemeClr val="tx1"/>
+              </a:solidFill>
+            </a:ln>
+          </p:spPr>
+          <p:style>
+            <a:lnRef idx="1">
+              <a:schemeClr val="accent1"/>
+            </a:lnRef>
+            <a:fillRef idx="0">
+              <a:schemeClr val="accent1"/>
+            </a:fillRef>
+            <a:effectRef idx="0">
+              <a:schemeClr val="accent1"/>
+            </a:effectRef>
+            <a:fontRef idx="minor">
+              <a:schemeClr val="tx1"/>
+            </a:fontRef>
+          </p:style>
+        </p:cxnSp>
+        <p:sp>
+          <p:nvSpPr>
+            <p:cNvPr id="314" name="타원 313">
+              <a:extLst>
+                <a:ext uri="{FF2B5EF4-FFF2-40B4-BE49-F238E27FC236}">
+                  <a16:creationId xmlns:a16="http://schemas.microsoft.com/office/drawing/2014/main" id="{5AB6A0CD-B91E-43F7-AE13-E36BBA942F3C}"/>
+                </a:ext>
+              </a:extLst>
+            </p:cNvPr>
+            <p:cNvSpPr/>
+            <p:nvPr/>
+          </p:nvSpPr>
+          <p:spPr>
+            <a:xfrm>
+              <a:off x="2472477" y="5023540"/>
+              <a:ext cx="432048" cy="432048"/>
+            </a:xfrm>
+            <a:prstGeom prst="ellipse">
+              <a:avLst/>
+            </a:prstGeom>
+            <a:solidFill>
+              <a:schemeClr val="bg1"/>
+            </a:solidFill>
+            <a:ln>
+              <a:solidFill>
+                <a:schemeClr val="tx1"/>
+              </a:solidFill>
+            </a:ln>
+          </p:spPr>
+          <p:style>
+            <a:lnRef idx="2">
+              <a:schemeClr val="accent1">
+                <a:shade val="50000"/>
+              </a:schemeClr>
+            </a:lnRef>
+            <a:fillRef idx="1">
+              <a:schemeClr val="accent1"/>
+            </a:fillRef>
+            <a:effectRef idx="0">
+              <a:schemeClr val="accent1"/>
+            </a:effectRef>
+            <a:fontRef idx="minor">
+              <a:schemeClr val="lt1"/>
+            </a:fontRef>
+          </p:style>
+          <p:txBody>
+            <a:bodyPr rtlCol="0" anchor="ctr"/>
+            <a:lstStyle/>
+            <a:p>
+              <a:pPr algn="ctr"/>
+              <a:endParaRPr lang="ko-KR" altLang="en-US"/>
+            </a:p>
+          </p:txBody>
+        </p:sp>
+        <p:cxnSp>
+          <p:nvCxnSpPr>
+            <p:cNvPr id="315" name="직선 연결선 314">
+              <a:extLst>
+                <a:ext uri="{FF2B5EF4-FFF2-40B4-BE49-F238E27FC236}">
+                  <a16:creationId xmlns:a16="http://schemas.microsoft.com/office/drawing/2014/main" id="{5C3115E9-AE45-48CD-A170-5FFFA302352D}"/>
+                </a:ext>
+              </a:extLst>
+            </p:cNvPr>
+            <p:cNvCxnSpPr/>
+            <p:nvPr/>
+          </p:nvCxnSpPr>
+          <p:spPr>
+            <a:xfrm rot="2700000">
+              <a:off x="2508127" y="5163188"/>
+              <a:ext cx="216024" cy="0"/>
+            </a:xfrm>
+            <a:prstGeom prst="line">
+              <a:avLst/>
+            </a:prstGeom>
+            <a:ln>
+              <a:solidFill>
+                <a:schemeClr val="tx1"/>
+              </a:solidFill>
+            </a:ln>
+          </p:spPr>
+          <p:style>
+            <a:lnRef idx="1">
+              <a:schemeClr val="accent1"/>
+            </a:lnRef>
+            <a:fillRef idx="0">
+              <a:schemeClr val="accent1"/>
+            </a:fillRef>
+            <a:effectRef idx="0">
+              <a:schemeClr val="accent1"/>
+            </a:effectRef>
+            <a:fontRef idx="minor">
+              <a:schemeClr val="tx1"/>
+            </a:fontRef>
+          </p:style>
+        </p:cxnSp>
+        <p:sp>
+          <p:nvSpPr>
+            <p:cNvPr id="316" name="타원 315">
+              <a:extLst>
+                <a:ext uri="{FF2B5EF4-FFF2-40B4-BE49-F238E27FC236}">
+                  <a16:creationId xmlns:a16="http://schemas.microsoft.com/office/drawing/2014/main" id="{959D8648-2364-4A0C-919B-D34F3D2B99CA}"/>
+                </a:ext>
+              </a:extLst>
+            </p:cNvPr>
+            <p:cNvSpPr/>
+            <p:nvPr/>
+          </p:nvSpPr>
+          <p:spPr>
+            <a:xfrm>
+              <a:off x="3047776" y="5023540"/>
+              <a:ext cx="432048" cy="432048"/>
+            </a:xfrm>
+            <a:prstGeom prst="ellipse">
+              <a:avLst/>
+            </a:prstGeom>
+            <a:solidFill>
+              <a:schemeClr val="bg1"/>
+            </a:solidFill>
+            <a:ln>
+              <a:solidFill>
+                <a:schemeClr val="tx1"/>
+              </a:solidFill>
+            </a:ln>
+          </p:spPr>
+          <p:style>
+            <a:lnRef idx="2">
+              <a:schemeClr val="accent1">
+                <a:shade val="50000"/>
+              </a:schemeClr>
+            </a:lnRef>
+            <a:fillRef idx="1">
+              <a:schemeClr val="accent1"/>
+            </a:fillRef>
+            <a:effectRef idx="0">
+              <a:schemeClr val="accent1"/>
+            </a:effectRef>
+            <a:fontRef idx="minor">
+              <a:schemeClr val="lt1"/>
+            </a:fontRef>
+          </p:style>
+          <p:txBody>
+            <a:bodyPr rtlCol="0" anchor="ctr"/>
+            <a:lstStyle/>
+            <a:p>
+              <a:pPr algn="ctr"/>
+              <a:endParaRPr lang="ko-KR" altLang="en-US"/>
+            </a:p>
+          </p:txBody>
+        </p:sp>
+        <p:cxnSp>
+          <p:nvCxnSpPr>
+            <p:cNvPr id="317" name="직선 연결선 316">
+              <a:extLst>
+                <a:ext uri="{FF2B5EF4-FFF2-40B4-BE49-F238E27FC236}">
+                  <a16:creationId xmlns:a16="http://schemas.microsoft.com/office/drawing/2014/main" id="{34030F41-7137-4420-A039-0450B078E890}"/>
+                </a:ext>
+              </a:extLst>
+            </p:cNvPr>
+            <p:cNvCxnSpPr/>
+            <p:nvPr/>
+          </p:nvCxnSpPr>
+          <p:spPr>
+            <a:xfrm>
+              <a:off x="3045482" y="5239564"/>
+              <a:ext cx="216024" cy="0"/>
+            </a:xfrm>
+            <a:prstGeom prst="line">
+              <a:avLst/>
+            </a:prstGeom>
+            <a:ln>
+              <a:solidFill>
+                <a:schemeClr val="tx1"/>
+              </a:solidFill>
+            </a:ln>
+          </p:spPr>
+          <p:style>
+            <a:lnRef idx="1">
+              <a:schemeClr val="accent1"/>
+            </a:lnRef>
+            <a:fillRef idx="0">
+              <a:schemeClr val="accent1"/>
+            </a:fillRef>
+            <a:effectRef idx="0">
+              <a:schemeClr val="accent1"/>
+            </a:effectRef>
+            <a:fontRef idx="minor">
+              <a:schemeClr val="tx1"/>
+            </a:fontRef>
+          </p:style>
+        </p:cxnSp>
+        <p:sp>
+          <p:nvSpPr>
+            <p:cNvPr id="318" name="타원 317">
+              <a:extLst>
+                <a:ext uri="{FF2B5EF4-FFF2-40B4-BE49-F238E27FC236}">
+                  <a16:creationId xmlns:a16="http://schemas.microsoft.com/office/drawing/2014/main" id="{73949697-E808-44EB-AAD7-A70CBB34A531}"/>
+                </a:ext>
+              </a:extLst>
+            </p:cNvPr>
+            <p:cNvSpPr/>
+            <p:nvPr/>
+          </p:nvSpPr>
+          <p:spPr>
+            <a:xfrm>
+              <a:off x="3623075" y="5023540"/>
+              <a:ext cx="432048" cy="432048"/>
+            </a:xfrm>
+            <a:prstGeom prst="ellipse">
+              <a:avLst/>
+            </a:prstGeom>
+            <a:solidFill>
+              <a:schemeClr val="bg1"/>
+            </a:solidFill>
+            <a:ln>
+              <a:solidFill>
+                <a:schemeClr val="tx1"/>
+              </a:solidFill>
+            </a:ln>
+          </p:spPr>
+          <p:style>
+            <a:lnRef idx="2">
+              <a:schemeClr val="accent1">
+                <a:shade val="50000"/>
+              </a:schemeClr>
+            </a:lnRef>
+            <a:fillRef idx="1">
+              <a:schemeClr val="accent1"/>
+            </a:fillRef>
+            <a:effectRef idx="0">
+              <a:schemeClr val="accent1"/>
+            </a:effectRef>
+            <a:fontRef idx="minor">
+              <a:schemeClr val="lt1"/>
+            </a:fontRef>
+          </p:style>
+          <p:txBody>
+            <a:bodyPr rtlCol="0" anchor="ctr"/>
+            <a:lstStyle/>
+            <a:p>
+              <a:pPr algn="ctr"/>
+              <a:endParaRPr lang="ko-KR" altLang="en-US"/>
+            </a:p>
+          </p:txBody>
+        </p:sp>
+        <p:cxnSp>
+          <p:nvCxnSpPr>
+            <p:cNvPr id="319" name="직선 연결선 318">
+              <a:extLst>
+                <a:ext uri="{FF2B5EF4-FFF2-40B4-BE49-F238E27FC236}">
+                  <a16:creationId xmlns:a16="http://schemas.microsoft.com/office/drawing/2014/main" id="{05DECC6E-E006-4874-85CE-81535151F324}"/>
+                </a:ext>
+              </a:extLst>
+            </p:cNvPr>
+            <p:cNvCxnSpPr/>
+            <p:nvPr/>
+          </p:nvCxnSpPr>
+          <p:spPr>
+            <a:xfrm rot="8100000">
+              <a:off x="3654711" y="5315789"/>
+              <a:ext cx="216024" cy="0"/>
+            </a:xfrm>
+            <a:prstGeom prst="line">
+              <a:avLst/>
+            </a:prstGeom>
+            <a:ln>
+              <a:solidFill>
+                <a:schemeClr val="tx1"/>
+              </a:solidFill>
+            </a:ln>
+          </p:spPr>
+          <p:style>
+            <a:lnRef idx="1">
+              <a:schemeClr val="accent1"/>
+            </a:lnRef>
+            <a:fillRef idx="0">
+              <a:schemeClr val="accent1"/>
+            </a:fillRef>
+            <a:effectRef idx="0">
+              <a:schemeClr val="accent1"/>
+            </a:effectRef>
+            <a:fontRef idx="minor">
+              <a:schemeClr val="tx1"/>
+            </a:fontRef>
+          </p:style>
+        </p:cxnSp>
+        <p:sp>
+          <p:nvSpPr>
+            <p:cNvPr id="320" name="타원 319">
+              <a:extLst>
+                <a:ext uri="{FF2B5EF4-FFF2-40B4-BE49-F238E27FC236}">
+                  <a16:creationId xmlns:a16="http://schemas.microsoft.com/office/drawing/2014/main" id="{53B24061-07A2-4B94-8FEE-C48FC57CEBFA}"/>
+                </a:ext>
+              </a:extLst>
+            </p:cNvPr>
+            <p:cNvSpPr/>
+            <p:nvPr/>
+          </p:nvSpPr>
+          <p:spPr>
+            <a:xfrm>
+              <a:off x="4198374" y="5023540"/>
+              <a:ext cx="432048" cy="432048"/>
+            </a:xfrm>
+            <a:prstGeom prst="ellipse">
+              <a:avLst/>
+            </a:prstGeom>
+            <a:solidFill>
+              <a:schemeClr val="bg1"/>
+            </a:solidFill>
+            <a:ln>
+              <a:solidFill>
+                <a:schemeClr val="tx1"/>
+              </a:solidFill>
+            </a:ln>
+          </p:spPr>
+          <p:style>
+            <a:lnRef idx="2">
+              <a:schemeClr val="accent1">
+                <a:shade val="50000"/>
+              </a:schemeClr>
+            </a:lnRef>
+            <a:fillRef idx="1">
+              <a:schemeClr val="accent1"/>
+            </a:fillRef>
+            <a:effectRef idx="0">
+              <a:schemeClr val="accent1"/>
+            </a:effectRef>
+            <a:fontRef idx="minor">
+              <a:schemeClr val="lt1"/>
+            </a:fontRef>
+          </p:style>
+          <p:txBody>
+            <a:bodyPr rtlCol="0" anchor="ctr"/>
+            <a:lstStyle/>
+            <a:p>
+              <a:pPr algn="ctr"/>
+              <a:endParaRPr lang="ko-KR" altLang="en-US"/>
+            </a:p>
+          </p:txBody>
+        </p:sp>
+        <p:sp>
+          <p:nvSpPr>
+            <p:cNvPr id="321" name="타원 320">
+              <a:extLst>
+                <a:ext uri="{FF2B5EF4-FFF2-40B4-BE49-F238E27FC236}">
+                  <a16:creationId xmlns:a16="http://schemas.microsoft.com/office/drawing/2014/main" id="{1C0C7F28-B0E9-4623-B967-5EB709B33B71}"/>
+                </a:ext>
+              </a:extLst>
+            </p:cNvPr>
+            <p:cNvSpPr/>
+            <p:nvPr/>
+          </p:nvSpPr>
+          <p:spPr>
+            <a:xfrm>
+              <a:off x="4773674" y="5023540"/>
+              <a:ext cx="432048" cy="432048"/>
+            </a:xfrm>
+            <a:prstGeom prst="ellipse">
+              <a:avLst/>
+            </a:prstGeom>
+            <a:solidFill>
+              <a:schemeClr val="bg1"/>
+            </a:solidFill>
+            <a:ln>
+              <a:solidFill>
+                <a:schemeClr val="tx1"/>
+              </a:solidFill>
+            </a:ln>
+          </p:spPr>
+          <p:style>
+            <a:lnRef idx="2">
+              <a:schemeClr val="accent1">
+                <a:shade val="50000"/>
+              </a:schemeClr>
+            </a:lnRef>
+            <a:fillRef idx="1">
+              <a:schemeClr val="accent1"/>
+            </a:fillRef>
+            <a:effectRef idx="0">
+              <a:schemeClr val="accent1"/>
+            </a:effectRef>
+            <a:fontRef idx="minor">
+              <a:schemeClr val="lt1"/>
+            </a:fontRef>
+          </p:style>
+          <p:txBody>
+            <a:bodyPr rtlCol="0" anchor="ctr"/>
+            <a:lstStyle/>
+            <a:p>
+              <a:pPr algn="ctr"/>
+              <a:endParaRPr lang="ko-KR" altLang="en-US"/>
+            </a:p>
+          </p:txBody>
+        </p:sp>
+        <p:cxnSp>
+          <p:nvCxnSpPr>
+            <p:cNvPr id="322" name="직선 연결선 321">
+              <a:extLst>
+                <a:ext uri="{FF2B5EF4-FFF2-40B4-BE49-F238E27FC236}">
+                  <a16:creationId xmlns:a16="http://schemas.microsoft.com/office/drawing/2014/main" id="{0D3BE8E2-2614-4131-9B7B-5BF1D5BFEA2C}"/>
+                </a:ext>
+              </a:extLst>
+            </p:cNvPr>
+            <p:cNvCxnSpPr/>
+            <p:nvPr/>
+          </p:nvCxnSpPr>
+          <p:spPr>
+            <a:xfrm rot="5400000">
+              <a:off x="3731087" y="2780928"/>
+              <a:ext cx="216024" cy="0"/>
+            </a:xfrm>
+            <a:prstGeom prst="line">
+              <a:avLst/>
+            </a:prstGeom>
+            <a:ln>
+              <a:solidFill>
+                <a:schemeClr val="tx1"/>
+              </a:solidFill>
+            </a:ln>
+          </p:spPr>
+          <p:style>
+            <a:lnRef idx="1">
+              <a:schemeClr val="accent1"/>
+            </a:lnRef>
+            <a:fillRef idx="0">
+              <a:schemeClr val="accent1"/>
+            </a:fillRef>
+            <a:effectRef idx="0">
+              <a:schemeClr val="accent1"/>
+            </a:effectRef>
+            <a:fontRef idx="minor">
+              <a:schemeClr val="tx1"/>
+            </a:fontRef>
+          </p:style>
+        </p:cxnSp>
+        <p:cxnSp>
+          <p:nvCxnSpPr>
+            <p:cNvPr id="323" name="직선 연결선 322">
+              <a:extLst>
+                <a:ext uri="{FF2B5EF4-FFF2-40B4-BE49-F238E27FC236}">
+                  <a16:creationId xmlns:a16="http://schemas.microsoft.com/office/drawing/2014/main" id="{2BEDF5F4-C7AB-4964-8316-CAE731B10EB5}"/>
+                </a:ext>
+              </a:extLst>
+            </p:cNvPr>
+            <p:cNvCxnSpPr/>
+            <p:nvPr/>
+          </p:nvCxnSpPr>
+          <p:spPr>
+            <a:xfrm rot="5400000">
+              <a:off x="4886273" y="2564904"/>
+              <a:ext cx="216024" cy="0"/>
+            </a:xfrm>
+            <a:prstGeom prst="line">
+              <a:avLst/>
+            </a:prstGeom>
+            <a:ln>
+              <a:solidFill>
+                <a:schemeClr val="tx1"/>
+              </a:solidFill>
+            </a:ln>
+          </p:spPr>
+          <p:style>
+            <a:lnRef idx="1">
+              <a:schemeClr val="accent1"/>
+            </a:lnRef>
+            <a:fillRef idx="0">
+              <a:schemeClr val="accent1"/>
+            </a:fillRef>
+            <a:effectRef idx="0">
+              <a:schemeClr val="accent1"/>
+            </a:effectRef>
+            <a:fontRef idx="minor">
+              <a:schemeClr val="tx1"/>
+            </a:fontRef>
+          </p:style>
+        </p:cxnSp>
+        <p:cxnSp>
+          <p:nvCxnSpPr>
+            <p:cNvPr id="324" name="직선 연결선 323">
+              <a:extLst>
+                <a:ext uri="{FF2B5EF4-FFF2-40B4-BE49-F238E27FC236}">
+                  <a16:creationId xmlns:a16="http://schemas.microsoft.com/office/drawing/2014/main" id="{2588B786-0EF4-40FE-8383-0C8172C5B168}"/>
+                </a:ext>
+              </a:extLst>
+            </p:cNvPr>
+            <p:cNvCxnSpPr/>
+            <p:nvPr/>
+          </p:nvCxnSpPr>
+          <p:spPr>
+            <a:xfrm rot="8100000">
+              <a:off x="3807463" y="3100596"/>
+              <a:ext cx="216024" cy="0"/>
+            </a:xfrm>
+            <a:prstGeom prst="line">
+              <a:avLst/>
+            </a:prstGeom>
+            <a:ln>
+              <a:solidFill>
+                <a:schemeClr val="tx1"/>
+              </a:solidFill>
+            </a:ln>
+          </p:spPr>
+          <p:style>
+            <a:lnRef idx="1">
+              <a:schemeClr val="accent1"/>
+            </a:lnRef>
+            <a:fillRef idx="0">
+              <a:schemeClr val="accent1"/>
+            </a:fillRef>
+            <a:effectRef idx="0">
+              <a:schemeClr val="accent1"/>
+            </a:effectRef>
+            <a:fontRef idx="minor">
+              <a:schemeClr val="tx1"/>
+            </a:fontRef>
+          </p:style>
+        </p:cxnSp>
+        <p:cxnSp>
+          <p:nvCxnSpPr>
+            <p:cNvPr id="325" name="직선 연결선 324">
+              <a:extLst>
+                <a:ext uri="{FF2B5EF4-FFF2-40B4-BE49-F238E27FC236}">
+                  <a16:creationId xmlns:a16="http://schemas.microsoft.com/office/drawing/2014/main" id="{A33D1781-7306-469B-94B9-AA2E4E5F5F7D}"/>
+                </a:ext>
+              </a:extLst>
+            </p:cNvPr>
+            <p:cNvCxnSpPr/>
+            <p:nvPr/>
+          </p:nvCxnSpPr>
+          <p:spPr>
+            <a:xfrm rot="16200000">
+              <a:off x="4306130" y="3284982"/>
+              <a:ext cx="216024" cy="0"/>
+            </a:xfrm>
+            <a:prstGeom prst="line">
+              <a:avLst/>
+            </a:prstGeom>
+            <a:ln>
+              <a:solidFill>
+                <a:schemeClr val="tx1"/>
+              </a:solidFill>
+            </a:ln>
+          </p:spPr>
+          <p:style>
+            <a:lnRef idx="1">
+              <a:schemeClr val="accent1"/>
+            </a:lnRef>
+            <a:fillRef idx="0">
+              <a:schemeClr val="accent1"/>
+            </a:fillRef>
+            <a:effectRef idx="0">
+              <a:schemeClr val="accent1"/>
+            </a:effectRef>
+            <a:fontRef idx="minor">
+              <a:schemeClr val="tx1"/>
+            </a:fontRef>
+          </p:style>
+        </p:cxnSp>
+        <p:cxnSp>
+          <p:nvCxnSpPr>
+            <p:cNvPr id="326" name="직선 연결선 325">
+              <a:extLst>
+                <a:ext uri="{FF2B5EF4-FFF2-40B4-BE49-F238E27FC236}">
+                  <a16:creationId xmlns:a16="http://schemas.microsoft.com/office/drawing/2014/main" id="{0AE6B0ED-2588-4567-B8BC-BE06016FE212}"/>
+                </a:ext>
+              </a:extLst>
+            </p:cNvPr>
+            <p:cNvCxnSpPr/>
+            <p:nvPr/>
+          </p:nvCxnSpPr>
+          <p:spPr>
+            <a:xfrm rot="2700000">
+              <a:off x="4805309" y="3100593"/>
+              <a:ext cx="216024" cy="0"/>
+            </a:xfrm>
+            <a:prstGeom prst="line">
+              <a:avLst/>
+            </a:prstGeom>
+            <a:ln>
+              <a:solidFill>
+                <a:schemeClr val="tx1"/>
+              </a:solidFill>
+            </a:ln>
+          </p:spPr>
+          <p:style>
+            <a:lnRef idx="1">
+              <a:schemeClr val="accent1"/>
+            </a:lnRef>
+            <a:fillRef idx="0">
+              <a:schemeClr val="accent1"/>
+            </a:fillRef>
+            <a:effectRef idx="0">
+              <a:schemeClr val="accent1"/>
+            </a:effectRef>
+            <a:fontRef idx="minor">
+              <a:schemeClr val="tx1"/>
+            </a:fontRef>
+          </p:style>
+        </p:cxnSp>
+        <p:cxnSp>
+          <p:nvCxnSpPr>
+            <p:cNvPr id="327" name="직선 연결선 326">
+              <a:extLst>
+                <a:ext uri="{FF2B5EF4-FFF2-40B4-BE49-F238E27FC236}">
+                  <a16:creationId xmlns:a16="http://schemas.microsoft.com/office/drawing/2014/main" id="{819F7E36-895A-4B61-B41A-72EA1E81852E}"/>
+                </a:ext>
+              </a:extLst>
+            </p:cNvPr>
+            <p:cNvCxnSpPr/>
+            <p:nvPr/>
+          </p:nvCxnSpPr>
+          <p:spPr>
+            <a:xfrm>
+              <a:off x="1321879" y="3681028"/>
+              <a:ext cx="216024" cy="0"/>
+            </a:xfrm>
+            <a:prstGeom prst="line">
+              <a:avLst/>
+            </a:prstGeom>
+            <a:ln>
+              <a:solidFill>
+                <a:schemeClr val="tx1"/>
+              </a:solidFill>
+            </a:ln>
+          </p:spPr>
+          <p:style>
+            <a:lnRef idx="1">
+              <a:schemeClr val="accent1"/>
+            </a:lnRef>
+            <a:fillRef idx="0">
+              <a:schemeClr val="accent1"/>
+            </a:fillRef>
+            <a:effectRef idx="0">
+              <a:schemeClr val="accent1"/>
+            </a:effectRef>
+            <a:fontRef idx="minor">
+              <a:schemeClr val="tx1"/>
+            </a:fontRef>
+          </p:style>
+        </p:cxnSp>
+        <p:cxnSp>
+          <p:nvCxnSpPr>
+            <p:cNvPr id="328" name="직선 연결선 327">
+              <a:extLst>
+                <a:ext uri="{FF2B5EF4-FFF2-40B4-BE49-F238E27FC236}">
+                  <a16:creationId xmlns:a16="http://schemas.microsoft.com/office/drawing/2014/main" id="{7C5E3EC0-F4B7-4E7D-9F8C-54F9208592A7}"/>
+                </a:ext>
+              </a:extLst>
+            </p:cNvPr>
+            <p:cNvCxnSpPr/>
+            <p:nvPr/>
+          </p:nvCxnSpPr>
+          <p:spPr>
+            <a:xfrm rot="13500000">
+              <a:off x="3807464" y="4261460"/>
+              <a:ext cx="216024" cy="0"/>
+            </a:xfrm>
+            <a:prstGeom prst="line">
+              <a:avLst/>
+            </a:prstGeom>
+            <a:ln>
+              <a:solidFill>
+                <a:schemeClr val="tx1"/>
+              </a:solidFill>
+            </a:ln>
+          </p:spPr>
+          <p:style>
+            <a:lnRef idx="1">
+              <a:schemeClr val="accent1"/>
+            </a:lnRef>
+            <a:fillRef idx="0">
+              <a:schemeClr val="accent1"/>
+            </a:fillRef>
+            <a:effectRef idx="0">
+              <a:schemeClr val="accent1"/>
+            </a:effectRef>
+            <a:fontRef idx="minor">
+              <a:schemeClr val="tx1"/>
+            </a:fontRef>
+          </p:style>
+        </p:cxnSp>
+        <p:cxnSp>
+          <p:nvCxnSpPr>
+            <p:cNvPr id="329" name="직선 연결선 328">
+              <a:extLst>
+                <a:ext uri="{FF2B5EF4-FFF2-40B4-BE49-F238E27FC236}">
+                  <a16:creationId xmlns:a16="http://schemas.microsoft.com/office/drawing/2014/main" id="{106198FC-9640-4E60-BBC6-E4F2D2C07DDA}"/>
+                </a:ext>
+              </a:extLst>
+            </p:cNvPr>
+            <p:cNvCxnSpPr/>
+            <p:nvPr/>
+          </p:nvCxnSpPr>
+          <p:spPr>
+            <a:xfrm rot="5400000">
+              <a:off x="4306130" y="4077072"/>
+              <a:ext cx="216024" cy="0"/>
+            </a:xfrm>
+            <a:prstGeom prst="line">
+              <a:avLst/>
+            </a:prstGeom>
+            <a:ln>
+              <a:solidFill>
+                <a:schemeClr val="tx1"/>
+              </a:solidFill>
+            </a:ln>
+          </p:spPr>
+          <p:style>
+            <a:lnRef idx="1">
+              <a:schemeClr val="accent1"/>
+            </a:lnRef>
+            <a:fillRef idx="0">
+              <a:schemeClr val="accent1"/>
+            </a:fillRef>
+            <a:effectRef idx="0">
+              <a:schemeClr val="accent1"/>
+            </a:effectRef>
+            <a:fontRef idx="minor">
+              <a:schemeClr val="tx1"/>
+            </a:fontRef>
+          </p:style>
+        </p:cxnSp>
+        <p:cxnSp>
+          <p:nvCxnSpPr>
+            <p:cNvPr id="330" name="직선 연결선 329">
+              <a:extLst>
+                <a:ext uri="{FF2B5EF4-FFF2-40B4-BE49-F238E27FC236}">
+                  <a16:creationId xmlns:a16="http://schemas.microsoft.com/office/drawing/2014/main" id="{5010CA00-3643-41E6-A4AE-D73847A6F0A0}"/>
+                </a:ext>
+              </a:extLst>
+            </p:cNvPr>
+            <p:cNvCxnSpPr/>
+            <p:nvPr/>
+          </p:nvCxnSpPr>
+          <p:spPr>
+            <a:xfrm rot="18900000">
+              <a:off x="4805308" y="4264591"/>
+              <a:ext cx="216024" cy="0"/>
+            </a:xfrm>
+            <a:prstGeom prst="line">
+              <a:avLst/>
+            </a:prstGeom>
+            <a:ln>
+              <a:solidFill>
+                <a:schemeClr val="tx1"/>
+              </a:solidFill>
+            </a:ln>
+          </p:spPr>
+          <p:style>
+            <a:lnRef idx="1">
+              <a:schemeClr val="accent1"/>
+            </a:lnRef>
+            <a:fillRef idx="0">
+              <a:schemeClr val="accent1"/>
+            </a:fillRef>
+            <a:effectRef idx="0">
+              <a:schemeClr val="accent1"/>
+            </a:effectRef>
+            <a:fontRef idx="minor">
+              <a:schemeClr val="tx1"/>
+            </a:fontRef>
+          </p:style>
+        </p:cxnSp>
+        <p:cxnSp>
+          <p:nvCxnSpPr>
+            <p:cNvPr id="331" name="직선 연결선 330">
+              <a:extLst>
+                <a:ext uri="{FF2B5EF4-FFF2-40B4-BE49-F238E27FC236}">
+                  <a16:creationId xmlns:a16="http://schemas.microsoft.com/office/drawing/2014/main" id="{B27A057B-D9DE-4CBD-87B3-58F74BDE5C99}"/>
+                </a:ext>
+              </a:extLst>
+            </p:cNvPr>
+            <p:cNvCxnSpPr/>
+            <p:nvPr/>
+          </p:nvCxnSpPr>
+          <p:spPr>
+            <a:xfrm>
+              <a:off x="1896769" y="4735508"/>
+              <a:ext cx="216024" cy="0"/>
+            </a:xfrm>
+            <a:prstGeom prst="line">
+              <a:avLst/>
+            </a:prstGeom>
+            <a:ln>
+              <a:solidFill>
+                <a:schemeClr val="tx1"/>
+              </a:solidFill>
+            </a:ln>
+          </p:spPr>
+          <p:style>
+            <a:lnRef idx="1">
+              <a:schemeClr val="accent1"/>
+            </a:lnRef>
+            <a:fillRef idx="0">
+              <a:schemeClr val="accent1"/>
+            </a:fillRef>
+            <a:effectRef idx="0">
+              <a:schemeClr val="accent1"/>
+            </a:effectRef>
+            <a:fontRef idx="minor">
+              <a:schemeClr val="tx1"/>
+            </a:fontRef>
+          </p:style>
+        </p:cxnSp>
+        <p:cxnSp>
+          <p:nvCxnSpPr>
+            <p:cNvPr id="332" name="직선 연결선 331">
+              <a:extLst>
+                <a:ext uri="{FF2B5EF4-FFF2-40B4-BE49-F238E27FC236}">
+                  <a16:creationId xmlns:a16="http://schemas.microsoft.com/office/drawing/2014/main" id="{4F845412-C116-4A48-8E8E-9EACB0854A81}"/>
+                </a:ext>
+              </a:extLst>
+            </p:cNvPr>
+            <p:cNvCxnSpPr/>
+            <p:nvPr/>
+          </p:nvCxnSpPr>
+          <p:spPr>
+            <a:xfrm rot="16200000">
+              <a:off x="2580489" y="4843520"/>
+              <a:ext cx="216024" cy="0"/>
+            </a:xfrm>
+            <a:prstGeom prst="line">
+              <a:avLst/>
+            </a:prstGeom>
+            <a:ln>
+              <a:solidFill>
+                <a:schemeClr val="tx1"/>
+              </a:solidFill>
+            </a:ln>
+          </p:spPr>
+          <p:style>
+            <a:lnRef idx="1">
+              <a:schemeClr val="accent1"/>
+            </a:lnRef>
+            <a:fillRef idx="0">
+              <a:schemeClr val="accent1"/>
+            </a:fillRef>
+            <a:effectRef idx="0">
+              <a:schemeClr val="accent1"/>
+            </a:effectRef>
+            <a:fontRef idx="minor">
+              <a:schemeClr val="tx1"/>
+            </a:fontRef>
+          </p:style>
+        </p:cxnSp>
+        <p:cxnSp>
+          <p:nvCxnSpPr>
+            <p:cNvPr id="333" name="직선 연결선 332">
+              <a:extLst>
+                <a:ext uri="{FF2B5EF4-FFF2-40B4-BE49-F238E27FC236}">
+                  <a16:creationId xmlns:a16="http://schemas.microsoft.com/office/drawing/2014/main" id="{E787AA5E-C6A3-4315-8FD0-CDB030E7658A}"/>
+                </a:ext>
+              </a:extLst>
+            </p:cNvPr>
+            <p:cNvCxnSpPr/>
+            <p:nvPr/>
+          </p:nvCxnSpPr>
+          <p:spPr>
+            <a:xfrm rot="16200000">
+              <a:off x="3731087" y="4627495"/>
+              <a:ext cx="216024" cy="0"/>
+            </a:xfrm>
+            <a:prstGeom prst="line">
+              <a:avLst/>
+            </a:prstGeom>
+            <a:ln>
+              <a:solidFill>
+                <a:schemeClr val="tx1"/>
+              </a:solidFill>
+            </a:ln>
+          </p:spPr>
+          <p:style>
+            <a:lnRef idx="1">
+              <a:schemeClr val="accent1"/>
+            </a:lnRef>
+            <a:fillRef idx="0">
+              <a:schemeClr val="accent1"/>
+            </a:fillRef>
+            <a:effectRef idx="0">
+              <a:schemeClr val="accent1"/>
+            </a:effectRef>
+            <a:fontRef idx="minor">
+              <a:schemeClr val="tx1"/>
+            </a:fontRef>
+          </p:style>
+        </p:cxnSp>
+        <p:cxnSp>
+          <p:nvCxnSpPr>
+            <p:cNvPr id="334" name="직선 연결선 333">
+              <a:extLst>
+                <a:ext uri="{FF2B5EF4-FFF2-40B4-BE49-F238E27FC236}">
+                  <a16:creationId xmlns:a16="http://schemas.microsoft.com/office/drawing/2014/main" id="{67E4AD4E-57EB-4CDA-ADA1-F91E421B56AE}"/>
+                </a:ext>
+              </a:extLst>
+            </p:cNvPr>
+            <p:cNvCxnSpPr/>
+            <p:nvPr/>
+          </p:nvCxnSpPr>
+          <p:spPr>
+            <a:xfrm rot="16200000">
+              <a:off x="4881686" y="4843520"/>
+              <a:ext cx="216024" cy="0"/>
+            </a:xfrm>
+            <a:prstGeom prst="line">
+              <a:avLst/>
+            </a:prstGeom>
+            <a:ln>
+              <a:solidFill>
+                <a:schemeClr val="tx1"/>
+              </a:solidFill>
+            </a:ln>
+          </p:spPr>
+          <p:style>
+            <a:lnRef idx="1">
+              <a:schemeClr val="accent1"/>
+            </a:lnRef>
+            <a:fillRef idx="0">
+              <a:schemeClr val="accent1"/>
+            </a:fillRef>
+            <a:effectRef idx="0">
+              <a:schemeClr val="accent1"/>
+            </a:effectRef>
+            <a:fontRef idx="minor">
+              <a:schemeClr val="tx1"/>
+            </a:fontRef>
+          </p:style>
+        </p:cxnSp>
+        <p:cxnSp>
+          <p:nvCxnSpPr>
+            <p:cNvPr id="335" name="직선 연결선 334">
+              <a:extLst>
+                <a:ext uri="{FF2B5EF4-FFF2-40B4-BE49-F238E27FC236}">
+                  <a16:creationId xmlns:a16="http://schemas.microsoft.com/office/drawing/2014/main" id="{F005861A-129D-4F82-BDC1-28A57EE6CCE5}"/>
+                </a:ext>
+              </a:extLst>
+            </p:cNvPr>
+            <p:cNvCxnSpPr/>
+            <p:nvPr/>
+          </p:nvCxnSpPr>
+          <p:spPr>
+            <a:xfrm rot="16200000">
+              <a:off x="4306130" y="5347424"/>
+              <a:ext cx="216024" cy="0"/>
+            </a:xfrm>
+            <a:prstGeom prst="line">
+              <a:avLst/>
+            </a:prstGeom>
+            <a:ln>
+              <a:solidFill>
+                <a:schemeClr val="tx1"/>
+              </a:solidFill>
+            </a:ln>
+          </p:spPr>
+          <p:style>
+            <a:lnRef idx="1">
+              <a:schemeClr val="accent1"/>
+            </a:lnRef>
+            <a:fillRef idx="0">
+              <a:schemeClr val="accent1"/>
+            </a:fillRef>
+            <a:effectRef idx="0">
+              <a:schemeClr val="accent1"/>
+            </a:effectRef>
+            <a:fontRef idx="minor">
+              <a:schemeClr val="tx1"/>
+            </a:fontRef>
+          </p:style>
+        </p:cxnSp>
+        <p:cxnSp>
+          <p:nvCxnSpPr>
+            <p:cNvPr id="336" name="직선 연결선 335">
+              <a:extLst>
+                <a:ext uri="{FF2B5EF4-FFF2-40B4-BE49-F238E27FC236}">
+                  <a16:creationId xmlns:a16="http://schemas.microsoft.com/office/drawing/2014/main" id="{02B801F2-2ADE-420D-93B4-A39EF10C459D}"/>
+                </a:ext>
+              </a:extLst>
+            </p:cNvPr>
+            <p:cNvCxnSpPr/>
+            <p:nvPr/>
+          </p:nvCxnSpPr>
+          <p:spPr>
+            <a:xfrm rot="2700000">
+              <a:off x="4958063" y="5314908"/>
+              <a:ext cx="216024" cy="0"/>
+            </a:xfrm>
+            <a:prstGeom prst="line">
+              <a:avLst/>
+            </a:prstGeom>
+            <a:ln>
+              <a:solidFill>
+                <a:schemeClr val="tx1"/>
+              </a:solidFill>
+            </a:ln>
+          </p:spPr>
+          <p:style>
+            <a:lnRef idx="1">
+              <a:schemeClr val="accent1"/>
+            </a:lnRef>
+            <a:fillRef idx="0">
+              <a:schemeClr val="accent1"/>
+            </a:fillRef>
+            <a:effectRef idx="0">
+              <a:schemeClr val="accent1"/>
+            </a:effectRef>
+            <a:fontRef idx="minor">
+              <a:schemeClr val="tx1"/>
+            </a:fontRef>
+          </p:style>
+        </p:cxnSp>
+        <p:sp>
+          <p:nvSpPr>
+            <p:cNvPr id="337" name="직사각형 336">
+              <a:extLst>
+                <a:ext uri="{FF2B5EF4-FFF2-40B4-BE49-F238E27FC236}">
+                  <a16:creationId xmlns:a16="http://schemas.microsoft.com/office/drawing/2014/main" id="{246FDA5F-A86B-4A8C-A231-2861622C1AC5}"/>
+                </a:ext>
+              </a:extLst>
+            </p:cNvPr>
+            <p:cNvSpPr/>
+            <p:nvPr/>
+          </p:nvSpPr>
+          <p:spPr>
+            <a:xfrm>
+              <a:off x="633786" y="1374515"/>
+              <a:ext cx="4679376" cy="493692"/>
+            </a:xfrm>
+            <a:prstGeom prst="rect">
+              <a:avLst/>
+            </a:prstGeom>
+            <a:solidFill>
+              <a:srgbClr val="800000">
+                <a:alpha val="29804"/>
+              </a:srgbClr>
+            </a:solidFill>
+            <a:ln>
+              <a:noFill/>
+            </a:ln>
+          </p:spPr>
+          <p:style>
+            <a:lnRef idx="2">
+              <a:schemeClr val="accent1">
+                <a:shade val="50000"/>
+              </a:schemeClr>
+            </a:lnRef>
+            <a:fillRef idx="1">
+              <a:schemeClr val="accent1"/>
+            </a:fillRef>
+            <a:effectRef idx="0">
+              <a:schemeClr val="accent1"/>
+            </a:effectRef>
+            <a:fontRef idx="minor">
+              <a:schemeClr val="lt1"/>
+            </a:fontRef>
+          </p:style>
+          <p:txBody>
+            <a:bodyPr rtlCol="0" anchor="ctr"/>
+            <a:lstStyle/>
+            <a:p>
+              <a:pPr algn="ctr"/>
+              <a:endParaRPr lang="ko-KR" altLang="en-US"/>
+            </a:p>
+          </p:txBody>
+        </p:sp>
+        <p:sp>
+          <p:nvSpPr>
+            <p:cNvPr id="338" name="직사각형 337">
+              <a:extLst>
+                <a:ext uri="{FF2B5EF4-FFF2-40B4-BE49-F238E27FC236}">
+                  <a16:creationId xmlns:a16="http://schemas.microsoft.com/office/drawing/2014/main" id="{FE3A9F57-EAB2-4D37-9573-F36380B8A829}"/>
+                </a:ext>
+              </a:extLst>
+            </p:cNvPr>
+            <p:cNvSpPr/>
+            <p:nvPr/>
+          </p:nvSpPr>
+          <p:spPr>
+            <a:xfrm>
+              <a:off x="633786" y="1893494"/>
+              <a:ext cx="4679376" cy="493692"/>
+            </a:xfrm>
+            <a:prstGeom prst="rect">
+              <a:avLst/>
+            </a:prstGeom>
+            <a:solidFill>
+              <a:srgbClr val="FF0000">
+                <a:alpha val="29804"/>
+              </a:srgbClr>
+            </a:solidFill>
+            <a:ln>
+              <a:noFill/>
+            </a:ln>
+          </p:spPr>
+          <p:style>
+            <a:lnRef idx="2">
+              <a:schemeClr val="accent1">
+                <a:shade val="50000"/>
+              </a:schemeClr>
+            </a:lnRef>
+            <a:fillRef idx="1">
+              <a:schemeClr val="accent1"/>
+            </a:fillRef>
+            <a:effectRef idx="0">
+              <a:schemeClr val="accent1"/>
+            </a:effectRef>
+            <a:fontRef idx="minor">
+              <a:schemeClr val="lt1"/>
+            </a:fontRef>
+          </p:style>
+          <p:txBody>
+            <a:bodyPr rtlCol="0" anchor="ctr"/>
+            <a:lstStyle/>
+            <a:p>
+              <a:pPr algn="ctr"/>
+              <a:endParaRPr lang="ko-KR" altLang="en-US"/>
+            </a:p>
+          </p:txBody>
+        </p:sp>
+        <p:sp>
+          <p:nvSpPr>
+            <p:cNvPr id="339" name="직사각형 338">
+              <a:extLst>
+                <a:ext uri="{FF2B5EF4-FFF2-40B4-BE49-F238E27FC236}">
+                  <a16:creationId xmlns:a16="http://schemas.microsoft.com/office/drawing/2014/main" id="{E14B65D0-5049-4805-8302-042106981836}"/>
+                </a:ext>
+              </a:extLst>
+            </p:cNvPr>
+            <p:cNvSpPr/>
+            <p:nvPr/>
+          </p:nvSpPr>
+          <p:spPr>
+            <a:xfrm>
+              <a:off x="633786" y="2412473"/>
+              <a:ext cx="4679376" cy="493692"/>
+            </a:xfrm>
+            <a:prstGeom prst="rect">
+              <a:avLst/>
+            </a:prstGeom>
+            <a:solidFill>
+              <a:srgbClr val="FF8000">
+                <a:alpha val="29804"/>
+              </a:srgbClr>
+            </a:solidFill>
+            <a:ln>
+              <a:noFill/>
+            </a:ln>
+          </p:spPr>
+          <p:style>
+            <a:lnRef idx="2">
+              <a:schemeClr val="accent1">
+                <a:shade val="50000"/>
+              </a:schemeClr>
+            </a:lnRef>
+            <a:fillRef idx="1">
+              <a:schemeClr val="accent1"/>
+            </a:fillRef>
+            <a:effectRef idx="0">
+              <a:schemeClr val="accent1"/>
+            </a:effectRef>
+            <a:fontRef idx="minor">
+              <a:schemeClr val="lt1"/>
+            </a:fontRef>
+          </p:style>
+          <p:txBody>
+            <a:bodyPr rtlCol="0" anchor="ctr"/>
+            <a:lstStyle/>
+            <a:p>
+              <a:pPr algn="ctr"/>
+              <a:endParaRPr lang="ko-KR" altLang="en-US"/>
+            </a:p>
+          </p:txBody>
+        </p:sp>
+        <p:sp>
+          <p:nvSpPr>
+            <p:cNvPr id="340" name="직사각형 339">
+              <a:extLst>
+                <a:ext uri="{FF2B5EF4-FFF2-40B4-BE49-F238E27FC236}">
+                  <a16:creationId xmlns:a16="http://schemas.microsoft.com/office/drawing/2014/main" id="{97BEDB41-30D6-49D6-9D6E-1D151251114F}"/>
+                </a:ext>
+              </a:extLst>
+            </p:cNvPr>
+            <p:cNvSpPr/>
+            <p:nvPr/>
+          </p:nvSpPr>
+          <p:spPr>
+            <a:xfrm>
+              <a:off x="633786" y="2931452"/>
+              <a:ext cx="4679376" cy="493692"/>
+            </a:xfrm>
+            <a:prstGeom prst="rect">
+              <a:avLst/>
+            </a:prstGeom>
+            <a:solidFill>
+              <a:srgbClr val="FFFF00">
+                <a:alpha val="29804"/>
+              </a:srgbClr>
+            </a:solidFill>
+            <a:ln>
+              <a:noFill/>
+            </a:ln>
+          </p:spPr>
+          <p:style>
+            <a:lnRef idx="2">
+              <a:schemeClr val="accent1">
+                <a:shade val="50000"/>
+              </a:schemeClr>
+            </a:lnRef>
+            <a:fillRef idx="1">
+              <a:schemeClr val="accent1"/>
+            </a:fillRef>
+            <a:effectRef idx="0">
+              <a:schemeClr val="accent1"/>
+            </a:effectRef>
+            <a:fontRef idx="minor">
+              <a:schemeClr val="lt1"/>
+            </a:fontRef>
+          </p:style>
+          <p:txBody>
+            <a:bodyPr rtlCol="0" anchor="ctr"/>
+            <a:lstStyle/>
+            <a:p>
+              <a:pPr algn="ctr"/>
+              <a:endParaRPr lang="ko-KR" altLang="en-US"/>
+            </a:p>
+          </p:txBody>
+        </p:sp>
+        <p:sp>
+          <p:nvSpPr>
+            <p:cNvPr id="341" name="직사각형 340">
+              <a:extLst>
+                <a:ext uri="{FF2B5EF4-FFF2-40B4-BE49-F238E27FC236}">
+                  <a16:creationId xmlns:a16="http://schemas.microsoft.com/office/drawing/2014/main" id="{72C831EB-2777-495C-9547-9B0BED0C5FC9}"/>
+                </a:ext>
+              </a:extLst>
+            </p:cNvPr>
+            <p:cNvSpPr/>
+            <p:nvPr/>
+          </p:nvSpPr>
+          <p:spPr>
+            <a:xfrm>
+              <a:off x="633786" y="3450431"/>
+              <a:ext cx="4679376" cy="493692"/>
+            </a:xfrm>
+            <a:prstGeom prst="rect">
+              <a:avLst/>
+            </a:prstGeom>
+            <a:solidFill>
+              <a:srgbClr val="80FF80">
+                <a:alpha val="29804"/>
+              </a:srgbClr>
+            </a:solidFill>
+            <a:ln>
+              <a:noFill/>
+            </a:ln>
+          </p:spPr>
+          <p:style>
+            <a:lnRef idx="2">
+              <a:schemeClr val="accent1">
+                <a:shade val="50000"/>
+              </a:schemeClr>
+            </a:lnRef>
+            <a:fillRef idx="1">
+              <a:schemeClr val="accent1"/>
+            </a:fillRef>
+            <a:effectRef idx="0">
+              <a:schemeClr val="accent1"/>
+            </a:effectRef>
+            <a:fontRef idx="minor">
+              <a:schemeClr val="lt1"/>
+            </a:fontRef>
+          </p:style>
+          <p:txBody>
+            <a:bodyPr rtlCol="0" anchor="ctr"/>
+            <a:lstStyle/>
+            <a:p>
+              <a:pPr algn="ctr"/>
+              <a:endParaRPr lang="ko-KR" altLang="en-US"/>
+            </a:p>
+          </p:txBody>
+        </p:sp>
+        <p:sp>
+          <p:nvSpPr>
+            <p:cNvPr id="342" name="직사각형 341">
+              <a:extLst>
+                <a:ext uri="{FF2B5EF4-FFF2-40B4-BE49-F238E27FC236}">
+                  <a16:creationId xmlns:a16="http://schemas.microsoft.com/office/drawing/2014/main" id="{9D6F58A7-C138-4989-A1B4-C944D1556806}"/>
+                </a:ext>
+              </a:extLst>
+            </p:cNvPr>
+            <p:cNvSpPr/>
+            <p:nvPr/>
+          </p:nvSpPr>
+          <p:spPr>
+            <a:xfrm>
+              <a:off x="633786" y="3969410"/>
+              <a:ext cx="4679376" cy="493692"/>
+            </a:xfrm>
+            <a:prstGeom prst="rect">
+              <a:avLst/>
+            </a:prstGeom>
+            <a:solidFill>
+              <a:srgbClr val="00FFFF">
+                <a:alpha val="29804"/>
+              </a:srgbClr>
+            </a:solidFill>
+            <a:ln>
+              <a:noFill/>
+            </a:ln>
+          </p:spPr>
+          <p:style>
+            <a:lnRef idx="2">
+              <a:schemeClr val="accent1">
+                <a:shade val="50000"/>
+              </a:schemeClr>
+            </a:lnRef>
+            <a:fillRef idx="1">
+              <a:schemeClr val="accent1"/>
+            </a:fillRef>
+            <a:effectRef idx="0">
+              <a:schemeClr val="accent1"/>
+            </a:effectRef>
+            <a:fontRef idx="minor">
+              <a:schemeClr val="lt1"/>
+            </a:fontRef>
+          </p:style>
+          <p:txBody>
+            <a:bodyPr rtlCol="0" anchor="ctr"/>
+            <a:lstStyle/>
+            <a:p>
+              <a:pPr algn="ctr"/>
+              <a:endParaRPr lang="ko-KR" altLang="en-US"/>
+            </a:p>
+          </p:txBody>
+        </p:sp>
+        <p:sp>
+          <p:nvSpPr>
+            <p:cNvPr id="343" name="직사각형 342">
+              <a:extLst>
+                <a:ext uri="{FF2B5EF4-FFF2-40B4-BE49-F238E27FC236}">
+                  <a16:creationId xmlns:a16="http://schemas.microsoft.com/office/drawing/2014/main" id="{20F145D0-C474-4A1D-918E-8682FFD62607}"/>
+                </a:ext>
+              </a:extLst>
+            </p:cNvPr>
+            <p:cNvSpPr/>
+            <p:nvPr/>
+          </p:nvSpPr>
+          <p:spPr>
+            <a:xfrm>
+              <a:off x="633786" y="4488389"/>
+              <a:ext cx="4679376" cy="493692"/>
+            </a:xfrm>
+            <a:prstGeom prst="rect">
+              <a:avLst/>
+            </a:prstGeom>
+            <a:solidFill>
+              <a:srgbClr val="0080FF">
+                <a:alpha val="29804"/>
+              </a:srgbClr>
+            </a:solidFill>
+            <a:ln>
+              <a:noFill/>
+            </a:ln>
+          </p:spPr>
+          <p:style>
+            <a:lnRef idx="2">
+              <a:schemeClr val="accent1">
+                <a:shade val="50000"/>
+              </a:schemeClr>
+            </a:lnRef>
+            <a:fillRef idx="1">
+              <a:schemeClr val="accent1"/>
+            </a:fillRef>
+            <a:effectRef idx="0">
+              <a:schemeClr val="accent1"/>
+            </a:effectRef>
+            <a:fontRef idx="minor">
+              <a:schemeClr val="lt1"/>
+            </a:fontRef>
+          </p:style>
+          <p:txBody>
+            <a:bodyPr rtlCol="0" anchor="ctr"/>
+            <a:lstStyle/>
+            <a:p>
+              <a:pPr algn="ctr"/>
+              <a:endParaRPr lang="ko-KR" altLang="en-US"/>
+            </a:p>
+          </p:txBody>
+        </p:sp>
+        <p:sp>
+          <p:nvSpPr>
+            <p:cNvPr id="344" name="직사각형 343">
+              <a:extLst>
+                <a:ext uri="{FF2B5EF4-FFF2-40B4-BE49-F238E27FC236}">
+                  <a16:creationId xmlns:a16="http://schemas.microsoft.com/office/drawing/2014/main" id="{500C6BFA-5D89-4A26-BAEC-81730063C4B5}"/>
+                </a:ext>
+              </a:extLst>
+            </p:cNvPr>
+            <p:cNvSpPr/>
+            <p:nvPr/>
+          </p:nvSpPr>
+          <p:spPr>
+            <a:xfrm>
+              <a:off x="633786" y="5007368"/>
+              <a:ext cx="4679376" cy="493692"/>
+            </a:xfrm>
+            <a:prstGeom prst="rect">
+              <a:avLst/>
+            </a:prstGeom>
+            <a:solidFill>
+              <a:srgbClr val="0000FF">
+                <a:alpha val="29804"/>
+              </a:srgbClr>
+            </a:solidFill>
+            <a:ln>
+              <a:noFill/>
+            </a:ln>
+          </p:spPr>
+          <p:style>
+            <a:lnRef idx="2">
+              <a:schemeClr val="accent1">
+                <a:shade val="50000"/>
+              </a:schemeClr>
+            </a:lnRef>
+            <a:fillRef idx="1">
+              <a:schemeClr val="accent1"/>
+            </a:fillRef>
+            <a:effectRef idx="0">
+              <a:schemeClr val="accent1"/>
+            </a:effectRef>
+            <a:fontRef idx="minor">
+              <a:schemeClr val="lt1"/>
+            </a:fontRef>
+          </p:style>
+          <p:txBody>
+            <a:bodyPr rtlCol="0" anchor="ctr"/>
+            <a:lstStyle/>
+            <a:p>
+              <a:pPr algn="ctr"/>
+              <a:endParaRPr lang="ko-KR" altLang="en-US"/>
+            </a:p>
+          </p:txBody>
+        </p:sp>
+      </p:grpSp>
+      <p:sp>
+        <p:nvSpPr>
+          <p:cNvPr id="346" name="같음 기호 345">
+            <a:extLst>
+              <a:ext uri="{FF2B5EF4-FFF2-40B4-BE49-F238E27FC236}">
+                <a16:creationId xmlns:a16="http://schemas.microsoft.com/office/drawing/2014/main" id="{49918342-ED2E-4308-9FBA-9372065E5B2B}"/>
+              </a:ext>
+            </a:extLst>
+          </p:cNvPr>
+          <p:cNvSpPr/>
+          <p:nvPr/>
+        </p:nvSpPr>
+        <p:spPr>
+          <a:xfrm>
+            <a:off x="3441401" y="3020156"/>
+            <a:ext cx="694288" cy="694288"/>
+          </a:xfrm>
+          <a:prstGeom prst="mathEqual">
+            <a:avLst>
+              <a:gd name="adj1" fmla="val 19404"/>
+              <a:gd name="adj2" fmla="val 22735"/>
+            </a:avLst>
+          </a:prstGeom>
+          <a:solidFill>
+            <a:srgbClr val="4F81BD"/>
+          </a:solidFill>
+          <a:ln>
+            <a:noFill/>
+          </a:ln>
+        </p:spPr>
+        <p:style>
+          <a:lnRef idx="2">
+            <a:schemeClr val="accent1">
+              <a:shade val="50000"/>
+            </a:schemeClr>
+          </a:lnRef>
+          <a:fillRef idx="1">
+            <a:schemeClr val="accent1"/>
+          </a:fillRef>
+          <a:effectRef idx="0">
+            <a:schemeClr val="accent1"/>
+          </a:effectRef>
+          <a:fontRef idx="minor">
+            <a:schemeClr val="lt1"/>
+          </a:fontRef>
+        </p:style>
+        <p:txBody>
+          <a:bodyPr rot="0" spcFirstLastPara="0" vertOverflow="overflow" horzOverflow="overflow" vert="horz" wrap="square" lIns="91440" tIns="45720" rIns="91440" bIns="45720" numCol="1" spcCol="0" rtlCol="0" fromWordArt="0" anchor="ctr" anchorCtr="0" forceAA="0" compatLnSpc="1">
+            <a:prstTxWarp prst="textNoShape">
+              <a:avLst/>
+            </a:prstTxWarp>
+            <a:noAutofit/>
+          </a:bodyPr>
+          <a:lstStyle/>
+          <a:p>
+            <a:pPr algn="ctr"/>
+            <a:endParaRPr lang="ko-KR" altLang="en-US">
+              <a:solidFill>
+                <a:schemeClr val="tx1"/>
+              </a:solidFill>
+            </a:endParaRPr>
+          </a:p>
+        </p:txBody>
+      </p:sp>
+    </p:spTree>
+    <p:extLst>
+      <p:ext uri="{BB962C8B-B14F-4D97-AF65-F5344CB8AC3E}">
+        <p14:creationId xmlns:p14="http://schemas.microsoft.com/office/powerpoint/2010/main" val="1917560502"/>
+      </p:ext>
+    </p:extLst>
+  </p:cSld>
+  <p:clrMapOvr>
+    <a:masterClrMapping/>
+  </p:clrMapOvr>
+</p:sld>
+</file>
+
 <file path=ppt/theme/theme1.xml><?xml version="1.0" encoding="utf-8"?>
 <a:theme xmlns:a="http://schemas.openxmlformats.org/drawingml/2006/main" name="Office 테마">
   <a:themeElements>
